--- a/figures.pptx
+++ b/figures.pptx
@@ -14,6 +14,9 @@
     <p:sldId id="258" r:id="rId8"/>
     <p:sldId id="260" r:id="rId9"/>
     <p:sldId id="259" r:id="rId10"/>
+    <p:sldId id="267" r:id="rId11"/>
+    <p:sldId id="265" r:id="rId12"/>
+    <p:sldId id="266" r:id="rId13"/>
   </p:sldIdLst>
   <p:sldSz cx="12192000" cy="6858000"/>
   <p:notesSz cx="6858000" cy="9144000"/>
@@ -113,6 +116,26 @@
     </a:lvl9pPr>
   </p:defaultTextStyle>
   <p:extLst>
+    <p:ext uri="{521415D9-36F7-43E2-AB2F-B90AF26B5E84}">
+      <p14:sectionLst xmlns:p14="http://schemas.microsoft.com/office/powerpoint/2010/main">
+        <p14:section name="Default Section" id="{919ACEC4-B51D-49F9-B8F4-CA89A22DFE6E}">
+          <p14:sldIdLst>
+            <p14:sldId id="256"/>
+            <p14:sldId id="264"/>
+            <p14:sldId id="262"/>
+            <p14:sldId id="263"/>
+            <p14:sldId id="261"/>
+            <p14:sldId id="257"/>
+            <p14:sldId id="258"/>
+            <p14:sldId id="260"/>
+            <p14:sldId id="259"/>
+            <p14:sldId id="267"/>
+            <p14:sldId id="265"/>
+            <p14:sldId id="266"/>
+          </p14:sldIdLst>
+        </p14:section>
+      </p14:sectionLst>
+    </p:ext>
     <p:ext uri="{EFAFB233-063F-42B5-8137-9DF3F51BA10A}">
       <p15:sldGuideLst xmlns:p15="http://schemas.microsoft.com/office/powerpoint/2012/main"/>
     </p:ext>
@@ -203,35 +226,35 @@
               <a:buNone/>
               <a:defRPr sz="2400"/>
             </a:lvl1pPr>
-            <a:lvl2pPr marL="457200" indent="0" algn="ctr">
+            <a:lvl2pPr marL="457171" indent="0" algn="ctr">
               <a:buNone/>
               <a:defRPr sz="2000"/>
             </a:lvl2pPr>
-            <a:lvl3pPr marL="914400" indent="0" algn="ctr">
+            <a:lvl3pPr marL="914343" indent="0" algn="ctr">
               <a:buNone/>
               <a:defRPr sz="1800"/>
             </a:lvl3pPr>
-            <a:lvl4pPr marL="1371600" indent="0" algn="ctr">
+            <a:lvl4pPr marL="1371514" indent="0" algn="ctr">
               <a:buNone/>
               <a:defRPr sz="1600"/>
             </a:lvl4pPr>
-            <a:lvl5pPr marL="1828800" indent="0" algn="ctr">
+            <a:lvl5pPr marL="1828686" indent="0" algn="ctr">
               <a:buNone/>
               <a:defRPr sz="1600"/>
             </a:lvl5pPr>
-            <a:lvl6pPr marL="2286000" indent="0" algn="ctr">
+            <a:lvl6pPr marL="2285857" indent="0" algn="ctr">
               <a:buNone/>
               <a:defRPr sz="1600"/>
             </a:lvl6pPr>
-            <a:lvl7pPr marL="2743200" indent="0" algn="ctr">
+            <a:lvl7pPr marL="2743029" indent="0" algn="ctr">
               <a:buNone/>
               <a:defRPr sz="1600"/>
             </a:lvl7pPr>
-            <a:lvl8pPr marL="3200400" indent="0" algn="ctr">
+            <a:lvl8pPr marL="3200200" indent="0" algn="ctr">
               <a:buNone/>
               <a:defRPr sz="1600"/>
             </a:lvl8pPr>
-            <a:lvl9pPr marL="3657600" indent="0" algn="ctr">
+            <a:lvl9pPr marL="3657371" indent="0" algn="ctr">
               <a:buNone/>
               <a:defRPr sz="1600"/>
             </a:lvl9pPr>
@@ -979,7 +1002,7 @@
         </p:nvSpPr>
         <p:spPr>
           <a:xfrm>
-            <a:off x="831850" y="1709738"/>
+            <a:off x="831850" y="1709740"/>
             <a:ext cx="10515600" cy="2852737"/>
           </a:xfrm>
         </p:spPr>
@@ -1016,7 +1039,7 @@
         </p:nvSpPr>
         <p:spPr>
           <a:xfrm>
-            <a:off x="831850" y="4589463"/>
+            <a:off x="831850" y="4589465"/>
             <a:ext cx="10515600" cy="1500187"/>
           </a:xfrm>
         </p:spPr>
@@ -1033,7 +1056,7 @@
                 </a:solidFill>
               </a:defRPr>
             </a:lvl1pPr>
-            <a:lvl2pPr marL="457200" indent="0">
+            <a:lvl2pPr marL="457171" indent="0">
               <a:buNone/>
               <a:defRPr sz="2000">
                 <a:solidFill>
@@ -1043,7 +1066,7 @@
                 </a:solidFill>
               </a:defRPr>
             </a:lvl2pPr>
-            <a:lvl3pPr marL="914400" indent="0">
+            <a:lvl3pPr marL="914343" indent="0">
               <a:buNone/>
               <a:defRPr sz="1800">
                 <a:solidFill>
@@ -1053,7 +1076,7 @@
                 </a:solidFill>
               </a:defRPr>
             </a:lvl3pPr>
-            <a:lvl4pPr marL="1371600" indent="0">
+            <a:lvl4pPr marL="1371514" indent="0">
               <a:buNone/>
               <a:defRPr sz="1600">
                 <a:solidFill>
@@ -1063,7 +1086,7 @@
                 </a:solidFill>
               </a:defRPr>
             </a:lvl4pPr>
-            <a:lvl5pPr marL="1828800" indent="0">
+            <a:lvl5pPr marL="1828686" indent="0">
               <a:buNone/>
               <a:defRPr sz="1600">
                 <a:solidFill>
@@ -1073,7 +1096,7 @@
                 </a:solidFill>
               </a:defRPr>
             </a:lvl5pPr>
-            <a:lvl6pPr marL="2286000" indent="0">
+            <a:lvl6pPr marL="2285857" indent="0">
               <a:buNone/>
               <a:defRPr sz="1600">
                 <a:solidFill>
@@ -1083,7 +1106,7 @@
                 </a:solidFill>
               </a:defRPr>
             </a:lvl6pPr>
-            <a:lvl7pPr marL="2743200" indent="0">
+            <a:lvl7pPr marL="2743029" indent="0">
               <a:buNone/>
               <a:defRPr sz="1600">
                 <a:solidFill>
@@ -1093,7 +1116,7 @@
                 </a:solidFill>
               </a:defRPr>
             </a:lvl7pPr>
-            <a:lvl8pPr marL="3200400" indent="0">
+            <a:lvl8pPr marL="3200200" indent="0">
               <a:buNone/>
               <a:defRPr sz="1600">
                 <a:solidFill>
@@ -1103,7 +1126,7 @@
                 </a:solidFill>
               </a:defRPr>
             </a:lvl8pPr>
-            <a:lvl9pPr marL="3657600" indent="0">
+            <a:lvl9pPr marL="3657371" indent="0">
               <a:buNone/>
               <a:defRPr sz="1600">
                 <a:solidFill>
@@ -1519,7 +1542,7 @@
         </p:nvSpPr>
         <p:spPr>
           <a:xfrm>
-            <a:off x="839788" y="365125"/>
+            <a:off x="839788" y="365127"/>
             <a:ext cx="10515600" cy="1325563"/>
           </a:xfrm>
         </p:spPr>
@@ -1552,7 +1575,7 @@
         </p:nvSpPr>
         <p:spPr>
           <a:xfrm>
-            <a:off x="839788" y="1681163"/>
+            <a:off x="839789" y="1681163"/>
             <a:ext cx="5157787" cy="823912"/>
           </a:xfrm>
         </p:spPr>
@@ -1563,35 +1586,35 @@
               <a:buNone/>
               <a:defRPr sz="2400" b="1"/>
             </a:lvl1pPr>
-            <a:lvl2pPr marL="457200" indent="0">
+            <a:lvl2pPr marL="457171" indent="0">
               <a:buNone/>
               <a:defRPr sz="2000" b="1"/>
             </a:lvl2pPr>
-            <a:lvl3pPr marL="914400" indent="0">
+            <a:lvl3pPr marL="914343" indent="0">
               <a:buNone/>
               <a:defRPr sz="1800" b="1"/>
             </a:lvl3pPr>
-            <a:lvl4pPr marL="1371600" indent="0">
+            <a:lvl4pPr marL="1371514" indent="0">
               <a:buNone/>
               <a:defRPr sz="1600" b="1"/>
             </a:lvl4pPr>
-            <a:lvl5pPr marL="1828800" indent="0">
+            <a:lvl5pPr marL="1828686" indent="0">
               <a:buNone/>
               <a:defRPr sz="1600" b="1"/>
             </a:lvl5pPr>
-            <a:lvl6pPr marL="2286000" indent="0">
+            <a:lvl6pPr marL="2285857" indent="0">
               <a:buNone/>
               <a:defRPr sz="1600" b="1"/>
             </a:lvl6pPr>
-            <a:lvl7pPr marL="2743200" indent="0">
+            <a:lvl7pPr marL="2743029" indent="0">
               <a:buNone/>
               <a:defRPr sz="1600" b="1"/>
             </a:lvl7pPr>
-            <a:lvl8pPr marL="3200400" indent="0">
+            <a:lvl8pPr marL="3200200" indent="0">
               <a:buNone/>
               <a:defRPr sz="1600" b="1"/>
             </a:lvl8pPr>
-            <a:lvl9pPr marL="3657600" indent="0">
+            <a:lvl9pPr marL="3657371" indent="0">
               <a:buNone/>
               <a:defRPr sz="1600" b="1"/>
             </a:lvl9pPr>
@@ -1623,7 +1646,7 @@
         </p:nvSpPr>
         <p:spPr>
           <a:xfrm>
-            <a:off x="839788" y="2505075"/>
+            <a:off x="839789" y="2505075"/>
             <a:ext cx="5157787" cy="3684588"/>
           </a:xfrm>
         </p:spPr>
@@ -1696,35 +1719,35 @@
               <a:buNone/>
               <a:defRPr sz="2400" b="1"/>
             </a:lvl1pPr>
-            <a:lvl2pPr marL="457200" indent="0">
+            <a:lvl2pPr marL="457171" indent="0">
               <a:buNone/>
               <a:defRPr sz="2000" b="1"/>
             </a:lvl2pPr>
-            <a:lvl3pPr marL="914400" indent="0">
+            <a:lvl3pPr marL="914343" indent="0">
               <a:buNone/>
               <a:defRPr sz="1800" b="1"/>
             </a:lvl3pPr>
-            <a:lvl4pPr marL="1371600" indent="0">
+            <a:lvl4pPr marL="1371514" indent="0">
               <a:buNone/>
               <a:defRPr sz="1600" b="1"/>
             </a:lvl4pPr>
-            <a:lvl5pPr marL="1828800" indent="0">
+            <a:lvl5pPr marL="1828686" indent="0">
               <a:buNone/>
               <a:defRPr sz="1600" b="1"/>
             </a:lvl5pPr>
-            <a:lvl6pPr marL="2286000" indent="0">
+            <a:lvl6pPr marL="2285857" indent="0">
               <a:buNone/>
               <a:defRPr sz="1600" b="1"/>
             </a:lvl6pPr>
-            <a:lvl7pPr marL="2743200" indent="0">
+            <a:lvl7pPr marL="2743029" indent="0">
               <a:buNone/>
               <a:defRPr sz="1600" b="1"/>
             </a:lvl7pPr>
-            <a:lvl8pPr marL="3200400" indent="0">
+            <a:lvl8pPr marL="3200200" indent="0">
               <a:buNone/>
               <a:defRPr sz="1600" b="1"/>
             </a:lvl8pPr>
-            <a:lvl9pPr marL="3657600" indent="0">
+            <a:lvl9pPr marL="3657371" indent="0">
               <a:buNone/>
               <a:defRPr sz="1600" b="1"/>
             </a:lvl9pPr>
@@ -2185,7 +2208,7 @@
         </p:nvSpPr>
         <p:spPr>
           <a:xfrm>
-            <a:off x="839788" y="457200"/>
+            <a:off x="839789" y="457200"/>
             <a:ext cx="3932237" cy="1600200"/>
           </a:xfrm>
         </p:spPr>
@@ -2222,7 +2245,7 @@
         </p:nvSpPr>
         <p:spPr>
           <a:xfrm>
-            <a:off x="5183188" y="987425"/>
+            <a:off x="5183188" y="987427"/>
             <a:ext cx="6172200" cy="4873625"/>
           </a:xfrm>
         </p:spPr>
@@ -2312,7 +2335,7 @@
         </p:nvSpPr>
         <p:spPr>
           <a:xfrm>
-            <a:off x="839788" y="2057400"/>
+            <a:off x="839789" y="2057400"/>
             <a:ext cx="3932237" cy="3811588"/>
           </a:xfrm>
         </p:spPr>
@@ -2323,35 +2346,35 @@
               <a:buNone/>
               <a:defRPr sz="1600"/>
             </a:lvl1pPr>
-            <a:lvl2pPr marL="457200" indent="0">
+            <a:lvl2pPr marL="457171" indent="0">
               <a:buNone/>
               <a:defRPr sz="1400"/>
             </a:lvl2pPr>
-            <a:lvl3pPr marL="914400" indent="0">
+            <a:lvl3pPr marL="914343" indent="0">
               <a:buNone/>
               <a:defRPr sz="1200"/>
             </a:lvl3pPr>
-            <a:lvl4pPr marL="1371600" indent="0">
+            <a:lvl4pPr marL="1371514" indent="0">
               <a:buNone/>
               <a:defRPr sz="1000"/>
             </a:lvl4pPr>
-            <a:lvl5pPr marL="1828800" indent="0">
+            <a:lvl5pPr marL="1828686" indent="0">
               <a:buNone/>
               <a:defRPr sz="1000"/>
             </a:lvl5pPr>
-            <a:lvl6pPr marL="2286000" indent="0">
+            <a:lvl6pPr marL="2285857" indent="0">
               <a:buNone/>
               <a:defRPr sz="1000"/>
             </a:lvl6pPr>
-            <a:lvl7pPr marL="2743200" indent="0">
+            <a:lvl7pPr marL="2743029" indent="0">
               <a:buNone/>
               <a:defRPr sz="1000"/>
             </a:lvl7pPr>
-            <a:lvl8pPr marL="3200400" indent="0">
+            <a:lvl8pPr marL="3200200" indent="0">
               <a:buNone/>
               <a:defRPr sz="1000"/>
             </a:lvl8pPr>
-            <a:lvl9pPr marL="3657600" indent="0">
+            <a:lvl9pPr marL="3657371" indent="0">
               <a:buNone/>
               <a:defRPr sz="1000"/>
             </a:lvl9pPr>
@@ -2496,7 +2519,7 @@
         </p:nvSpPr>
         <p:spPr>
           <a:xfrm>
-            <a:off x="839788" y="457200"/>
+            <a:off x="839789" y="457200"/>
             <a:ext cx="3932237" cy="1600200"/>
           </a:xfrm>
         </p:spPr>
@@ -2533,7 +2556,7 @@
         </p:nvSpPr>
         <p:spPr>
           <a:xfrm>
-            <a:off x="5183188" y="987425"/>
+            <a:off x="5183188" y="987427"/>
             <a:ext cx="6172200" cy="4873625"/>
           </a:xfrm>
         </p:spPr>
@@ -2544,35 +2567,35 @@
               <a:buNone/>
               <a:defRPr sz="3200"/>
             </a:lvl1pPr>
-            <a:lvl2pPr marL="457200" indent="0">
+            <a:lvl2pPr marL="457171" indent="0">
               <a:buNone/>
               <a:defRPr sz="2800"/>
             </a:lvl2pPr>
-            <a:lvl3pPr marL="914400" indent="0">
+            <a:lvl3pPr marL="914343" indent="0">
               <a:buNone/>
               <a:defRPr sz="2400"/>
             </a:lvl3pPr>
-            <a:lvl4pPr marL="1371600" indent="0">
+            <a:lvl4pPr marL="1371514" indent="0">
               <a:buNone/>
               <a:defRPr sz="2000"/>
             </a:lvl4pPr>
-            <a:lvl5pPr marL="1828800" indent="0">
+            <a:lvl5pPr marL="1828686" indent="0">
               <a:buNone/>
               <a:defRPr sz="2000"/>
             </a:lvl5pPr>
-            <a:lvl6pPr marL="2286000" indent="0">
+            <a:lvl6pPr marL="2285857" indent="0">
               <a:buNone/>
               <a:defRPr sz="2000"/>
             </a:lvl6pPr>
-            <a:lvl7pPr marL="2743200" indent="0">
+            <a:lvl7pPr marL="2743029" indent="0">
               <a:buNone/>
               <a:defRPr sz="2000"/>
             </a:lvl7pPr>
-            <a:lvl8pPr marL="3200400" indent="0">
+            <a:lvl8pPr marL="3200200" indent="0">
               <a:buNone/>
               <a:defRPr sz="2000"/>
             </a:lvl8pPr>
-            <a:lvl9pPr marL="3657600" indent="0">
+            <a:lvl9pPr marL="3657371" indent="0">
               <a:buNone/>
               <a:defRPr sz="2000"/>
             </a:lvl9pPr>
@@ -2600,7 +2623,7 @@
         </p:nvSpPr>
         <p:spPr>
           <a:xfrm>
-            <a:off x="839788" y="2057400"/>
+            <a:off x="839789" y="2057400"/>
             <a:ext cx="3932237" cy="3811588"/>
           </a:xfrm>
         </p:spPr>
@@ -2611,35 +2634,35 @@
               <a:buNone/>
               <a:defRPr sz="1600"/>
             </a:lvl1pPr>
-            <a:lvl2pPr marL="457200" indent="0">
+            <a:lvl2pPr marL="457171" indent="0">
               <a:buNone/>
               <a:defRPr sz="1400"/>
             </a:lvl2pPr>
-            <a:lvl3pPr marL="914400" indent="0">
+            <a:lvl3pPr marL="914343" indent="0">
               <a:buNone/>
               <a:defRPr sz="1200"/>
             </a:lvl3pPr>
-            <a:lvl4pPr marL="1371600" indent="0">
+            <a:lvl4pPr marL="1371514" indent="0">
               <a:buNone/>
               <a:defRPr sz="1000"/>
             </a:lvl4pPr>
-            <a:lvl5pPr marL="1828800" indent="0">
+            <a:lvl5pPr marL="1828686" indent="0">
               <a:buNone/>
               <a:defRPr sz="1000"/>
             </a:lvl5pPr>
-            <a:lvl6pPr marL="2286000" indent="0">
+            <a:lvl6pPr marL="2285857" indent="0">
               <a:buNone/>
               <a:defRPr sz="1000"/>
             </a:lvl6pPr>
-            <a:lvl7pPr marL="2743200" indent="0">
+            <a:lvl7pPr marL="2743029" indent="0">
               <a:buNone/>
               <a:defRPr sz="1000"/>
             </a:lvl7pPr>
-            <a:lvl8pPr marL="3200400" indent="0">
+            <a:lvl8pPr marL="3200200" indent="0">
               <a:buNone/>
               <a:defRPr sz="1000"/>
             </a:lvl8pPr>
-            <a:lvl9pPr marL="3657600" indent="0">
+            <a:lvl9pPr marL="3657371" indent="0">
               <a:buNone/>
               <a:defRPr sz="1000"/>
             </a:lvl9pPr>
@@ -2789,7 +2812,7 @@
         </p:nvSpPr>
         <p:spPr>
           <a:xfrm>
-            <a:off x="838200" y="365125"/>
+            <a:off x="838200" y="365127"/>
             <a:ext cx="10515600" cy="1325563"/>
           </a:xfrm>
           <a:prstGeom prst="rect">
@@ -2894,7 +2917,7 @@
         </p:nvSpPr>
         <p:spPr>
           <a:xfrm>
-            <a:off x="838200" y="6356350"/>
+            <a:off x="838200" y="6356352"/>
             <a:ext cx="2743200" cy="365125"/>
           </a:xfrm>
           <a:prstGeom prst="rect">
@@ -2941,7 +2964,7 @@
         </p:nvSpPr>
         <p:spPr>
           <a:xfrm>
-            <a:off x="4038600" y="6356350"/>
+            <a:off x="4038600" y="6356352"/>
             <a:ext cx="4114800" cy="365125"/>
           </a:xfrm>
           <a:prstGeom prst="rect">
@@ -2984,7 +3007,7 @@
         </p:nvSpPr>
         <p:spPr>
           <a:xfrm>
-            <a:off x="8610600" y="6356350"/>
+            <a:off x="8610600" y="6356352"/>
             <a:ext cx="2743200" cy="365125"/>
           </a:xfrm>
           <a:prstGeom prst="rect">
@@ -3036,7 +3059,7 @@
   </p:sldLayoutIdLst>
   <p:txStyles>
     <p:titleStyle>
-      <a:lvl1pPr algn="l" defTabSz="914400" rtl="0" eaLnBrk="1" latinLnBrk="0" hangingPunct="1">
+      <a:lvl1pPr algn="l" defTabSz="914343" rtl="0" eaLnBrk="1" latinLnBrk="0" hangingPunct="1">
         <a:lnSpc>
           <a:spcPct val="90000"/>
         </a:lnSpc>
@@ -3055,7 +3078,7 @@
       </a:lvl1pPr>
     </p:titleStyle>
     <p:bodyStyle>
-      <a:lvl1pPr marL="228600" indent="-228600" algn="l" defTabSz="914400" rtl="0" eaLnBrk="1" latinLnBrk="0" hangingPunct="1">
+      <a:lvl1pPr marL="228586" indent="-228586" algn="l" defTabSz="914343" rtl="0" eaLnBrk="1" latinLnBrk="0" hangingPunct="1">
         <a:lnSpc>
           <a:spcPct val="90000"/>
         </a:lnSpc>
@@ -3073,7 +3096,7 @@
           <a:cs typeface="+mn-cs"/>
         </a:defRPr>
       </a:lvl1pPr>
-      <a:lvl2pPr marL="685800" indent="-228600" algn="l" defTabSz="914400" rtl="0" eaLnBrk="1" latinLnBrk="0" hangingPunct="1">
+      <a:lvl2pPr marL="685757" indent="-228586" algn="l" defTabSz="914343" rtl="0" eaLnBrk="1" latinLnBrk="0" hangingPunct="1">
         <a:lnSpc>
           <a:spcPct val="90000"/>
         </a:lnSpc>
@@ -3091,7 +3114,7 @@
           <a:cs typeface="+mn-cs"/>
         </a:defRPr>
       </a:lvl2pPr>
-      <a:lvl3pPr marL="1143000" indent="-228600" algn="l" defTabSz="914400" rtl="0" eaLnBrk="1" latinLnBrk="0" hangingPunct="1">
+      <a:lvl3pPr marL="1142929" indent="-228586" algn="l" defTabSz="914343" rtl="0" eaLnBrk="1" latinLnBrk="0" hangingPunct="1">
         <a:lnSpc>
           <a:spcPct val="90000"/>
         </a:lnSpc>
@@ -3109,7 +3132,7 @@
           <a:cs typeface="+mn-cs"/>
         </a:defRPr>
       </a:lvl3pPr>
-      <a:lvl4pPr marL="1600200" indent="-228600" algn="l" defTabSz="914400" rtl="0" eaLnBrk="1" latinLnBrk="0" hangingPunct="1">
+      <a:lvl4pPr marL="1600100" indent="-228586" algn="l" defTabSz="914343" rtl="0" eaLnBrk="1" latinLnBrk="0" hangingPunct="1">
         <a:lnSpc>
           <a:spcPct val="90000"/>
         </a:lnSpc>
@@ -3127,7 +3150,7 @@
           <a:cs typeface="+mn-cs"/>
         </a:defRPr>
       </a:lvl4pPr>
-      <a:lvl5pPr marL="2057400" indent="-228600" algn="l" defTabSz="914400" rtl="0" eaLnBrk="1" latinLnBrk="0" hangingPunct="1">
+      <a:lvl5pPr marL="2057271" indent="-228586" algn="l" defTabSz="914343" rtl="0" eaLnBrk="1" latinLnBrk="0" hangingPunct="1">
         <a:lnSpc>
           <a:spcPct val="90000"/>
         </a:lnSpc>
@@ -3145,7 +3168,7 @@
           <a:cs typeface="+mn-cs"/>
         </a:defRPr>
       </a:lvl5pPr>
-      <a:lvl6pPr marL="2514600" indent="-228600" algn="l" defTabSz="914400" rtl="0" eaLnBrk="1" latinLnBrk="0" hangingPunct="1">
+      <a:lvl6pPr marL="2514443" indent="-228586" algn="l" defTabSz="914343" rtl="0" eaLnBrk="1" latinLnBrk="0" hangingPunct="1">
         <a:lnSpc>
           <a:spcPct val="90000"/>
         </a:lnSpc>
@@ -3163,7 +3186,7 @@
           <a:cs typeface="+mn-cs"/>
         </a:defRPr>
       </a:lvl6pPr>
-      <a:lvl7pPr marL="2971800" indent="-228600" algn="l" defTabSz="914400" rtl="0" eaLnBrk="1" latinLnBrk="0" hangingPunct="1">
+      <a:lvl7pPr marL="2971614" indent="-228586" algn="l" defTabSz="914343" rtl="0" eaLnBrk="1" latinLnBrk="0" hangingPunct="1">
         <a:lnSpc>
           <a:spcPct val="90000"/>
         </a:lnSpc>
@@ -3181,7 +3204,7 @@
           <a:cs typeface="+mn-cs"/>
         </a:defRPr>
       </a:lvl7pPr>
-      <a:lvl8pPr marL="3429000" indent="-228600" algn="l" defTabSz="914400" rtl="0" eaLnBrk="1" latinLnBrk="0" hangingPunct="1">
+      <a:lvl8pPr marL="3428786" indent="-228586" algn="l" defTabSz="914343" rtl="0" eaLnBrk="1" latinLnBrk="0" hangingPunct="1">
         <a:lnSpc>
           <a:spcPct val="90000"/>
         </a:lnSpc>
@@ -3199,7 +3222,7 @@
           <a:cs typeface="+mn-cs"/>
         </a:defRPr>
       </a:lvl8pPr>
-      <a:lvl9pPr marL="3886200" indent="-228600" algn="l" defTabSz="914400" rtl="0" eaLnBrk="1" latinLnBrk="0" hangingPunct="1">
+      <a:lvl9pPr marL="3885957" indent="-228586" algn="l" defTabSz="914343" rtl="0" eaLnBrk="1" latinLnBrk="0" hangingPunct="1">
         <a:lnSpc>
           <a:spcPct val="90000"/>
         </a:lnSpc>
@@ -3222,7 +3245,7 @@
       <a:defPPr>
         <a:defRPr lang="en-US"/>
       </a:defPPr>
-      <a:lvl1pPr marL="0" algn="l" defTabSz="914400" rtl="0" eaLnBrk="1" latinLnBrk="0" hangingPunct="1">
+      <a:lvl1pPr marL="0" algn="l" defTabSz="914343" rtl="0" eaLnBrk="1" latinLnBrk="0" hangingPunct="1">
         <a:defRPr sz="1800" kern="1200">
           <a:solidFill>
             <a:schemeClr val="tx1"/>
@@ -3232,7 +3255,7 @@
           <a:cs typeface="+mn-cs"/>
         </a:defRPr>
       </a:lvl1pPr>
-      <a:lvl2pPr marL="457200" algn="l" defTabSz="914400" rtl="0" eaLnBrk="1" latinLnBrk="0" hangingPunct="1">
+      <a:lvl2pPr marL="457171" algn="l" defTabSz="914343" rtl="0" eaLnBrk="1" latinLnBrk="0" hangingPunct="1">
         <a:defRPr sz="1800" kern="1200">
           <a:solidFill>
             <a:schemeClr val="tx1"/>
@@ -3242,7 +3265,7 @@
           <a:cs typeface="+mn-cs"/>
         </a:defRPr>
       </a:lvl2pPr>
-      <a:lvl3pPr marL="914400" algn="l" defTabSz="914400" rtl="0" eaLnBrk="1" latinLnBrk="0" hangingPunct="1">
+      <a:lvl3pPr marL="914343" algn="l" defTabSz="914343" rtl="0" eaLnBrk="1" latinLnBrk="0" hangingPunct="1">
         <a:defRPr sz="1800" kern="1200">
           <a:solidFill>
             <a:schemeClr val="tx1"/>
@@ -3252,7 +3275,7 @@
           <a:cs typeface="+mn-cs"/>
         </a:defRPr>
       </a:lvl3pPr>
-      <a:lvl4pPr marL="1371600" algn="l" defTabSz="914400" rtl="0" eaLnBrk="1" latinLnBrk="0" hangingPunct="1">
+      <a:lvl4pPr marL="1371514" algn="l" defTabSz="914343" rtl="0" eaLnBrk="1" latinLnBrk="0" hangingPunct="1">
         <a:defRPr sz="1800" kern="1200">
           <a:solidFill>
             <a:schemeClr val="tx1"/>
@@ -3262,7 +3285,7 @@
           <a:cs typeface="+mn-cs"/>
         </a:defRPr>
       </a:lvl4pPr>
-      <a:lvl5pPr marL="1828800" algn="l" defTabSz="914400" rtl="0" eaLnBrk="1" latinLnBrk="0" hangingPunct="1">
+      <a:lvl5pPr marL="1828686" algn="l" defTabSz="914343" rtl="0" eaLnBrk="1" latinLnBrk="0" hangingPunct="1">
         <a:defRPr sz="1800" kern="1200">
           <a:solidFill>
             <a:schemeClr val="tx1"/>
@@ -3272,7 +3295,7 @@
           <a:cs typeface="+mn-cs"/>
         </a:defRPr>
       </a:lvl5pPr>
-      <a:lvl6pPr marL="2286000" algn="l" defTabSz="914400" rtl="0" eaLnBrk="1" latinLnBrk="0" hangingPunct="1">
+      <a:lvl6pPr marL="2285857" algn="l" defTabSz="914343" rtl="0" eaLnBrk="1" latinLnBrk="0" hangingPunct="1">
         <a:defRPr sz="1800" kern="1200">
           <a:solidFill>
             <a:schemeClr val="tx1"/>
@@ -3282,7 +3305,7 @@
           <a:cs typeface="+mn-cs"/>
         </a:defRPr>
       </a:lvl6pPr>
-      <a:lvl7pPr marL="2743200" algn="l" defTabSz="914400" rtl="0" eaLnBrk="1" latinLnBrk="0" hangingPunct="1">
+      <a:lvl7pPr marL="2743029" algn="l" defTabSz="914343" rtl="0" eaLnBrk="1" latinLnBrk="0" hangingPunct="1">
         <a:defRPr sz="1800" kern="1200">
           <a:solidFill>
             <a:schemeClr val="tx1"/>
@@ -3292,7 +3315,7 @@
           <a:cs typeface="+mn-cs"/>
         </a:defRPr>
       </a:lvl7pPr>
-      <a:lvl8pPr marL="3200400" algn="l" defTabSz="914400" rtl="0" eaLnBrk="1" latinLnBrk="0" hangingPunct="1">
+      <a:lvl8pPr marL="3200200" algn="l" defTabSz="914343" rtl="0" eaLnBrk="1" latinLnBrk="0" hangingPunct="1">
         <a:defRPr sz="1800" kern="1200">
           <a:solidFill>
             <a:schemeClr val="tx1"/>
@@ -3302,7 +3325,7 @@
           <a:cs typeface="+mn-cs"/>
         </a:defRPr>
       </a:lvl8pPr>
-      <a:lvl9pPr marL="3657600" algn="l" defTabSz="914400" rtl="0" eaLnBrk="1" latinLnBrk="0" hangingPunct="1">
+      <a:lvl9pPr marL="3657371" algn="l" defTabSz="914343" rtl="0" eaLnBrk="1" latinLnBrk="0" hangingPunct="1">
         <a:defRPr sz="1800" kern="1200">
           <a:solidFill>
             <a:schemeClr val="tx1"/>
@@ -3416,7 +3439,7 @@
         </p:blipFill>
         <p:spPr>
           <a:xfrm>
-            <a:off x="1459478" y="1781845"/>
+            <a:off x="1459478" y="1781846"/>
             <a:ext cx="657092" cy="607445"/>
           </a:xfrm>
           <a:prstGeom prst="rect">
@@ -3446,7 +3469,7 @@
         </p:blipFill>
         <p:spPr>
           <a:xfrm>
-            <a:off x="1408538" y="4157582"/>
+            <a:off x="1408538" y="4157583"/>
             <a:ext cx="700898" cy="607445"/>
           </a:xfrm>
           <a:prstGeom prst="rect">
@@ -3566,7 +3589,7 @@
         </p:blipFill>
         <p:spPr>
           <a:xfrm>
-            <a:off x="8165416" y="3063021"/>
+            <a:off x="8165417" y="3063021"/>
             <a:ext cx="699141" cy="395232"/>
           </a:xfrm>
           <a:prstGeom prst="rect">
@@ -3596,7 +3619,7 @@
         </p:blipFill>
         <p:spPr>
           <a:xfrm>
-            <a:off x="8157858" y="4126192"/>
+            <a:off x="8157859" y="4126193"/>
             <a:ext cx="697644" cy="393735"/>
           </a:xfrm>
           <a:prstGeom prst="rect">
@@ -3626,7 +3649,7 @@
         </p:blipFill>
         <p:spPr>
           <a:xfrm>
-            <a:off x="8173168" y="2033623"/>
+            <a:off x="8173169" y="2033623"/>
             <a:ext cx="333851" cy="360799"/>
           </a:xfrm>
           <a:prstGeom prst="rect">
@@ -3656,7 +3679,7 @@
         </p:blipFill>
         <p:spPr>
           <a:xfrm>
-            <a:off x="8207850" y="5157721"/>
+            <a:off x="8207851" y="5157721"/>
             <a:ext cx="347325" cy="354810"/>
           </a:xfrm>
           <a:prstGeom prst="rect">
@@ -3686,7 +3709,7 @@
         </p:blipFill>
         <p:spPr>
           <a:xfrm>
-            <a:off x="4327095" y="1750167"/>
+            <a:off x="4327095" y="1750168"/>
             <a:ext cx="263488" cy="238037"/>
           </a:xfrm>
           <a:prstGeom prst="rect">
@@ -3746,7 +3769,7 @@
         </p:blipFill>
         <p:spPr>
           <a:xfrm>
-            <a:off x="1706868" y="2505044"/>
+            <a:off x="1706868" y="2505045"/>
             <a:ext cx="305406" cy="227557"/>
           </a:xfrm>
           <a:prstGeom prst="rect">
@@ -3776,7 +3799,7 @@
         </p:blipFill>
         <p:spPr>
           <a:xfrm>
-            <a:off x="1705371" y="4865979"/>
+            <a:off x="1705372" y="4865979"/>
             <a:ext cx="306903" cy="226060"/>
           </a:xfrm>
           <a:prstGeom prst="rect">
@@ -3798,7 +3821,7 @@
         </p:nvSpPr>
         <p:spPr>
           <a:xfrm>
-            <a:off x="2145452" y="4944414"/>
+            <a:off x="2145453" y="4944415"/>
             <a:ext cx="45719" cy="45719"/>
           </a:xfrm>
           <a:prstGeom prst="ellipse">
@@ -3849,7 +3872,7 @@
         </p:nvSpPr>
         <p:spPr>
           <a:xfrm>
-            <a:off x="2116570" y="2606929"/>
+            <a:off x="2116571" y="2606930"/>
             <a:ext cx="45719" cy="45719"/>
           </a:xfrm>
           <a:prstGeom prst="ellipse">
@@ -3900,7 +3923,7 @@
         </p:nvSpPr>
         <p:spPr>
           <a:xfrm>
-            <a:off x="4554397" y="2065576"/>
+            <a:off x="4554398" y="2065577"/>
             <a:ext cx="45719" cy="45719"/>
           </a:xfrm>
           <a:prstGeom prst="ellipse">
@@ -3951,7 +3974,7 @@
         </p:nvSpPr>
         <p:spPr>
           <a:xfrm>
-            <a:off x="4632880" y="4157941"/>
+            <a:off x="4632881" y="4157942"/>
             <a:ext cx="45719" cy="45719"/>
           </a:xfrm>
           <a:prstGeom prst="ellipse">
@@ -4065,7 +4088,7 @@
         </p:blipFill>
         <p:spPr>
           <a:xfrm>
-            <a:off x="4600116" y="4255137"/>
+            <a:off x="4600116" y="4255138"/>
             <a:ext cx="257148" cy="242369"/>
           </a:xfrm>
           <a:prstGeom prst="rect">
@@ -4117,7 +4140,7 @@
         </p:nvSpPr>
         <p:spPr>
           <a:xfrm>
-            <a:off x="4647974" y="3356225"/>
+            <a:off x="4647975" y="3356226"/>
             <a:ext cx="45719" cy="45719"/>
           </a:xfrm>
           <a:prstGeom prst="ellipse">
@@ -4175,7 +4198,7 @@
         </p:nvCxnSpPr>
         <p:spPr>
           <a:xfrm flipV="1">
-            <a:off x="2162289" y="2088436"/>
+            <a:off x="2162289" y="2088437"/>
             <a:ext cx="2392108" cy="541353"/>
           </a:xfrm>
           <a:prstGeom prst="straightConnector1">
@@ -4221,7 +4244,7 @@
         </p:nvCxnSpPr>
         <p:spPr>
           <a:xfrm>
-            <a:off x="2155594" y="2645953"/>
+            <a:off x="2155595" y="2645953"/>
             <a:ext cx="2538099" cy="733132"/>
           </a:xfrm>
           <a:prstGeom prst="straightConnector1">
@@ -4355,7 +4378,7 @@
         </p:nvSpPr>
         <p:spPr>
           <a:xfrm>
-            <a:off x="8058654" y="2207328"/>
+            <a:off x="8058655" y="2207329"/>
             <a:ext cx="45719" cy="45719"/>
           </a:xfrm>
           <a:prstGeom prst="ellipse">
@@ -4457,7 +4480,7 @@
         </p:nvSpPr>
         <p:spPr>
           <a:xfrm>
-            <a:off x="8036866" y="3237778"/>
+            <a:off x="8036867" y="3237779"/>
             <a:ext cx="45719" cy="45719"/>
           </a:xfrm>
           <a:prstGeom prst="ellipse">
@@ -4508,7 +4531,7 @@
         </p:nvSpPr>
         <p:spPr>
           <a:xfrm>
-            <a:off x="8050255" y="4354570"/>
+            <a:off x="8050256" y="4354571"/>
             <a:ext cx="45719" cy="45719"/>
           </a:xfrm>
           <a:prstGeom prst="ellipse">
@@ -4736,7 +4759,7 @@
         </p:nvCxnSpPr>
         <p:spPr>
           <a:xfrm>
-            <a:off x="6175692" y="2354447"/>
+            <a:off x="6175693" y="2354447"/>
             <a:ext cx="1867869" cy="890026"/>
           </a:xfrm>
           <a:prstGeom prst="straightConnector1">
@@ -4783,7 +4806,7 @@
         </p:nvCxnSpPr>
         <p:spPr>
           <a:xfrm flipV="1">
-            <a:off x="4671904" y="3276802"/>
+            <a:off x="4671904" y="3276803"/>
             <a:ext cx="3403986" cy="920163"/>
           </a:xfrm>
           <a:prstGeom prst="straightConnector1">
@@ -4830,7 +4853,7 @@
         </p:nvCxnSpPr>
         <p:spPr>
           <a:xfrm flipV="1">
-            <a:off x="6184124" y="4400289"/>
+            <a:off x="6184125" y="4400290"/>
             <a:ext cx="1888991" cy="883877"/>
           </a:xfrm>
           <a:prstGeom prst="straightConnector1">
@@ -4877,7 +4900,7 @@
         </p:nvCxnSpPr>
         <p:spPr>
           <a:xfrm>
-            <a:off x="4686998" y="3362920"/>
+            <a:off x="4686999" y="3362920"/>
             <a:ext cx="3386117" cy="991650"/>
           </a:xfrm>
           <a:prstGeom prst="straightConnector1">
@@ -5004,7 +5027,7 @@
         </p:nvSpPr>
         <p:spPr>
           <a:xfrm>
-            <a:off x="9109531" y="4389059"/>
+            <a:off x="9109531" y="4389060"/>
             <a:ext cx="1596912" cy="492443"/>
           </a:xfrm>
           <a:prstGeom prst="rect">
@@ -5227,7 +5250,7 @@
         </p:blipFill>
         <p:spPr>
           <a:xfrm>
-            <a:off x="2893367" y="4192400"/>
+            <a:off x="2893367" y="4192401"/>
             <a:ext cx="417052" cy="393317"/>
           </a:xfrm>
           <a:prstGeom prst="rect">
@@ -5287,7 +5310,7 @@
         </p:blipFill>
         <p:spPr>
           <a:xfrm>
-            <a:off x="2887900" y="3067247"/>
+            <a:off x="2887900" y="3067248"/>
             <a:ext cx="432310" cy="398403"/>
           </a:xfrm>
           <a:prstGeom prst="rect">
@@ -5396,7 +5419,7 @@
         </p:nvSpPr>
         <p:spPr>
           <a:xfrm>
-            <a:off x="3739122" y="5088204"/>
+            <a:off x="3739122" y="5088205"/>
             <a:ext cx="2864498" cy="1338109"/>
           </a:xfrm>
           <a:prstGeom prst="ellipse">
@@ -5501,7 +5524,7 @@
         </p:nvSpPr>
         <p:spPr>
           <a:xfrm>
-            <a:off x="1311848" y="3762044"/>
+            <a:off x="1311849" y="3762044"/>
             <a:ext cx="1095449" cy="2188570"/>
           </a:xfrm>
           <a:prstGeom prst="rect">
@@ -5552,6 +5575,5948 @@
 </p:sld>
 </file>
 
+<file path=ppt/slides/slide10.xml><?xml version="1.0" encoding="utf-8"?>
+<p:sld xmlns:a="http://schemas.openxmlformats.org/drawingml/2006/main" xmlns:r="http://schemas.openxmlformats.org/officeDocument/2006/relationships" xmlns:p="http://schemas.openxmlformats.org/presentationml/2006/main">
+  <p:cSld>
+    <p:spTree>
+      <p:nvGrpSpPr>
+        <p:cNvPr id="1" name=""/>
+        <p:cNvGrpSpPr/>
+        <p:nvPr/>
+      </p:nvGrpSpPr>
+      <p:grpSpPr>
+        <a:xfrm>
+          <a:off x="0" y="0"/>
+          <a:ext cx="0" cy="0"/>
+          <a:chOff x="0" y="0"/>
+          <a:chExt cx="0" cy="0"/>
+        </a:xfrm>
+      </p:grpSpPr>
+      <p:cxnSp>
+        <p:nvCxnSpPr>
+          <p:cNvPr id="7" name="Connector: Elbow 6">
+            <a:extLst>
+              <a:ext uri="{FF2B5EF4-FFF2-40B4-BE49-F238E27FC236}">
+                <a16:creationId xmlns:a16="http://schemas.microsoft.com/office/drawing/2014/main" id="{FB31F978-1F3A-486E-A490-489BF9D1D574}"/>
+              </a:ext>
+            </a:extLst>
+          </p:cNvPr>
+          <p:cNvCxnSpPr>
+            <a:cxnSpLocks/>
+            <a:stCxn id="56" idx="2"/>
+            <a:endCxn id="5" idx="0"/>
+          </p:cNvCxnSpPr>
+          <p:nvPr/>
+        </p:nvCxnSpPr>
+        <p:spPr>
+          <a:xfrm rot="5400000">
+            <a:off x="3958619" y="-96068"/>
+            <a:ext cx="695964" cy="3288161"/>
+          </a:xfrm>
+          <a:prstGeom prst="bentConnector3">
+            <a:avLst/>
+          </a:prstGeom>
+          <a:ln>
+            <a:tailEnd type="triangle"/>
+          </a:ln>
+        </p:spPr>
+        <p:style>
+          <a:lnRef idx="1">
+            <a:schemeClr val="accent1"/>
+          </a:lnRef>
+          <a:fillRef idx="0">
+            <a:schemeClr val="accent1"/>
+          </a:fillRef>
+          <a:effectRef idx="0">
+            <a:schemeClr val="accent1"/>
+          </a:effectRef>
+          <a:fontRef idx="minor">
+            <a:schemeClr val="tx1"/>
+          </a:fontRef>
+        </p:style>
+      </p:cxnSp>
+      <p:grpSp>
+        <p:nvGrpSpPr>
+          <p:cNvPr id="75" name="Group 74">
+            <a:extLst>
+              <a:ext uri="{FF2B5EF4-FFF2-40B4-BE49-F238E27FC236}">
+                <a16:creationId xmlns:a16="http://schemas.microsoft.com/office/drawing/2014/main" id="{46BC5D05-A71F-4C3B-9FB3-1007C17460A5}"/>
+              </a:ext>
+            </a:extLst>
+          </p:cNvPr>
+          <p:cNvGrpSpPr/>
+          <p:nvPr/>
+        </p:nvGrpSpPr>
+        <p:grpSpPr>
+          <a:xfrm>
+            <a:off x="1669957" y="1895994"/>
+            <a:ext cx="1985125" cy="688622"/>
+            <a:chOff x="1276109" y="2122971"/>
+            <a:chExt cx="1985125" cy="688622"/>
+          </a:xfrm>
+        </p:grpSpPr>
+        <p:sp>
+          <p:nvSpPr>
+            <p:cNvPr id="5" name="Rectangle 4">
+              <a:extLst>
+                <a:ext uri="{FF2B5EF4-FFF2-40B4-BE49-F238E27FC236}">
+                  <a16:creationId xmlns:a16="http://schemas.microsoft.com/office/drawing/2014/main" id="{8478F692-6C7F-412B-AE50-19A8B0AC7B38}"/>
+                </a:ext>
+              </a:extLst>
+            </p:cNvPr>
+            <p:cNvSpPr/>
+            <p:nvPr/>
+          </p:nvSpPr>
+          <p:spPr>
+            <a:xfrm>
+              <a:off x="1276109" y="2122971"/>
+              <a:ext cx="1985125" cy="688622"/>
+            </a:xfrm>
+            <a:prstGeom prst="rect">
+              <a:avLst/>
+            </a:prstGeom>
+            <a:noFill/>
+            <a:ln w="38100"/>
+          </p:spPr>
+          <p:style>
+            <a:lnRef idx="2">
+              <a:schemeClr val="accent1">
+                <a:shade val="50000"/>
+              </a:schemeClr>
+            </a:lnRef>
+            <a:fillRef idx="1">
+              <a:schemeClr val="accent1"/>
+            </a:fillRef>
+            <a:effectRef idx="0">
+              <a:schemeClr val="accent1"/>
+            </a:effectRef>
+            <a:fontRef idx="minor">
+              <a:schemeClr val="lt1"/>
+            </a:fontRef>
+          </p:style>
+          <p:txBody>
+            <a:bodyPr rtlCol="0" anchor="ctr"/>
+            <a:lstStyle/>
+            <a:p>
+              <a:pPr algn="ctr"/>
+              <a:endParaRPr lang="en-US" dirty="0">
+                <a:solidFill>
+                  <a:schemeClr val="tx1"/>
+                </a:solidFill>
+              </a:endParaRPr>
+            </a:p>
+          </p:txBody>
+        </p:sp>
+        <p:pic>
+          <p:nvPicPr>
+            <p:cNvPr id="12" name="Picture 11">
+              <a:extLst>
+                <a:ext uri="{FF2B5EF4-FFF2-40B4-BE49-F238E27FC236}">
+                  <a16:creationId xmlns:a16="http://schemas.microsoft.com/office/drawing/2014/main" id="{C3C60DC2-A6B5-4CA0-99B6-7139145E23BC}"/>
+                </a:ext>
+              </a:extLst>
+            </p:cNvPr>
+            <p:cNvPicPr>
+              <a:picLocks noChangeAspect="1"/>
+            </p:cNvPicPr>
+            <p:nvPr/>
+          </p:nvPicPr>
+          <p:blipFill>
+            <a:blip r:embed="rId2"/>
+            <a:stretch>
+              <a:fillRect/>
+            </a:stretch>
+          </p:blipFill>
+          <p:spPr>
+            <a:xfrm>
+              <a:off x="2038771" y="2285339"/>
+              <a:ext cx="459799" cy="429146"/>
+            </a:xfrm>
+            <a:prstGeom prst="rect">
+              <a:avLst/>
+            </a:prstGeom>
+          </p:spPr>
+        </p:pic>
+      </p:grpSp>
+      <p:grpSp>
+        <p:nvGrpSpPr>
+          <p:cNvPr id="16" name="Group 15">
+            <a:extLst>
+              <a:ext uri="{FF2B5EF4-FFF2-40B4-BE49-F238E27FC236}">
+                <a16:creationId xmlns:a16="http://schemas.microsoft.com/office/drawing/2014/main" id="{7B1F3F7F-8618-4CBF-A0FF-7EBC15686C21}"/>
+              </a:ext>
+            </a:extLst>
+          </p:cNvPr>
+          <p:cNvGrpSpPr/>
+          <p:nvPr/>
+        </p:nvGrpSpPr>
+        <p:grpSpPr>
+          <a:xfrm>
+            <a:off x="8190296" y="1888653"/>
+            <a:ext cx="2275764" cy="688622"/>
+            <a:chOff x="4887557" y="2013914"/>
+            <a:chExt cx="2275764" cy="688622"/>
+          </a:xfrm>
+        </p:grpSpPr>
+        <p:sp>
+          <p:nvSpPr>
+            <p:cNvPr id="8" name="Rectangle 7">
+              <a:extLst>
+                <a:ext uri="{FF2B5EF4-FFF2-40B4-BE49-F238E27FC236}">
+                  <a16:creationId xmlns:a16="http://schemas.microsoft.com/office/drawing/2014/main" id="{79F032CB-7AE1-451E-9BA8-B0BF56462003}"/>
+                </a:ext>
+              </a:extLst>
+            </p:cNvPr>
+            <p:cNvSpPr/>
+            <p:nvPr/>
+          </p:nvSpPr>
+          <p:spPr>
+            <a:xfrm>
+              <a:off x="4887557" y="2013914"/>
+              <a:ext cx="2275764" cy="688622"/>
+            </a:xfrm>
+            <a:prstGeom prst="rect">
+              <a:avLst/>
+            </a:prstGeom>
+            <a:noFill/>
+            <a:ln w="38100"/>
+          </p:spPr>
+          <p:style>
+            <a:lnRef idx="2">
+              <a:schemeClr val="accent1">
+                <a:shade val="50000"/>
+              </a:schemeClr>
+            </a:lnRef>
+            <a:fillRef idx="1">
+              <a:schemeClr val="accent1"/>
+            </a:fillRef>
+            <a:effectRef idx="0">
+              <a:schemeClr val="accent1"/>
+            </a:effectRef>
+            <a:fontRef idx="minor">
+              <a:schemeClr val="lt1"/>
+            </a:fontRef>
+          </p:style>
+          <p:txBody>
+            <a:bodyPr rtlCol="0" anchor="ctr"/>
+            <a:lstStyle/>
+            <a:p>
+              <a:pPr algn="ctr"/>
+              <a:endParaRPr lang="en-US"/>
+            </a:p>
+          </p:txBody>
+        </p:sp>
+        <p:pic>
+          <p:nvPicPr>
+            <p:cNvPr id="13" name="Picture 12">
+              <a:extLst>
+                <a:ext uri="{FF2B5EF4-FFF2-40B4-BE49-F238E27FC236}">
+                  <a16:creationId xmlns:a16="http://schemas.microsoft.com/office/drawing/2014/main" id="{8DEB52FA-D5C8-439C-A7E0-26570092A0F1}"/>
+                </a:ext>
+              </a:extLst>
+            </p:cNvPr>
+            <p:cNvPicPr>
+              <a:picLocks noChangeAspect="1"/>
+            </p:cNvPicPr>
+            <p:nvPr/>
+          </p:nvPicPr>
+          <p:blipFill>
+            <a:blip r:embed="rId3"/>
+            <a:stretch>
+              <a:fillRect/>
+            </a:stretch>
+          </p:blipFill>
+          <p:spPr>
+            <a:xfrm>
+              <a:off x="5061767" y="2152679"/>
+              <a:ext cx="1953387" cy="466533"/>
+            </a:xfrm>
+            <a:prstGeom prst="rect">
+              <a:avLst/>
+            </a:prstGeom>
+          </p:spPr>
+        </p:pic>
+      </p:grpSp>
+      <p:grpSp>
+        <p:nvGrpSpPr>
+          <p:cNvPr id="17" name="Group 16">
+            <a:extLst>
+              <a:ext uri="{FF2B5EF4-FFF2-40B4-BE49-F238E27FC236}">
+                <a16:creationId xmlns:a16="http://schemas.microsoft.com/office/drawing/2014/main" id="{6E89DE78-FDDD-43A2-A46D-DB3513CF0584}"/>
+              </a:ext>
+            </a:extLst>
+          </p:cNvPr>
+          <p:cNvGrpSpPr/>
+          <p:nvPr/>
+        </p:nvGrpSpPr>
+        <p:grpSpPr>
+          <a:xfrm>
+            <a:off x="4426157" y="1888653"/>
+            <a:ext cx="3049048" cy="688622"/>
+            <a:chOff x="3888647" y="4117112"/>
+            <a:chExt cx="3049048" cy="688622"/>
+          </a:xfrm>
+        </p:grpSpPr>
+        <p:sp>
+          <p:nvSpPr>
+            <p:cNvPr id="9" name="Rectangle 8">
+              <a:extLst>
+                <a:ext uri="{FF2B5EF4-FFF2-40B4-BE49-F238E27FC236}">
+                  <a16:creationId xmlns:a16="http://schemas.microsoft.com/office/drawing/2014/main" id="{4D60BF7D-3E74-47BA-B0EA-1E854AB56A06}"/>
+                </a:ext>
+              </a:extLst>
+            </p:cNvPr>
+            <p:cNvSpPr/>
+            <p:nvPr/>
+          </p:nvSpPr>
+          <p:spPr>
+            <a:xfrm>
+              <a:off x="3888647" y="4117112"/>
+              <a:ext cx="3049048" cy="688622"/>
+            </a:xfrm>
+            <a:prstGeom prst="rect">
+              <a:avLst/>
+            </a:prstGeom>
+            <a:noFill/>
+            <a:ln w="38100"/>
+          </p:spPr>
+          <p:style>
+            <a:lnRef idx="2">
+              <a:schemeClr val="accent1">
+                <a:shade val="50000"/>
+              </a:schemeClr>
+            </a:lnRef>
+            <a:fillRef idx="1">
+              <a:schemeClr val="accent1"/>
+            </a:fillRef>
+            <a:effectRef idx="0">
+              <a:schemeClr val="accent1"/>
+            </a:effectRef>
+            <a:fontRef idx="minor">
+              <a:schemeClr val="lt1"/>
+            </a:fontRef>
+          </p:style>
+          <p:txBody>
+            <a:bodyPr rtlCol="0" anchor="ctr"/>
+            <a:lstStyle/>
+            <a:p>
+              <a:pPr algn="ctr"/>
+              <a:endParaRPr lang="en-US"/>
+            </a:p>
+          </p:txBody>
+        </p:sp>
+        <p:pic>
+          <p:nvPicPr>
+            <p:cNvPr id="15" name="Picture 14">
+              <a:extLst>
+                <a:ext uri="{FF2B5EF4-FFF2-40B4-BE49-F238E27FC236}">
+                  <a16:creationId xmlns:a16="http://schemas.microsoft.com/office/drawing/2014/main" id="{C441AD0A-FD66-4C71-8975-1BD82A818A76}"/>
+                </a:ext>
+              </a:extLst>
+            </p:cNvPr>
+            <p:cNvPicPr>
+              <a:picLocks noChangeAspect="1"/>
+            </p:cNvPicPr>
+            <p:nvPr/>
+          </p:nvPicPr>
+          <p:blipFill>
+            <a:blip r:embed="rId4"/>
+            <a:stretch>
+              <a:fillRect/>
+            </a:stretch>
+          </p:blipFill>
+          <p:spPr>
+            <a:xfrm>
+              <a:off x="4151750" y="4264266"/>
+              <a:ext cx="2615745" cy="411093"/>
+            </a:xfrm>
+            <a:prstGeom prst="rect">
+              <a:avLst/>
+            </a:prstGeom>
+          </p:spPr>
+        </p:pic>
+      </p:grpSp>
+      <p:cxnSp>
+        <p:nvCxnSpPr>
+          <p:cNvPr id="19" name="Straight Arrow Connector 18">
+            <a:extLst>
+              <a:ext uri="{FF2B5EF4-FFF2-40B4-BE49-F238E27FC236}">
+                <a16:creationId xmlns:a16="http://schemas.microsoft.com/office/drawing/2014/main" id="{359BA621-4C8A-420E-BCF4-4EDA440817FE}"/>
+              </a:ext>
+            </a:extLst>
+          </p:cNvPr>
+          <p:cNvCxnSpPr>
+            <a:cxnSpLocks/>
+            <a:stCxn id="56" idx="2"/>
+            <a:endCxn id="9" idx="0"/>
+          </p:cNvCxnSpPr>
+          <p:nvPr/>
+        </p:nvCxnSpPr>
+        <p:spPr>
+          <a:xfrm>
+            <a:off x="5950681" y="1200030"/>
+            <a:ext cx="0" cy="688623"/>
+          </a:xfrm>
+          <a:prstGeom prst="straightConnector1">
+            <a:avLst/>
+          </a:prstGeom>
+          <a:ln>
+            <a:tailEnd type="triangle"/>
+          </a:ln>
+        </p:spPr>
+        <p:style>
+          <a:lnRef idx="1">
+            <a:schemeClr val="accent1"/>
+          </a:lnRef>
+          <a:fillRef idx="0">
+            <a:schemeClr val="accent1"/>
+          </a:fillRef>
+          <a:effectRef idx="0">
+            <a:schemeClr val="accent1"/>
+          </a:effectRef>
+          <a:fontRef idx="minor">
+            <a:schemeClr val="tx1"/>
+          </a:fontRef>
+        </p:style>
+      </p:cxnSp>
+      <p:cxnSp>
+        <p:nvCxnSpPr>
+          <p:cNvPr id="23" name="Connector: Elbow 22">
+            <a:extLst>
+              <a:ext uri="{FF2B5EF4-FFF2-40B4-BE49-F238E27FC236}">
+                <a16:creationId xmlns:a16="http://schemas.microsoft.com/office/drawing/2014/main" id="{DCA7B04B-5614-4F3E-8D69-9679335992BE}"/>
+              </a:ext>
+            </a:extLst>
+          </p:cNvPr>
+          <p:cNvCxnSpPr>
+            <a:cxnSpLocks/>
+            <a:stCxn id="56" idx="2"/>
+            <a:endCxn id="8" idx="0"/>
+          </p:cNvCxnSpPr>
+          <p:nvPr/>
+        </p:nvCxnSpPr>
+        <p:spPr>
+          <a:xfrm rot="16200000" flipH="1">
+            <a:off x="7295118" y="-144408"/>
+            <a:ext cx="688623" cy="3377497"/>
+          </a:xfrm>
+          <a:prstGeom prst="bentConnector3">
+            <a:avLst/>
+          </a:prstGeom>
+          <a:ln>
+            <a:tailEnd type="triangle"/>
+          </a:ln>
+        </p:spPr>
+        <p:style>
+          <a:lnRef idx="1">
+            <a:schemeClr val="accent1"/>
+          </a:lnRef>
+          <a:fillRef idx="0">
+            <a:schemeClr val="accent1"/>
+          </a:fillRef>
+          <a:effectRef idx="0">
+            <a:schemeClr val="accent1"/>
+          </a:effectRef>
+          <a:fontRef idx="minor">
+            <a:schemeClr val="tx1"/>
+          </a:fontRef>
+        </p:style>
+      </p:cxnSp>
+      <p:grpSp>
+        <p:nvGrpSpPr>
+          <p:cNvPr id="34" name="Group 33">
+            <a:extLst>
+              <a:ext uri="{FF2B5EF4-FFF2-40B4-BE49-F238E27FC236}">
+                <a16:creationId xmlns:a16="http://schemas.microsoft.com/office/drawing/2014/main" id="{4BAE13D0-8D9C-4D27-AB65-8E5EBC4ADEA1}"/>
+              </a:ext>
+            </a:extLst>
+          </p:cNvPr>
+          <p:cNvGrpSpPr/>
+          <p:nvPr/>
+        </p:nvGrpSpPr>
+        <p:grpSpPr>
+          <a:xfrm>
+            <a:off x="8190296" y="4295819"/>
+            <a:ext cx="2275764" cy="688622"/>
+            <a:chOff x="4887557" y="2013914"/>
+            <a:chExt cx="2275764" cy="688622"/>
+          </a:xfrm>
+        </p:grpSpPr>
+        <p:sp>
+          <p:nvSpPr>
+            <p:cNvPr id="35" name="Rectangle 34">
+              <a:extLst>
+                <a:ext uri="{FF2B5EF4-FFF2-40B4-BE49-F238E27FC236}">
+                  <a16:creationId xmlns:a16="http://schemas.microsoft.com/office/drawing/2014/main" id="{E775DB30-6F39-4F15-9C76-FB5558D8BBB5}"/>
+                </a:ext>
+              </a:extLst>
+            </p:cNvPr>
+            <p:cNvSpPr/>
+            <p:nvPr/>
+          </p:nvSpPr>
+          <p:spPr>
+            <a:xfrm>
+              <a:off x="4887557" y="2013914"/>
+              <a:ext cx="2275764" cy="688622"/>
+            </a:xfrm>
+            <a:prstGeom prst="rect">
+              <a:avLst/>
+            </a:prstGeom>
+            <a:noFill/>
+            <a:ln w="38100"/>
+          </p:spPr>
+          <p:style>
+            <a:lnRef idx="2">
+              <a:schemeClr val="accent1">
+                <a:shade val="50000"/>
+              </a:schemeClr>
+            </a:lnRef>
+            <a:fillRef idx="1">
+              <a:schemeClr val="accent1"/>
+            </a:fillRef>
+            <a:effectRef idx="0">
+              <a:schemeClr val="accent1"/>
+            </a:effectRef>
+            <a:fontRef idx="minor">
+              <a:schemeClr val="lt1"/>
+            </a:fontRef>
+          </p:style>
+          <p:txBody>
+            <a:bodyPr rtlCol="0" anchor="ctr"/>
+            <a:lstStyle/>
+            <a:p>
+              <a:pPr algn="ctr"/>
+              <a:endParaRPr lang="en-US"/>
+            </a:p>
+          </p:txBody>
+        </p:sp>
+        <p:pic>
+          <p:nvPicPr>
+            <p:cNvPr id="36" name="Picture 35">
+              <a:extLst>
+                <a:ext uri="{FF2B5EF4-FFF2-40B4-BE49-F238E27FC236}">
+                  <a16:creationId xmlns:a16="http://schemas.microsoft.com/office/drawing/2014/main" id="{FBC1C75B-2745-47A3-89C9-ED61F1F6AD26}"/>
+                </a:ext>
+              </a:extLst>
+            </p:cNvPr>
+            <p:cNvPicPr>
+              <a:picLocks noChangeAspect="1"/>
+            </p:cNvPicPr>
+            <p:nvPr/>
+          </p:nvPicPr>
+          <p:blipFill>
+            <a:blip r:embed="rId3"/>
+            <a:stretch>
+              <a:fillRect/>
+            </a:stretch>
+          </p:blipFill>
+          <p:spPr>
+            <a:xfrm>
+              <a:off x="5061767" y="2152679"/>
+              <a:ext cx="1953387" cy="466533"/>
+            </a:xfrm>
+            <a:prstGeom prst="rect">
+              <a:avLst/>
+            </a:prstGeom>
+          </p:spPr>
+        </p:pic>
+      </p:grpSp>
+      <p:grpSp>
+        <p:nvGrpSpPr>
+          <p:cNvPr id="37" name="Group 36">
+            <a:extLst>
+              <a:ext uri="{FF2B5EF4-FFF2-40B4-BE49-F238E27FC236}">
+                <a16:creationId xmlns:a16="http://schemas.microsoft.com/office/drawing/2014/main" id="{940516BA-FFBA-4FA0-8C9B-C4874C129C31}"/>
+              </a:ext>
+            </a:extLst>
+          </p:cNvPr>
+          <p:cNvGrpSpPr/>
+          <p:nvPr/>
+        </p:nvGrpSpPr>
+        <p:grpSpPr>
+          <a:xfrm>
+            <a:off x="4426157" y="4295819"/>
+            <a:ext cx="3049048" cy="688622"/>
+            <a:chOff x="3888647" y="4117112"/>
+            <a:chExt cx="3049048" cy="688622"/>
+          </a:xfrm>
+        </p:grpSpPr>
+        <p:sp>
+          <p:nvSpPr>
+            <p:cNvPr id="38" name="Rectangle 37">
+              <a:extLst>
+                <a:ext uri="{FF2B5EF4-FFF2-40B4-BE49-F238E27FC236}">
+                  <a16:creationId xmlns:a16="http://schemas.microsoft.com/office/drawing/2014/main" id="{EEFE9B5A-256C-4FAA-A07F-A1D464864C62}"/>
+                </a:ext>
+              </a:extLst>
+            </p:cNvPr>
+            <p:cNvSpPr/>
+            <p:nvPr/>
+          </p:nvSpPr>
+          <p:spPr>
+            <a:xfrm>
+              <a:off x="3888647" y="4117112"/>
+              <a:ext cx="3049048" cy="688622"/>
+            </a:xfrm>
+            <a:prstGeom prst="rect">
+              <a:avLst/>
+            </a:prstGeom>
+            <a:noFill/>
+            <a:ln w="38100"/>
+          </p:spPr>
+          <p:style>
+            <a:lnRef idx="2">
+              <a:schemeClr val="accent1">
+                <a:shade val="50000"/>
+              </a:schemeClr>
+            </a:lnRef>
+            <a:fillRef idx="1">
+              <a:schemeClr val="accent1"/>
+            </a:fillRef>
+            <a:effectRef idx="0">
+              <a:schemeClr val="accent1"/>
+            </a:effectRef>
+            <a:fontRef idx="minor">
+              <a:schemeClr val="lt1"/>
+            </a:fontRef>
+          </p:style>
+          <p:txBody>
+            <a:bodyPr rtlCol="0" anchor="ctr"/>
+            <a:lstStyle/>
+            <a:p>
+              <a:pPr algn="ctr"/>
+              <a:endParaRPr lang="en-US"/>
+            </a:p>
+          </p:txBody>
+        </p:sp>
+        <p:pic>
+          <p:nvPicPr>
+            <p:cNvPr id="39" name="Picture 38">
+              <a:extLst>
+                <a:ext uri="{FF2B5EF4-FFF2-40B4-BE49-F238E27FC236}">
+                  <a16:creationId xmlns:a16="http://schemas.microsoft.com/office/drawing/2014/main" id="{8F947882-C316-407C-9F32-A7111599AE59}"/>
+                </a:ext>
+              </a:extLst>
+            </p:cNvPr>
+            <p:cNvPicPr>
+              <a:picLocks noChangeAspect="1"/>
+            </p:cNvPicPr>
+            <p:nvPr/>
+          </p:nvPicPr>
+          <p:blipFill>
+            <a:blip r:embed="rId4"/>
+            <a:stretch>
+              <a:fillRect/>
+            </a:stretch>
+          </p:blipFill>
+          <p:spPr>
+            <a:xfrm>
+              <a:off x="4151750" y="4264266"/>
+              <a:ext cx="2615745" cy="411093"/>
+            </a:xfrm>
+            <a:prstGeom prst="rect">
+              <a:avLst/>
+            </a:prstGeom>
+          </p:spPr>
+        </p:pic>
+      </p:grpSp>
+      <p:grpSp>
+        <p:nvGrpSpPr>
+          <p:cNvPr id="79" name="Group 78">
+            <a:extLst>
+              <a:ext uri="{FF2B5EF4-FFF2-40B4-BE49-F238E27FC236}">
+                <a16:creationId xmlns:a16="http://schemas.microsoft.com/office/drawing/2014/main" id="{EF119A0E-649C-444B-BA42-084D7FC5E0DB}"/>
+              </a:ext>
+            </a:extLst>
+          </p:cNvPr>
+          <p:cNvGrpSpPr/>
+          <p:nvPr/>
+        </p:nvGrpSpPr>
+        <p:grpSpPr>
+          <a:xfrm>
+            <a:off x="3748636" y="511408"/>
+            <a:ext cx="4404089" cy="688622"/>
+            <a:chOff x="3397540" y="695014"/>
+            <a:chExt cx="4404089" cy="688622"/>
+          </a:xfrm>
+        </p:grpSpPr>
+        <p:pic>
+          <p:nvPicPr>
+            <p:cNvPr id="54" name="Picture 53">
+              <a:extLst>
+                <a:ext uri="{FF2B5EF4-FFF2-40B4-BE49-F238E27FC236}">
+                  <a16:creationId xmlns:a16="http://schemas.microsoft.com/office/drawing/2014/main" id="{F49322C3-F4FF-4319-BA0A-979C17810549}"/>
+                </a:ext>
+              </a:extLst>
+            </p:cNvPr>
+            <p:cNvPicPr>
+              <a:picLocks noChangeAspect="1"/>
+            </p:cNvPicPr>
+            <p:nvPr/>
+          </p:nvPicPr>
+          <p:blipFill>
+            <a:blip r:embed="rId5"/>
+            <a:stretch>
+              <a:fillRect/>
+            </a:stretch>
+          </p:blipFill>
+          <p:spPr>
+            <a:xfrm>
+              <a:off x="3776607" y="844071"/>
+              <a:ext cx="1975869" cy="430285"/>
+            </a:xfrm>
+            <a:prstGeom prst="rect">
+              <a:avLst/>
+            </a:prstGeom>
+          </p:spPr>
+        </p:pic>
+        <p:sp>
+          <p:nvSpPr>
+            <p:cNvPr id="56" name="Rectangle 55">
+              <a:extLst>
+                <a:ext uri="{FF2B5EF4-FFF2-40B4-BE49-F238E27FC236}">
+                  <a16:creationId xmlns:a16="http://schemas.microsoft.com/office/drawing/2014/main" id="{F0939C55-9084-47C3-928F-9F3D1B06D3FA}"/>
+                </a:ext>
+              </a:extLst>
+            </p:cNvPr>
+            <p:cNvSpPr/>
+            <p:nvPr/>
+          </p:nvSpPr>
+          <p:spPr>
+            <a:xfrm>
+              <a:off x="3397540" y="695014"/>
+              <a:ext cx="4404089" cy="688622"/>
+            </a:xfrm>
+            <a:prstGeom prst="rect">
+              <a:avLst/>
+            </a:prstGeom>
+            <a:noFill/>
+            <a:ln w="38100"/>
+          </p:spPr>
+          <p:style>
+            <a:lnRef idx="2">
+              <a:schemeClr val="accent1">
+                <a:shade val="50000"/>
+              </a:schemeClr>
+            </a:lnRef>
+            <a:fillRef idx="1">
+              <a:schemeClr val="accent1"/>
+            </a:fillRef>
+            <a:effectRef idx="0">
+              <a:schemeClr val="accent1"/>
+            </a:effectRef>
+            <a:fontRef idx="minor">
+              <a:schemeClr val="lt1"/>
+            </a:fontRef>
+          </p:style>
+          <p:txBody>
+            <a:bodyPr rtlCol="0" anchor="ctr"/>
+            <a:lstStyle/>
+            <a:p>
+              <a:pPr algn="ctr"/>
+              <a:endParaRPr lang="en-US"/>
+            </a:p>
+          </p:txBody>
+        </p:sp>
+        <p:pic>
+          <p:nvPicPr>
+            <p:cNvPr id="68" name="Picture 67">
+              <a:extLst>
+                <a:ext uri="{FF2B5EF4-FFF2-40B4-BE49-F238E27FC236}">
+                  <a16:creationId xmlns:a16="http://schemas.microsoft.com/office/drawing/2014/main" id="{5801941F-FFDA-4C47-8229-C1AA87E3C47A}"/>
+                </a:ext>
+              </a:extLst>
+            </p:cNvPr>
+            <p:cNvPicPr>
+              <a:picLocks noChangeAspect="1"/>
+            </p:cNvPicPr>
+            <p:nvPr/>
+          </p:nvPicPr>
+          <p:blipFill>
+            <a:blip r:embed="rId6"/>
+            <a:stretch>
+              <a:fillRect/>
+            </a:stretch>
+          </p:blipFill>
+          <p:spPr>
+            <a:xfrm>
+              <a:off x="5859694" y="767227"/>
+              <a:ext cx="1775177" cy="583974"/>
+            </a:xfrm>
+            <a:prstGeom prst="rect">
+              <a:avLst/>
+            </a:prstGeom>
+          </p:spPr>
+        </p:pic>
+      </p:grpSp>
+      <p:grpSp>
+        <p:nvGrpSpPr>
+          <p:cNvPr id="82" name="Group 81">
+            <a:extLst>
+              <a:ext uri="{FF2B5EF4-FFF2-40B4-BE49-F238E27FC236}">
+                <a16:creationId xmlns:a16="http://schemas.microsoft.com/office/drawing/2014/main" id="{149392D7-3C46-4E45-9AEE-38D8B4771B5D}"/>
+              </a:ext>
+            </a:extLst>
+          </p:cNvPr>
+          <p:cNvGrpSpPr/>
+          <p:nvPr/>
+        </p:nvGrpSpPr>
+        <p:grpSpPr>
+          <a:xfrm>
+            <a:off x="1669955" y="4295819"/>
+            <a:ext cx="1985125" cy="688622"/>
+            <a:chOff x="1276109" y="2122971"/>
+            <a:chExt cx="1985125" cy="688622"/>
+          </a:xfrm>
+        </p:grpSpPr>
+        <p:sp>
+          <p:nvSpPr>
+            <p:cNvPr id="83" name="Rectangle 82">
+              <a:extLst>
+                <a:ext uri="{FF2B5EF4-FFF2-40B4-BE49-F238E27FC236}">
+                  <a16:creationId xmlns:a16="http://schemas.microsoft.com/office/drawing/2014/main" id="{5CBFBB3E-F4F5-4DFA-8605-ED3266038E70}"/>
+                </a:ext>
+              </a:extLst>
+            </p:cNvPr>
+            <p:cNvSpPr/>
+            <p:nvPr/>
+          </p:nvSpPr>
+          <p:spPr>
+            <a:xfrm>
+              <a:off x="1276109" y="2122971"/>
+              <a:ext cx="1985125" cy="688622"/>
+            </a:xfrm>
+            <a:prstGeom prst="rect">
+              <a:avLst/>
+            </a:prstGeom>
+            <a:noFill/>
+            <a:ln w="38100"/>
+          </p:spPr>
+          <p:style>
+            <a:lnRef idx="2">
+              <a:schemeClr val="accent1">
+                <a:shade val="50000"/>
+              </a:schemeClr>
+            </a:lnRef>
+            <a:fillRef idx="1">
+              <a:schemeClr val="accent1"/>
+            </a:fillRef>
+            <a:effectRef idx="0">
+              <a:schemeClr val="accent1"/>
+            </a:effectRef>
+            <a:fontRef idx="minor">
+              <a:schemeClr val="lt1"/>
+            </a:fontRef>
+          </p:style>
+          <p:txBody>
+            <a:bodyPr rtlCol="0" anchor="ctr"/>
+            <a:lstStyle/>
+            <a:p>
+              <a:pPr algn="ctr"/>
+              <a:endParaRPr lang="en-US" dirty="0">
+                <a:solidFill>
+                  <a:schemeClr val="tx1"/>
+                </a:solidFill>
+              </a:endParaRPr>
+            </a:p>
+          </p:txBody>
+        </p:sp>
+        <p:pic>
+          <p:nvPicPr>
+            <p:cNvPr id="84" name="Picture 83">
+              <a:extLst>
+                <a:ext uri="{FF2B5EF4-FFF2-40B4-BE49-F238E27FC236}">
+                  <a16:creationId xmlns:a16="http://schemas.microsoft.com/office/drawing/2014/main" id="{AC23C434-5A90-4C30-8C60-245AF79C91FD}"/>
+                </a:ext>
+              </a:extLst>
+            </p:cNvPr>
+            <p:cNvPicPr>
+              <a:picLocks noChangeAspect="1"/>
+            </p:cNvPicPr>
+            <p:nvPr/>
+          </p:nvPicPr>
+          <p:blipFill>
+            <a:blip r:embed="rId2"/>
+            <a:stretch>
+              <a:fillRect/>
+            </a:stretch>
+          </p:blipFill>
+          <p:spPr>
+            <a:xfrm>
+              <a:off x="2038771" y="2285339"/>
+              <a:ext cx="459799" cy="429146"/>
+            </a:xfrm>
+            <a:prstGeom prst="rect">
+              <a:avLst/>
+            </a:prstGeom>
+          </p:spPr>
+        </p:pic>
+      </p:grpSp>
+      <p:cxnSp>
+        <p:nvCxnSpPr>
+          <p:cNvPr id="86" name="Straight Arrow Connector 85">
+            <a:extLst>
+              <a:ext uri="{FF2B5EF4-FFF2-40B4-BE49-F238E27FC236}">
+                <a16:creationId xmlns:a16="http://schemas.microsoft.com/office/drawing/2014/main" id="{78002135-0729-4BDF-97DD-5D3BCD806F84}"/>
+              </a:ext>
+            </a:extLst>
+          </p:cNvPr>
+          <p:cNvCxnSpPr>
+            <a:stCxn id="5" idx="2"/>
+            <a:endCxn id="83" idx="0"/>
+          </p:cNvCxnSpPr>
+          <p:nvPr/>
+        </p:nvCxnSpPr>
+        <p:spPr>
+          <a:xfrm flipH="1">
+            <a:off x="2662518" y="2584616"/>
+            <a:ext cx="2" cy="1711203"/>
+          </a:xfrm>
+          <a:prstGeom prst="straightConnector1">
+            <a:avLst/>
+          </a:prstGeom>
+          <a:ln>
+            <a:tailEnd type="triangle"/>
+          </a:ln>
+        </p:spPr>
+        <p:style>
+          <a:lnRef idx="1">
+            <a:schemeClr val="accent1"/>
+          </a:lnRef>
+          <a:fillRef idx="0">
+            <a:schemeClr val="accent1"/>
+          </a:fillRef>
+          <a:effectRef idx="0">
+            <a:schemeClr val="accent1"/>
+          </a:effectRef>
+          <a:fontRef idx="minor">
+            <a:schemeClr val="tx1"/>
+          </a:fontRef>
+        </p:style>
+      </p:cxnSp>
+      <p:sp>
+        <p:nvSpPr>
+          <p:cNvPr id="87" name="TextBox 86">
+            <a:extLst>
+              <a:ext uri="{FF2B5EF4-FFF2-40B4-BE49-F238E27FC236}">
+                <a16:creationId xmlns:a16="http://schemas.microsoft.com/office/drawing/2014/main" id="{6663DCCF-312F-44D7-B9E8-0F8B3F47E902}"/>
+              </a:ext>
+            </a:extLst>
+          </p:cNvPr>
+          <p:cNvSpPr txBox="1"/>
+          <p:nvPr/>
+        </p:nvSpPr>
+        <p:spPr>
+          <a:xfrm>
+            <a:off x="1754252" y="2800239"/>
+            <a:ext cx="861774" cy="1287724"/>
+          </a:xfrm>
+          <a:prstGeom prst="rect">
+            <a:avLst/>
+          </a:prstGeom>
+          <a:noFill/>
+        </p:spPr>
+        <p:txBody>
+          <a:bodyPr vert="eaVert" wrap="none" rtlCol="0">
+            <a:spAutoFit/>
+          </a:bodyPr>
+          <a:lstStyle/>
+          <a:p>
+            <a:pPr algn="ctr"/>
+            <a:r>
+              <a:rPr lang="en-US" sz="2200" b="1" dirty="0"/>
+              <a:t>Gaussian</a:t>
+            </a:r>
+          </a:p>
+          <a:p>
+            <a:pPr algn="ctr"/>
+            <a:r>
+              <a:rPr lang="en-US" sz="2200" b="1" dirty="0"/>
+              <a:t>Normalize</a:t>
+            </a:r>
+          </a:p>
+        </p:txBody>
+      </p:sp>
+      <p:cxnSp>
+        <p:nvCxnSpPr>
+          <p:cNvPr id="99" name="Straight Arrow Connector 98">
+            <a:extLst>
+              <a:ext uri="{FF2B5EF4-FFF2-40B4-BE49-F238E27FC236}">
+                <a16:creationId xmlns:a16="http://schemas.microsoft.com/office/drawing/2014/main" id="{32FF038E-BF79-4A83-930F-5B6F1AAAFD48}"/>
+              </a:ext>
+            </a:extLst>
+          </p:cNvPr>
+          <p:cNvCxnSpPr>
+            <a:cxnSpLocks/>
+            <a:stCxn id="9" idx="2"/>
+            <a:endCxn id="38" idx="0"/>
+          </p:cNvCxnSpPr>
+          <p:nvPr/>
+        </p:nvCxnSpPr>
+        <p:spPr>
+          <a:xfrm>
+            <a:off x="5950681" y="2577275"/>
+            <a:ext cx="0" cy="1718544"/>
+          </a:xfrm>
+          <a:prstGeom prst="straightConnector1">
+            <a:avLst/>
+          </a:prstGeom>
+          <a:ln>
+            <a:tailEnd type="triangle"/>
+          </a:ln>
+        </p:spPr>
+        <p:style>
+          <a:lnRef idx="1">
+            <a:schemeClr val="accent1"/>
+          </a:lnRef>
+          <a:fillRef idx="0">
+            <a:schemeClr val="accent1"/>
+          </a:fillRef>
+          <a:effectRef idx="0">
+            <a:schemeClr val="accent1"/>
+          </a:effectRef>
+          <a:fontRef idx="minor">
+            <a:schemeClr val="tx1"/>
+          </a:fontRef>
+        </p:style>
+      </p:cxnSp>
+      <p:sp>
+        <p:nvSpPr>
+          <p:cNvPr id="100" name="TextBox 99">
+            <a:extLst>
+              <a:ext uri="{FF2B5EF4-FFF2-40B4-BE49-F238E27FC236}">
+                <a16:creationId xmlns:a16="http://schemas.microsoft.com/office/drawing/2014/main" id="{B7048385-5D98-4190-AC49-CFE007EEA0E7}"/>
+              </a:ext>
+            </a:extLst>
+          </p:cNvPr>
+          <p:cNvSpPr txBox="1"/>
+          <p:nvPr/>
+        </p:nvSpPr>
+        <p:spPr>
+          <a:xfrm>
+            <a:off x="4287670" y="3127619"/>
+            <a:ext cx="1897379" cy="738664"/>
+          </a:xfrm>
+          <a:prstGeom prst="rect">
+            <a:avLst/>
+          </a:prstGeom>
+          <a:noFill/>
+        </p:spPr>
+        <p:txBody>
+          <a:bodyPr wrap="none" rtlCol="0">
+            <a:spAutoFit/>
+          </a:bodyPr>
+          <a:lstStyle/>
+          <a:p>
+            <a:r>
+              <a:rPr lang="en-US" sz="2200" b="1" dirty="0"/>
+              <a:t>Autoencoder  </a:t>
+            </a:r>
+            <a:r>
+              <a:rPr lang="en-US" sz="2000" b="1" dirty="0"/>
+              <a:t> </a:t>
+            </a:r>
+          </a:p>
+          <a:p>
+            <a:r>
+              <a:rPr lang="en-US" sz="2000" b="1" dirty="0"/>
+              <a:t>         GAN</a:t>
+            </a:r>
+          </a:p>
+        </p:txBody>
+      </p:sp>
+      <p:cxnSp>
+        <p:nvCxnSpPr>
+          <p:cNvPr id="103" name="Straight Arrow Connector 102">
+            <a:extLst>
+              <a:ext uri="{FF2B5EF4-FFF2-40B4-BE49-F238E27FC236}">
+                <a16:creationId xmlns:a16="http://schemas.microsoft.com/office/drawing/2014/main" id="{805F05CD-AF68-4A6E-B056-BF97B533EE98}"/>
+              </a:ext>
+            </a:extLst>
+          </p:cNvPr>
+          <p:cNvCxnSpPr>
+            <a:stCxn id="8" idx="2"/>
+            <a:endCxn id="35" idx="0"/>
+          </p:cNvCxnSpPr>
+          <p:nvPr/>
+        </p:nvCxnSpPr>
+        <p:spPr>
+          <a:xfrm>
+            <a:off x="9328178" y="2577275"/>
+            <a:ext cx="0" cy="1718544"/>
+          </a:xfrm>
+          <a:prstGeom prst="straightConnector1">
+            <a:avLst/>
+          </a:prstGeom>
+          <a:ln>
+            <a:tailEnd type="triangle"/>
+          </a:ln>
+        </p:spPr>
+        <p:style>
+          <a:lnRef idx="1">
+            <a:schemeClr val="accent1"/>
+          </a:lnRef>
+          <a:fillRef idx="0">
+            <a:schemeClr val="accent1"/>
+          </a:fillRef>
+          <a:effectRef idx="0">
+            <a:schemeClr val="accent1"/>
+          </a:effectRef>
+          <a:fontRef idx="minor">
+            <a:schemeClr val="tx1"/>
+          </a:fontRef>
+        </p:style>
+      </p:cxnSp>
+      <p:sp>
+        <p:nvSpPr>
+          <p:cNvPr id="106" name="Rectangle 105">
+            <a:extLst>
+              <a:ext uri="{FF2B5EF4-FFF2-40B4-BE49-F238E27FC236}">
+                <a16:creationId xmlns:a16="http://schemas.microsoft.com/office/drawing/2014/main" id="{55FB56D9-125D-4775-9CF0-372F0619BC30}"/>
+              </a:ext>
+            </a:extLst>
+          </p:cNvPr>
+          <p:cNvSpPr/>
+          <p:nvPr/>
+        </p:nvSpPr>
+        <p:spPr>
+          <a:xfrm>
+            <a:off x="3756218" y="5471352"/>
+            <a:ext cx="4404089" cy="688622"/>
+          </a:xfrm>
+          <a:prstGeom prst="rect">
+            <a:avLst/>
+          </a:prstGeom>
+          <a:noFill/>
+          <a:ln w="38100"/>
+        </p:spPr>
+        <p:style>
+          <a:lnRef idx="2">
+            <a:schemeClr val="accent1">
+              <a:shade val="50000"/>
+            </a:schemeClr>
+          </a:lnRef>
+          <a:fillRef idx="1">
+            <a:schemeClr val="accent1"/>
+          </a:fillRef>
+          <a:effectRef idx="0">
+            <a:schemeClr val="accent1"/>
+          </a:effectRef>
+          <a:fontRef idx="minor">
+            <a:schemeClr val="lt1"/>
+          </a:fontRef>
+        </p:style>
+        <p:txBody>
+          <a:bodyPr rtlCol="0" anchor="ctr"/>
+          <a:lstStyle/>
+          <a:p>
+            <a:pPr algn="ctr"/>
+            <a:endParaRPr lang="en-US"/>
+          </a:p>
+        </p:txBody>
+      </p:sp>
+      <p:pic>
+        <p:nvPicPr>
+          <p:cNvPr id="111" name="Picture 110">
+            <a:extLst>
+              <a:ext uri="{FF2B5EF4-FFF2-40B4-BE49-F238E27FC236}">
+                <a16:creationId xmlns:a16="http://schemas.microsoft.com/office/drawing/2014/main" id="{0B9E34F8-F824-4047-A881-8BCA7D30825A}"/>
+              </a:ext>
+            </a:extLst>
+          </p:cNvPr>
+          <p:cNvPicPr>
+            <a:picLocks noChangeAspect="1"/>
+          </p:cNvPicPr>
+          <p:nvPr/>
+        </p:nvPicPr>
+        <p:blipFill>
+          <a:blip r:embed="rId7"/>
+          <a:stretch>
+            <a:fillRect/>
+          </a:stretch>
+        </p:blipFill>
+        <p:spPr>
+          <a:xfrm>
+            <a:off x="4083498" y="5618633"/>
+            <a:ext cx="2669044" cy="437402"/>
+          </a:xfrm>
+          <a:prstGeom prst="rect">
+            <a:avLst/>
+          </a:prstGeom>
+        </p:spPr>
+      </p:pic>
+      <p:pic>
+        <p:nvPicPr>
+          <p:cNvPr id="112" name="Picture 111">
+            <a:extLst>
+              <a:ext uri="{FF2B5EF4-FFF2-40B4-BE49-F238E27FC236}">
+                <a16:creationId xmlns:a16="http://schemas.microsoft.com/office/drawing/2014/main" id="{4077EECC-2024-49FC-BCD6-C1324B2BD7D7}"/>
+              </a:ext>
+            </a:extLst>
+          </p:cNvPr>
+          <p:cNvPicPr>
+            <a:picLocks noChangeAspect="1"/>
+          </p:cNvPicPr>
+          <p:nvPr/>
+        </p:nvPicPr>
+        <p:blipFill>
+          <a:blip r:embed="rId8"/>
+          <a:stretch>
+            <a:fillRect/>
+          </a:stretch>
+        </p:blipFill>
+        <p:spPr>
+          <a:xfrm>
+            <a:off x="6902751" y="5503743"/>
+            <a:ext cx="988163" cy="623840"/>
+          </a:xfrm>
+          <a:prstGeom prst="rect">
+            <a:avLst/>
+          </a:prstGeom>
+        </p:spPr>
+      </p:pic>
+      <p:cxnSp>
+        <p:nvCxnSpPr>
+          <p:cNvPr id="115" name="Straight Arrow Connector 114">
+            <a:extLst>
+              <a:ext uri="{FF2B5EF4-FFF2-40B4-BE49-F238E27FC236}">
+                <a16:creationId xmlns:a16="http://schemas.microsoft.com/office/drawing/2014/main" id="{39EF4B0E-99B6-48E6-AE62-EACC36D0D95C}"/>
+              </a:ext>
+            </a:extLst>
+          </p:cNvPr>
+          <p:cNvCxnSpPr>
+            <a:cxnSpLocks/>
+            <a:stCxn id="38" idx="2"/>
+            <a:endCxn id="106" idx="0"/>
+          </p:cNvCxnSpPr>
+          <p:nvPr/>
+        </p:nvCxnSpPr>
+        <p:spPr>
+          <a:xfrm>
+            <a:off x="5950681" y="4984441"/>
+            <a:ext cx="7582" cy="486911"/>
+          </a:xfrm>
+          <a:prstGeom prst="straightConnector1">
+            <a:avLst/>
+          </a:prstGeom>
+          <a:ln>
+            <a:tailEnd type="triangle"/>
+          </a:ln>
+        </p:spPr>
+        <p:style>
+          <a:lnRef idx="1">
+            <a:schemeClr val="accent1"/>
+          </a:lnRef>
+          <a:fillRef idx="0">
+            <a:schemeClr val="accent1"/>
+          </a:fillRef>
+          <a:effectRef idx="0">
+            <a:schemeClr val="accent1"/>
+          </a:effectRef>
+          <a:fontRef idx="minor">
+            <a:schemeClr val="tx1"/>
+          </a:fontRef>
+        </p:style>
+      </p:cxnSp>
+      <p:cxnSp>
+        <p:nvCxnSpPr>
+          <p:cNvPr id="122" name="Connector: Elbow 121">
+            <a:extLst>
+              <a:ext uri="{FF2B5EF4-FFF2-40B4-BE49-F238E27FC236}">
+                <a16:creationId xmlns:a16="http://schemas.microsoft.com/office/drawing/2014/main" id="{6FB300B2-A197-4CB0-908C-9FB94133AE93}"/>
+              </a:ext>
+            </a:extLst>
+          </p:cNvPr>
+          <p:cNvCxnSpPr>
+            <a:cxnSpLocks/>
+            <a:stCxn id="35" idx="2"/>
+            <a:endCxn id="106" idx="0"/>
+          </p:cNvCxnSpPr>
+          <p:nvPr/>
+        </p:nvCxnSpPr>
+        <p:spPr>
+          <a:xfrm rot="5400000">
+            <a:off x="7399766" y="3542939"/>
+            <a:ext cx="486911" cy="3369915"/>
+          </a:xfrm>
+          <a:prstGeom prst="bentConnector3">
+            <a:avLst/>
+          </a:prstGeom>
+          <a:ln>
+            <a:tailEnd type="triangle"/>
+          </a:ln>
+        </p:spPr>
+        <p:style>
+          <a:lnRef idx="1">
+            <a:schemeClr val="accent1"/>
+          </a:lnRef>
+          <a:fillRef idx="0">
+            <a:schemeClr val="accent1"/>
+          </a:fillRef>
+          <a:effectRef idx="0">
+            <a:schemeClr val="accent1"/>
+          </a:effectRef>
+          <a:fontRef idx="minor">
+            <a:schemeClr val="tx1"/>
+          </a:fontRef>
+        </p:style>
+      </p:cxnSp>
+      <p:cxnSp>
+        <p:nvCxnSpPr>
+          <p:cNvPr id="127" name="Connector: Elbow 126">
+            <a:extLst>
+              <a:ext uri="{FF2B5EF4-FFF2-40B4-BE49-F238E27FC236}">
+                <a16:creationId xmlns:a16="http://schemas.microsoft.com/office/drawing/2014/main" id="{90FF8245-97D4-4A01-8196-7E3397CDB11F}"/>
+              </a:ext>
+            </a:extLst>
+          </p:cNvPr>
+          <p:cNvCxnSpPr>
+            <a:cxnSpLocks/>
+            <a:stCxn id="83" idx="2"/>
+            <a:endCxn id="106" idx="0"/>
+          </p:cNvCxnSpPr>
+          <p:nvPr/>
+        </p:nvCxnSpPr>
+        <p:spPr>
+          <a:xfrm rot="16200000" flipH="1">
+            <a:off x="4066935" y="3580023"/>
+            <a:ext cx="486911" cy="3295745"/>
+          </a:xfrm>
+          <a:prstGeom prst="bentConnector3">
+            <a:avLst/>
+          </a:prstGeom>
+          <a:ln>
+            <a:tailEnd type="triangle"/>
+          </a:ln>
+        </p:spPr>
+        <p:style>
+          <a:lnRef idx="1">
+            <a:schemeClr val="accent1"/>
+          </a:lnRef>
+          <a:fillRef idx="0">
+            <a:schemeClr val="accent1"/>
+          </a:fillRef>
+          <a:effectRef idx="0">
+            <a:schemeClr val="accent1"/>
+          </a:effectRef>
+          <a:fontRef idx="minor">
+            <a:schemeClr val="tx1"/>
+          </a:fontRef>
+        </p:style>
+      </p:cxnSp>
+      <p:sp>
+        <p:nvSpPr>
+          <p:cNvPr id="116" name="TextBox 115">
+            <a:extLst>
+              <a:ext uri="{FF2B5EF4-FFF2-40B4-BE49-F238E27FC236}">
+                <a16:creationId xmlns:a16="http://schemas.microsoft.com/office/drawing/2014/main" id="{7D11B1C2-D7A5-4AF5-B81F-EF192270B6D5}"/>
+              </a:ext>
+            </a:extLst>
+          </p:cNvPr>
+          <p:cNvSpPr txBox="1"/>
+          <p:nvPr/>
+        </p:nvSpPr>
+        <p:spPr>
+          <a:xfrm>
+            <a:off x="4724835" y="4940866"/>
+            <a:ext cx="1065933" cy="400110"/>
+          </a:xfrm>
+          <a:prstGeom prst="rect">
+            <a:avLst/>
+          </a:prstGeom>
+          <a:noFill/>
+        </p:spPr>
+        <p:txBody>
+          <a:bodyPr wrap="none" rtlCol="0">
+            <a:spAutoFit/>
+          </a:bodyPr>
+          <a:lstStyle/>
+          <a:p>
+            <a:r>
+              <a:rPr lang="en-US" sz="2000" b="1" dirty="0"/>
+              <a:t>Vocoder</a:t>
+            </a:r>
+          </a:p>
+        </p:txBody>
+      </p:sp>
+      <p:sp>
+        <p:nvSpPr>
+          <p:cNvPr id="128" name="TextBox 127">
+            <a:extLst>
+              <a:ext uri="{FF2B5EF4-FFF2-40B4-BE49-F238E27FC236}">
+                <a16:creationId xmlns:a16="http://schemas.microsoft.com/office/drawing/2014/main" id="{E4729289-652B-4D5D-B9B2-D60CD905A132}"/>
+              </a:ext>
+            </a:extLst>
+          </p:cNvPr>
+          <p:cNvSpPr txBox="1"/>
+          <p:nvPr/>
+        </p:nvSpPr>
+        <p:spPr>
+          <a:xfrm>
+            <a:off x="4097989" y="1216765"/>
+            <a:ext cx="1900072" cy="400110"/>
+          </a:xfrm>
+          <a:prstGeom prst="rect">
+            <a:avLst/>
+          </a:prstGeom>
+          <a:noFill/>
+        </p:spPr>
+        <p:txBody>
+          <a:bodyPr wrap="none" rtlCol="0">
+            <a:spAutoFit/>
+          </a:bodyPr>
+          <a:lstStyle/>
+          <a:p>
+            <a:r>
+              <a:rPr lang="en-US" sz="2000" b="1" dirty="0"/>
+              <a:t>Speech analyzer</a:t>
+            </a:r>
+          </a:p>
+        </p:txBody>
+      </p:sp>
+      <mc:AlternateContent xmlns:mc="http://schemas.openxmlformats.org/markup-compatibility/2006">
+        <mc:Choice xmlns:a14="http://schemas.microsoft.com/office/drawing/2010/main" Requires="a14">
+          <p:sp>
+            <p:nvSpPr>
+              <p:cNvPr id="66" name="TextBox 65">
+                <a:extLst>
+                  <a:ext uri="{FF2B5EF4-FFF2-40B4-BE49-F238E27FC236}">
+                    <a16:creationId xmlns:a16="http://schemas.microsoft.com/office/drawing/2014/main" id="{8283EC62-5CDB-48DE-9B8C-E0AB8635F424}"/>
+                  </a:ext>
+                </a:extLst>
+              </p:cNvPr>
+              <p:cNvSpPr txBox="1"/>
+              <p:nvPr/>
+            </p:nvSpPr>
+            <p:spPr>
+              <a:xfrm>
+                <a:off x="2905987" y="2768817"/>
+                <a:ext cx="738664" cy="1330236"/>
+              </a:xfrm>
+              <a:prstGeom prst="rect">
+                <a:avLst/>
+              </a:prstGeom>
+              <a:noFill/>
+              <a:ln w="38100">
+                <a:solidFill>
+                  <a:srgbClr val="00B050"/>
+                </a:solidFill>
+              </a:ln>
+            </p:spPr>
+            <p:txBody>
+              <a:bodyPr vert="eaVert" wrap="none" rtlCol="0">
+                <a:spAutoFit/>
+              </a:bodyPr>
+              <a:lstStyle/>
+              <a:p>
+                <a:pPr algn="ctr"/>
+                <a14:m>
+                  <m:oMath xmlns:m="http://schemas.openxmlformats.org/officeDocument/2006/math">
+                    <m:r>
+                      <a:rPr lang="en-US" i="1">
+                        <a:latin typeface="Cambria Math" panose="02040503050406030204" pitchFamily="18" charset="0"/>
+                        <a:ea typeface="Cambria Math" panose="02040503050406030204" pitchFamily="18" charset="0"/>
+                      </a:rPr>
+                      <m:t>𝜇</m:t>
+                    </m:r>
+                    <m:r>
+                      <a:rPr lang="en-US" i="1">
+                        <a:latin typeface="Cambria Math" panose="02040503050406030204" pitchFamily="18" charset="0"/>
+                        <a:ea typeface="Cambria Math" panose="02040503050406030204" pitchFamily="18" charset="0"/>
+                      </a:rPr>
+                      <m:t>, </m:t>
+                    </m:r>
+                    <m:r>
+                      <a:rPr lang="en-US" i="1">
+                        <a:latin typeface="Cambria Math" panose="02040503050406030204" pitchFamily="18" charset="0"/>
+                        <a:ea typeface="Cambria Math" panose="02040503050406030204" pitchFamily="18" charset="0"/>
+                      </a:rPr>
+                      <m:t>𝜎</m:t>
+                    </m:r>
+                  </m:oMath>
+                </a14:m>
+                <a:r>
+                  <a:rPr lang="en-US" dirty="0"/>
+                  <a:t> of Target</a:t>
+                </a:r>
+              </a:p>
+              <a:p>
+                <a:pPr algn="ctr"/>
+                <a:r>
+                  <a:rPr lang="en-US" dirty="0"/>
+                  <a:t> Emotion</a:t>
+                </a:r>
+              </a:p>
+            </p:txBody>
+          </p:sp>
+        </mc:Choice>
+        <mc:Fallback>
+          <p:sp>
+            <p:nvSpPr>
+              <p:cNvPr id="66" name="TextBox 65">
+                <a:extLst>
+                  <a:ext uri="{FF2B5EF4-FFF2-40B4-BE49-F238E27FC236}">
+                    <a16:creationId xmlns:a16="http://schemas.microsoft.com/office/drawing/2014/main" id="{8283EC62-5CDB-48DE-9B8C-E0AB8635F424}"/>
+                  </a:ext>
+                </a:extLst>
+              </p:cNvPr>
+              <p:cNvSpPr txBox="1">
+                <a:spLocks noRot="1" noChangeAspect="1" noMove="1" noResize="1" noEditPoints="1" noAdjustHandles="1" noChangeArrowheads="1" noChangeShapeType="1" noTextEdit="1"/>
+              </p:cNvSpPr>
+              <p:nvPr/>
+            </p:nvSpPr>
+            <p:spPr>
+              <a:xfrm>
+                <a:off x="2905987" y="2768817"/>
+                <a:ext cx="738664" cy="1330236"/>
+              </a:xfrm>
+              <a:prstGeom prst="rect">
+                <a:avLst/>
+              </a:prstGeom>
+              <a:blipFill>
+                <a:blip r:embed="rId9"/>
+                <a:stretch>
+                  <a:fillRect l="-4724" b="-5357"/>
+                </a:stretch>
+              </a:blipFill>
+              <a:ln w="38100">
+                <a:solidFill>
+                  <a:srgbClr val="00B050"/>
+                </a:solidFill>
+              </a:ln>
+            </p:spPr>
+            <p:txBody>
+              <a:bodyPr/>
+              <a:lstStyle/>
+              <a:p>
+                <a:r>
+                  <a:rPr lang="en-US">
+                    <a:noFill/>
+                  </a:rPr>
+                  <a:t> </a:t>
+                </a:r>
+              </a:p>
+            </p:txBody>
+          </p:sp>
+        </mc:Fallback>
+      </mc:AlternateContent>
+      <mc:AlternateContent xmlns:mc="http://schemas.openxmlformats.org/markup-compatibility/2006">
+        <mc:Choice xmlns:a14="http://schemas.microsoft.com/office/drawing/2010/main" Requires="a14">
+          <p:sp>
+            <p:nvSpPr>
+              <p:cNvPr id="21" name="TextBox 20">
+                <a:extLst>
+                  <a:ext uri="{FF2B5EF4-FFF2-40B4-BE49-F238E27FC236}">
+                    <a16:creationId xmlns:a16="http://schemas.microsoft.com/office/drawing/2014/main" id="{7BCF5CD5-749C-4B68-8074-FC7A17DBA061}"/>
+                  </a:ext>
+                </a:extLst>
+              </p:cNvPr>
+              <p:cNvSpPr txBox="1"/>
+              <p:nvPr/>
+            </p:nvSpPr>
+            <p:spPr>
+              <a:xfrm>
+                <a:off x="6551387" y="3087644"/>
+                <a:ext cx="2039534" cy="707886"/>
+              </a:xfrm>
+              <a:prstGeom prst="rect">
+                <a:avLst/>
+              </a:prstGeom>
+              <a:noFill/>
+              <a:ln w="38100">
+                <a:solidFill>
+                  <a:srgbClr val="00B050"/>
+                </a:solidFill>
+              </a:ln>
+            </p:spPr>
+            <p:txBody>
+              <a:bodyPr wrap="none" rtlCol="0">
+                <a:spAutoFit/>
+              </a:bodyPr>
+              <a:lstStyle/>
+              <a:p>
+                <a:pPr algn="ctr"/>
+                <a:r>
+                  <a:rPr lang="en-US" sz="2000" dirty="0"/>
+                  <a:t>Style vectors </a:t>
+                </a:r>
+                <a14:m>
+                  <m:oMath xmlns:m="http://schemas.openxmlformats.org/officeDocument/2006/math">
+                    <m:r>
+                      <a:rPr lang="en-US" sz="2000" i="1">
+                        <a:latin typeface="Cambria Math" panose="02040503050406030204" pitchFamily="18" charset="0"/>
+                        <a:ea typeface="Cambria Math" panose="02040503050406030204" pitchFamily="18" charset="0"/>
+                      </a:rPr>
+                      <m:t>𝜇</m:t>
+                    </m:r>
+                    <m:r>
+                      <a:rPr lang="en-US" sz="2000" i="1">
+                        <a:latin typeface="Cambria Math" panose="02040503050406030204" pitchFamily="18" charset="0"/>
+                        <a:ea typeface="Cambria Math" panose="02040503050406030204" pitchFamily="18" charset="0"/>
+                      </a:rPr>
+                      <m:t>, </m:t>
+                    </m:r>
+                    <m:r>
+                      <a:rPr lang="en-US" sz="2000" i="1">
+                        <a:latin typeface="Cambria Math" panose="02040503050406030204" pitchFamily="18" charset="0"/>
+                        <a:ea typeface="Cambria Math" panose="02040503050406030204" pitchFamily="18" charset="0"/>
+                      </a:rPr>
+                      <m:t>𝜎</m:t>
+                    </m:r>
+                  </m:oMath>
+                </a14:m>
+                <a:r>
+                  <a:rPr lang="en-US" sz="2000" dirty="0"/>
+                  <a:t> </a:t>
+                </a:r>
+              </a:p>
+              <a:p>
+                <a:pPr algn="ctr"/>
+                <a:r>
+                  <a:rPr lang="en-US" sz="2000" dirty="0"/>
+                  <a:t>of Target Emotion</a:t>
+                </a:r>
+              </a:p>
+            </p:txBody>
+          </p:sp>
+        </mc:Choice>
+        <mc:Fallback>
+          <p:sp>
+            <p:nvSpPr>
+              <p:cNvPr id="21" name="TextBox 20">
+                <a:extLst>
+                  <a:ext uri="{FF2B5EF4-FFF2-40B4-BE49-F238E27FC236}">
+                    <a16:creationId xmlns:a16="http://schemas.microsoft.com/office/drawing/2014/main" id="{7BCF5CD5-749C-4B68-8074-FC7A17DBA061}"/>
+                  </a:ext>
+                </a:extLst>
+              </p:cNvPr>
+              <p:cNvSpPr txBox="1">
+                <a:spLocks noRot="1" noChangeAspect="1" noMove="1" noResize="1" noEditPoints="1" noAdjustHandles="1" noChangeArrowheads="1" noChangeShapeType="1" noTextEdit="1"/>
+              </p:cNvSpPr>
+              <p:nvPr/>
+            </p:nvSpPr>
+            <p:spPr>
+              <a:xfrm>
+                <a:off x="6551387" y="3087644"/>
+                <a:ext cx="2039534" cy="707886"/>
+              </a:xfrm>
+              <a:prstGeom prst="rect">
+                <a:avLst/>
+              </a:prstGeom>
+              <a:blipFill>
+                <a:blip r:embed="rId10"/>
+                <a:stretch>
+                  <a:fillRect l="-2353" t="-2459" r="-1765" b="-11475"/>
+                </a:stretch>
+              </a:blipFill>
+              <a:ln w="38100">
+                <a:solidFill>
+                  <a:srgbClr val="00B050"/>
+                </a:solidFill>
+              </a:ln>
+            </p:spPr>
+            <p:txBody>
+              <a:bodyPr/>
+              <a:lstStyle/>
+              <a:p>
+                <a:r>
+                  <a:rPr lang="en-US">
+                    <a:noFill/>
+                  </a:rPr>
+                  <a:t> </a:t>
+                </a:r>
+              </a:p>
+            </p:txBody>
+          </p:sp>
+        </mc:Fallback>
+      </mc:AlternateContent>
+      <p:cxnSp>
+        <p:nvCxnSpPr>
+          <p:cNvPr id="24" name="Straight Arrow Connector 23">
+            <a:extLst>
+              <a:ext uri="{FF2B5EF4-FFF2-40B4-BE49-F238E27FC236}">
+                <a16:creationId xmlns:a16="http://schemas.microsoft.com/office/drawing/2014/main" id="{7BA5D5C9-67A5-4289-AAC4-E62870571B9C}"/>
+              </a:ext>
+            </a:extLst>
+          </p:cNvPr>
+          <p:cNvCxnSpPr>
+            <a:stCxn id="21" idx="1"/>
+          </p:cNvCxnSpPr>
+          <p:nvPr/>
+        </p:nvCxnSpPr>
+        <p:spPr>
+          <a:xfrm flipH="1">
+            <a:off x="5950680" y="3441587"/>
+            <a:ext cx="600707" cy="1"/>
+          </a:xfrm>
+          <a:prstGeom prst="straightConnector1">
+            <a:avLst/>
+          </a:prstGeom>
+          <a:ln>
+            <a:tailEnd type="triangle"/>
+          </a:ln>
+        </p:spPr>
+        <p:style>
+          <a:lnRef idx="1">
+            <a:schemeClr val="accent1"/>
+          </a:lnRef>
+          <a:fillRef idx="0">
+            <a:schemeClr val="accent1"/>
+          </a:fillRef>
+          <a:effectRef idx="0">
+            <a:schemeClr val="accent1"/>
+          </a:effectRef>
+          <a:fontRef idx="minor">
+            <a:schemeClr val="tx1"/>
+          </a:fontRef>
+        </p:style>
+      </p:cxnSp>
+      <p:cxnSp>
+        <p:nvCxnSpPr>
+          <p:cNvPr id="26" name="Straight Arrow Connector 25">
+            <a:extLst>
+              <a:ext uri="{FF2B5EF4-FFF2-40B4-BE49-F238E27FC236}">
+                <a16:creationId xmlns:a16="http://schemas.microsoft.com/office/drawing/2014/main" id="{DFF004E3-FBAD-46C4-9E33-D6048677DB0E}"/>
+              </a:ext>
+            </a:extLst>
+          </p:cNvPr>
+          <p:cNvCxnSpPr>
+            <a:cxnSpLocks/>
+            <a:stCxn id="66" idx="1"/>
+          </p:cNvCxnSpPr>
+          <p:nvPr/>
+        </p:nvCxnSpPr>
+        <p:spPr>
+          <a:xfrm flipH="1">
+            <a:off x="2662684" y="3433935"/>
+            <a:ext cx="243303" cy="10167"/>
+          </a:xfrm>
+          <a:prstGeom prst="straightConnector1">
+            <a:avLst/>
+          </a:prstGeom>
+          <a:ln>
+            <a:tailEnd type="triangle"/>
+          </a:ln>
+        </p:spPr>
+        <p:style>
+          <a:lnRef idx="1">
+            <a:schemeClr val="accent1"/>
+          </a:lnRef>
+          <a:fillRef idx="0">
+            <a:schemeClr val="accent1"/>
+          </a:fillRef>
+          <a:effectRef idx="0">
+            <a:schemeClr val="accent1"/>
+          </a:effectRef>
+          <a:fontRef idx="minor">
+            <a:schemeClr val="tx1"/>
+          </a:fontRef>
+        </p:style>
+      </p:cxnSp>
+    </p:spTree>
+    <p:extLst>
+      <p:ext uri="{BB962C8B-B14F-4D97-AF65-F5344CB8AC3E}">
+        <p14:creationId xmlns:p14="http://schemas.microsoft.com/office/powerpoint/2010/main" val="1098909296"/>
+      </p:ext>
+    </p:extLst>
+  </p:cSld>
+  <p:clrMapOvr>
+    <a:masterClrMapping/>
+  </p:clrMapOvr>
+</p:sld>
+</file>
+
+<file path=ppt/slides/slide11.xml><?xml version="1.0" encoding="utf-8"?>
+<p:sld xmlns:a="http://schemas.openxmlformats.org/drawingml/2006/main" xmlns:r="http://schemas.openxmlformats.org/officeDocument/2006/relationships" xmlns:p="http://schemas.openxmlformats.org/presentationml/2006/main">
+  <p:cSld>
+    <p:spTree>
+      <p:nvGrpSpPr>
+        <p:cNvPr id="1" name=""/>
+        <p:cNvGrpSpPr/>
+        <p:nvPr/>
+      </p:nvGrpSpPr>
+      <p:grpSpPr>
+        <a:xfrm>
+          <a:off x="0" y="0"/>
+          <a:ext cx="0" cy="0"/>
+          <a:chOff x="0" y="0"/>
+          <a:chExt cx="0" cy="0"/>
+        </a:xfrm>
+      </p:grpSpPr>
+      <p:grpSp>
+        <p:nvGrpSpPr>
+          <p:cNvPr id="166" name="Group 165">
+            <a:extLst>
+              <a:ext uri="{FF2B5EF4-FFF2-40B4-BE49-F238E27FC236}">
+                <a16:creationId xmlns:a16="http://schemas.microsoft.com/office/drawing/2014/main" id="{A8E471AD-7B28-4E01-A866-6300AEDF5D94}"/>
+              </a:ext>
+            </a:extLst>
+          </p:cNvPr>
+          <p:cNvGrpSpPr/>
+          <p:nvPr/>
+        </p:nvGrpSpPr>
+        <p:grpSpPr>
+          <a:xfrm>
+            <a:off x="483902" y="740884"/>
+            <a:ext cx="6341319" cy="2586275"/>
+            <a:chOff x="69375" y="240352"/>
+            <a:chExt cx="6221849" cy="2206369"/>
+          </a:xfrm>
+        </p:grpSpPr>
+        <mc:AlternateContent xmlns:mc="http://schemas.openxmlformats.org/markup-compatibility/2006">
+          <mc:Choice xmlns:a14="http://schemas.microsoft.com/office/drawing/2010/main" Requires="a14">
+            <p:sp>
+              <p:nvSpPr>
+                <p:cNvPr id="11" name="TextBox 10">
+                  <a:extLst>
+                    <a:ext uri="{FF2B5EF4-FFF2-40B4-BE49-F238E27FC236}">
+                      <a16:creationId xmlns:a16="http://schemas.microsoft.com/office/drawing/2014/main" id="{6DFA067E-BB8B-49C7-A608-092192816222}"/>
+                    </a:ext>
+                  </a:extLst>
+                </p:cNvPr>
+                <p:cNvSpPr txBox="1"/>
+                <p:nvPr/>
+              </p:nvSpPr>
+              <p:spPr>
+                <a:xfrm>
+                  <a:off x="2093972" y="240352"/>
+                  <a:ext cx="2186195" cy="315846"/>
+                </a:xfrm>
+                <a:prstGeom prst="rect">
+                  <a:avLst/>
+                </a:prstGeom>
+                <a:noFill/>
+              </p:spPr>
+              <p:txBody>
+                <a:bodyPr wrap="none" rtlCol="0">
+                  <a:spAutoFit/>
+                </a:bodyPr>
+                <a:lstStyle/>
+                <a:p>
+                  <a:r>
+                    <a:rPr lang="en-US" dirty="0"/>
+                    <a:t>Content encoder (</a:t>
+                  </a:r>
+                  <a14:m>
+                    <m:oMath xmlns:m="http://schemas.openxmlformats.org/officeDocument/2006/math">
+                      <m:sSup>
+                        <m:sSupPr>
+                          <m:ctrlPr>
+                            <a:rPr lang="en-US" i="1">
+                              <a:latin typeface="Cambria Math" panose="02040503050406030204" pitchFamily="18" charset="0"/>
+                            </a:rPr>
+                          </m:ctrlPr>
+                        </m:sSupPr>
+                        <m:e>
+                          <m:r>
+                            <a:rPr lang="en-US" i="1">
+                              <a:latin typeface="Cambria Math" panose="02040503050406030204" pitchFamily="18" charset="0"/>
+                            </a:rPr>
+                            <m:t>𝐸</m:t>
+                          </m:r>
+                        </m:e>
+                        <m:sup>
+                          <m:r>
+                            <a:rPr lang="en-US" i="1">
+                              <a:latin typeface="Cambria Math" panose="02040503050406030204" pitchFamily="18" charset="0"/>
+                            </a:rPr>
+                            <m:t>𝐶</m:t>
+                          </m:r>
+                        </m:sup>
+                      </m:sSup>
+                    </m:oMath>
+                  </a14:m>
+                  <a:r>
+                    <a:rPr lang="en-US" dirty="0"/>
+                    <a:t>)</a:t>
+                  </a:r>
+                </a:p>
+              </p:txBody>
+            </p:sp>
+          </mc:Choice>
+          <mc:Fallback>
+            <p:sp>
+              <p:nvSpPr>
+                <p:cNvPr id="11" name="TextBox 10">
+                  <a:extLst>
+                    <a:ext uri="{FF2B5EF4-FFF2-40B4-BE49-F238E27FC236}">
+                      <a16:creationId xmlns:a16="http://schemas.microsoft.com/office/drawing/2014/main" id="{6DFA067E-BB8B-49C7-A608-092192816222}"/>
+                    </a:ext>
+                  </a:extLst>
+                </p:cNvPr>
+                <p:cNvSpPr txBox="1">
+                  <a:spLocks noRot="1" noChangeAspect="1" noMove="1" noResize="1" noEditPoints="1" noAdjustHandles="1" noChangeArrowheads="1" noChangeShapeType="1" noTextEdit="1"/>
+                </p:cNvSpPr>
+                <p:nvPr/>
+              </p:nvSpPr>
+              <p:spPr>
+                <a:xfrm>
+                  <a:off x="2093972" y="240352"/>
+                  <a:ext cx="2186195" cy="315846"/>
+                </a:xfrm>
+                <a:prstGeom prst="rect">
+                  <a:avLst/>
+                </a:prstGeom>
+                <a:blipFill>
+                  <a:blip r:embed="rId2"/>
+                  <a:stretch>
+                    <a:fillRect l="-2466" t="-8333" r="-1644" b="-28333"/>
+                  </a:stretch>
+                </a:blipFill>
+              </p:spPr>
+              <p:txBody>
+                <a:bodyPr/>
+                <a:lstStyle/>
+                <a:p>
+                  <a:r>
+                    <a:rPr lang="en-US">
+                      <a:noFill/>
+                    </a:rPr>
+                    <a:t> </a:t>
+                  </a:r>
+                </a:p>
+              </p:txBody>
+            </p:sp>
+          </mc:Fallback>
+        </mc:AlternateContent>
+        <p:grpSp>
+          <p:nvGrpSpPr>
+            <p:cNvPr id="128" name="Group 127">
+              <a:extLst>
+                <a:ext uri="{FF2B5EF4-FFF2-40B4-BE49-F238E27FC236}">
+                  <a16:creationId xmlns:a16="http://schemas.microsoft.com/office/drawing/2014/main" id="{B42DAD85-1193-4058-BB80-E48E1978C78E}"/>
+                </a:ext>
+              </a:extLst>
+            </p:cNvPr>
+            <p:cNvGrpSpPr/>
+            <p:nvPr/>
+          </p:nvGrpSpPr>
+          <p:grpSpPr>
+            <a:xfrm>
+              <a:off x="69375" y="559743"/>
+              <a:ext cx="6221849" cy="1886978"/>
+              <a:chOff x="818719" y="495891"/>
+              <a:chExt cx="6221849" cy="1886978"/>
+            </a:xfrm>
+          </p:grpSpPr>
+          <p:grpSp>
+            <p:nvGrpSpPr>
+              <p:cNvPr id="22" name="Group 21">
+                <a:extLst>
+                  <a:ext uri="{FF2B5EF4-FFF2-40B4-BE49-F238E27FC236}">
+                    <a16:creationId xmlns:a16="http://schemas.microsoft.com/office/drawing/2014/main" id="{37AFAA03-3BCE-402A-A029-CD2B28CA6C7E}"/>
+                  </a:ext>
+                </a:extLst>
+              </p:cNvPr>
+              <p:cNvGrpSpPr/>
+              <p:nvPr/>
+            </p:nvGrpSpPr>
+            <p:grpSpPr>
+              <a:xfrm>
+                <a:off x="1467019" y="495891"/>
+                <a:ext cx="1376298" cy="1591064"/>
+                <a:chOff x="1786378" y="2053123"/>
+                <a:chExt cx="1376298" cy="1591064"/>
+              </a:xfrm>
+            </p:grpSpPr>
+            <p:sp>
+              <p:nvSpPr>
+                <p:cNvPr id="9" name="TextBox 8">
+                  <a:extLst>
+                    <a:ext uri="{FF2B5EF4-FFF2-40B4-BE49-F238E27FC236}">
+                      <a16:creationId xmlns:a16="http://schemas.microsoft.com/office/drawing/2014/main" id="{DA720DBD-BC61-46E9-B4DA-66A2DDFCE11B}"/>
+                    </a:ext>
+                  </a:extLst>
+                </p:cNvPr>
+                <p:cNvSpPr txBox="1"/>
+                <p:nvPr/>
+              </p:nvSpPr>
+              <p:spPr>
+                <a:xfrm>
+                  <a:off x="1786378" y="2053124"/>
+                  <a:ext cx="452967" cy="1591063"/>
+                </a:xfrm>
+                <a:prstGeom prst="rect">
+                  <a:avLst/>
+                </a:prstGeom>
+                <a:solidFill>
+                  <a:schemeClr val="accent5">
+                    <a:lumMod val="60000"/>
+                    <a:lumOff val="40000"/>
+                  </a:schemeClr>
+                </a:solidFill>
+                <a:ln>
+                  <a:noFill/>
+                </a:ln>
+              </p:spPr>
+              <p:txBody>
+                <a:bodyPr vert="eaVert" wrap="square" rtlCol="0">
+                  <a:spAutoFit/>
+                </a:bodyPr>
+                <a:lstStyle/>
+                <a:p>
+                  <a:pPr algn="ctr"/>
+                  <a:r>
+                    <a:rPr lang="en-US" dirty="0"/>
+                    <a:t>conv1d</a:t>
+                  </a:r>
+                </a:p>
+              </p:txBody>
+            </p:sp>
+            <p:sp>
+              <p:nvSpPr>
+                <p:cNvPr id="15" name="TextBox 14">
+                  <a:extLst>
+                    <a:ext uri="{FF2B5EF4-FFF2-40B4-BE49-F238E27FC236}">
+                      <a16:creationId xmlns:a16="http://schemas.microsoft.com/office/drawing/2014/main" id="{A4B15D1E-8593-4DBD-822A-E2172F3A9C6B}"/>
+                    </a:ext>
+                  </a:extLst>
+                </p:cNvPr>
+                <p:cNvSpPr txBox="1"/>
+                <p:nvPr/>
+              </p:nvSpPr>
+              <p:spPr>
+                <a:xfrm>
+                  <a:off x="2248044" y="2053123"/>
+                  <a:ext cx="452967" cy="1591063"/>
+                </a:xfrm>
+                <a:prstGeom prst="rect">
+                  <a:avLst/>
+                </a:prstGeom>
+                <a:solidFill>
+                  <a:srgbClr val="FF0000">
+                    <a:alpha val="40000"/>
+                  </a:srgbClr>
+                </a:solidFill>
+              </p:spPr>
+              <p:txBody>
+                <a:bodyPr vert="eaVert" wrap="square" rtlCol="0">
+                  <a:spAutoFit/>
+                </a:bodyPr>
+                <a:lstStyle/>
+                <a:p>
+                  <a:pPr algn="ctr"/>
+                  <a:r>
+                    <a:rPr lang="en-US" dirty="0"/>
+                    <a:t>IN</a:t>
+                  </a:r>
+                </a:p>
+              </p:txBody>
+            </p:sp>
+            <p:sp>
+              <p:nvSpPr>
+                <p:cNvPr id="16" name="TextBox 15">
+                  <a:extLst>
+                    <a:ext uri="{FF2B5EF4-FFF2-40B4-BE49-F238E27FC236}">
+                      <a16:creationId xmlns:a16="http://schemas.microsoft.com/office/drawing/2014/main" id="{C889E6FC-4EB4-4176-A185-E1AC5D793CC8}"/>
+                    </a:ext>
+                  </a:extLst>
+                </p:cNvPr>
+                <p:cNvSpPr txBox="1"/>
+                <p:nvPr/>
+              </p:nvSpPr>
+              <p:spPr>
+                <a:xfrm>
+                  <a:off x="2709709" y="2053123"/>
+                  <a:ext cx="452967" cy="1591063"/>
+                </a:xfrm>
+                <a:prstGeom prst="rect">
+                  <a:avLst/>
+                </a:prstGeom>
+                <a:solidFill>
+                  <a:srgbClr val="FFFF00">
+                    <a:alpha val="40000"/>
+                  </a:srgbClr>
+                </a:solidFill>
+              </p:spPr>
+              <p:txBody>
+                <a:bodyPr vert="eaVert" wrap="square" rtlCol="0">
+                  <a:spAutoFit/>
+                </a:bodyPr>
+                <a:lstStyle/>
+                <a:p>
+                  <a:pPr algn="ctr"/>
+                  <a:r>
+                    <a:rPr lang="en-US" dirty="0"/>
+                    <a:t>GLU</a:t>
+                  </a:r>
+                </a:p>
+              </p:txBody>
+            </p:sp>
+          </p:grpSp>
+          <p:grpSp>
+            <p:nvGrpSpPr>
+              <p:cNvPr id="41" name="Group 40">
+                <a:extLst>
+                  <a:ext uri="{FF2B5EF4-FFF2-40B4-BE49-F238E27FC236}">
+                    <a16:creationId xmlns:a16="http://schemas.microsoft.com/office/drawing/2014/main" id="{A03BC2C6-3876-432B-AF6A-D6FEC977F6CC}"/>
+                  </a:ext>
+                </a:extLst>
+              </p:cNvPr>
+              <p:cNvGrpSpPr/>
+              <p:nvPr/>
+            </p:nvGrpSpPr>
+            <p:grpSpPr>
+              <a:xfrm>
+                <a:off x="3143765" y="495892"/>
+                <a:ext cx="1377876" cy="1593391"/>
+                <a:chOff x="3870216" y="2053123"/>
+                <a:chExt cx="1377876" cy="1593391"/>
+              </a:xfrm>
+            </p:grpSpPr>
+            <p:sp>
+              <p:nvSpPr>
+                <p:cNvPr id="17" name="TextBox 16">
+                  <a:extLst>
+                    <a:ext uri="{FF2B5EF4-FFF2-40B4-BE49-F238E27FC236}">
+                      <a16:creationId xmlns:a16="http://schemas.microsoft.com/office/drawing/2014/main" id="{EC787643-EF5F-4D76-AF2E-7F1BC0CCBCF3}"/>
+                    </a:ext>
+                  </a:extLst>
+                </p:cNvPr>
+                <p:cNvSpPr txBox="1"/>
+                <p:nvPr/>
+              </p:nvSpPr>
+              <p:spPr>
+                <a:xfrm>
+                  <a:off x="3870216" y="2053124"/>
+                  <a:ext cx="452967" cy="1591063"/>
+                </a:xfrm>
+                <a:prstGeom prst="rect">
+                  <a:avLst/>
+                </a:prstGeom>
+                <a:solidFill>
+                  <a:schemeClr val="accent5">
+                    <a:lumMod val="60000"/>
+                    <a:lumOff val="40000"/>
+                  </a:schemeClr>
+                </a:solidFill>
+              </p:spPr>
+              <p:txBody>
+                <a:bodyPr vert="eaVert" wrap="square" rtlCol="0">
+                  <a:spAutoFit/>
+                </a:bodyPr>
+                <a:lstStyle/>
+                <a:p>
+                  <a:pPr algn="ctr"/>
+                  <a:r>
+                    <a:rPr lang="en-US" dirty="0"/>
+                    <a:t>conv1d</a:t>
+                  </a:r>
+                </a:p>
+              </p:txBody>
+            </p:sp>
+            <p:sp>
+              <p:nvSpPr>
+                <p:cNvPr id="18" name="TextBox 17">
+                  <a:extLst>
+                    <a:ext uri="{FF2B5EF4-FFF2-40B4-BE49-F238E27FC236}">
+                      <a16:creationId xmlns:a16="http://schemas.microsoft.com/office/drawing/2014/main" id="{165023F3-1577-483F-8F8D-FB09E1BEB27A}"/>
+                    </a:ext>
+                  </a:extLst>
+                </p:cNvPr>
+                <p:cNvSpPr txBox="1"/>
+                <p:nvPr/>
+              </p:nvSpPr>
+              <p:spPr>
+                <a:xfrm>
+                  <a:off x="4331880" y="2053123"/>
+                  <a:ext cx="452967" cy="1591063"/>
+                </a:xfrm>
+                <a:prstGeom prst="rect">
+                  <a:avLst/>
+                </a:prstGeom>
+                <a:solidFill>
+                  <a:srgbClr val="FF0000">
+                    <a:alpha val="40000"/>
+                  </a:srgbClr>
+                </a:solidFill>
+              </p:spPr>
+              <p:txBody>
+                <a:bodyPr vert="eaVert" wrap="square" rtlCol="0">
+                  <a:spAutoFit/>
+                </a:bodyPr>
+                <a:lstStyle/>
+                <a:p>
+                  <a:pPr algn="ctr"/>
+                  <a:r>
+                    <a:rPr lang="en-US" dirty="0"/>
+                    <a:t>IN</a:t>
+                  </a:r>
+                </a:p>
+              </p:txBody>
+            </p:sp>
+            <p:sp>
+              <p:nvSpPr>
+                <p:cNvPr id="19" name="TextBox 18">
+                  <a:extLst>
+                    <a:ext uri="{FF2B5EF4-FFF2-40B4-BE49-F238E27FC236}">
+                      <a16:creationId xmlns:a16="http://schemas.microsoft.com/office/drawing/2014/main" id="{4EC0C313-2EFA-40C8-88D1-374EFDF9D3FB}"/>
+                    </a:ext>
+                  </a:extLst>
+                </p:cNvPr>
+                <p:cNvSpPr txBox="1"/>
+                <p:nvPr/>
+              </p:nvSpPr>
+              <p:spPr>
+                <a:xfrm>
+                  <a:off x="4795125" y="2055451"/>
+                  <a:ext cx="452967" cy="1591063"/>
+                </a:xfrm>
+                <a:prstGeom prst="rect">
+                  <a:avLst/>
+                </a:prstGeom>
+                <a:solidFill>
+                  <a:srgbClr val="FFFF00">
+                    <a:alpha val="40000"/>
+                  </a:srgbClr>
+                </a:solidFill>
+              </p:spPr>
+              <p:txBody>
+                <a:bodyPr vert="eaVert" wrap="square" rtlCol="0">
+                  <a:spAutoFit/>
+                </a:bodyPr>
+                <a:lstStyle/>
+                <a:p>
+                  <a:pPr algn="ctr"/>
+                  <a:r>
+                    <a:rPr lang="en-US" dirty="0"/>
+                    <a:t>GLU</a:t>
+                  </a:r>
+                </a:p>
+              </p:txBody>
+            </p:sp>
+          </p:grpSp>
+          <mc:AlternateContent xmlns:mc="http://schemas.openxmlformats.org/markup-compatibility/2006">
+            <mc:Choice xmlns:a14="http://schemas.microsoft.com/office/drawing/2010/main" Requires="a14">
+              <p:sp>
+                <p:nvSpPr>
+                  <p:cNvPr id="20" name="TextBox 19">
+                    <a:extLst>
+                      <a:ext uri="{FF2B5EF4-FFF2-40B4-BE49-F238E27FC236}">
+                        <a16:creationId xmlns:a16="http://schemas.microsoft.com/office/drawing/2014/main" id="{534A483D-7492-4680-A8EA-77DA2E2CD56E}"/>
+                      </a:ext>
+                    </a:extLst>
+                  </p:cNvPr>
+                  <p:cNvSpPr txBox="1"/>
+                  <p:nvPr/>
+                </p:nvSpPr>
+                <p:spPr>
+                  <a:xfrm>
+                    <a:off x="3020707" y="2094046"/>
+                    <a:ext cx="1583309" cy="288823"/>
+                  </a:xfrm>
+                  <a:prstGeom prst="rect">
+                    <a:avLst/>
+                  </a:prstGeom>
+                  <a:noFill/>
+                </p:spPr>
+                <p:txBody>
+                  <a:bodyPr wrap="none" rtlCol="0">
+                    <a:spAutoFit/>
+                  </a:bodyPr>
+                  <a:lstStyle/>
+                  <a:p>
+                    <a:r>
+                      <a:rPr lang="en-US" sz="1600" dirty="0"/>
+                      <a:t>Downsample </a:t>
+                    </a:r>
+                    <a14:m>
+                      <m:oMath xmlns:m="http://schemas.openxmlformats.org/officeDocument/2006/math">
+                        <m:r>
+                          <a:rPr lang="en-US" sz="1600" i="1">
+                            <a:latin typeface="Cambria Math" panose="02040503050406030204" pitchFamily="18" charset="0"/>
+                            <a:ea typeface="Cambria Math" panose="02040503050406030204" pitchFamily="18" charset="0"/>
+                          </a:rPr>
+                          <m:t>× </m:t>
+                        </m:r>
+                      </m:oMath>
+                    </a14:m>
+                    <a:r>
+                      <a:rPr lang="en-US" sz="1600" dirty="0"/>
+                      <a:t>2</a:t>
+                    </a:r>
+                  </a:p>
+                </p:txBody>
+              </p:sp>
+            </mc:Choice>
+            <mc:Fallback>
+              <p:sp>
+                <p:nvSpPr>
+                  <p:cNvPr id="20" name="TextBox 19">
+                    <a:extLst>
+                      <a:ext uri="{FF2B5EF4-FFF2-40B4-BE49-F238E27FC236}">
+                        <a16:creationId xmlns:a16="http://schemas.microsoft.com/office/drawing/2014/main" id="{534A483D-7492-4680-A8EA-77DA2E2CD56E}"/>
+                      </a:ext>
+                    </a:extLst>
+                  </p:cNvPr>
+                  <p:cNvSpPr txBox="1">
+                    <a:spLocks noRot="1" noChangeAspect="1" noMove="1" noResize="1" noEditPoints="1" noAdjustHandles="1" noChangeArrowheads="1" noChangeShapeType="1" noTextEdit="1"/>
+                  </p:cNvSpPr>
+                  <p:nvPr/>
+                </p:nvSpPr>
+                <p:spPr>
+                  <a:xfrm>
+                    <a:off x="3020707" y="2094046"/>
+                    <a:ext cx="1583309" cy="288823"/>
+                  </a:xfrm>
+                  <a:prstGeom prst="rect">
+                    <a:avLst/>
+                  </a:prstGeom>
+                  <a:blipFill>
+                    <a:blip r:embed="rId3"/>
+                    <a:stretch>
+                      <a:fillRect l="-2273" t="-5357" r="-1136" b="-21429"/>
+                    </a:stretch>
+                  </a:blipFill>
+                </p:spPr>
+                <p:txBody>
+                  <a:bodyPr/>
+                  <a:lstStyle/>
+                  <a:p>
+                    <a:r>
+                      <a:rPr lang="en-US">
+                        <a:noFill/>
+                      </a:rPr>
+                      <a:t> </a:t>
+                    </a:r>
+                  </a:p>
+                </p:txBody>
+              </p:sp>
+            </mc:Fallback>
+          </mc:AlternateContent>
+          <mc:AlternateContent xmlns:mc="http://schemas.openxmlformats.org/markup-compatibility/2006">
+            <mc:Choice xmlns:a14="http://schemas.microsoft.com/office/drawing/2010/main" Requires="a14">
+              <p:sp>
+                <p:nvSpPr>
+                  <p:cNvPr id="27" name="TextBox 26">
+                    <a:extLst>
+                      <a:ext uri="{FF2B5EF4-FFF2-40B4-BE49-F238E27FC236}">
+                        <a16:creationId xmlns:a16="http://schemas.microsoft.com/office/drawing/2014/main" id="{923A1159-7C10-4ADA-B19E-44817431AE6E}"/>
+                      </a:ext>
+                    </a:extLst>
+                  </p:cNvPr>
+                  <p:cNvSpPr txBox="1"/>
+                  <p:nvPr/>
+                </p:nvSpPr>
+                <p:spPr>
+                  <a:xfrm>
+                    <a:off x="4960718" y="2094046"/>
+                    <a:ext cx="1236161" cy="288823"/>
+                  </a:xfrm>
+                  <a:prstGeom prst="rect">
+                    <a:avLst/>
+                  </a:prstGeom>
+                  <a:noFill/>
+                </p:spPr>
+                <p:txBody>
+                  <a:bodyPr wrap="none" rtlCol="0">
+                    <a:spAutoFit/>
+                  </a:bodyPr>
+                  <a:lstStyle/>
+                  <a:p>
+                    <a:r>
+                      <a:rPr lang="en-US" sz="1600" dirty="0"/>
+                      <a:t>Resblock </a:t>
+                    </a:r>
+                    <a14:m>
+                      <m:oMath xmlns:m="http://schemas.openxmlformats.org/officeDocument/2006/math">
+                        <m:r>
+                          <a:rPr lang="en-US" sz="1600" i="1">
+                            <a:latin typeface="Cambria Math" panose="02040503050406030204" pitchFamily="18" charset="0"/>
+                            <a:ea typeface="Cambria Math" panose="02040503050406030204" pitchFamily="18" charset="0"/>
+                          </a:rPr>
+                          <m:t>× </m:t>
+                        </m:r>
+                      </m:oMath>
+                    </a14:m>
+                    <a:r>
+                      <a:rPr lang="en-US" sz="1600" dirty="0"/>
+                      <a:t>4</a:t>
+                    </a:r>
+                  </a:p>
+                </p:txBody>
+              </p:sp>
+            </mc:Choice>
+            <mc:Fallback>
+              <p:sp>
+                <p:nvSpPr>
+                  <p:cNvPr id="27" name="TextBox 26">
+                    <a:extLst>
+                      <a:ext uri="{FF2B5EF4-FFF2-40B4-BE49-F238E27FC236}">
+                        <a16:creationId xmlns:a16="http://schemas.microsoft.com/office/drawing/2014/main" id="{923A1159-7C10-4ADA-B19E-44817431AE6E}"/>
+                      </a:ext>
+                    </a:extLst>
+                  </p:cNvPr>
+                  <p:cNvSpPr txBox="1">
+                    <a:spLocks noRot="1" noChangeAspect="1" noMove="1" noResize="1" noEditPoints="1" noAdjustHandles="1" noChangeArrowheads="1" noChangeShapeType="1" noTextEdit="1"/>
+                  </p:cNvSpPr>
+                  <p:nvPr/>
+                </p:nvSpPr>
+                <p:spPr>
+                  <a:xfrm>
+                    <a:off x="4960718" y="2094046"/>
+                    <a:ext cx="1236161" cy="288823"/>
+                  </a:xfrm>
+                  <a:prstGeom prst="rect">
+                    <a:avLst/>
+                  </a:prstGeom>
+                  <a:blipFill>
+                    <a:blip r:embed="rId4"/>
+                    <a:stretch>
+                      <a:fillRect l="-2899" t="-5357" r="-1449" b="-21429"/>
+                    </a:stretch>
+                  </a:blipFill>
+                </p:spPr>
+                <p:txBody>
+                  <a:bodyPr/>
+                  <a:lstStyle/>
+                  <a:p>
+                    <a:r>
+                      <a:rPr lang="en-US">
+                        <a:noFill/>
+                      </a:rPr>
+                      <a:t> </a:t>
+                    </a:r>
+                  </a:p>
+                </p:txBody>
+              </p:sp>
+            </mc:Fallback>
+          </mc:AlternateContent>
+          <p:grpSp>
+            <p:nvGrpSpPr>
+              <p:cNvPr id="40" name="Group 39">
+                <a:extLst>
+                  <a:ext uri="{FF2B5EF4-FFF2-40B4-BE49-F238E27FC236}">
+                    <a16:creationId xmlns:a16="http://schemas.microsoft.com/office/drawing/2014/main" id="{1E5A432B-0902-4C01-8E4E-F03B4C16B2AE}"/>
+                  </a:ext>
+                </a:extLst>
+              </p:cNvPr>
+              <p:cNvGrpSpPr/>
+              <p:nvPr/>
+            </p:nvGrpSpPr>
+            <p:grpSpPr>
+              <a:xfrm>
+                <a:off x="4811810" y="495892"/>
+                <a:ext cx="1573260" cy="1598154"/>
+                <a:chOff x="5370650" y="2060214"/>
+                <a:chExt cx="1573260" cy="1598154"/>
+              </a:xfrm>
+            </p:grpSpPr>
+            <p:sp>
+              <p:nvSpPr>
+                <p:cNvPr id="32" name="TextBox 31">
+                  <a:extLst>
+                    <a:ext uri="{FF2B5EF4-FFF2-40B4-BE49-F238E27FC236}">
+                      <a16:creationId xmlns:a16="http://schemas.microsoft.com/office/drawing/2014/main" id="{92DAE0AD-D2AD-476A-A7BA-B8ACCEEC1785}"/>
+                    </a:ext>
+                  </a:extLst>
+                </p:cNvPr>
+                <p:cNvSpPr txBox="1"/>
+                <p:nvPr/>
+              </p:nvSpPr>
+              <p:spPr>
+                <a:xfrm>
+                  <a:off x="6490943" y="2062051"/>
+                  <a:ext cx="452967" cy="1596317"/>
+                </a:xfrm>
+                <a:prstGeom prst="rect">
+                  <a:avLst/>
+                </a:prstGeom>
+                <a:solidFill>
+                  <a:srgbClr val="00B050">
+                    <a:alpha val="40000"/>
+                  </a:srgbClr>
+                </a:solidFill>
+              </p:spPr>
+              <p:txBody>
+                <a:bodyPr vert="eaVert" wrap="square" rtlCol="0">
+                  <a:spAutoFit/>
+                </a:bodyPr>
+                <a:lstStyle/>
+                <a:p>
+                  <a:pPr algn="ctr"/>
+                  <a:r>
+                    <a:rPr lang="en-US" dirty="0"/>
+                    <a:t>Sum</a:t>
+                  </a:r>
+                </a:p>
+              </p:txBody>
+            </p:sp>
+            <p:sp>
+              <p:nvSpPr>
+                <p:cNvPr id="33" name="Rectangle 32">
+                  <a:extLst>
+                    <a:ext uri="{FF2B5EF4-FFF2-40B4-BE49-F238E27FC236}">
+                      <a16:creationId xmlns:a16="http://schemas.microsoft.com/office/drawing/2014/main" id="{024C26E8-66C2-4146-BE80-3723304072AB}"/>
+                    </a:ext>
+                  </a:extLst>
+                </p:cNvPr>
+                <p:cNvSpPr/>
+                <p:nvPr/>
+              </p:nvSpPr>
+              <p:spPr>
+                <a:xfrm>
+                  <a:off x="5370650" y="2060214"/>
+                  <a:ext cx="222238" cy="1596317"/>
+                </a:xfrm>
+                <a:prstGeom prst="rect">
+                  <a:avLst/>
+                </a:prstGeom>
+                <a:solidFill>
+                  <a:schemeClr val="accent5">
+                    <a:lumMod val="60000"/>
+                    <a:lumOff val="40000"/>
+                  </a:schemeClr>
+                </a:solidFill>
+                <a:ln>
+                  <a:noFill/>
+                </a:ln>
+              </p:spPr>
+              <p:style>
+                <a:lnRef idx="2">
+                  <a:schemeClr val="accent1">
+                    <a:shade val="50000"/>
+                  </a:schemeClr>
+                </a:lnRef>
+                <a:fillRef idx="1">
+                  <a:schemeClr val="accent1"/>
+                </a:fillRef>
+                <a:effectRef idx="0">
+                  <a:schemeClr val="accent1"/>
+                </a:effectRef>
+                <a:fontRef idx="minor">
+                  <a:schemeClr val="lt1"/>
+                </a:fontRef>
+              </p:style>
+              <p:txBody>
+                <a:bodyPr rot="0" spcFirstLastPara="0" vertOverflow="overflow" horzOverflow="overflow" vert="horz" wrap="square" lIns="91440" tIns="45720" rIns="91440" bIns="45720" numCol="1" spcCol="0" rtlCol="0" fromWordArt="0" anchor="ctr" anchorCtr="0" forceAA="0" compatLnSpc="1">
+                  <a:prstTxWarp prst="textNoShape">
+                    <a:avLst/>
+                  </a:prstTxWarp>
+                  <a:noAutofit/>
+                </a:bodyPr>
+                <a:lstStyle/>
+                <a:p>
+                  <a:pPr algn="ctr"/>
+                  <a:endParaRPr lang="en-US"/>
+                </a:p>
+              </p:txBody>
+            </p:sp>
+            <p:sp>
+              <p:nvSpPr>
+                <p:cNvPr id="34" name="Rectangle 33">
+                  <a:extLst>
+                    <a:ext uri="{FF2B5EF4-FFF2-40B4-BE49-F238E27FC236}">
+                      <a16:creationId xmlns:a16="http://schemas.microsoft.com/office/drawing/2014/main" id="{1B35F007-3139-4610-8895-382B8ABA7CE5}"/>
+                    </a:ext>
+                  </a:extLst>
+                </p:cNvPr>
+                <p:cNvSpPr/>
+                <p:nvPr/>
+              </p:nvSpPr>
+              <p:spPr>
+                <a:xfrm>
+                  <a:off x="5590313" y="2062051"/>
+                  <a:ext cx="222238" cy="1596317"/>
+                </a:xfrm>
+                <a:prstGeom prst="rect">
+                  <a:avLst/>
+                </a:prstGeom>
+                <a:solidFill>
+                  <a:srgbClr val="FF0000">
+                    <a:alpha val="40000"/>
+                  </a:srgbClr>
+                </a:solidFill>
+                <a:ln>
+                  <a:noFill/>
+                </a:ln>
+              </p:spPr>
+              <p:style>
+                <a:lnRef idx="2">
+                  <a:schemeClr val="accent1">
+                    <a:shade val="50000"/>
+                  </a:schemeClr>
+                </a:lnRef>
+                <a:fillRef idx="1">
+                  <a:schemeClr val="accent1"/>
+                </a:fillRef>
+                <a:effectRef idx="0">
+                  <a:schemeClr val="accent1"/>
+                </a:effectRef>
+                <a:fontRef idx="minor">
+                  <a:schemeClr val="lt1"/>
+                </a:fontRef>
+              </p:style>
+              <p:txBody>
+                <a:bodyPr rot="0" spcFirstLastPara="0" vertOverflow="overflow" horzOverflow="overflow" vert="horz" wrap="square" lIns="91440" tIns="45720" rIns="91440" bIns="45720" numCol="1" spcCol="0" rtlCol="0" fromWordArt="0" anchor="ctr" anchorCtr="0" forceAA="0" compatLnSpc="1">
+                  <a:prstTxWarp prst="textNoShape">
+                    <a:avLst/>
+                  </a:prstTxWarp>
+                  <a:noAutofit/>
+                </a:bodyPr>
+                <a:lstStyle/>
+                <a:p>
+                  <a:pPr algn="ctr"/>
+                  <a:endParaRPr lang="en-US"/>
+                </a:p>
+              </p:txBody>
+            </p:sp>
+            <p:sp>
+              <p:nvSpPr>
+                <p:cNvPr id="35" name="Rectangle 34">
+                  <a:extLst>
+                    <a:ext uri="{FF2B5EF4-FFF2-40B4-BE49-F238E27FC236}">
+                      <a16:creationId xmlns:a16="http://schemas.microsoft.com/office/drawing/2014/main" id="{27E1F252-23F4-4F52-8252-1CAE37A80F49}"/>
+                    </a:ext>
+                  </a:extLst>
+                </p:cNvPr>
+                <p:cNvSpPr/>
+                <p:nvPr/>
+              </p:nvSpPr>
+              <p:spPr>
+                <a:xfrm>
+                  <a:off x="5812375" y="2062051"/>
+                  <a:ext cx="222238" cy="1596317"/>
+                </a:xfrm>
+                <a:prstGeom prst="rect">
+                  <a:avLst/>
+                </a:prstGeom>
+                <a:solidFill>
+                  <a:srgbClr val="FFFF00">
+                    <a:alpha val="40000"/>
+                  </a:srgbClr>
+                </a:solidFill>
+                <a:ln>
+                  <a:noFill/>
+                </a:ln>
+              </p:spPr>
+              <p:style>
+                <a:lnRef idx="2">
+                  <a:schemeClr val="accent1">
+                    <a:shade val="50000"/>
+                  </a:schemeClr>
+                </a:lnRef>
+                <a:fillRef idx="1">
+                  <a:schemeClr val="accent1"/>
+                </a:fillRef>
+                <a:effectRef idx="0">
+                  <a:schemeClr val="accent1"/>
+                </a:effectRef>
+                <a:fontRef idx="minor">
+                  <a:schemeClr val="lt1"/>
+                </a:fontRef>
+              </p:style>
+              <p:txBody>
+                <a:bodyPr rot="0" spcFirstLastPara="0" vertOverflow="overflow" horzOverflow="overflow" vert="horz" wrap="square" lIns="91440" tIns="45720" rIns="91440" bIns="45720" numCol="1" spcCol="0" rtlCol="0" fromWordArt="0" anchor="ctr" anchorCtr="0" forceAA="0" compatLnSpc="1">
+                  <a:prstTxWarp prst="textNoShape">
+                    <a:avLst/>
+                  </a:prstTxWarp>
+                  <a:noAutofit/>
+                </a:bodyPr>
+                <a:lstStyle/>
+                <a:p>
+                  <a:pPr algn="ctr"/>
+                  <a:endParaRPr lang="en-US"/>
+                </a:p>
+              </p:txBody>
+            </p:sp>
+            <p:sp>
+              <p:nvSpPr>
+                <p:cNvPr id="36" name="Rectangle 35">
+                  <a:extLst>
+                    <a:ext uri="{FF2B5EF4-FFF2-40B4-BE49-F238E27FC236}">
+                      <a16:creationId xmlns:a16="http://schemas.microsoft.com/office/drawing/2014/main" id="{B55B479D-D962-401C-B487-6A571F9D2DE4}"/>
+                    </a:ext>
+                  </a:extLst>
+                </p:cNvPr>
+                <p:cNvSpPr/>
+                <p:nvPr/>
+              </p:nvSpPr>
+              <p:spPr>
+                <a:xfrm>
+                  <a:off x="6038388" y="2062051"/>
+                  <a:ext cx="222238" cy="1596317"/>
+                </a:xfrm>
+                <a:prstGeom prst="rect">
+                  <a:avLst/>
+                </a:prstGeom>
+                <a:solidFill>
+                  <a:schemeClr val="accent5">
+                    <a:lumMod val="60000"/>
+                    <a:lumOff val="40000"/>
+                  </a:schemeClr>
+                </a:solidFill>
+                <a:ln>
+                  <a:noFill/>
+                </a:ln>
+              </p:spPr>
+              <p:style>
+                <a:lnRef idx="2">
+                  <a:schemeClr val="accent1">
+                    <a:shade val="50000"/>
+                  </a:schemeClr>
+                </a:lnRef>
+                <a:fillRef idx="1">
+                  <a:schemeClr val="accent1"/>
+                </a:fillRef>
+                <a:effectRef idx="0">
+                  <a:schemeClr val="accent1"/>
+                </a:effectRef>
+                <a:fontRef idx="minor">
+                  <a:schemeClr val="lt1"/>
+                </a:fontRef>
+              </p:style>
+              <p:txBody>
+                <a:bodyPr rot="0" spcFirstLastPara="0" vertOverflow="overflow" horzOverflow="overflow" vert="horz" wrap="square" lIns="91440" tIns="45720" rIns="91440" bIns="45720" numCol="1" spcCol="0" rtlCol="0" fromWordArt="0" anchor="ctr" anchorCtr="0" forceAA="0" compatLnSpc="1">
+                  <a:prstTxWarp prst="textNoShape">
+                    <a:avLst/>
+                  </a:prstTxWarp>
+                  <a:noAutofit/>
+                </a:bodyPr>
+                <a:lstStyle/>
+                <a:p>
+                  <a:pPr algn="ctr"/>
+                  <a:endParaRPr lang="en-US"/>
+                </a:p>
+              </p:txBody>
+            </p:sp>
+            <p:sp>
+              <p:nvSpPr>
+                <p:cNvPr id="37" name="Rectangle 36">
+                  <a:extLst>
+                    <a:ext uri="{FF2B5EF4-FFF2-40B4-BE49-F238E27FC236}">
+                      <a16:creationId xmlns:a16="http://schemas.microsoft.com/office/drawing/2014/main" id="{75F3A5C1-81C3-4102-A402-7774AA08E3A8}"/>
+                    </a:ext>
+                  </a:extLst>
+                </p:cNvPr>
+                <p:cNvSpPr/>
+                <p:nvPr/>
+              </p:nvSpPr>
+              <p:spPr>
+                <a:xfrm>
+                  <a:off x="6260448" y="2062050"/>
+                  <a:ext cx="222238" cy="1596317"/>
+                </a:xfrm>
+                <a:prstGeom prst="rect">
+                  <a:avLst/>
+                </a:prstGeom>
+                <a:solidFill>
+                  <a:srgbClr val="FF0000">
+                    <a:alpha val="40000"/>
+                  </a:srgbClr>
+                </a:solidFill>
+                <a:ln>
+                  <a:noFill/>
+                </a:ln>
+              </p:spPr>
+              <p:style>
+                <a:lnRef idx="2">
+                  <a:schemeClr val="accent1">
+                    <a:shade val="50000"/>
+                  </a:schemeClr>
+                </a:lnRef>
+                <a:fillRef idx="1">
+                  <a:schemeClr val="accent1"/>
+                </a:fillRef>
+                <a:effectRef idx="0">
+                  <a:schemeClr val="accent1"/>
+                </a:effectRef>
+                <a:fontRef idx="minor">
+                  <a:schemeClr val="lt1"/>
+                </a:fontRef>
+              </p:style>
+              <p:txBody>
+                <a:bodyPr rot="0" spcFirstLastPara="0" vertOverflow="overflow" horzOverflow="overflow" vert="horz" wrap="square" lIns="91440" tIns="45720" rIns="91440" bIns="45720" numCol="1" spcCol="0" rtlCol="0" fromWordArt="0" anchor="ctr" anchorCtr="0" forceAA="0" compatLnSpc="1">
+                  <a:prstTxWarp prst="textNoShape">
+                    <a:avLst/>
+                  </a:prstTxWarp>
+                  <a:noAutofit/>
+                </a:bodyPr>
+                <a:lstStyle/>
+                <a:p>
+                  <a:pPr algn="ctr"/>
+                  <a:endParaRPr lang="en-US"/>
+                </a:p>
+              </p:txBody>
+            </p:sp>
+          </p:grpSp>
+          <p:pic>
+            <p:nvPicPr>
+              <p:cNvPr id="43" name="Picture 42">
+                <a:extLst>
+                  <a:ext uri="{FF2B5EF4-FFF2-40B4-BE49-F238E27FC236}">
+                    <a16:creationId xmlns:a16="http://schemas.microsoft.com/office/drawing/2014/main" id="{3F552252-34A1-40C4-B03A-FC08B4D9AF09}"/>
+                  </a:ext>
+                </a:extLst>
+              </p:cNvPr>
+              <p:cNvPicPr>
+                <a:picLocks noChangeAspect="1"/>
+              </p:cNvPicPr>
+              <p:nvPr/>
+            </p:nvPicPr>
+            <p:blipFill>
+              <a:blip r:embed="rId5"/>
+              <a:stretch>
+                <a:fillRect/>
+              </a:stretch>
+            </p:blipFill>
+            <p:spPr>
+              <a:xfrm>
+                <a:off x="818719" y="1038439"/>
+                <a:ext cx="347854" cy="505969"/>
+              </a:xfrm>
+              <a:prstGeom prst="rect">
+                <a:avLst/>
+              </a:prstGeom>
+            </p:spPr>
+          </p:pic>
+          <p:cxnSp>
+            <p:nvCxnSpPr>
+              <p:cNvPr id="45" name="Straight Arrow Connector 44">
+                <a:extLst>
+                  <a:ext uri="{FF2B5EF4-FFF2-40B4-BE49-F238E27FC236}">
+                    <a16:creationId xmlns:a16="http://schemas.microsoft.com/office/drawing/2014/main" id="{8407025E-EF8F-4ECC-AB0E-AD8919565D3E}"/>
+                  </a:ext>
+                </a:extLst>
+              </p:cNvPr>
+              <p:cNvCxnSpPr>
+                <a:stCxn id="43" idx="3"/>
+                <a:endCxn id="9" idx="1"/>
+              </p:cNvCxnSpPr>
+              <p:nvPr/>
+            </p:nvCxnSpPr>
+            <p:spPr>
+              <a:xfrm>
+                <a:off x="1166573" y="1291424"/>
+                <a:ext cx="300446" cy="0"/>
+              </a:xfrm>
+              <a:prstGeom prst="straightConnector1">
+                <a:avLst/>
+              </a:prstGeom>
+              <a:ln>
+                <a:tailEnd type="triangle"/>
+              </a:ln>
+            </p:spPr>
+            <p:style>
+              <a:lnRef idx="1">
+                <a:schemeClr val="accent1"/>
+              </a:lnRef>
+              <a:fillRef idx="0">
+                <a:schemeClr val="accent1"/>
+              </a:fillRef>
+              <a:effectRef idx="0">
+                <a:schemeClr val="accent1"/>
+              </a:effectRef>
+              <a:fontRef idx="minor">
+                <a:schemeClr val="tx1"/>
+              </a:fontRef>
+            </p:style>
+          </p:cxnSp>
+          <p:cxnSp>
+            <p:nvCxnSpPr>
+              <p:cNvPr id="48" name="Straight Arrow Connector 47">
+                <a:extLst>
+                  <a:ext uri="{FF2B5EF4-FFF2-40B4-BE49-F238E27FC236}">
+                    <a16:creationId xmlns:a16="http://schemas.microsoft.com/office/drawing/2014/main" id="{FF4C48B3-EAF6-481D-9C82-11BE3DCF7427}"/>
+                  </a:ext>
+                </a:extLst>
+              </p:cNvPr>
+              <p:cNvCxnSpPr>
+                <a:stCxn id="16" idx="3"/>
+                <a:endCxn id="17" idx="1"/>
+              </p:cNvCxnSpPr>
+              <p:nvPr/>
+            </p:nvCxnSpPr>
+            <p:spPr>
+              <a:xfrm>
+                <a:off x="2843316" y="1291423"/>
+                <a:ext cx="300449" cy="2"/>
+              </a:xfrm>
+              <a:prstGeom prst="straightConnector1">
+                <a:avLst/>
+              </a:prstGeom>
+              <a:ln>
+                <a:tailEnd type="triangle"/>
+              </a:ln>
+            </p:spPr>
+            <p:style>
+              <a:lnRef idx="1">
+                <a:schemeClr val="accent1"/>
+              </a:lnRef>
+              <a:fillRef idx="0">
+                <a:schemeClr val="accent1"/>
+              </a:fillRef>
+              <a:effectRef idx="0">
+                <a:schemeClr val="accent1"/>
+              </a:effectRef>
+              <a:fontRef idx="minor">
+                <a:schemeClr val="tx1"/>
+              </a:fontRef>
+            </p:style>
+          </p:cxnSp>
+          <p:cxnSp>
+            <p:nvCxnSpPr>
+              <p:cNvPr id="50" name="Straight Arrow Connector 49">
+                <a:extLst>
+                  <a:ext uri="{FF2B5EF4-FFF2-40B4-BE49-F238E27FC236}">
+                    <a16:creationId xmlns:a16="http://schemas.microsoft.com/office/drawing/2014/main" id="{26E7BD43-41DE-46AF-A3D4-9A6B5759BE0D}"/>
+                  </a:ext>
+                </a:extLst>
+              </p:cNvPr>
+              <p:cNvCxnSpPr>
+                <a:stCxn id="19" idx="3"/>
+                <a:endCxn id="33" idx="1"/>
+              </p:cNvCxnSpPr>
+              <p:nvPr/>
+            </p:nvCxnSpPr>
+            <p:spPr>
+              <a:xfrm>
+                <a:off x="4521642" y="1293752"/>
+                <a:ext cx="290168" cy="299"/>
+              </a:xfrm>
+              <a:prstGeom prst="straightConnector1">
+                <a:avLst/>
+              </a:prstGeom>
+              <a:ln>
+                <a:tailEnd type="triangle"/>
+              </a:ln>
+            </p:spPr>
+            <p:style>
+              <a:lnRef idx="1">
+                <a:schemeClr val="accent1"/>
+              </a:lnRef>
+              <a:fillRef idx="0">
+                <a:schemeClr val="accent1"/>
+              </a:fillRef>
+              <a:effectRef idx="0">
+                <a:schemeClr val="accent1"/>
+              </a:effectRef>
+              <a:fontRef idx="minor">
+                <a:schemeClr val="tx1"/>
+              </a:fontRef>
+            </p:style>
+          </p:cxnSp>
+          <p:pic>
+            <p:nvPicPr>
+              <p:cNvPr id="51" name="Picture 50">
+                <a:extLst>
+                  <a:ext uri="{FF2B5EF4-FFF2-40B4-BE49-F238E27FC236}">
+                    <a16:creationId xmlns:a16="http://schemas.microsoft.com/office/drawing/2014/main" id="{2C9056D2-D151-4928-8356-58441A114FE3}"/>
+                  </a:ext>
+                </a:extLst>
+              </p:cNvPr>
+              <p:cNvPicPr>
+                <a:picLocks noChangeAspect="1"/>
+              </p:cNvPicPr>
+              <p:nvPr/>
+            </p:nvPicPr>
+            <p:blipFill>
+              <a:blip r:embed="rId6"/>
+              <a:stretch>
+                <a:fillRect/>
+              </a:stretch>
+            </p:blipFill>
+            <p:spPr>
+              <a:xfrm>
+                <a:off x="6692714" y="1038439"/>
+                <a:ext cx="347854" cy="505969"/>
+              </a:xfrm>
+              <a:prstGeom prst="rect">
+                <a:avLst/>
+              </a:prstGeom>
+            </p:spPr>
+          </p:pic>
+          <p:cxnSp>
+            <p:nvCxnSpPr>
+              <p:cNvPr id="52" name="Straight Arrow Connector 51">
+                <a:extLst>
+                  <a:ext uri="{FF2B5EF4-FFF2-40B4-BE49-F238E27FC236}">
+                    <a16:creationId xmlns:a16="http://schemas.microsoft.com/office/drawing/2014/main" id="{70757812-DE50-4B80-9CC8-0F5B937E3CE3}"/>
+                  </a:ext>
+                </a:extLst>
+              </p:cNvPr>
+              <p:cNvCxnSpPr>
+                <a:cxnSpLocks/>
+                <a:stCxn id="32" idx="3"/>
+                <a:endCxn id="51" idx="1"/>
+              </p:cNvCxnSpPr>
+              <p:nvPr/>
+            </p:nvCxnSpPr>
+            <p:spPr>
+              <a:xfrm flipV="1">
+                <a:off x="6385070" y="1291424"/>
+                <a:ext cx="307645" cy="4464"/>
+              </a:xfrm>
+              <a:prstGeom prst="straightConnector1">
+                <a:avLst/>
+              </a:prstGeom>
+              <a:ln>
+                <a:tailEnd type="triangle"/>
+              </a:ln>
+            </p:spPr>
+            <p:style>
+              <a:lnRef idx="1">
+                <a:schemeClr val="accent1"/>
+              </a:lnRef>
+              <a:fillRef idx="0">
+                <a:schemeClr val="accent1"/>
+              </a:fillRef>
+              <a:effectRef idx="0">
+                <a:schemeClr val="accent1"/>
+              </a:effectRef>
+              <a:fontRef idx="minor">
+                <a:schemeClr val="tx1"/>
+              </a:fontRef>
+            </p:style>
+          </p:cxnSp>
+        </p:grpSp>
+      </p:grpSp>
+      <p:grpSp>
+        <p:nvGrpSpPr>
+          <p:cNvPr id="130" name="Group 129">
+            <a:extLst>
+              <a:ext uri="{FF2B5EF4-FFF2-40B4-BE49-F238E27FC236}">
+                <a16:creationId xmlns:a16="http://schemas.microsoft.com/office/drawing/2014/main" id="{E64A8291-9558-487C-B0B9-A735A0EDBAFF}"/>
+              </a:ext>
+            </a:extLst>
+          </p:cNvPr>
+          <p:cNvGrpSpPr/>
+          <p:nvPr/>
+        </p:nvGrpSpPr>
+        <p:grpSpPr>
+          <a:xfrm>
+            <a:off x="4666919" y="3687911"/>
+            <a:ext cx="6028776" cy="2656019"/>
+            <a:chOff x="5635726" y="2824789"/>
+            <a:chExt cx="6028776" cy="2275569"/>
+          </a:xfrm>
+        </p:grpSpPr>
+        <mc:AlternateContent xmlns:mc="http://schemas.openxmlformats.org/markup-compatibility/2006">
+          <mc:Choice xmlns:a14="http://schemas.microsoft.com/office/drawing/2010/main" Requires="a14">
+            <p:sp>
+              <p:nvSpPr>
+                <p:cNvPr id="13" name="TextBox 12">
+                  <a:extLst>
+                    <a:ext uri="{FF2B5EF4-FFF2-40B4-BE49-F238E27FC236}">
+                      <a16:creationId xmlns:a16="http://schemas.microsoft.com/office/drawing/2014/main" id="{D2CBA629-B34B-44EF-91C7-3669FDB637AF}"/>
+                    </a:ext>
+                  </a:extLst>
+                </p:cNvPr>
+                <p:cNvSpPr txBox="1"/>
+                <p:nvPr/>
+              </p:nvSpPr>
+              <p:spPr>
+                <a:xfrm>
+                  <a:off x="9348817" y="2824789"/>
+                  <a:ext cx="1327799" cy="369332"/>
+                </a:xfrm>
+                <a:prstGeom prst="rect">
+                  <a:avLst/>
+                </a:prstGeom>
+                <a:noFill/>
+              </p:spPr>
+              <p:txBody>
+                <a:bodyPr wrap="none" rtlCol="0">
+                  <a:spAutoFit/>
+                </a:bodyPr>
+                <a:lstStyle/>
+                <a:p>
+                  <a:r>
+                    <a:rPr lang="en-US" dirty="0"/>
+                    <a:t>Decoder (</a:t>
+                  </a:r>
+                  <a14:m>
+                    <m:oMath xmlns:m="http://schemas.openxmlformats.org/officeDocument/2006/math">
+                      <m:r>
+                        <a:rPr lang="en-US" i="1">
+                          <a:latin typeface="Cambria Math" panose="02040503050406030204" pitchFamily="18" charset="0"/>
+                        </a:rPr>
+                        <m:t>𝐺</m:t>
+                      </m:r>
+                    </m:oMath>
+                  </a14:m>
+                  <a:r>
+                    <a:rPr lang="en-US" dirty="0"/>
+                    <a:t>)</a:t>
+                  </a:r>
+                </a:p>
+              </p:txBody>
+            </p:sp>
+          </mc:Choice>
+          <mc:Fallback>
+            <p:sp>
+              <p:nvSpPr>
+                <p:cNvPr id="13" name="TextBox 12">
+                  <a:extLst>
+                    <a:ext uri="{FF2B5EF4-FFF2-40B4-BE49-F238E27FC236}">
+                      <a16:creationId xmlns:a16="http://schemas.microsoft.com/office/drawing/2014/main" id="{D2CBA629-B34B-44EF-91C7-3669FDB637AF}"/>
+                    </a:ext>
+                  </a:extLst>
+                </p:cNvPr>
+                <p:cNvSpPr txBox="1">
+                  <a:spLocks noRot="1" noChangeAspect="1" noMove="1" noResize="1" noEditPoints="1" noAdjustHandles="1" noChangeArrowheads="1" noChangeShapeType="1" noTextEdit="1"/>
+                </p:cNvSpPr>
+                <p:nvPr/>
+              </p:nvSpPr>
+              <p:spPr>
+                <a:xfrm>
+                  <a:off x="9348817" y="2824789"/>
+                  <a:ext cx="1327799" cy="369332"/>
+                </a:xfrm>
+                <a:prstGeom prst="rect">
+                  <a:avLst/>
+                </a:prstGeom>
+                <a:blipFill>
+                  <a:blip r:embed="rId7"/>
+                  <a:stretch>
+                    <a:fillRect l="-4147" t="-8451" r="-3226" b="-7042"/>
+                  </a:stretch>
+                </a:blipFill>
+              </p:spPr>
+              <p:txBody>
+                <a:bodyPr/>
+                <a:lstStyle/>
+                <a:p>
+                  <a:r>
+                    <a:rPr lang="en-US">
+                      <a:noFill/>
+                    </a:rPr>
+                    <a:t> </a:t>
+                  </a:r>
+                </a:p>
+              </p:txBody>
+            </p:sp>
+          </mc:Fallback>
+        </mc:AlternateContent>
+        <p:grpSp>
+          <p:nvGrpSpPr>
+            <p:cNvPr id="126" name="Group 125">
+              <a:extLst>
+                <a:ext uri="{FF2B5EF4-FFF2-40B4-BE49-F238E27FC236}">
+                  <a16:creationId xmlns:a16="http://schemas.microsoft.com/office/drawing/2014/main" id="{85637DC6-95FD-49A9-9E9F-4586CB0C0B9D}"/>
+                </a:ext>
+              </a:extLst>
+            </p:cNvPr>
+            <p:cNvGrpSpPr/>
+            <p:nvPr/>
+          </p:nvGrpSpPr>
+          <p:grpSpPr>
+            <a:xfrm>
+              <a:off x="5635726" y="3163397"/>
+              <a:ext cx="6028776" cy="1936961"/>
+              <a:chOff x="803468" y="2846636"/>
+              <a:chExt cx="6028776" cy="1936961"/>
+            </a:xfrm>
+          </p:grpSpPr>
+          <p:grpSp>
+            <p:nvGrpSpPr>
+              <p:cNvPr id="56" name="Group 55">
+                <a:extLst>
+                  <a:ext uri="{FF2B5EF4-FFF2-40B4-BE49-F238E27FC236}">
+                    <a16:creationId xmlns:a16="http://schemas.microsoft.com/office/drawing/2014/main" id="{3A41743C-E16C-414F-9F08-9C65CA5193F0}"/>
+                  </a:ext>
+                </a:extLst>
+              </p:cNvPr>
+              <p:cNvGrpSpPr/>
+              <p:nvPr/>
+            </p:nvGrpSpPr>
+            <p:grpSpPr>
+              <a:xfrm>
+                <a:off x="1422268" y="2848726"/>
+                <a:ext cx="1573260" cy="1598154"/>
+                <a:chOff x="5370650" y="2060214"/>
+                <a:chExt cx="1573260" cy="1598154"/>
+              </a:xfrm>
+            </p:grpSpPr>
+            <p:sp>
+              <p:nvSpPr>
+                <p:cNvPr id="57" name="TextBox 56">
+                  <a:extLst>
+                    <a:ext uri="{FF2B5EF4-FFF2-40B4-BE49-F238E27FC236}">
+                      <a16:creationId xmlns:a16="http://schemas.microsoft.com/office/drawing/2014/main" id="{4291722F-C635-4AEF-B855-B8D41FCD6227}"/>
+                    </a:ext>
+                  </a:extLst>
+                </p:cNvPr>
+                <p:cNvSpPr txBox="1"/>
+                <p:nvPr/>
+              </p:nvSpPr>
+              <p:spPr>
+                <a:xfrm>
+                  <a:off x="6482245" y="2062051"/>
+                  <a:ext cx="461665" cy="1596317"/>
+                </a:xfrm>
+                <a:prstGeom prst="rect">
+                  <a:avLst/>
+                </a:prstGeom>
+                <a:solidFill>
+                  <a:srgbClr val="00B050">
+                    <a:alpha val="40000"/>
+                  </a:srgbClr>
+                </a:solidFill>
+              </p:spPr>
+              <p:txBody>
+                <a:bodyPr vert="eaVert" wrap="square" rtlCol="0">
+                  <a:spAutoFit/>
+                </a:bodyPr>
+                <a:lstStyle/>
+                <a:p>
+                  <a:pPr algn="ctr"/>
+                  <a:r>
+                    <a:rPr lang="en-US" dirty="0"/>
+                    <a:t>Sum</a:t>
+                  </a:r>
+                </a:p>
+              </p:txBody>
+            </p:sp>
+            <p:sp>
+              <p:nvSpPr>
+                <p:cNvPr id="58" name="Rectangle 57">
+                  <a:extLst>
+                    <a:ext uri="{FF2B5EF4-FFF2-40B4-BE49-F238E27FC236}">
+                      <a16:creationId xmlns:a16="http://schemas.microsoft.com/office/drawing/2014/main" id="{135C87C6-89E9-4EEE-8513-DCD71628168D}"/>
+                    </a:ext>
+                  </a:extLst>
+                </p:cNvPr>
+                <p:cNvSpPr/>
+                <p:nvPr/>
+              </p:nvSpPr>
+              <p:spPr>
+                <a:xfrm>
+                  <a:off x="5370650" y="2060214"/>
+                  <a:ext cx="222238" cy="1596317"/>
+                </a:xfrm>
+                <a:prstGeom prst="rect">
+                  <a:avLst/>
+                </a:prstGeom>
+                <a:solidFill>
+                  <a:schemeClr val="accent5">
+                    <a:lumMod val="60000"/>
+                    <a:lumOff val="40000"/>
+                  </a:schemeClr>
+                </a:solidFill>
+                <a:ln>
+                  <a:noFill/>
+                </a:ln>
+              </p:spPr>
+              <p:style>
+                <a:lnRef idx="2">
+                  <a:schemeClr val="accent1">
+                    <a:shade val="50000"/>
+                  </a:schemeClr>
+                </a:lnRef>
+                <a:fillRef idx="1">
+                  <a:schemeClr val="accent1"/>
+                </a:fillRef>
+                <a:effectRef idx="0">
+                  <a:schemeClr val="accent1"/>
+                </a:effectRef>
+                <a:fontRef idx="minor">
+                  <a:schemeClr val="lt1"/>
+                </a:fontRef>
+              </p:style>
+              <p:txBody>
+                <a:bodyPr rot="0" spcFirstLastPara="0" vertOverflow="overflow" horzOverflow="overflow" vert="horz" wrap="square" lIns="91440" tIns="45720" rIns="91440" bIns="45720" numCol="1" spcCol="0" rtlCol="0" fromWordArt="0" anchor="ctr" anchorCtr="0" forceAA="0" compatLnSpc="1">
+                  <a:prstTxWarp prst="textNoShape">
+                    <a:avLst/>
+                  </a:prstTxWarp>
+                  <a:noAutofit/>
+                </a:bodyPr>
+                <a:lstStyle/>
+                <a:p>
+                  <a:pPr algn="ctr"/>
+                  <a:endParaRPr lang="en-US"/>
+                </a:p>
+              </p:txBody>
+            </p:sp>
+            <p:sp>
+              <p:nvSpPr>
+                <p:cNvPr id="59" name="Rectangle 58">
+                  <a:extLst>
+                    <a:ext uri="{FF2B5EF4-FFF2-40B4-BE49-F238E27FC236}">
+                      <a16:creationId xmlns:a16="http://schemas.microsoft.com/office/drawing/2014/main" id="{2C39EA57-1F1E-4D02-8771-0EBFB9FEB738}"/>
+                    </a:ext>
+                  </a:extLst>
+                </p:cNvPr>
+                <p:cNvSpPr/>
+                <p:nvPr/>
+              </p:nvSpPr>
+              <p:spPr>
+                <a:xfrm>
+                  <a:off x="5590313" y="2062051"/>
+                  <a:ext cx="222238" cy="1596317"/>
+                </a:xfrm>
+                <a:prstGeom prst="rect">
+                  <a:avLst/>
+                </a:prstGeom>
+                <a:solidFill>
+                  <a:srgbClr val="FF0000">
+                    <a:alpha val="60000"/>
+                  </a:srgbClr>
+                </a:solidFill>
+                <a:ln>
+                  <a:noFill/>
+                </a:ln>
+              </p:spPr>
+              <p:style>
+                <a:lnRef idx="2">
+                  <a:schemeClr val="accent1">
+                    <a:shade val="50000"/>
+                  </a:schemeClr>
+                </a:lnRef>
+                <a:fillRef idx="1">
+                  <a:schemeClr val="accent1"/>
+                </a:fillRef>
+                <a:effectRef idx="0">
+                  <a:schemeClr val="accent1"/>
+                </a:effectRef>
+                <a:fontRef idx="minor">
+                  <a:schemeClr val="lt1"/>
+                </a:fontRef>
+              </p:style>
+              <p:txBody>
+                <a:bodyPr rot="0" spcFirstLastPara="0" vertOverflow="overflow" horzOverflow="overflow" vert="horz" wrap="square" lIns="91440" tIns="45720" rIns="91440" bIns="45720" numCol="1" spcCol="0" rtlCol="0" fromWordArt="0" anchor="ctr" anchorCtr="0" forceAA="0" compatLnSpc="1">
+                  <a:prstTxWarp prst="textNoShape">
+                    <a:avLst/>
+                  </a:prstTxWarp>
+                  <a:noAutofit/>
+                </a:bodyPr>
+                <a:lstStyle/>
+                <a:p>
+                  <a:pPr algn="ctr"/>
+                  <a:endParaRPr lang="en-US"/>
+                </a:p>
+              </p:txBody>
+            </p:sp>
+            <p:sp>
+              <p:nvSpPr>
+                <p:cNvPr id="60" name="Rectangle 59">
+                  <a:extLst>
+                    <a:ext uri="{FF2B5EF4-FFF2-40B4-BE49-F238E27FC236}">
+                      <a16:creationId xmlns:a16="http://schemas.microsoft.com/office/drawing/2014/main" id="{64D75D44-8ADE-464D-9A51-FE04820CA391}"/>
+                    </a:ext>
+                  </a:extLst>
+                </p:cNvPr>
+                <p:cNvSpPr/>
+                <p:nvPr/>
+              </p:nvSpPr>
+              <p:spPr>
+                <a:xfrm>
+                  <a:off x="5812375" y="2062051"/>
+                  <a:ext cx="222238" cy="1596317"/>
+                </a:xfrm>
+                <a:prstGeom prst="rect">
+                  <a:avLst/>
+                </a:prstGeom>
+                <a:solidFill>
+                  <a:srgbClr val="FFFF00">
+                    <a:alpha val="40000"/>
+                  </a:srgbClr>
+                </a:solidFill>
+                <a:ln>
+                  <a:noFill/>
+                </a:ln>
+              </p:spPr>
+              <p:style>
+                <a:lnRef idx="2">
+                  <a:schemeClr val="accent1">
+                    <a:shade val="50000"/>
+                  </a:schemeClr>
+                </a:lnRef>
+                <a:fillRef idx="1">
+                  <a:schemeClr val="accent1"/>
+                </a:fillRef>
+                <a:effectRef idx="0">
+                  <a:schemeClr val="accent1"/>
+                </a:effectRef>
+                <a:fontRef idx="minor">
+                  <a:schemeClr val="lt1"/>
+                </a:fontRef>
+              </p:style>
+              <p:txBody>
+                <a:bodyPr rot="0" spcFirstLastPara="0" vertOverflow="overflow" horzOverflow="overflow" vert="horz" wrap="square" lIns="91440" tIns="45720" rIns="91440" bIns="45720" numCol="1" spcCol="0" rtlCol="0" fromWordArt="0" anchor="ctr" anchorCtr="0" forceAA="0" compatLnSpc="1">
+                  <a:prstTxWarp prst="textNoShape">
+                    <a:avLst/>
+                  </a:prstTxWarp>
+                  <a:noAutofit/>
+                </a:bodyPr>
+                <a:lstStyle/>
+                <a:p>
+                  <a:pPr algn="ctr"/>
+                  <a:endParaRPr lang="en-US"/>
+                </a:p>
+              </p:txBody>
+            </p:sp>
+            <p:sp>
+              <p:nvSpPr>
+                <p:cNvPr id="61" name="Rectangle 60">
+                  <a:extLst>
+                    <a:ext uri="{FF2B5EF4-FFF2-40B4-BE49-F238E27FC236}">
+                      <a16:creationId xmlns:a16="http://schemas.microsoft.com/office/drawing/2014/main" id="{892EC1EE-FC5C-479D-B4EE-E8A97E62297D}"/>
+                    </a:ext>
+                  </a:extLst>
+                </p:cNvPr>
+                <p:cNvSpPr/>
+                <p:nvPr/>
+              </p:nvSpPr>
+              <p:spPr>
+                <a:xfrm>
+                  <a:off x="6038388" y="2062051"/>
+                  <a:ext cx="222238" cy="1596317"/>
+                </a:xfrm>
+                <a:prstGeom prst="rect">
+                  <a:avLst/>
+                </a:prstGeom>
+                <a:solidFill>
+                  <a:schemeClr val="accent5">
+                    <a:lumMod val="60000"/>
+                    <a:lumOff val="40000"/>
+                  </a:schemeClr>
+                </a:solidFill>
+                <a:ln>
+                  <a:noFill/>
+                </a:ln>
+              </p:spPr>
+              <p:style>
+                <a:lnRef idx="2">
+                  <a:schemeClr val="accent1">
+                    <a:shade val="50000"/>
+                  </a:schemeClr>
+                </a:lnRef>
+                <a:fillRef idx="1">
+                  <a:schemeClr val="accent1"/>
+                </a:fillRef>
+                <a:effectRef idx="0">
+                  <a:schemeClr val="accent1"/>
+                </a:effectRef>
+                <a:fontRef idx="minor">
+                  <a:schemeClr val="lt1"/>
+                </a:fontRef>
+              </p:style>
+              <p:txBody>
+                <a:bodyPr rot="0" spcFirstLastPara="0" vertOverflow="overflow" horzOverflow="overflow" vert="horz" wrap="square" lIns="91440" tIns="45720" rIns="91440" bIns="45720" numCol="1" spcCol="0" rtlCol="0" fromWordArt="0" anchor="ctr" anchorCtr="0" forceAA="0" compatLnSpc="1">
+                  <a:prstTxWarp prst="textNoShape">
+                    <a:avLst/>
+                  </a:prstTxWarp>
+                  <a:noAutofit/>
+                </a:bodyPr>
+                <a:lstStyle/>
+                <a:p>
+                  <a:pPr algn="ctr"/>
+                  <a:endParaRPr lang="en-US"/>
+                </a:p>
+              </p:txBody>
+            </p:sp>
+            <p:sp>
+              <p:nvSpPr>
+                <p:cNvPr id="62" name="Rectangle 61">
+                  <a:extLst>
+                    <a:ext uri="{FF2B5EF4-FFF2-40B4-BE49-F238E27FC236}">
+                      <a16:creationId xmlns:a16="http://schemas.microsoft.com/office/drawing/2014/main" id="{10885807-6FDB-4BBB-BF32-71E0F9382F56}"/>
+                    </a:ext>
+                  </a:extLst>
+                </p:cNvPr>
+                <p:cNvSpPr/>
+                <p:nvPr/>
+              </p:nvSpPr>
+              <p:spPr>
+                <a:xfrm>
+                  <a:off x="6260448" y="2062050"/>
+                  <a:ext cx="222238" cy="1596317"/>
+                </a:xfrm>
+                <a:prstGeom prst="rect">
+                  <a:avLst/>
+                </a:prstGeom>
+                <a:solidFill>
+                  <a:srgbClr val="FF0000">
+                    <a:alpha val="60000"/>
+                  </a:srgbClr>
+                </a:solidFill>
+                <a:ln>
+                  <a:noFill/>
+                </a:ln>
+              </p:spPr>
+              <p:style>
+                <a:lnRef idx="2">
+                  <a:schemeClr val="accent1">
+                    <a:shade val="50000"/>
+                  </a:schemeClr>
+                </a:lnRef>
+                <a:fillRef idx="1">
+                  <a:schemeClr val="accent1"/>
+                </a:fillRef>
+                <a:effectRef idx="0">
+                  <a:schemeClr val="accent1"/>
+                </a:effectRef>
+                <a:fontRef idx="minor">
+                  <a:schemeClr val="lt1"/>
+                </a:fontRef>
+              </p:style>
+              <p:txBody>
+                <a:bodyPr rot="0" spcFirstLastPara="0" vertOverflow="overflow" horzOverflow="overflow" vert="horz" wrap="square" lIns="91440" tIns="45720" rIns="91440" bIns="45720" numCol="1" spcCol="0" rtlCol="0" fromWordArt="0" anchor="ctr" anchorCtr="0" forceAA="0" compatLnSpc="1">
+                  <a:prstTxWarp prst="textNoShape">
+                    <a:avLst/>
+                  </a:prstTxWarp>
+                  <a:noAutofit/>
+                </a:bodyPr>
+                <a:lstStyle/>
+                <a:p>
+                  <a:pPr algn="ctr"/>
+                  <a:endParaRPr lang="en-US"/>
+                </a:p>
+              </p:txBody>
+            </p:sp>
+          </p:grpSp>
+          <mc:AlternateContent xmlns:mc="http://schemas.openxmlformats.org/markup-compatibility/2006">
+            <mc:Choice xmlns:a14="http://schemas.microsoft.com/office/drawing/2010/main" Requires="a14">
+              <p:sp>
+                <p:nvSpPr>
+                  <p:cNvPr id="67" name="TextBox 66">
+                    <a:extLst>
+                      <a:ext uri="{FF2B5EF4-FFF2-40B4-BE49-F238E27FC236}">
+                        <a16:creationId xmlns:a16="http://schemas.microsoft.com/office/drawing/2014/main" id="{2EF673F5-3863-46C4-8512-7F70282B2D47}"/>
+                      </a:ext>
+                    </a:extLst>
+                  </p:cNvPr>
+                  <p:cNvSpPr txBox="1"/>
+                  <p:nvPr/>
+                </p:nvSpPr>
+                <p:spPr>
+                  <a:xfrm>
+                    <a:off x="3499965" y="4445043"/>
+                    <a:ext cx="1361848" cy="338554"/>
+                  </a:xfrm>
+                  <a:prstGeom prst="rect">
+                    <a:avLst/>
+                  </a:prstGeom>
+                  <a:noFill/>
+                </p:spPr>
+                <p:txBody>
+                  <a:bodyPr wrap="none" rtlCol="0">
+                    <a:spAutoFit/>
+                  </a:bodyPr>
+                  <a:lstStyle/>
+                  <a:p>
+                    <a:r>
+                      <a:rPr lang="en-US" sz="1600" dirty="0"/>
+                      <a:t>Upsample </a:t>
+                    </a:r>
+                    <a14:m>
+                      <m:oMath xmlns:m="http://schemas.openxmlformats.org/officeDocument/2006/math">
+                        <m:r>
+                          <a:rPr lang="en-US" sz="1600" i="1">
+                            <a:latin typeface="Cambria Math" panose="02040503050406030204" pitchFamily="18" charset="0"/>
+                            <a:ea typeface="Cambria Math" panose="02040503050406030204" pitchFamily="18" charset="0"/>
+                          </a:rPr>
+                          <m:t>× </m:t>
+                        </m:r>
+                      </m:oMath>
+                    </a14:m>
+                    <a:r>
+                      <a:rPr lang="en-US" sz="1600" dirty="0"/>
+                      <a:t>2</a:t>
+                    </a:r>
+                  </a:p>
+                </p:txBody>
+              </p:sp>
+            </mc:Choice>
+            <mc:Fallback>
+              <p:sp>
+                <p:nvSpPr>
+                  <p:cNvPr id="67" name="TextBox 66">
+                    <a:extLst>
+                      <a:ext uri="{FF2B5EF4-FFF2-40B4-BE49-F238E27FC236}">
+                        <a16:creationId xmlns:a16="http://schemas.microsoft.com/office/drawing/2014/main" id="{2EF673F5-3863-46C4-8512-7F70282B2D47}"/>
+                      </a:ext>
+                    </a:extLst>
+                  </p:cNvPr>
+                  <p:cNvSpPr txBox="1">
+                    <a:spLocks noRot="1" noChangeAspect="1" noMove="1" noResize="1" noEditPoints="1" noAdjustHandles="1" noChangeArrowheads="1" noChangeShapeType="1" noTextEdit="1"/>
+                  </p:cNvSpPr>
+                  <p:nvPr/>
+                </p:nvSpPr>
+                <p:spPr>
+                  <a:xfrm>
+                    <a:off x="3499965" y="4445043"/>
+                    <a:ext cx="1361848" cy="338554"/>
+                  </a:xfrm>
+                  <a:prstGeom prst="rect">
+                    <a:avLst/>
+                  </a:prstGeom>
+                  <a:blipFill>
+                    <a:blip r:embed="rId8"/>
+                    <a:stretch>
+                      <a:fillRect l="-2691" t="-4615" r="-1345" b="-4615"/>
+                    </a:stretch>
+                  </a:blipFill>
+                </p:spPr>
+                <p:txBody>
+                  <a:bodyPr/>
+                  <a:lstStyle/>
+                  <a:p>
+                    <a:r>
+                      <a:rPr lang="en-US">
+                        <a:noFill/>
+                      </a:rPr>
+                      <a:t> </a:t>
+                    </a:r>
+                  </a:p>
+                </p:txBody>
+              </p:sp>
+            </mc:Fallback>
+          </mc:AlternateContent>
+          <p:grpSp>
+            <p:nvGrpSpPr>
+              <p:cNvPr id="71" name="Group 70">
+                <a:extLst>
+                  <a:ext uri="{FF2B5EF4-FFF2-40B4-BE49-F238E27FC236}">
+                    <a16:creationId xmlns:a16="http://schemas.microsoft.com/office/drawing/2014/main" id="{6D50E697-7D15-4FDD-842D-9611F7ED3AB5}"/>
+                  </a:ext>
+                </a:extLst>
+              </p:cNvPr>
+              <p:cNvGrpSpPr/>
+              <p:nvPr/>
+            </p:nvGrpSpPr>
+            <p:grpSpPr>
+              <a:xfrm>
+                <a:off x="3280302" y="2846637"/>
+                <a:ext cx="1832627" cy="1593500"/>
+                <a:chOff x="4536830" y="3592824"/>
+                <a:chExt cx="1832627" cy="1593500"/>
+              </a:xfrm>
+            </p:grpSpPr>
+            <p:sp>
+              <p:nvSpPr>
+                <p:cNvPr id="64" name="TextBox 63">
+                  <a:extLst>
+                    <a:ext uri="{FF2B5EF4-FFF2-40B4-BE49-F238E27FC236}">
+                      <a16:creationId xmlns:a16="http://schemas.microsoft.com/office/drawing/2014/main" id="{73384E10-F7EC-43EB-8029-2B2783069145}"/>
+                    </a:ext>
+                  </a:extLst>
+                </p:cNvPr>
+                <p:cNvSpPr txBox="1"/>
+                <p:nvPr/>
+              </p:nvSpPr>
+              <p:spPr>
+                <a:xfrm>
+                  <a:off x="4536830" y="3595261"/>
+                  <a:ext cx="461665" cy="1591063"/>
+                </a:xfrm>
+                <a:prstGeom prst="rect">
+                  <a:avLst/>
+                </a:prstGeom>
+                <a:solidFill>
+                  <a:schemeClr val="accent5">
+                    <a:lumMod val="60000"/>
+                    <a:lumOff val="40000"/>
+                  </a:schemeClr>
+                </a:solidFill>
+              </p:spPr>
+              <p:txBody>
+                <a:bodyPr vert="eaVert" wrap="square" rtlCol="0">
+                  <a:spAutoFit/>
+                </a:bodyPr>
+                <a:lstStyle/>
+                <a:p>
+                  <a:pPr algn="ctr"/>
+                  <a:r>
+                    <a:rPr lang="en-US" dirty="0"/>
+                    <a:t>conv1d</a:t>
+                  </a:r>
+                </a:p>
+              </p:txBody>
+            </p:sp>
+            <p:sp>
+              <p:nvSpPr>
+                <p:cNvPr id="65" name="TextBox 64">
+                  <a:extLst>
+                    <a:ext uri="{FF2B5EF4-FFF2-40B4-BE49-F238E27FC236}">
+                      <a16:creationId xmlns:a16="http://schemas.microsoft.com/office/drawing/2014/main" id="{10236C7A-5C2B-4ED9-AACA-22F973FA0947}"/>
+                    </a:ext>
+                  </a:extLst>
+                </p:cNvPr>
+                <p:cNvSpPr txBox="1"/>
+                <p:nvPr/>
+              </p:nvSpPr>
+              <p:spPr>
+                <a:xfrm>
+                  <a:off x="4998495" y="3595260"/>
+                  <a:ext cx="461665" cy="1591063"/>
+                </a:xfrm>
+                <a:prstGeom prst="rect">
+                  <a:avLst/>
+                </a:prstGeom>
+                <a:solidFill>
+                  <a:srgbClr val="7030A0">
+                    <a:alpha val="40000"/>
+                  </a:srgbClr>
+                </a:solidFill>
+              </p:spPr>
+              <p:txBody>
+                <a:bodyPr vert="eaVert" wrap="square" rtlCol="0">
+                  <a:spAutoFit/>
+                </a:bodyPr>
+                <a:lstStyle/>
+                <a:p>
+                  <a:pPr algn="ctr"/>
+                  <a:r>
+                    <a:rPr lang="en-US" dirty="0"/>
+                    <a:t>Pixel Shuffler</a:t>
+                  </a:r>
+                </a:p>
+              </p:txBody>
+            </p:sp>
+            <p:sp>
+              <p:nvSpPr>
+                <p:cNvPr id="66" name="TextBox 65">
+                  <a:extLst>
+                    <a:ext uri="{FF2B5EF4-FFF2-40B4-BE49-F238E27FC236}">
+                      <a16:creationId xmlns:a16="http://schemas.microsoft.com/office/drawing/2014/main" id="{D508363C-5ED9-4ECA-A72C-6F1EEF86F43B}"/>
+                    </a:ext>
+                  </a:extLst>
+                </p:cNvPr>
+                <p:cNvSpPr txBox="1"/>
+                <p:nvPr/>
+              </p:nvSpPr>
+              <p:spPr>
+                <a:xfrm>
+                  <a:off x="5907792" y="3592824"/>
+                  <a:ext cx="461665" cy="1591063"/>
+                </a:xfrm>
+                <a:prstGeom prst="rect">
+                  <a:avLst/>
+                </a:prstGeom>
+                <a:solidFill>
+                  <a:srgbClr val="FFFF00">
+                    <a:alpha val="40000"/>
+                  </a:srgbClr>
+                </a:solidFill>
+              </p:spPr>
+              <p:txBody>
+                <a:bodyPr vert="eaVert" wrap="square" rtlCol="0">
+                  <a:spAutoFit/>
+                </a:bodyPr>
+                <a:lstStyle/>
+                <a:p>
+                  <a:pPr algn="ctr"/>
+                  <a:r>
+                    <a:rPr lang="en-US" dirty="0"/>
+                    <a:t>GLU</a:t>
+                  </a:r>
+                </a:p>
+              </p:txBody>
+            </p:sp>
+            <p:sp>
+              <p:nvSpPr>
+                <p:cNvPr id="68" name="TextBox 67">
+                  <a:extLst>
+                    <a:ext uri="{FF2B5EF4-FFF2-40B4-BE49-F238E27FC236}">
+                      <a16:creationId xmlns:a16="http://schemas.microsoft.com/office/drawing/2014/main" id="{5AE00AF3-FC36-4246-B7FA-C3FF82880A97}"/>
+                    </a:ext>
+                  </a:extLst>
+                </p:cNvPr>
+                <p:cNvSpPr txBox="1"/>
+                <p:nvPr/>
+              </p:nvSpPr>
+              <p:spPr>
+                <a:xfrm>
+                  <a:off x="5460160" y="3592824"/>
+                  <a:ext cx="461665" cy="1591063"/>
+                </a:xfrm>
+                <a:prstGeom prst="rect">
+                  <a:avLst/>
+                </a:prstGeom>
+                <a:solidFill>
+                  <a:srgbClr val="FF0000">
+                    <a:alpha val="60000"/>
+                  </a:srgbClr>
+                </a:solidFill>
+              </p:spPr>
+              <p:txBody>
+                <a:bodyPr vert="eaVert" wrap="square" rtlCol="0">
+                  <a:spAutoFit/>
+                </a:bodyPr>
+                <a:lstStyle/>
+                <a:p>
+                  <a:pPr algn="ctr"/>
+                  <a:r>
+                    <a:rPr lang="en-US" dirty="0"/>
+                    <a:t>AdaIN</a:t>
+                  </a:r>
+                </a:p>
+              </p:txBody>
+            </p:sp>
+          </p:grpSp>
+          <p:sp>
+            <p:nvSpPr>
+              <p:cNvPr id="69" name="TextBox 68">
+                <a:extLst>
+                  <a:ext uri="{FF2B5EF4-FFF2-40B4-BE49-F238E27FC236}">
+                    <a16:creationId xmlns:a16="http://schemas.microsoft.com/office/drawing/2014/main" id="{E552F32D-0C87-4A77-B44A-8B9F10A37D3B}"/>
+                  </a:ext>
+                </a:extLst>
+              </p:cNvPr>
+              <p:cNvSpPr txBox="1"/>
+              <p:nvPr/>
+            </p:nvSpPr>
+            <p:spPr>
+              <a:xfrm>
+                <a:off x="5402521" y="2846636"/>
+                <a:ext cx="461665" cy="1591063"/>
+              </a:xfrm>
+              <a:prstGeom prst="rect">
+                <a:avLst/>
+              </a:prstGeom>
+              <a:solidFill>
+                <a:schemeClr val="accent5">
+                  <a:lumMod val="60000"/>
+                  <a:lumOff val="40000"/>
+                </a:schemeClr>
+              </a:solidFill>
+              <a:ln>
+                <a:noFill/>
+              </a:ln>
+            </p:spPr>
+            <p:txBody>
+              <a:bodyPr vert="eaVert" wrap="square" rtlCol="0">
+                <a:spAutoFit/>
+              </a:bodyPr>
+              <a:lstStyle/>
+              <a:p>
+                <a:pPr algn="ctr"/>
+                <a:r>
+                  <a:rPr lang="en-US" dirty="0"/>
+                  <a:t>conv1d</a:t>
+                </a:r>
+              </a:p>
+            </p:txBody>
+          </p:sp>
+          <mc:AlternateContent xmlns:mc="http://schemas.openxmlformats.org/markup-compatibility/2006">
+            <mc:Choice xmlns:a14="http://schemas.microsoft.com/office/drawing/2010/main" Requires="a14">
+              <p:sp>
+                <p:nvSpPr>
+                  <p:cNvPr id="70" name="TextBox 69">
+                    <a:extLst>
+                      <a:ext uri="{FF2B5EF4-FFF2-40B4-BE49-F238E27FC236}">
+                        <a16:creationId xmlns:a16="http://schemas.microsoft.com/office/drawing/2014/main" id="{655B0016-DD86-48C6-B5A4-83B9A0423774}"/>
+                      </a:ext>
+                    </a:extLst>
+                  </p:cNvPr>
+                  <p:cNvSpPr txBox="1"/>
+                  <p:nvPr/>
+                </p:nvSpPr>
+                <p:spPr>
+                  <a:xfrm>
+                    <a:off x="1422268" y="4445043"/>
+                    <a:ext cx="1583703" cy="338554"/>
+                  </a:xfrm>
+                  <a:prstGeom prst="rect">
+                    <a:avLst/>
+                  </a:prstGeom>
+                  <a:noFill/>
+                </p:spPr>
+                <p:txBody>
+                  <a:bodyPr wrap="none" rtlCol="0">
+                    <a:spAutoFit/>
+                  </a:bodyPr>
+                  <a:lstStyle/>
+                  <a:p>
+                    <a:r>
+                      <a:rPr lang="en-US" sz="1600" dirty="0"/>
+                      <a:t>AdaResblock </a:t>
+                    </a:r>
+                    <a14:m>
+                      <m:oMath xmlns:m="http://schemas.openxmlformats.org/officeDocument/2006/math">
+                        <m:r>
+                          <a:rPr lang="en-US" sz="1600" i="1">
+                            <a:latin typeface="Cambria Math" panose="02040503050406030204" pitchFamily="18" charset="0"/>
+                            <a:ea typeface="Cambria Math" panose="02040503050406030204" pitchFamily="18" charset="0"/>
+                          </a:rPr>
+                          <m:t>× </m:t>
+                        </m:r>
+                      </m:oMath>
+                    </a14:m>
+                    <a:r>
+                      <a:rPr lang="en-US" sz="1600" dirty="0"/>
+                      <a:t>4</a:t>
+                    </a:r>
+                  </a:p>
+                </p:txBody>
+              </p:sp>
+            </mc:Choice>
+            <mc:Fallback>
+              <p:sp>
+                <p:nvSpPr>
+                  <p:cNvPr id="70" name="TextBox 69">
+                    <a:extLst>
+                      <a:ext uri="{FF2B5EF4-FFF2-40B4-BE49-F238E27FC236}">
+                        <a16:creationId xmlns:a16="http://schemas.microsoft.com/office/drawing/2014/main" id="{655B0016-DD86-48C6-B5A4-83B9A0423774}"/>
+                      </a:ext>
+                    </a:extLst>
+                  </p:cNvPr>
+                  <p:cNvSpPr txBox="1">
+                    <a:spLocks noRot="1" noChangeAspect="1" noMove="1" noResize="1" noEditPoints="1" noAdjustHandles="1" noChangeArrowheads="1" noChangeShapeType="1" noTextEdit="1"/>
+                  </p:cNvSpPr>
+                  <p:nvPr/>
+                </p:nvSpPr>
+                <p:spPr>
+                  <a:xfrm>
+                    <a:off x="1422268" y="4445043"/>
+                    <a:ext cx="1583703" cy="338554"/>
+                  </a:xfrm>
+                  <a:prstGeom prst="rect">
+                    <a:avLst/>
+                  </a:prstGeom>
+                  <a:blipFill>
+                    <a:blip r:embed="rId9"/>
+                    <a:stretch>
+                      <a:fillRect l="-1923" t="-4615" r="-1154" b="-4615"/>
+                    </a:stretch>
+                  </a:blipFill>
+                </p:spPr>
+                <p:txBody>
+                  <a:bodyPr/>
+                  <a:lstStyle/>
+                  <a:p>
+                    <a:r>
+                      <a:rPr lang="en-US">
+                        <a:noFill/>
+                      </a:rPr>
+                      <a:t> </a:t>
+                    </a:r>
+                  </a:p>
+                </p:txBody>
+              </p:sp>
+            </mc:Fallback>
+          </mc:AlternateContent>
+          <p:cxnSp>
+            <p:nvCxnSpPr>
+              <p:cNvPr id="73" name="Straight Arrow Connector 72">
+                <a:extLst>
+                  <a:ext uri="{FF2B5EF4-FFF2-40B4-BE49-F238E27FC236}">
+                    <a16:creationId xmlns:a16="http://schemas.microsoft.com/office/drawing/2014/main" id="{644A81CB-DDB8-4126-ABFB-89E20FE68BAE}"/>
+                  </a:ext>
+                </a:extLst>
+              </p:cNvPr>
+              <p:cNvCxnSpPr>
+                <a:cxnSpLocks/>
+                <a:stCxn id="76" idx="3"/>
+                <a:endCxn id="58" idx="1"/>
+              </p:cNvCxnSpPr>
+              <p:nvPr/>
+            </p:nvCxnSpPr>
+            <p:spPr>
+              <a:xfrm flipV="1">
+                <a:off x="1156439" y="3646885"/>
+                <a:ext cx="265829" cy="1835"/>
+              </a:xfrm>
+              <a:prstGeom prst="straightConnector1">
+                <a:avLst/>
+              </a:prstGeom>
+              <a:ln>
+                <a:tailEnd type="triangle"/>
+              </a:ln>
+            </p:spPr>
+            <p:style>
+              <a:lnRef idx="1">
+                <a:schemeClr val="accent1"/>
+              </a:lnRef>
+              <a:fillRef idx="0">
+                <a:schemeClr val="accent1"/>
+              </a:fillRef>
+              <a:effectRef idx="0">
+                <a:schemeClr val="accent1"/>
+              </a:effectRef>
+              <a:fontRef idx="minor">
+                <a:schemeClr val="tx1"/>
+              </a:fontRef>
+            </p:style>
+          </p:cxnSp>
+          <p:pic>
+            <p:nvPicPr>
+              <p:cNvPr id="76" name="Picture 75">
+                <a:extLst>
+                  <a:ext uri="{FF2B5EF4-FFF2-40B4-BE49-F238E27FC236}">
+                    <a16:creationId xmlns:a16="http://schemas.microsoft.com/office/drawing/2014/main" id="{99B63F2D-5007-4607-A3C5-1423647592C9}"/>
+                  </a:ext>
+                </a:extLst>
+              </p:cNvPr>
+              <p:cNvPicPr>
+                <a:picLocks noChangeAspect="1"/>
+              </p:cNvPicPr>
+              <p:nvPr/>
+            </p:nvPicPr>
+            <p:blipFill>
+              <a:blip r:embed="rId6"/>
+              <a:stretch>
+                <a:fillRect/>
+              </a:stretch>
+            </p:blipFill>
+            <p:spPr>
+              <a:xfrm>
+                <a:off x="808585" y="3395735"/>
+                <a:ext cx="347854" cy="505969"/>
+              </a:xfrm>
+              <a:prstGeom prst="rect">
+                <a:avLst/>
+              </a:prstGeom>
+            </p:spPr>
+          </p:pic>
+          <p:pic>
+            <p:nvPicPr>
+              <p:cNvPr id="79" name="Picture 78">
+                <a:extLst>
+                  <a:ext uri="{FF2B5EF4-FFF2-40B4-BE49-F238E27FC236}">
+                    <a16:creationId xmlns:a16="http://schemas.microsoft.com/office/drawing/2014/main" id="{C487AA40-5EC5-4F72-8BEA-284264B55EEE}"/>
+                  </a:ext>
+                </a:extLst>
+              </p:cNvPr>
+              <p:cNvPicPr>
+                <a:picLocks noChangeAspect="1"/>
+              </p:cNvPicPr>
+              <p:nvPr/>
+            </p:nvPicPr>
+            <p:blipFill>
+              <a:blip r:embed="rId10"/>
+              <a:stretch>
+                <a:fillRect/>
+              </a:stretch>
+            </p:blipFill>
+            <p:spPr>
+              <a:xfrm>
+                <a:off x="803468" y="2908083"/>
+                <a:ext cx="394851" cy="465508"/>
+              </a:xfrm>
+              <a:prstGeom prst="rect">
+                <a:avLst/>
+              </a:prstGeom>
+            </p:spPr>
+          </p:pic>
+          <p:cxnSp>
+            <p:nvCxnSpPr>
+              <p:cNvPr id="82" name="Connector: Elbow 81">
+                <a:extLst>
+                  <a:ext uri="{FF2B5EF4-FFF2-40B4-BE49-F238E27FC236}">
+                    <a16:creationId xmlns:a16="http://schemas.microsoft.com/office/drawing/2014/main" id="{89B53C18-5E31-430D-BE28-986E140ADC87}"/>
+                  </a:ext>
+                </a:extLst>
+              </p:cNvPr>
+              <p:cNvCxnSpPr>
+                <a:cxnSpLocks/>
+                <a:stCxn id="79" idx="0"/>
+                <a:endCxn id="59" idx="0"/>
+              </p:cNvCxnSpPr>
+              <p:nvPr/>
+            </p:nvCxnSpPr>
+            <p:spPr>
+              <a:xfrm rot="5400000" flipH="1" flipV="1">
+                <a:off x="1348212" y="2503245"/>
+                <a:ext cx="57520" cy="752156"/>
+              </a:xfrm>
+              <a:prstGeom prst="bentConnector3">
+                <a:avLst>
+                  <a:gd name="adj1" fmla="val 497427"/>
+                </a:avLst>
+              </a:prstGeom>
+              <a:ln>
+                <a:tailEnd type="triangle"/>
+              </a:ln>
+            </p:spPr>
+            <p:style>
+              <a:lnRef idx="1">
+                <a:schemeClr val="accent1"/>
+              </a:lnRef>
+              <a:fillRef idx="0">
+                <a:schemeClr val="accent1"/>
+              </a:fillRef>
+              <a:effectRef idx="0">
+                <a:schemeClr val="accent1"/>
+              </a:effectRef>
+              <a:fontRef idx="minor">
+                <a:schemeClr val="tx1"/>
+              </a:fontRef>
+            </p:style>
+          </p:cxnSp>
+          <p:cxnSp>
+            <p:nvCxnSpPr>
+              <p:cNvPr id="86" name="Connector: Elbow 85">
+                <a:extLst>
+                  <a:ext uri="{FF2B5EF4-FFF2-40B4-BE49-F238E27FC236}">
+                    <a16:creationId xmlns:a16="http://schemas.microsoft.com/office/drawing/2014/main" id="{0A43FAF9-F317-4801-BBC8-D0B021C357CF}"/>
+                  </a:ext>
+                </a:extLst>
+              </p:cNvPr>
+              <p:cNvCxnSpPr>
+                <a:cxnSpLocks/>
+                <a:stCxn id="79" idx="0"/>
+                <a:endCxn id="62" idx="0"/>
+              </p:cNvCxnSpPr>
+              <p:nvPr/>
+            </p:nvCxnSpPr>
+            <p:spPr>
+              <a:xfrm rot="5400000" flipH="1" flipV="1">
+                <a:off x="1683279" y="2168178"/>
+                <a:ext cx="57521" cy="1422291"/>
+              </a:xfrm>
+              <a:prstGeom prst="bentConnector3">
+                <a:avLst>
+                  <a:gd name="adj1" fmla="val 497420"/>
+                </a:avLst>
+              </a:prstGeom>
+              <a:ln>
+                <a:tailEnd type="triangle"/>
+              </a:ln>
+            </p:spPr>
+            <p:style>
+              <a:lnRef idx="1">
+                <a:schemeClr val="accent1"/>
+              </a:lnRef>
+              <a:fillRef idx="0">
+                <a:schemeClr val="accent1"/>
+              </a:fillRef>
+              <a:effectRef idx="0">
+                <a:schemeClr val="accent1"/>
+              </a:effectRef>
+              <a:fontRef idx="minor">
+                <a:schemeClr val="tx1"/>
+              </a:fontRef>
+            </p:style>
+          </p:cxnSp>
+          <p:cxnSp>
+            <p:nvCxnSpPr>
+              <p:cNvPr id="89" name="Connector: Elbow 88">
+                <a:extLst>
+                  <a:ext uri="{FF2B5EF4-FFF2-40B4-BE49-F238E27FC236}">
+                    <a16:creationId xmlns:a16="http://schemas.microsoft.com/office/drawing/2014/main" id="{C626A3F4-8D3F-4242-9B1E-279C357730EE}"/>
+                  </a:ext>
+                </a:extLst>
+              </p:cNvPr>
+              <p:cNvCxnSpPr>
+                <a:cxnSpLocks/>
+                <a:stCxn id="79" idx="0"/>
+                <a:endCxn id="68" idx="0"/>
+              </p:cNvCxnSpPr>
+              <p:nvPr/>
+            </p:nvCxnSpPr>
+            <p:spPr>
+              <a:xfrm rot="5400000" flipH="1" flipV="1">
+                <a:off x="2686956" y="1160575"/>
+                <a:ext cx="61446" cy="3433571"/>
+              </a:xfrm>
+              <a:prstGeom prst="bentConnector3">
+                <a:avLst>
+                  <a:gd name="adj1" fmla="val 472034"/>
+                </a:avLst>
+              </a:prstGeom>
+              <a:ln>
+                <a:tailEnd type="triangle"/>
+              </a:ln>
+            </p:spPr>
+            <p:style>
+              <a:lnRef idx="1">
+                <a:schemeClr val="accent1"/>
+              </a:lnRef>
+              <a:fillRef idx="0">
+                <a:schemeClr val="accent1"/>
+              </a:fillRef>
+              <a:effectRef idx="0">
+                <a:schemeClr val="accent1"/>
+              </a:effectRef>
+              <a:fontRef idx="minor">
+                <a:schemeClr val="tx1"/>
+              </a:fontRef>
+            </p:style>
+          </p:cxnSp>
+          <p:cxnSp>
+            <p:nvCxnSpPr>
+              <p:cNvPr id="96" name="Straight Arrow Connector 95">
+                <a:extLst>
+                  <a:ext uri="{FF2B5EF4-FFF2-40B4-BE49-F238E27FC236}">
+                    <a16:creationId xmlns:a16="http://schemas.microsoft.com/office/drawing/2014/main" id="{209AC64A-9458-402B-8EA6-7AF7C8852FBB}"/>
+                  </a:ext>
+                </a:extLst>
+              </p:cNvPr>
+              <p:cNvCxnSpPr>
+                <a:stCxn id="57" idx="3"/>
+                <a:endCxn id="64" idx="1"/>
+              </p:cNvCxnSpPr>
+              <p:nvPr/>
+            </p:nvCxnSpPr>
+            <p:spPr>
+              <a:xfrm flipV="1">
+                <a:off x="2995528" y="3644606"/>
+                <a:ext cx="284774" cy="4116"/>
+              </a:xfrm>
+              <a:prstGeom prst="straightConnector1">
+                <a:avLst/>
+              </a:prstGeom>
+              <a:ln>
+                <a:tailEnd type="triangle"/>
+              </a:ln>
+            </p:spPr>
+            <p:style>
+              <a:lnRef idx="1">
+                <a:schemeClr val="accent1"/>
+              </a:lnRef>
+              <a:fillRef idx="0">
+                <a:schemeClr val="accent1"/>
+              </a:fillRef>
+              <a:effectRef idx="0">
+                <a:schemeClr val="accent1"/>
+              </a:effectRef>
+              <a:fontRef idx="minor">
+                <a:schemeClr val="tx1"/>
+              </a:fontRef>
+            </p:style>
+          </p:cxnSp>
+          <p:cxnSp>
+            <p:nvCxnSpPr>
+              <p:cNvPr id="98" name="Straight Arrow Connector 97">
+                <a:extLst>
+                  <a:ext uri="{FF2B5EF4-FFF2-40B4-BE49-F238E27FC236}">
+                    <a16:creationId xmlns:a16="http://schemas.microsoft.com/office/drawing/2014/main" id="{49FF0616-6A12-4F57-B11A-AC8B9E545369}"/>
+                  </a:ext>
+                </a:extLst>
+              </p:cNvPr>
+              <p:cNvCxnSpPr>
+                <a:stCxn id="66" idx="3"/>
+                <a:endCxn id="69" idx="1"/>
+              </p:cNvCxnSpPr>
+              <p:nvPr/>
+            </p:nvCxnSpPr>
+            <p:spPr>
+              <a:xfrm flipV="1">
+                <a:off x="5112929" y="3642168"/>
+                <a:ext cx="289592" cy="1"/>
+              </a:xfrm>
+              <a:prstGeom prst="straightConnector1">
+                <a:avLst/>
+              </a:prstGeom>
+              <a:ln>
+                <a:tailEnd type="triangle"/>
+              </a:ln>
+            </p:spPr>
+            <p:style>
+              <a:lnRef idx="1">
+                <a:schemeClr val="accent1"/>
+              </a:lnRef>
+              <a:fillRef idx="0">
+                <a:schemeClr val="accent1"/>
+              </a:fillRef>
+              <a:effectRef idx="0">
+                <a:schemeClr val="accent1"/>
+              </a:effectRef>
+              <a:fontRef idx="minor">
+                <a:schemeClr val="tx1"/>
+              </a:fontRef>
+            </p:style>
+          </p:cxnSp>
+          <p:pic>
+            <p:nvPicPr>
+              <p:cNvPr id="121" name="Picture 120">
+                <a:extLst>
+                  <a:ext uri="{FF2B5EF4-FFF2-40B4-BE49-F238E27FC236}">
+                    <a16:creationId xmlns:a16="http://schemas.microsoft.com/office/drawing/2014/main" id="{E2B9AEC4-DDAD-4F2E-AEF0-6721A75EE7EE}"/>
+                  </a:ext>
+                </a:extLst>
+              </p:cNvPr>
+              <p:cNvPicPr>
+                <a:picLocks noChangeAspect="1"/>
+              </p:cNvPicPr>
+              <p:nvPr/>
+            </p:nvPicPr>
+            <p:blipFill>
+              <a:blip r:embed="rId11"/>
+              <a:stretch>
+                <a:fillRect/>
+              </a:stretch>
+            </p:blipFill>
+            <p:spPr>
+              <a:xfrm>
+                <a:off x="6182714" y="3448649"/>
+                <a:ext cx="649530" cy="374452"/>
+              </a:xfrm>
+              <a:prstGeom prst="rect">
+                <a:avLst/>
+              </a:prstGeom>
+            </p:spPr>
+          </p:pic>
+          <p:cxnSp>
+            <p:nvCxnSpPr>
+              <p:cNvPr id="122" name="Straight Arrow Connector 121">
+                <a:extLst>
+                  <a:ext uri="{FF2B5EF4-FFF2-40B4-BE49-F238E27FC236}">
+                    <a16:creationId xmlns:a16="http://schemas.microsoft.com/office/drawing/2014/main" id="{43DD3A44-E630-4907-AA3E-25F3F1E53F60}"/>
+                  </a:ext>
+                </a:extLst>
+              </p:cNvPr>
+              <p:cNvCxnSpPr>
+                <a:cxnSpLocks/>
+                <a:stCxn id="69" idx="3"/>
+                <a:endCxn id="121" idx="1"/>
+              </p:cNvCxnSpPr>
+              <p:nvPr/>
+            </p:nvCxnSpPr>
+            <p:spPr>
+              <a:xfrm flipV="1">
+                <a:off x="5864186" y="3635875"/>
+                <a:ext cx="318528" cy="6293"/>
+              </a:xfrm>
+              <a:prstGeom prst="straightConnector1">
+                <a:avLst/>
+              </a:prstGeom>
+              <a:ln>
+                <a:tailEnd type="triangle"/>
+              </a:ln>
+            </p:spPr>
+            <p:style>
+              <a:lnRef idx="1">
+                <a:schemeClr val="accent1"/>
+              </a:lnRef>
+              <a:fillRef idx="0">
+                <a:schemeClr val="accent1"/>
+              </a:fillRef>
+              <a:effectRef idx="0">
+                <a:schemeClr val="accent1"/>
+              </a:effectRef>
+              <a:fontRef idx="minor">
+                <a:schemeClr val="tx1"/>
+              </a:fontRef>
+            </p:style>
+          </p:cxnSp>
+        </p:grpSp>
+      </p:grpSp>
+    </p:spTree>
+    <p:extLst>
+      <p:ext uri="{BB962C8B-B14F-4D97-AF65-F5344CB8AC3E}">
+        <p14:creationId xmlns:p14="http://schemas.microsoft.com/office/powerpoint/2010/main" val="2170223397"/>
+      </p:ext>
+    </p:extLst>
+  </p:cSld>
+  <p:clrMapOvr>
+    <a:masterClrMapping/>
+  </p:clrMapOvr>
+</p:sld>
+</file>
+
+<file path=ppt/slides/slide12.xml><?xml version="1.0" encoding="utf-8"?>
+<p:sld xmlns:a="http://schemas.openxmlformats.org/drawingml/2006/main" xmlns:r="http://schemas.openxmlformats.org/officeDocument/2006/relationships" xmlns:p="http://schemas.openxmlformats.org/presentationml/2006/main">
+  <p:cSld>
+    <p:spTree>
+      <p:nvGrpSpPr>
+        <p:cNvPr id="1" name=""/>
+        <p:cNvGrpSpPr/>
+        <p:nvPr/>
+      </p:nvGrpSpPr>
+      <p:grpSpPr>
+        <a:xfrm>
+          <a:off x="0" y="0"/>
+          <a:ext cx="0" cy="0"/>
+          <a:chOff x="0" y="0"/>
+          <a:chExt cx="0" cy="0"/>
+        </a:xfrm>
+      </p:grpSpPr>
+      <p:grpSp>
+        <p:nvGrpSpPr>
+          <p:cNvPr id="89" name="Group 88">
+            <a:extLst>
+              <a:ext uri="{FF2B5EF4-FFF2-40B4-BE49-F238E27FC236}">
+                <a16:creationId xmlns:a16="http://schemas.microsoft.com/office/drawing/2014/main" id="{A9E43090-C6C3-4050-80CE-26B9B308EB13}"/>
+              </a:ext>
+            </a:extLst>
+          </p:cNvPr>
+          <p:cNvGrpSpPr/>
+          <p:nvPr/>
+        </p:nvGrpSpPr>
+        <p:grpSpPr>
+          <a:xfrm>
+            <a:off x="5184936" y="3429000"/>
+            <a:ext cx="5968079" cy="2714479"/>
+            <a:chOff x="4652486" y="4145857"/>
+            <a:chExt cx="5968079" cy="2309585"/>
+          </a:xfrm>
+        </p:grpSpPr>
+        <mc:AlternateContent xmlns:mc="http://schemas.openxmlformats.org/markup-compatibility/2006">
+          <mc:Choice xmlns:a14="http://schemas.microsoft.com/office/drawing/2010/main" Requires="a14">
+            <p:sp>
+              <p:nvSpPr>
+                <p:cNvPr id="44" name="TextBox 43">
+                  <a:extLst>
+                    <a:ext uri="{FF2B5EF4-FFF2-40B4-BE49-F238E27FC236}">
+                      <a16:creationId xmlns:a16="http://schemas.microsoft.com/office/drawing/2014/main" id="{0C1B8654-C658-4D89-A9C8-5B75C9F674F4}"/>
+                    </a:ext>
+                  </a:extLst>
+                </p:cNvPr>
+                <p:cNvSpPr txBox="1"/>
+                <p:nvPr/>
+              </p:nvSpPr>
+              <p:spPr>
+                <a:xfrm>
+                  <a:off x="6737095" y="4145857"/>
+                  <a:ext cx="1806072" cy="369332"/>
+                </a:xfrm>
+                <a:prstGeom prst="rect">
+                  <a:avLst/>
+                </a:prstGeom>
+                <a:noFill/>
+              </p:spPr>
+              <p:txBody>
+                <a:bodyPr wrap="none" rtlCol="0">
+                  <a:spAutoFit/>
+                </a:bodyPr>
+                <a:lstStyle/>
+                <a:p>
+                  <a:r>
+                    <a:rPr lang="en-US" dirty="0"/>
+                    <a:t>Discriminator (</a:t>
+                  </a:r>
+                  <a14:m>
+                    <m:oMath xmlns:m="http://schemas.openxmlformats.org/officeDocument/2006/math">
+                      <m:r>
+                        <a:rPr lang="en-US" i="1">
+                          <a:latin typeface="Cambria Math" panose="02040503050406030204" pitchFamily="18" charset="0"/>
+                        </a:rPr>
+                        <m:t>𝐷</m:t>
+                      </m:r>
+                    </m:oMath>
+                  </a14:m>
+                  <a:r>
+                    <a:rPr lang="en-US" dirty="0"/>
+                    <a:t>)</a:t>
+                  </a:r>
+                </a:p>
+              </p:txBody>
+            </p:sp>
+          </mc:Choice>
+          <mc:Fallback>
+            <p:sp>
+              <p:nvSpPr>
+                <p:cNvPr id="44" name="TextBox 43">
+                  <a:extLst>
+                    <a:ext uri="{FF2B5EF4-FFF2-40B4-BE49-F238E27FC236}">
+                      <a16:creationId xmlns:a16="http://schemas.microsoft.com/office/drawing/2014/main" id="{0C1B8654-C658-4D89-A9C8-5B75C9F674F4}"/>
+                    </a:ext>
+                  </a:extLst>
+                </p:cNvPr>
+                <p:cNvSpPr txBox="1">
+                  <a:spLocks noRot="1" noChangeAspect="1" noMove="1" noResize="1" noEditPoints="1" noAdjustHandles="1" noChangeArrowheads="1" noChangeShapeType="1" noTextEdit="1"/>
+                </p:cNvSpPr>
+                <p:nvPr/>
+              </p:nvSpPr>
+              <p:spPr>
+                <a:xfrm>
+                  <a:off x="6737095" y="4145857"/>
+                  <a:ext cx="1806072" cy="369332"/>
+                </a:xfrm>
+                <a:prstGeom prst="rect">
+                  <a:avLst/>
+                </a:prstGeom>
+                <a:blipFill>
+                  <a:blip r:embed="rId2"/>
+                  <a:stretch>
+                    <a:fillRect l="-3041" t="-8451" r="-2027" b="-5634"/>
+                  </a:stretch>
+                </a:blipFill>
+              </p:spPr>
+              <p:txBody>
+                <a:bodyPr/>
+                <a:lstStyle/>
+                <a:p>
+                  <a:r>
+                    <a:rPr lang="en-US">
+                      <a:noFill/>
+                    </a:rPr>
+                    <a:t> </a:t>
+                  </a:r>
+                </a:p>
+              </p:txBody>
+            </p:sp>
+          </mc:Fallback>
+        </mc:AlternateContent>
+        <p:sp>
+          <p:nvSpPr>
+            <p:cNvPr id="66" name="TextBox 65">
+              <a:extLst>
+                <a:ext uri="{FF2B5EF4-FFF2-40B4-BE49-F238E27FC236}">
+                  <a16:creationId xmlns:a16="http://schemas.microsoft.com/office/drawing/2014/main" id="{A88A9704-274C-4AC6-BFA6-139B94543560}"/>
+                </a:ext>
+              </a:extLst>
+            </p:cNvPr>
+            <p:cNvSpPr txBox="1"/>
+            <p:nvPr/>
+          </p:nvSpPr>
+          <p:spPr>
+            <a:xfrm>
+              <a:off x="5645705" y="4521064"/>
+              <a:ext cx="461665" cy="1591063"/>
+            </a:xfrm>
+            <a:prstGeom prst="rect">
+              <a:avLst/>
+            </a:prstGeom>
+            <a:solidFill>
+              <a:schemeClr val="accent5">
+                <a:lumMod val="60000"/>
+                <a:lumOff val="40000"/>
+              </a:schemeClr>
+            </a:solidFill>
+            <a:ln>
+              <a:noFill/>
+            </a:ln>
+          </p:spPr>
+          <p:txBody>
+            <a:bodyPr vert="eaVert" wrap="square" rtlCol="0">
+              <a:spAutoFit/>
+            </a:bodyPr>
+            <a:lstStyle/>
+            <a:p>
+              <a:pPr algn="ctr"/>
+              <a:r>
+                <a:rPr lang="en-US" dirty="0"/>
+                <a:t>conv2d</a:t>
+              </a:r>
+            </a:p>
+          </p:txBody>
+        </p:sp>
+        <p:sp>
+          <p:nvSpPr>
+            <p:cNvPr id="68" name="TextBox 67">
+              <a:extLst>
+                <a:ext uri="{FF2B5EF4-FFF2-40B4-BE49-F238E27FC236}">
+                  <a16:creationId xmlns:a16="http://schemas.microsoft.com/office/drawing/2014/main" id="{5F7840E4-3E2E-4642-9E9F-8601600F59B0}"/>
+                </a:ext>
+              </a:extLst>
+            </p:cNvPr>
+            <p:cNvSpPr txBox="1"/>
+            <p:nvPr/>
+          </p:nvSpPr>
+          <p:spPr>
+            <a:xfrm>
+              <a:off x="6107369" y="4521062"/>
+              <a:ext cx="461665" cy="1591063"/>
+            </a:xfrm>
+            <a:prstGeom prst="rect">
+              <a:avLst/>
+            </a:prstGeom>
+            <a:solidFill>
+              <a:srgbClr val="FFFF00">
+                <a:alpha val="40000"/>
+              </a:srgbClr>
+            </a:solidFill>
+          </p:spPr>
+          <p:txBody>
+            <a:bodyPr vert="eaVert" wrap="square" rtlCol="0">
+              <a:spAutoFit/>
+            </a:bodyPr>
+            <a:lstStyle/>
+            <a:p>
+              <a:pPr algn="ctr"/>
+              <a:r>
+                <a:rPr lang="en-US" dirty="0"/>
+                <a:t>GLU</a:t>
+              </a:r>
+            </a:p>
+          </p:txBody>
+        </p:sp>
+        <p:grpSp>
+          <p:nvGrpSpPr>
+            <p:cNvPr id="47" name="Group 46">
+              <a:extLst>
+                <a:ext uri="{FF2B5EF4-FFF2-40B4-BE49-F238E27FC236}">
+                  <a16:creationId xmlns:a16="http://schemas.microsoft.com/office/drawing/2014/main" id="{0ED6EC79-7516-4EF7-BA0A-2769B33B416E}"/>
+                </a:ext>
+              </a:extLst>
+            </p:cNvPr>
+            <p:cNvGrpSpPr/>
+            <p:nvPr/>
+          </p:nvGrpSpPr>
+          <p:grpSpPr>
+            <a:xfrm>
+              <a:off x="6851455" y="4518734"/>
+              <a:ext cx="1386574" cy="1593391"/>
+              <a:chOff x="3861518" y="2053123"/>
+              <a:chExt cx="1386574" cy="1593391"/>
+            </a:xfrm>
+          </p:grpSpPr>
+          <p:sp>
+            <p:nvSpPr>
+              <p:cNvPr id="63" name="TextBox 62">
+                <a:extLst>
+                  <a:ext uri="{FF2B5EF4-FFF2-40B4-BE49-F238E27FC236}">
+                    <a16:creationId xmlns:a16="http://schemas.microsoft.com/office/drawing/2014/main" id="{2AD661AB-5772-4CF6-876E-4C0B5F281478}"/>
+                  </a:ext>
+                </a:extLst>
+              </p:cNvPr>
+              <p:cNvSpPr txBox="1"/>
+              <p:nvPr/>
+            </p:nvSpPr>
+            <p:spPr>
+              <a:xfrm>
+                <a:off x="3861518" y="2053124"/>
+                <a:ext cx="461665" cy="1591063"/>
+              </a:xfrm>
+              <a:prstGeom prst="rect">
+                <a:avLst/>
+              </a:prstGeom>
+              <a:solidFill>
+                <a:schemeClr val="accent5">
+                  <a:lumMod val="60000"/>
+                  <a:lumOff val="40000"/>
+                </a:schemeClr>
+              </a:solidFill>
+            </p:spPr>
+            <p:txBody>
+              <a:bodyPr vert="eaVert" wrap="square" rtlCol="0">
+                <a:spAutoFit/>
+              </a:bodyPr>
+              <a:lstStyle/>
+              <a:p>
+                <a:pPr algn="ctr"/>
+                <a:r>
+                  <a:rPr lang="en-US" dirty="0"/>
+                  <a:t>conv2d</a:t>
+                </a:r>
+              </a:p>
+            </p:txBody>
+          </p:sp>
+          <p:sp>
+            <p:nvSpPr>
+              <p:cNvPr id="64" name="TextBox 63">
+                <a:extLst>
+                  <a:ext uri="{FF2B5EF4-FFF2-40B4-BE49-F238E27FC236}">
+                    <a16:creationId xmlns:a16="http://schemas.microsoft.com/office/drawing/2014/main" id="{8123AE95-F265-4CE1-8B92-404B9FC29EB8}"/>
+                  </a:ext>
+                </a:extLst>
+              </p:cNvPr>
+              <p:cNvSpPr txBox="1"/>
+              <p:nvPr/>
+            </p:nvSpPr>
+            <p:spPr>
+              <a:xfrm>
+                <a:off x="4323182" y="2053123"/>
+                <a:ext cx="461665" cy="1591063"/>
+              </a:xfrm>
+              <a:prstGeom prst="rect">
+                <a:avLst/>
+              </a:prstGeom>
+              <a:solidFill>
+                <a:srgbClr val="FF0000">
+                  <a:alpha val="40000"/>
+                </a:srgbClr>
+              </a:solidFill>
+            </p:spPr>
+            <p:txBody>
+              <a:bodyPr vert="eaVert" wrap="square" rtlCol="0">
+                <a:spAutoFit/>
+              </a:bodyPr>
+              <a:lstStyle/>
+              <a:p>
+                <a:pPr algn="ctr"/>
+                <a:r>
+                  <a:rPr lang="en-US" dirty="0"/>
+                  <a:t>IN</a:t>
+                </a:r>
+              </a:p>
+            </p:txBody>
+          </p:sp>
+          <p:sp>
+            <p:nvSpPr>
+              <p:cNvPr id="65" name="TextBox 64">
+                <a:extLst>
+                  <a:ext uri="{FF2B5EF4-FFF2-40B4-BE49-F238E27FC236}">
+                    <a16:creationId xmlns:a16="http://schemas.microsoft.com/office/drawing/2014/main" id="{814A5D04-2105-4D72-85A1-CD7F6DDCA0F3}"/>
+                  </a:ext>
+                </a:extLst>
+              </p:cNvPr>
+              <p:cNvSpPr txBox="1"/>
+              <p:nvPr/>
+            </p:nvSpPr>
+            <p:spPr>
+              <a:xfrm>
+                <a:off x="4786427" y="2055451"/>
+                <a:ext cx="461665" cy="1591063"/>
+              </a:xfrm>
+              <a:prstGeom prst="rect">
+                <a:avLst/>
+              </a:prstGeom>
+              <a:solidFill>
+                <a:srgbClr val="FFFF00">
+                  <a:alpha val="40000"/>
+                </a:srgbClr>
+              </a:solidFill>
+            </p:spPr>
+            <p:txBody>
+              <a:bodyPr vert="eaVert" wrap="square" rtlCol="0">
+                <a:spAutoFit/>
+              </a:bodyPr>
+              <a:lstStyle/>
+              <a:p>
+                <a:pPr algn="ctr"/>
+                <a:r>
+                  <a:rPr lang="en-US" dirty="0"/>
+                  <a:t>GLU</a:t>
+                </a:r>
+              </a:p>
+            </p:txBody>
+          </p:sp>
+        </p:grpSp>
+        <mc:AlternateContent xmlns:mc="http://schemas.openxmlformats.org/markup-compatibility/2006">
+          <mc:Choice xmlns:a14="http://schemas.microsoft.com/office/drawing/2010/main" Requires="a14">
+            <p:sp>
+              <p:nvSpPr>
+                <p:cNvPr id="48" name="TextBox 47">
+                  <a:extLst>
+                    <a:ext uri="{FF2B5EF4-FFF2-40B4-BE49-F238E27FC236}">
+                      <a16:creationId xmlns:a16="http://schemas.microsoft.com/office/drawing/2014/main" id="{FF0C92EF-BC66-4D45-BB46-1BEFB5C85271}"/>
+                    </a:ext>
+                  </a:extLst>
+                </p:cNvPr>
+                <p:cNvSpPr txBox="1"/>
+                <p:nvPr/>
+              </p:nvSpPr>
+              <p:spPr>
+                <a:xfrm>
+                  <a:off x="6737095" y="6116888"/>
+                  <a:ext cx="1613711" cy="338554"/>
+                </a:xfrm>
+                <a:prstGeom prst="rect">
+                  <a:avLst/>
+                </a:prstGeom>
+                <a:noFill/>
+              </p:spPr>
+              <p:txBody>
+                <a:bodyPr wrap="none" rtlCol="0">
+                  <a:spAutoFit/>
+                </a:bodyPr>
+                <a:lstStyle/>
+                <a:p>
+                  <a:r>
+                    <a:rPr lang="en-US" sz="1600" dirty="0"/>
+                    <a:t>Downsample </a:t>
+                  </a:r>
+                  <a14:m>
+                    <m:oMath xmlns:m="http://schemas.openxmlformats.org/officeDocument/2006/math">
+                      <m:r>
+                        <a:rPr lang="en-US" sz="1600" i="1">
+                          <a:latin typeface="Cambria Math" panose="02040503050406030204" pitchFamily="18" charset="0"/>
+                          <a:ea typeface="Cambria Math" panose="02040503050406030204" pitchFamily="18" charset="0"/>
+                        </a:rPr>
+                        <m:t>× </m:t>
+                      </m:r>
+                    </m:oMath>
+                  </a14:m>
+                  <a:r>
+                    <a:rPr lang="en-US" sz="1600" dirty="0"/>
+                    <a:t>3</a:t>
+                  </a:r>
+                </a:p>
+              </p:txBody>
+            </p:sp>
+          </mc:Choice>
+          <mc:Fallback>
+            <p:sp>
+              <p:nvSpPr>
+                <p:cNvPr id="48" name="TextBox 47">
+                  <a:extLst>
+                    <a:ext uri="{FF2B5EF4-FFF2-40B4-BE49-F238E27FC236}">
+                      <a16:creationId xmlns:a16="http://schemas.microsoft.com/office/drawing/2014/main" id="{FF0C92EF-BC66-4D45-BB46-1BEFB5C85271}"/>
+                    </a:ext>
+                  </a:extLst>
+                </p:cNvPr>
+                <p:cNvSpPr txBox="1">
+                  <a:spLocks noRot="1" noChangeAspect="1" noMove="1" noResize="1" noEditPoints="1" noAdjustHandles="1" noChangeArrowheads="1" noChangeShapeType="1" noTextEdit="1"/>
+                </p:cNvSpPr>
+                <p:nvPr/>
+              </p:nvSpPr>
+              <p:spPr>
+                <a:xfrm>
+                  <a:off x="6737095" y="6116888"/>
+                  <a:ext cx="1613711" cy="338554"/>
+                </a:xfrm>
+                <a:prstGeom prst="rect">
+                  <a:avLst/>
+                </a:prstGeom>
+                <a:blipFill>
+                  <a:blip r:embed="rId3"/>
+                  <a:stretch>
+                    <a:fillRect l="-2273" t="-4615" r="-1136" b="-4615"/>
+                  </a:stretch>
+                </a:blipFill>
+              </p:spPr>
+              <p:txBody>
+                <a:bodyPr/>
+                <a:lstStyle/>
+                <a:p>
+                  <a:r>
+                    <a:rPr lang="en-US">
+                      <a:noFill/>
+                    </a:rPr>
+                    <a:t> </a:t>
+                  </a:r>
+                </a:p>
+              </p:txBody>
+            </p:sp>
+          </mc:Fallback>
+        </mc:AlternateContent>
+        <p:cxnSp>
+          <p:nvCxnSpPr>
+            <p:cNvPr id="52" name="Straight Arrow Connector 51">
+              <a:extLst>
+                <a:ext uri="{FF2B5EF4-FFF2-40B4-BE49-F238E27FC236}">
+                  <a16:creationId xmlns:a16="http://schemas.microsoft.com/office/drawing/2014/main" id="{08B8945C-410C-4FB9-91BC-30772FA0E57F}"/>
+                </a:ext>
+              </a:extLst>
+            </p:cNvPr>
+            <p:cNvCxnSpPr>
+              <a:cxnSpLocks/>
+              <a:stCxn id="82" idx="3"/>
+              <a:endCxn id="66" idx="1"/>
+            </p:cNvCxnSpPr>
+            <p:nvPr/>
+          </p:nvCxnSpPr>
+          <p:spPr>
+            <a:xfrm flipV="1">
+              <a:off x="5302016" y="5316596"/>
+              <a:ext cx="343689" cy="4760"/>
+            </a:xfrm>
+            <a:prstGeom prst="straightConnector1">
+              <a:avLst/>
+            </a:prstGeom>
+            <a:ln>
+              <a:tailEnd type="triangle"/>
+            </a:ln>
+          </p:spPr>
+          <p:style>
+            <a:lnRef idx="1">
+              <a:schemeClr val="accent1"/>
+            </a:lnRef>
+            <a:fillRef idx="0">
+              <a:schemeClr val="accent1"/>
+            </a:fillRef>
+            <a:effectRef idx="0">
+              <a:schemeClr val="accent1"/>
+            </a:effectRef>
+            <a:fontRef idx="minor">
+              <a:schemeClr val="tx1"/>
+            </a:fontRef>
+          </p:style>
+        </p:cxnSp>
+        <p:cxnSp>
+          <p:nvCxnSpPr>
+            <p:cNvPr id="54" name="Straight Arrow Connector 53">
+              <a:extLst>
+                <a:ext uri="{FF2B5EF4-FFF2-40B4-BE49-F238E27FC236}">
+                  <a16:creationId xmlns:a16="http://schemas.microsoft.com/office/drawing/2014/main" id="{377059A0-2BA1-4F20-A3F0-1346F3355EFF}"/>
+                </a:ext>
+              </a:extLst>
+            </p:cNvPr>
+            <p:cNvCxnSpPr>
+              <a:cxnSpLocks/>
+              <a:stCxn id="65" idx="3"/>
+            </p:cNvCxnSpPr>
+            <p:nvPr/>
+          </p:nvCxnSpPr>
+          <p:spPr>
+            <a:xfrm>
+              <a:off x="8238029" y="5316594"/>
+              <a:ext cx="290169" cy="300"/>
+            </a:xfrm>
+            <a:prstGeom prst="straightConnector1">
+              <a:avLst/>
+            </a:prstGeom>
+            <a:ln>
+              <a:tailEnd type="triangle"/>
+            </a:ln>
+          </p:spPr>
+          <p:style>
+            <a:lnRef idx="1">
+              <a:schemeClr val="accent1"/>
+            </a:lnRef>
+            <a:fillRef idx="0">
+              <a:schemeClr val="accent1"/>
+            </a:fillRef>
+            <a:effectRef idx="0">
+              <a:schemeClr val="accent1"/>
+            </a:effectRef>
+            <a:fontRef idx="minor">
+              <a:schemeClr val="tx1"/>
+            </a:fontRef>
+          </p:style>
+        </p:cxnSp>
+        <p:sp>
+          <p:nvSpPr>
+            <p:cNvPr id="70" name="TextBox 69">
+              <a:extLst>
+                <a:ext uri="{FF2B5EF4-FFF2-40B4-BE49-F238E27FC236}">
+                  <a16:creationId xmlns:a16="http://schemas.microsoft.com/office/drawing/2014/main" id="{7A9AAF54-07E4-41AF-8A49-A2A767F0A622}"/>
+                </a:ext>
+              </a:extLst>
+            </p:cNvPr>
+            <p:cNvSpPr txBox="1"/>
+            <p:nvPr/>
+          </p:nvSpPr>
+          <p:spPr>
+            <a:xfrm>
+              <a:off x="8528196" y="4525825"/>
+              <a:ext cx="461665" cy="1591063"/>
+            </a:xfrm>
+            <a:prstGeom prst="rect">
+              <a:avLst/>
+            </a:prstGeom>
+            <a:solidFill>
+              <a:srgbClr val="00B0F0">
+                <a:alpha val="78000"/>
+              </a:srgbClr>
+            </a:solidFill>
+          </p:spPr>
+          <p:txBody>
+            <a:bodyPr vert="eaVert" wrap="square" rtlCol="0">
+              <a:spAutoFit/>
+            </a:bodyPr>
+            <a:lstStyle/>
+            <a:p>
+              <a:pPr algn="ctr"/>
+              <a:r>
+                <a:rPr lang="en-US" dirty="0"/>
+                <a:t>Fully Connected</a:t>
+              </a:r>
+            </a:p>
+          </p:txBody>
+        </p:sp>
+        <p:sp>
+          <p:nvSpPr>
+            <p:cNvPr id="71" name="TextBox 70">
+              <a:extLst>
+                <a:ext uri="{FF2B5EF4-FFF2-40B4-BE49-F238E27FC236}">
+                  <a16:creationId xmlns:a16="http://schemas.microsoft.com/office/drawing/2014/main" id="{07603D0F-1422-4CF4-95E9-4D366332ED0A}"/>
+                </a:ext>
+              </a:extLst>
+            </p:cNvPr>
+            <p:cNvSpPr txBox="1"/>
+            <p:nvPr/>
+          </p:nvSpPr>
+          <p:spPr>
+            <a:xfrm>
+              <a:off x="8982112" y="4525825"/>
+              <a:ext cx="461665" cy="1591063"/>
+            </a:xfrm>
+            <a:prstGeom prst="rect">
+              <a:avLst/>
+            </a:prstGeom>
+            <a:solidFill>
+              <a:srgbClr val="FFFF00"/>
+            </a:solidFill>
+          </p:spPr>
+          <p:txBody>
+            <a:bodyPr vert="eaVert" wrap="square" rtlCol="0">
+              <a:spAutoFit/>
+            </a:bodyPr>
+            <a:lstStyle/>
+            <a:p>
+              <a:pPr algn="ctr"/>
+              <a:r>
+                <a:rPr lang="en-US" dirty="0"/>
+                <a:t>Sigmoid</a:t>
+              </a:r>
+            </a:p>
+          </p:txBody>
+        </p:sp>
+        <p:cxnSp>
+          <p:nvCxnSpPr>
+            <p:cNvPr id="74" name="Straight Arrow Connector 73">
+              <a:extLst>
+                <a:ext uri="{FF2B5EF4-FFF2-40B4-BE49-F238E27FC236}">
+                  <a16:creationId xmlns:a16="http://schemas.microsoft.com/office/drawing/2014/main" id="{2265BEF1-6AB5-48DF-8943-6A506569143E}"/>
+                </a:ext>
+              </a:extLst>
+            </p:cNvPr>
+            <p:cNvCxnSpPr>
+              <a:stCxn id="68" idx="3"/>
+              <a:endCxn id="63" idx="1"/>
+            </p:cNvCxnSpPr>
+            <p:nvPr/>
+          </p:nvCxnSpPr>
+          <p:spPr>
+            <a:xfrm flipV="1">
+              <a:off x="6569034" y="5314267"/>
+              <a:ext cx="282421" cy="2327"/>
+            </a:xfrm>
+            <a:prstGeom prst="straightConnector1">
+              <a:avLst/>
+            </a:prstGeom>
+            <a:ln>
+              <a:tailEnd type="triangle"/>
+            </a:ln>
+          </p:spPr>
+          <p:style>
+            <a:lnRef idx="1">
+              <a:schemeClr val="accent1"/>
+            </a:lnRef>
+            <a:fillRef idx="0">
+              <a:schemeClr val="accent1"/>
+            </a:fillRef>
+            <a:effectRef idx="0">
+              <a:schemeClr val="accent1"/>
+            </a:effectRef>
+            <a:fontRef idx="minor">
+              <a:schemeClr val="tx1"/>
+            </a:fontRef>
+          </p:style>
+        </p:cxnSp>
+        <p:cxnSp>
+          <p:nvCxnSpPr>
+            <p:cNvPr id="76" name="Straight Arrow Connector 75">
+              <a:extLst>
+                <a:ext uri="{FF2B5EF4-FFF2-40B4-BE49-F238E27FC236}">
+                  <a16:creationId xmlns:a16="http://schemas.microsoft.com/office/drawing/2014/main" id="{95D60AFE-1889-43D0-A4E6-C80937D23E45}"/>
+                </a:ext>
+              </a:extLst>
+            </p:cNvPr>
+            <p:cNvCxnSpPr>
+              <a:cxnSpLocks/>
+              <a:stCxn id="71" idx="3"/>
+              <a:endCxn id="86" idx="1"/>
+            </p:cNvCxnSpPr>
+            <p:nvPr/>
+          </p:nvCxnSpPr>
+          <p:spPr>
+            <a:xfrm flipV="1">
+              <a:off x="9443777" y="5314267"/>
+              <a:ext cx="345532" cy="7090"/>
+            </a:xfrm>
+            <a:prstGeom prst="straightConnector1">
+              <a:avLst/>
+            </a:prstGeom>
+            <a:ln>
+              <a:tailEnd type="triangle"/>
+            </a:ln>
+          </p:spPr>
+          <p:style>
+            <a:lnRef idx="1">
+              <a:schemeClr val="accent1"/>
+            </a:lnRef>
+            <a:fillRef idx="0">
+              <a:schemeClr val="accent1"/>
+            </a:fillRef>
+            <a:effectRef idx="0">
+              <a:schemeClr val="accent1"/>
+            </a:effectRef>
+            <a:fontRef idx="minor">
+              <a:schemeClr val="tx1"/>
+            </a:fontRef>
+          </p:style>
+        </p:cxnSp>
+        <p:pic>
+          <p:nvPicPr>
+            <p:cNvPr id="82" name="Picture 81">
+              <a:extLst>
+                <a:ext uri="{FF2B5EF4-FFF2-40B4-BE49-F238E27FC236}">
+                  <a16:creationId xmlns:a16="http://schemas.microsoft.com/office/drawing/2014/main" id="{8C7EEB1F-DBE8-47CD-9E28-BE84AA345C0B}"/>
+                </a:ext>
+              </a:extLst>
+            </p:cNvPr>
+            <p:cNvPicPr>
+              <a:picLocks noChangeAspect="1"/>
+            </p:cNvPicPr>
+            <p:nvPr/>
+          </p:nvPicPr>
+          <p:blipFill>
+            <a:blip r:embed="rId4"/>
+            <a:stretch>
+              <a:fillRect/>
+            </a:stretch>
+          </p:blipFill>
+          <p:spPr>
+            <a:xfrm>
+              <a:off x="4652486" y="5134130"/>
+              <a:ext cx="649530" cy="374452"/>
+            </a:xfrm>
+            <a:prstGeom prst="rect">
+              <a:avLst/>
+            </a:prstGeom>
+          </p:spPr>
+        </p:pic>
+        <p:pic>
+          <p:nvPicPr>
+            <p:cNvPr id="86" name="Picture 85">
+              <a:extLst>
+                <a:ext uri="{FF2B5EF4-FFF2-40B4-BE49-F238E27FC236}">
+                  <a16:creationId xmlns:a16="http://schemas.microsoft.com/office/drawing/2014/main" id="{BBC7B886-A3B7-45C7-8679-374F19DC2780}"/>
+                </a:ext>
+              </a:extLst>
+            </p:cNvPr>
+            <p:cNvPicPr>
+              <a:picLocks noChangeAspect="1"/>
+            </p:cNvPicPr>
+            <p:nvPr/>
+          </p:nvPicPr>
+          <p:blipFill>
+            <a:blip r:embed="rId5"/>
+            <a:stretch>
+              <a:fillRect/>
+            </a:stretch>
+          </p:blipFill>
+          <p:spPr>
+            <a:xfrm>
+              <a:off x="9789309" y="5152374"/>
+              <a:ext cx="831256" cy="323785"/>
+            </a:xfrm>
+            <a:prstGeom prst="rect">
+              <a:avLst/>
+            </a:prstGeom>
+          </p:spPr>
+        </p:pic>
+      </p:grpSp>
+      <p:grpSp>
+        <p:nvGrpSpPr>
+          <p:cNvPr id="92" name="Group 91">
+            <a:extLst>
+              <a:ext uri="{FF2B5EF4-FFF2-40B4-BE49-F238E27FC236}">
+                <a16:creationId xmlns:a16="http://schemas.microsoft.com/office/drawing/2014/main" id="{A0042981-EE2B-486B-8597-C5EEA58F210D}"/>
+              </a:ext>
+            </a:extLst>
+          </p:cNvPr>
+          <p:cNvGrpSpPr/>
+          <p:nvPr/>
+        </p:nvGrpSpPr>
+        <p:grpSpPr>
+          <a:xfrm>
+            <a:off x="610966" y="571269"/>
+            <a:ext cx="5727235" cy="2645401"/>
+            <a:chOff x="610966" y="571269"/>
+            <a:chExt cx="5727235" cy="2645401"/>
+          </a:xfrm>
+        </p:grpSpPr>
+        <p:sp>
+          <p:nvSpPr>
+            <p:cNvPr id="25" name="TextBox 24">
+              <a:extLst>
+                <a:ext uri="{FF2B5EF4-FFF2-40B4-BE49-F238E27FC236}">
+                  <a16:creationId xmlns:a16="http://schemas.microsoft.com/office/drawing/2014/main" id="{E58E34C9-F12F-464F-B9F9-8F1287D936E0}"/>
+                </a:ext>
+              </a:extLst>
+            </p:cNvPr>
+            <p:cNvSpPr txBox="1"/>
+            <p:nvPr/>
+          </p:nvSpPr>
+          <p:spPr>
+            <a:xfrm>
+              <a:off x="1260529" y="1010110"/>
+              <a:ext cx="461665" cy="1868009"/>
+            </a:xfrm>
+            <a:prstGeom prst="rect">
+              <a:avLst/>
+            </a:prstGeom>
+            <a:solidFill>
+              <a:schemeClr val="accent5">
+                <a:lumMod val="60000"/>
+                <a:lumOff val="40000"/>
+              </a:schemeClr>
+            </a:solidFill>
+            <a:ln>
+              <a:noFill/>
+            </a:ln>
+          </p:spPr>
+          <p:txBody>
+            <a:bodyPr vert="eaVert" wrap="square" rtlCol="0">
+              <a:spAutoFit/>
+            </a:bodyPr>
+            <a:lstStyle/>
+            <a:p>
+              <a:pPr algn="ctr"/>
+              <a:r>
+                <a:rPr lang="en-US" dirty="0"/>
+                <a:t>conv1d</a:t>
+              </a:r>
+            </a:p>
+          </p:txBody>
+        </p:sp>
+        <p:sp>
+          <p:nvSpPr>
+            <p:cNvPr id="27" name="TextBox 26">
+              <a:extLst>
+                <a:ext uri="{FF2B5EF4-FFF2-40B4-BE49-F238E27FC236}">
+                  <a16:creationId xmlns:a16="http://schemas.microsoft.com/office/drawing/2014/main" id="{FA0AE649-69C5-4611-8779-3D091E9DEEBA}"/>
+                </a:ext>
+              </a:extLst>
+            </p:cNvPr>
+            <p:cNvSpPr txBox="1"/>
+            <p:nvPr/>
+          </p:nvSpPr>
+          <p:spPr>
+            <a:xfrm>
+              <a:off x="1715116" y="1010108"/>
+              <a:ext cx="461665" cy="1868009"/>
+            </a:xfrm>
+            <a:prstGeom prst="rect">
+              <a:avLst/>
+            </a:prstGeom>
+            <a:solidFill>
+              <a:srgbClr val="FFFF00">
+                <a:alpha val="40000"/>
+              </a:srgbClr>
+            </a:solidFill>
+          </p:spPr>
+          <p:txBody>
+            <a:bodyPr vert="eaVert" wrap="square" rtlCol="0">
+              <a:spAutoFit/>
+            </a:bodyPr>
+            <a:lstStyle/>
+            <a:p>
+              <a:pPr algn="ctr"/>
+              <a:r>
+                <a:rPr lang="en-US" dirty="0"/>
+                <a:t>GLU</a:t>
+              </a:r>
+            </a:p>
+          </p:txBody>
+        </p:sp>
+        <p:sp>
+          <p:nvSpPr>
+            <p:cNvPr id="22" name="TextBox 21">
+              <a:extLst>
+                <a:ext uri="{FF2B5EF4-FFF2-40B4-BE49-F238E27FC236}">
+                  <a16:creationId xmlns:a16="http://schemas.microsoft.com/office/drawing/2014/main" id="{85D01177-D268-4C6F-B68A-373783F2FC5C}"/>
+                </a:ext>
+              </a:extLst>
+            </p:cNvPr>
+            <p:cNvSpPr txBox="1"/>
+            <p:nvPr/>
+          </p:nvSpPr>
+          <p:spPr>
+            <a:xfrm>
+              <a:off x="2468529" y="1010110"/>
+              <a:ext cx="461665" cy="1868009"/>
+            </a:xfrm>
+            <a:prstGeom prst="rect">
+              <a:avLst/>
+            </a:prstGeom>
+            <a:solidFill>
+              <a:schemeClr val="accent5">
+                <a:lumMod val="60000"/>
+                <a:lumOff val="40000"/>
+              </a:schemeClr>
+            </a:solidFill>
+          </p:spPr>
+          <p:txBody>
+            <a:bodyPr vert="eaVert" wrap="square" rtlCol="0">
+              <a:spAutoFit/>
+            </a:bodyPr>
+            <a:lstStyle/>
+            <a:p>
+              <a:pPr algn="ctr"/>
+              <a:r>
+                <a:rPr lang="en-US" dirty="0"/>
+                <a:t>conv1d</a:t>
+              </a:r>
+            </a:p>
+          </p:txBody>
+        </p:sp>
+        <p:sp>
+          <p:nvSpPr>
+            <p:cNvPr id="24" name="TextBox 23">
+              <a:extLst>
+                <a:ext uri="{FF2B5EF4-FFF2-40B4-BE49-F238E27FC236}">
+                  <a16:creationId xmlns:a16="http://schemas.microsoft.com/office/drawing/2014/main" id="{C39FE149-11F1-4DA7-B209-558AA5294EE9}"/>
+                </a:ext>
+              </a:extLst>
+            </p:cNvPr>
+            <p:cNvSpPr txBox="1"/>
+            <p:nvPr/>
+          </p:nvSpPr>
+          <p:spPr>
+            <a:xfrm>
+              <a:off x="2927943" y="1010107"/>
+              <a:ext cx="461665" cy="1868009"/>
+            </a:xfrm>
+            <a:prstGeom prst="rect">
+              <a:avLst/>
+            </a:prstGeom>
+            <a:solidFill>
+              <a:srgbClr val="FFFF00">
+                <a:alpha val="40000"/>
+              </a:srgbClr>
+            </a:solidFill>
+          </p:spPr>
+          <p:txBody>
+            <a:bodyPr vert="eaVert" wrap="square" rtlCol="0">
+              <a:spAutoFit/>
+            </a:bodyPr>
+            <a:lstStyle/>
+            <a:p>
+              <a:pPr algn="ctr"/>
+              <a:r>
+                <a:rPr lang="en-US" dirty="0"/>
+                <a:t>GLU</a:t>
+              </a:r>
+            </a:p>
+          </p:txBody>
+        </p:sp>
+        <mc:AlternateContent xmlns:mc="http://schemas.openxmlformats.org/markup-compatibility/2006">
+          <mc:Choice xmlns:a14="http://schemas.microsoft.com/office/drawing/2010/main" Requires="a14">
+            <p:sp>
+              <p:nvSpPr>
+                <p:cNvPr id="7" name="TextBox 6">
+                  <a:extLst>
+                    <a:ext uri="{FF2B5EF4-FFF2-40B4-BE49-F238E27FC236}">
+                      <a16:creationId xmlns:a16="http://schemas.microsoft.com/office/drawing/2014/main" id="{2A4BA1C4-2AA3-45CF-A5E8-F98AD6A4CC89}"/>
+                    </a:ext>
+                  </a:extLst>
+                </p:cNvPr>
+                <p:cNvSpPr txBox="1"/>
+                <p:nvPr/>
+              </p:nvSpPr>
+              <p:spPr>
+                <a:xfrm>
+                  <a:off x="2139749" y="2878116"/>
+                  <a:ext cx="1613711" cy="338554"/>
+                </a:xfrm>
+                <a:prstGeom prst="rect">
+                  <a:avLst/>
+                </a:prstGeom>
+                <a:noFill/>
+              </p:spPr>
+              <p:txBody>
+                <a:bodyPr wrap="none" rtlCol="0">
+                  <a:spAutoFit/>
+                </a:bodyPr>
+                <a:lstStyle/>
+                <a:p>
+                  <a:r>
+                    <a:rPr lang="en-US" sz="1600" dirty="0"/>
+                    <a:t>Downsample </a:t>
+                  </a:r>
+                  <a14:m>
+                    <m:oMath xmlns:m="http://schemas.openxmlformats.org/officeDocument/2006/math">
+                      <m:r>
+                        <a:rPr lang="en-US" sz="1600" i="1">
+                          <a:latin typeface="Cambria Math" panose="02040503050406030204" pitchFamily="18" charset="0"/>
+                          <a:ea typeface="Cambria Math" panose="02040503050406030204" pitchFamily="18" charset="0"/>
+                        </a:rPr>
+                        <m:t>× </m:t>
+                      </m:r>
+                    </m:oMath>
+                  </a14:m>
+                  <a:r>
+                    <a:rPr lang="en-US" sz="1600" dirty="0"/>
+                    <a:t>2</a:t>
+                  </a:r>
+                </a:p>
+              </p:txBody>
+            </p:sp>
+          </mc:Choice>
+          <mc:Fallback>
+            <p:sp>
+              <p:nvSpPr>
+                <p:cNvPr id="7" name="TextBox 6">
+                  <a:extLst>
+                    <a:ext uri="{FF2B5EF4-FFF2-40B4-BE49-F238E27FC236}">
+                      <a16:creationId xmlns:a16="http://schemas.microsoft.com/office/drawing/2014/main" id="{2A4BA1C4-2AA3-45CF-A5E8-F98AD6A4CC89}"/>
+                    </a:ext>
+                  </a:extLst>
+                </p:cNvPr>
+                <p:cNvSpPr txBox="1">
+                  <a:spLocks noRot="1" noChangeAspect="1" noMove="1" noResize="1" noEditPoints="1" noAdjustHandles="1" noChangeArrowheads="1" noChangeShapeType="1" noTextEdit="1"/>
+                </p:cNvSpPr>
+                <p:nvPr/>
+              </p:nvSpPr>
+              <p:spPr>
+                <a:xfrm>
+                  <a:off x="2139749" y="2878116"/>
+                  <a:ext cx="1613711" cy="338554"/>
+                </a:xfrm>
+                <a:prstGeom prst="rect">
+                  <a:avLst/>
+                </a:prstGeom>
+                <a:blipFill>
+                  <a:blip r:embed="rId6"/>
+                  <a:stretch>
+                    <a:fillRect l="-1887" t="-5357" r="-1132" b="-21429"/>
+                  </a:stretch>
+                </a:blipFill>
+              </p:spPr>
+              <p:txBody>
+                <a:bodyPr/>
+                <a:lstStyle/>
+                <a:p>
+                  <a:r>
+                    <a:rPr lang="en-US">
+                      <a:noFill/>
+                    </a:rPr>
+                    <a:t> </a:t>
+                  </a:r>
+                </a:p>
+              </p:txBody>
+            </p:sp>
+          </mc:Fallback>
+        </mc:AlternateContent>
+        <p:cxnSp>
+          <p:nvCxnSpPr>
+            <p:cNvPr id="11" name="Straight Arrow Connector 10">
+              <a:extLst>
+                <a:ext uri="{FF2B5EF4-FFF2-40B4-BE49-F238E27FC236}">
+                  <a16:creationId xmlns:a16="http://schemas.microsoft.com/office/drawing/2014/main" id="{EA0C6730-F850-4CFE-B1C8-CE50BA94FA1A}"/>
+                </a:ext>
+              </a:extLst>
+            </p:cNvPr>
+            <p:cNvCxnSpPr>
+              <a:cxnSpLocks/>
+              <a:stCxn id="90" idx="3"/>
+              <a:endCxn id="25" idx="1"/>
+            </p:cNvCxnSpPr>
+            <p:nvPr/>
+          </p:nvCxnSpPr>
+          <p:spPr>
+            <a:xfrm>
+              <a:off x="958820" y="1944108"/>
+              <a:ext cx="301709" cy="7"/>
+            </a:xfrm>
+            <a:prstGeom prst="straightConnector1">
+              <a:avLst/>
+            </a:prstGeom>
+            <a:ln>
+              <a:tailEnd type="triangle"/>
+            </a:ln>
+          </p:spPr>
+          <p:style>
+            <a:lnRef idx="1">
+              <a:schemeClr val="accent1"/>
+            </a:lnRef>
+            <a:fillRef idx="0">
+              <a:schemeClr val="accent1"/>
+            </a:fillRef>
+            <a:effectRef idx="0">
+              <a:schemeClr val="accent1"/>
+            </a:effectRef>
+            <a:fontRef idx="minor">
+              <a:schemeClr val="tx1"/>
+            </a:fontRef>
+          </p:style>
+        </p:cxnSp>
+        <p:cxnSp>
+          <p:nvCxnSpPr>
+            <p:cNvPr id="12" name="Straight Arrow Connector 11">
+              <a:extLst>
+                <a:ext uri="{FF2B5EF4-FFF2-40B4-BE49-F238E27FC236}">
+                  <a16:creationId xmlns:a16="http://schemas.microsoft.com/office/drawing/2014/main" id="{F1177DF7-A300-4795-871C-F34C9F1A95A9}"/>
+                </a:ext>
+              </a:extLst>
+            </p:cNvPr>
+            <p:cNvCxnSpPr>
+              <a:stCxn id="27" idx="3"/>
+              <a:endCxn id="22" idx="1"/>
+            </p:cNvCxnSpPr>
+            <p:nvPr/>
+          </p:nvCxnSpPr>
+          <p:spPr>
+            <a:xfrm>
+              <a:off x="2176781" y="1944113"/>
+              <a:ext cx="291748" cy="2"/>
+            </a:xfrm>
+            <a:prstGeom prst="straightConnector1">
+              <a:avLst/>
+            </a:prstGeom>
+            <a:ln>
+              <a:tailEnd type="triangle"/>
+            </a:ln>
+          </p:spPr>
+          <p:style>
+            <a:lnRef idx="1">
+              <a:schemeClr val="accent1"/>
+            </a:lnRef>
+            <a:fillRef idx="0">
+              <a:schemeClr val="accent1"/>
+            </a:fillRef>
+            <a:effectRef idx="0">
+              <a:schemeClr val="accent1"/>
+            </a:effectRef>
+            <a:fontRef idx="minor">
+              <a:schemeClr val="tx1"/>
+            </a:fontRef>
+          </p:style>
+        </p:cxnSp>
+        <p:cxnSp>
+          <p:nvCxnSpPr>
+            <p:cNvPr id="15" name="Straight Arrow Connector 14">
+              <a:extLst>
+                <a:ext uri="{FF2B5EF4-FFF2-40B4-BE49-F238E27FC236}">
+                  <a16:creationId xmlns:a16="http://schemas.microsoft.com/office/drawing/2014/main" id="{87A7AA84-7E0A-4AF6-AB00-3B7EB78BF458}"/>
+                </a:ext>
+              </a:extLst>
+            </p:cNvPr>
+            <p:cNvCxnSpPr>
+              <a:cxnSpLocks/>
+              <a:stCxn id="33" idx="3"/>
+              <a:endCxn id="34" idx="1"/>
+            </p:cNvCxnSpPr>
+            <p:nvPr/>
+          </p:nvCxnSpPr>
+          <p:spPr>
+            <a:xfrm flipV="1">
+              <a:off x="5646601" y="1944108"/>
+              <a:ext cx="296749" cy="2"/>
+            </a:xfrm>
+            <a:prstGeom prst="straightConnector1">
+              <a:avLst/>
+            </a:prstGeom>
+            <a:ln>
+              <a:tailEnd type="triangle"/>
+            </a:ln>
+          </p:spPr>
+          <p:style>
+            <a:lnRef idx="1">
+              <a:schemeClr val="accent1"/>
+            </a:lnRef>
+            <a:fillRef idx="0">
+              <a:schemeClr val="accent1"/>
+            </a:fillRef>
+            <a:effectRef idx="0">
+              <a:schemeClr val="accent1"/>
+            </a:effectRef>
+            <a:fontRef idx="minor">
+              <a:schemeClr val="tx1"/>
+            </a:fontRef>
+          </p:style>
+        </p:cxnSp>
+        <mc:AlternateContent xmlns:mc="http://schemas.openxmlformats.org/markup-compatibility/2006">
+          <mc:Choice xmlns:a14="http://schemas.microsoft.com/office/drawing/2010/main" Requires="a14">
+            <p:sp>
+              <p:nvSpPr>
+                <p:cNvPr id="28" name="TextBox 27">
+                  <a:extLst>
+                    <a:ext uri="{FF2B5EF4-FFF2-40B4-BE49-F238E27FC236}">
+                      <a16:creationId xmlns:a16="http://schemas.microsoft.com/office/drawing/2014/main" id="{A54239EF-FD2B-4E3C-9E21-00087653813E}"/>
+                    </a:ext>
+                  </a:extLst>
+                </p:cNvPr>
+                <p:cNvSpPr txBox="1"/>
+                <p:nvPr/>
+              </p:nvSpPr>
+              <p:spPr>
+                <a:xfrm>
+                  <a:off x="2572088" y="571269"/>
+                  <a:ext cx="1923540" cy="370230"/>
+                </a:xfrm>
+                <a:prstGeom prst="rect">
+                  <a:avLst/>
+                </a:prstGeom>
+                <a:noFill/>
+              </p:spPr>
+              <p:txBody>
+                <a:bodyPr wrap="none" rtlCol="0">
+                  <a:spAutoFit/>
+                </a:bodyPr>
+                <a:lstStyle/>
+                <a:p>
+                  <a:r>
+                    <a:rPr lang="en-US" dirty="0"/>
+                    <a:t>Style encoder (</a:t>
+                  </a:r>
+                  <a14:m>
+                    <m:oMath xmlns:m="http://schemas.openxmlformats.org/officeDocument/2006/math">
+                      <m:sSup>
+                        <m:sSupPr>
+                          <m:ctrlPr>
+                            <a:rPr lang="en-US" i="1">
+                              <a:latin typeface="Cambria Math" panose="02040503050406030204" pitchFamily="18" charset="0"/>
+                            </a:rPr>
+                          </m:ctrlPr>
+                        </m:sSupPr>
+                        <m:e>
+                          <m:r>
+                            <a:rPr lang="en-US" i="1">
+                              <a:latin typeface="Cambria Math" panose="02040503050406030204" pitchFamily="18" charset="0"/>
+                            </a:rPr>
+                            <m:t>𝐸</m:t>
+                          </m:r>
+                        </m:e>
+                        <m:sup>
+                          <m:r>
+                            <a:rPr lang="en-US" i="1">
+                              <a:latin typeface="Cambria Math" panose="02040503050406030204" pitchFamily="18" charset="0"/>
+                            </a:rPr>
+                            <m:t>𝑆</m:t>
+                          </m:r>
+                        </m:sup>
+                      </m:sSup>
+                    </m:oMath>
+                  </a14:m>
+                  <a:r>
+                    <a:rPr lang="en-US" dirty="0"/>
+                    <a:t>)</a:t>
+                  </a:r>
+                </a:p>
+              </p:txBody>
+            </p:sp>
+          </mc:Choice>
+          <mc:Fallback>
+            <p:sp>
+              <p:nvSpPr>
+                <p:cNvPr id="28" name="TextBox 27">
+                  <a:extLst>
+                    <a:ext uri="{FF2B5EF4-FFF2-40B4-BE49-F238E27FC236}">
+                      <a16:creationId xmlns:a16="http://schemas.microsoft.com/office/drawing/2014/main" id="{A54239EF-FD2B-4E3C-9E21-00087653813E}"/>
+                    </a:ext>
+                  </a:extLst>
+                </p:cNvPr>
+                <p:cNvSpPr txBox="1">
+                  <a:spLocks noRot="1" noChangeAspect="1" noMove="1" noResize="1" noEditPoints="1" noAdjustHandles="1" noChangeArrowheads="1" noChangeShapeType="1" noTextEdit="1"/>
+                </p:cNvSpPr>
+                <p:nvPr/>
+              </p:nvSpPr>
+              <p:spPr>
+                <a:xfrm>
+                  <a:off x="2572088" y="571269"/>
+                  <a:ext cx="1923540" cy="370230"/>
+                </a:xfrm>
+                <a:prstGeom prst="rect">
+                  <a:avLst/>
+                </a:prstGeom>
+                <a:blipFill>
+                  <a:blip r:embed="rId7"/>
+                  <a:stretch>
+                    <a:fillRect l="-2857" t="-8333" r="-2222" b="-28333"/>
+                  </a:stretch>
+                </a:blipFill>
+              </p:spPr>
+              <p:txBody>
+                <a:bodyPr/>
+                <a:lstStyle/>
+                <a:p>
+                  <a:r>
+                    <a:rPr lang="en-US">
+                      <a:noFill/>
+                    </a:rPr>
+                    <a:t> </a:t>
+                  </a:r>
+                </a:p>
+              </p:txBody>
+            </p:sp>
+          </mc:Fallback>
+        </mc:AlternateContent>
+        <p:sp>
+          <p:nvSpPr>
+            <p:cNvPr id="31" name="TextBox 30">
+              <a:extLst>
+                <a:ext uri="{FF2B5EF4-FFF2-40B4-BE49-F238E27FC236}">
+                  <a16:creationId xmlns:a16="http://schemas.microsoft.com/office/drawing/2014/main" id="{3697E693-6929-4C6E-BCE9-5913D2F0878D}"/>
+                </a:ext>
+              </a:extLst>
+            </p:cNvPr>
+            <p:cNvSpPr txBox="1"/>
+            <p:nvPr/>
+          </p:nvSpPr>
+          <p:spPr>
+            <a:xfrm>
+              <a:off x="3681357" y="1010107"/>
+              <a:ext cx="461665" cy="1868009"/>
+            </a:xfrm>
+            <a:prstGeom prst="rect">
+              <a:avLst/>
+            </a:prstGeom>
+            <a:solidFill>
+              <a:srgbClr val="92D050">
+                <a:alpha val="78000"/>
+              </a:srgbClr>
+            </a:solidFill>
+          </p:spPr>
+          <p:txBody>
+            <a:bodyPr vert="eaVert" wrap="square" rtlCol="0">
+              <a:spAutoFit/>
+            </a:bodyPr>
+            <a:lstStyle/>
+            <a:p>
+              <a:pPr algn="ctr"/>
+              <a:r>
+                <a:rPr lang="en-US" dirty="0"/>
+                <a:t>Avg Pooling</a:t>
+              </a:r>
+            </a:p>
+          </p:txBody>
+        </p:sp>
+        <p:sp>
+          <p:nvSpPr>
+            <p:cNvPr id="32" name="TextBox 31">
+              <a:extLst>
+                <a:ext uri="{FF2B5EF4-FFF2-40B4-BE49-F238E27FC236}">
+                  <a16:creationId xmlns:a16="http://schemas.microsoft.com/office/drawing/2014/main" id="{10741F9C-27E7-44E1-94B7-E67F759C9E59}"/>
+                </a:ext>
+              </a:extLst>
+            </p:cNvPr>
+            <p:cNvSpPr txBox="1"/>
+            <p:nvPr/>
+          </p:nvSpPr>
+          <p:spPr>
+            <a:xfrm>
+              <a:off x="4431522" y="1010106"/>
+              <a:ext cx="461665" cy="1868009"/>
+            </a:xfrm>
+            <a:prstGeom prst="rect">
+              <a:avLst/>
+            </a:prstGeom>
+            <a:solidFill>
+              <a:schemeClr val="accent5">
+                <a:lumMod val="60000"/>
+                <a:lumOff val="40000"/>
+              </a:schemeClr>
+            </a:solidFill>
+            <a:ln>
+              <a:noFill/>
+            </a:ln>
+          </p:spPr>
+          <p:txBody>
+            <a:bodyPr vert="eaVert" wrap="square" rtlCol="0">
+              <a:spAutoFit/>
+            </a:bodyPr>
+            <a:lstStyle/>
+            <a:p>
+              <a:pPr algn="ctr"/>
+              <a:r>
+                <a:rPr lang="en-US" dirty="0"/>
+                <a:t>conv1d</a:t>
+              </a:r>
+            </a:p>
+          </p:txBody>
+        </p:sp>
+        <p:sp>
+          <p:nvSpPr>
+            <p:cNvPr id="33" name="TextBox 32">
+              <a:extLst>
+                <a:ext uri="{FF2B5EF4-FFF2-40B4-BE49-F238E27FC236}">
+                  <a16:creationId xmlns:a16="http://schemas.microsoft.com/office/drawing/2014/main" id="{F24808C1-9F6A-47DE-B400-282818FA0DBB}"/>
+                </a:ext>
+              </a:extLst>
+            </p:cNvPr>
+            <p:cNvSpPr txBox="1"/>
+            <p:nvPr/>
+          </p:nvSpPr>
+          <p:spPr>
+            <a:xfrm>
+              <a:off x="5184936" y="1010105"/>
+              <a:ext cx="461665" cy="1868009"/>
+            </a:xfrm>
+            <a:prstGeom prst="rect">
+              <a:avLst/>
+            </a:prstGeom>
+            <a:solidFill>
+              <a:srgbClr val="FFC000"/>
+            </a:solidFill>
+            <a:ln>
+              <a:noFill/>
+            </a:ln>
+          </p:spPr>
+          <p:txBody>
+            <a:bodyPr vert="eaVert" wrap="square" rtlCol="0">
+              <a:spAutoFit/>
+            </a:bodyPr>
+            <a:lstStyle/>
+            <a:p>
+              <a:pPr algn="ctr"/>
+              <a:r>
+                <a:rPr lang="en-US" dirty="0"/>
+                <a:t>MLP</a:t>
+              </a:r>
+            </a:p>
+          </p:txBody>
+        </p:sp>
+        <p:pic>
+          <p:nvPicPr>
+            <p:cNvPr id="34" name="Picture 33">
+              <a:extLst>
+                <a:ext uri="{FF2B5EF4-FFF2-40B4-BE49-F238E27FC236}">
+                  <a16:creationId xmlns:a16="http://schemas.microsoft.com/office/drawing/2014/main" id="{C1311305-BEB8-46C8-BA9E-987CDD207A1B}"/>
+                </a:ext>
+              </a:extLst>
+            </p:cNvPr>
+            <p:cNvPicPr>
+              <a:picLocks noChangeAspect="1"/>
+            </p:cNvPicPr>
+            <p:nvPr/>
+          </p:nvPicPr>
+          <p:blipFill>
+            <a:blip r:embed="rId8"/>
+            <a:stretch>
+              <a:fillRect/>
+            </a:stretch>
+          </p:blipFill>
+          <p:spPr>
+            <a:xfrm>
+              <a:off x="5943350" y="1670840"/>
+              <a:ext cx="394851" cy="546536"/>
+            </a:xfrm>
+            <a:prstGeom prst="rect">
+              <a:avLst/>
+            </a:prstGeom>
+          </p:spPr>
+        </p:pic>
+        <p:cxnSp>
+          <p:nvCxnSpPr>
+            <p:cNvPr id="39" name="Straight Arrow Connector 38">
+              <a:extLst>
+                <a:ext uri="{FF2B5EF4-FFF2-40B4-BE49-F238E27FC236}">
+                  <a16:creationId xmlns:a16="http://schemas.microsoft.com/office/drawing/2014/main" id="{0FC153C1-63DA-4789-B68E-CD20EE1F2397}"/>
+                </a:ext>
+              </a:extLst>
+            </p:cNvPr>
+            <p:cNvCxnSpPr>
+              <a:stCxn id="24" idx="3"/>
+              <a:endCxn id="31" idx="1"/>
+            </p:cNvCxnSpPr>
+            <p:nvPr/>
+          </p:nvCxnSpPr>
+          <p:spPr>
+            <a:xfrm>
+              <a:off x="3389608" y="1944112"/>
+              <a:ext cx="291749" cy="0"/>
+            </a:xfrm>
+            <a:prstGeom prst="straightConnector1">
+              <a:avLst/>
+            </a:prstGeom>
+            <a:ln>
+              <a:tailEnd type="triangle"/>
+            </a:ln>
+          </p:spPr>
+          <p:style>
+            <a:lnRef idx="1">
+              <a:schemeClr val="accent1"/>
+            </a:lnRef>
+            <a:fillRef idx="0">
+              <a:schemeClr val="accent1"/>
+            </a:fillRef>
+            <a:effectRef idx="0">
+              <a:schemeClr val="accent1"/>
+            </a:effectRef>
+            <a:fontRef idx="minor">
+              <a:schemeClr val="tx1"/>
+            </a:fontRef>
+          </p:style>
+        </p:cxnSp>
+        <p:cxnSp>
+          <p:nvCxnSpPr>
+            <p:cNvPr id="41" name="Straight Arrow Connector 40">
+              <a:extLst>
+                <a:ext uri="{FF2B5EF4-FFF2-40B4-BE49-F238E27FC236}">
+                  <a16:creationId xmlns:a16="http://schemas.microsoft.com/office/drawing/2014/main" id="{50293C74-1162-4199-B0F1-DC4FDDDC9693}"/>
+                </a:ext>
+              </a:extLst>
+            </p:cNvPr>
+            <p:cNvCxnSpPr>
+              <a:stCxn id="31" idx="3"/>
+              <a:endCxn id="32" idx="1"/>
+            </p:cNvCxnSpPr>
+            <p:nvPr/>
+          </p:nvCxnSpPr>
+          <p:spPr>
+            <a:xfrm flipV="1">
+              <a:off x="4143022" y="1944111"/>
+              <a:ext cx="288500" cy="1"/>
+            </a:xfrm>
+            <a:prstGeom prst="straightConnector1">
+              <a:avLst/>
+            </a:prstGeom>
+            <a:ln>
+              <a:tailEnd type="triangle"/>
+            </a:ln>
+          </p:spPr>
+          <p:style>
+            <a:lnRef idx="1">
+              <a:schemeClr val="accent1"/>
+            </a:lnRef>
+            <a:fillRef idx="0">
+              <a:schemeClr val="accent1"/>
+            </a:fillRef>
+            <a:effectRef idx="0">
+              <a:schemeClr val="accent1"/>
+            </a:effectRef>
+            <a:fontRef idx="minor">
+              <a:schemeClr val="tx1"/>
+            </a:fontRef>
+          </p:style>
+        </p:cxnSp>
+        <p:cxnSp>
+          <p:nvCxnSpPr>
+            <p:cNvPr id="43" name="Straight Arrow Connector 42">
+              <a:extLst>
+                <a:ext uri="{FF2B5EF4-FFF2-40B4-BE49-F238E27FC236}">
+                  <a16:creationId xmlns:a16="http://schemas.microsoft.com/office/drawing/2014/main" id="{0525FC41-82B5-43C8-BEDD-DF127F65228A}"/>
+                </a:ext>
+              </a:extLst>
+            </p:cNvPr>
+            <p:cNvCxnSpPr>
+              <a:stCxn id="32" idx="3"/>
+              <a:endCxn id="33" idx="1"/>
+            </p:cNvCxnSpPr>
+            <p:nvPr/>
+          </p:nvCxnSpPr>
+          <p:spPr>
+            <a:xfrm flipV="1">
+              <a:off x="4893187" y="1944110"/>
+              <a:ext cx="291749" cy="1"/>
+            </a:xfrm>
+            <a:prstGeom prst="straightConnector1">
+              <a:avLst/>
+            </a:prstGeom>
+            <a:ln>
+              <a:tailEnd type="triangle"/>
+            </a:ln>
+          </p:spPr>
+          <p:style>
+            <a:lnRef idx="1">
+              <a:schemeClr val="accent1"/>
+            </a:lnRef>
+            <a:fillRef idx="0">
+              <a:schemeClr val="accent1"/>
+            </a:fillRef>
+            <a:effectRef idx="0">
+              <a:schemeClr val="accent1"/>
+            </a:effectRef>
+            <a:fontRef idx="minor">
+              <a:schemeClr val="tx1"/>
+            </a:fontRef>
+          </p:style>
+        </p:cxnSp>
+        <p:pic>
+          <p:nvPicPr>
+            <p:cNvPr id="90" name="Picture 89">
+              <a:extLst>
+                <a:ext uri="{FF2B5EF4-FFF2-40B4-BE49-F238E27FC236}">
+                  <a16:creationId xmlns:a16="http://schemas.microsoft.com/office/drawing/2014/main" id="{7789F0C2-7FF3-4C29-B9E6-B8ED70F6C5C4}"/>
+                </a:ext>
+              </a:extLst>
+            </p:cNvPr>
+            <p:cNvPicPr>
+              <a:picLocks noChangeAspect="1"/>
+            </p:cNvPicPr>
+            <p:nvPr/>
+          </p:nvPicPr>
+          <p:blipFill>
+            <a:blip r:embed="rId9"/>
+            <a:stretch>
+              <a:fillRect/>
+            </a:stretch>
+          </p:blipFill>
+          <p:spPr>
+            <a:xfrm>
+              <a:off x="610966" y="1741193"/>
+              <a:ext cx="347854" cy="405830"/>
+            </a:xfrm>
+            <a:prstGeom prst="rect">
+              <a:avLst/>
+            </a:prstGeom>
+          </p:spPr>
+        </p:pic>
+      </p:grpSp>
+    </p:spTree>
+    <p:extLst>
+      <p:ext uri="{BB962C8B-B14F-4D97-AF65-F5344CB8AC3E}">
+        <p14:creationId xmlns:p14="http://schemas.microsoft.com/office/powerpoint/2010/main" val="2432246604"/>
+      </p:ext>
+    </p:extLst>
+  </p:cSld>
+  <p:clrMapOvr>
+    <a:masterClrMapping/>
+  </p:clrMapOvr>
+</p:sld>
+</file>
+
 <file path=ppt/slides/slide2.xml><?xml version="1.0" encoding="utf-8"?>
 <p:sld xmlns:a="http://schemas.openxmlformats.org/drawingml/2006/main" xmlns:r="http://schemas.openxmlformats.org/officeDocument/2006/relationships" xmlns:p="http://schemas.openxmlformats.org/presentationml/2006/main">
   <p:cSld>
@@ -5711,7 +11676,7 @@
         </p:blipFill>
         <p:spPr>
           <a:xfrm>
-            <a:off x="1098192" y="2655711"/>
+            <a:off x="1098193" y="2655711"/>
             <a:ext cx="1952625" cy="2133600"/>
           </a:xfrm>
           <a:prstGeom prst="rect">
@@ -5741,7 +11706,7 @@
         </p:blipFill>
         <p:spPr>
           <a:xfrm>
-            <a:off x="3505951" y="2655711"/>
+            <a:off x="3505952" y="2655711"/>
             <a:ext cx="1952625" cy="2133600"/>
           </a:xfrm>
           <a:prstGeom prst="rect">
@@ -6071,7 +12036,7 @@
         </p:blipFill>
         <p:spPr>
           <a:xfrm>
-            <a:off x="404206" y="2513392"/>
+            <a:off x="404207" y="2513392"/>
             <a:ext cx="6715125" cy="2133600"/>
           </a:xfrm>
           <a:prstGeom prst="rect">
@@ -6319,7 +12284,7 @@
         </p:blipFill>
         <p:spPr>
           <a:xfrm>
-            <a:off x="2388164" y="2736194"/>
+            <a:off x="2388165" y="2736195"/>
             <a:ext cx="276837" cy="302495"/>
           </a:xfrm>
           <a:prstGeom prst="rect">
@@ -6349,7 +12314,7 @@
         </p:blipFill>
         <p:spPr>
           <a:xfrm>
-            <a:off x="3939266" y="3570265"/>
+            <a:off x="3939267" y="3570266"/>
             <a:ext cx="276837" cy="302495"/>
           </a:xfrm>
           <a:prstGeom prst="rect">
@@ -6379,7 +12344,7 @@
         </p:blipFill>
         <p:spPr>
           <a:xfrm>
-            <a:off x="3934962" y="2760154"/>
+            <a:off x="3934963" y="2760155"/>
             <a:ext cx="276837" cy="302495"/>
           </a:xfrm>
           <a:prstGeom prst="rect">
@@ -6401,7 +12366,7 @@
         </p:nvSpPr>
         <p:spPr>
           <a:xfrm>
-            <a:off x="2700565" y="1974861"/>
+            <a:off x="2700566" y="1974862"/>
             <a:ext cx="276837" cy="276837"/>
           </a:xfrm>
           <a:prstGeom prst="ellipse">
@@ -6435,7 +12400,12 @@
           </a:fontRef>
         </p:style>
         <p:txBody>
-          <a:bodyPr rtlCol="0" anchor="ctr"/>
+          <a:bodyPr rot="0" spcFirstLastPara="0" vertOverflow="overflow" horzOverflow="overflow" vert="horz" wrap="square" lIns="91440" tIns="45720" rIns="91440" bIns="45720" numCol="1" spcCol="0" rtlCol="0" fromWordArt="0" anchor="ctr" anchorCtr="0" forceAA="0" compatLnSpc="1">
+            <a:prstTxWarp prst="textNoShape">
+              <a:avLst/>
+            </a:prstTxWarp>
+            <a:noAutofit/>
+          </a:bodyPr>
           <a:lstStyle/>
           <a:p>
             <a:pPr algn="ctr"/>
@@ -6457,7 +12427,7 @@
         </p:nvSpPr>
         <p:spPr>
           <a:xfrm>
-            <a:off x="3632471" y="1974865"/>
+            <a:off x="3632472" y="1974866"/>
             <a:ext cx="276837" cy="276837"/>
           </a:xfrm>
           <a:prstGeom prst="ellipse">
@@ -6491,7 +12461,12 @@
           </a:fontRef>
         </p:style>
         <p:txBody>
-          <a:bodyPr rtlCol="0" anchor="ctr"/>
+          <a:bodyPr rot="0" spcFirstLastPara="0" vertOverflow="overflow" horzOverflow="overflow" vert="horz" wrap="square" lIns="91440" tIns="45720" rIns="91440" bIns="45720" numCol="1" spcCol="0" rtlCol="0" fromWordArt="0" anchor="ctr" anchorCtr="0" forceAA="0" compatLnSpc="1">
+            <a:prstTxWarp prst="textNoShape">
+              <a:avLst/>
+            </a:prstTxWarp>
+            <a:noAutofit/>
+          </a:bodyPr>
           <a:lstStyle/>
           <a:p>
             <a:pPr algn="ctr"/>
@@ -6565,7 +12540,12 @@
             </a:fontRef>
           </p:style>
           <p:txBody>
-            <a:bodyPr rtlCol="0" anchor="ctr"/>
+            <a:bodyPr rot="0" spcFirstLastPara="0" vertOverflow="overflow" horzOverflow="overflow" vert="horz" wrap="square" lIns="91440" tIns="45720" rIns="91440" bIns="45720" numCol="1" spcCol="0" rtlCol="0" fromWordArt="0" anchor="ctr" anchorCtr="0" forceAA="0" compatLnSpc="1">
+              <a:prstTxWarp prst="textNoShape">
+                <a:avLst/>
+              </a:prstTxWarp>
+              <a:noAutofit/>
+            </a:bodyPr>
             <a:lstStyle/>
             <a:p>
               <a:pPr algn="ctr"/>
@@ -6619,7 +12599,12 @@
             </a:fontRef>
           </p:style>
           <p:txBody>
-            <a:bodyPr rtlCol="0" anchor="ctr"/>
+            <a:bodyPr rot="0" spcFirstLastPara="0" vertOverflow="overflow" horzOverflow="overflow" vert="horz" wrap="square" lIns="91440" tIns="45720" rIns="91440" bIns="45720" numCol="1" spcCol="0" rtlCol="0" fromWordArt="0" anchor="ctr" anchorCtr="0" forceAA="0" compatLnSpc="1">
+              <a:prstTxWarp prst="textNoShape">
+                <a:avLst/>
+              </a:prstTxWarp>
+              <a:noAutofit/>
+            </a:bodyPr>
             <a:lstStyle/>
             <a:p>
               <a:pPr algn="ctr"/>
@@ -6673,7 +12658,12 @@
             </a:fontRef>
           </p:style>
           <p:txBody>
-            <a:bodyPr rtlCol="0" anchor="ctr"/>
+            <a:bodyPr rot="0" spcFirstLastPara="0" vertOverflow="overflow" horzOverflow="overflow" vert="horz" wrap="square" lIns="91440" tIns="45720" rIns="91440" bIns="45720" numCol="1" spcCol="0" rtlCol="0" fromWordArt="0" anchor="ctr" anchorCtr="0" forceAA="0" compatLnSpc="1">
+              <a:prstTxWarp prst="textNoShape">
+                <a:avLst/>
+              </a:prstTxWarp>
+              <a:noAutofit/>
+            </a:bodyPr>
             <a:lstStyle/>
             <a:p>
               <a:pPr algn="ctr"/>
@@ -6727,7 +12717,12 @@
             </a:fontRef>
           </p:style>
           <p:txBody>
-            <a:bodyPr rtlCol="0" anchor="ctr"/>
+            <a:bodyPr rot="0" spcFirstLastPara="0" vertOverflow="overflow" horzOverflow="overflow" vert="horz" wrap="square" lIns="91440" tIns="45720" rIns="91440" bIns="45720" numCol="1" spcCol="0" rtlCol="0" fromWordArt="0" anchor="ctr" anchorCtr="0" forceAA="0" compatLnSpc="1">
+              <a:prstTxWarp prst="textNoShape">
+                <a:avLst/>
+              </a:prstTxWarp>
+              <a:noAutofit/>
+            </a:bodyPr>
             <a:lstStyle/>
             <a:p>
               <a:pPr algn="ctr"/>
@@ -6911,7 +12906,7 @@
         </p:nvGrpSpPr>
         <p:grpSpPr>
           <a:xfrm>
-            <a:off x="5182888" y="2802394"/>
+            <a:off x="5182889" y="2802394"/>
             <a:ext cx="1230351" cy="1063824"/>
             <a:chOff x="5898688" y="3589794"/>
             <a:chExt cx="1230351" cy="1063824"/>
@@ -6963,7 +12958,12 @@
             </a:fontRef>
           </p:style>
           <p:txBody>
-            <a:bodyPr rtlCol="0" anchor="ctr"/>
+            <a:bodyPr rot="0" spcFirstLastPara="0" vertOverflow="overflow" horzOverflow="overflow" vert="horz" wrap="square" lIns="91440" tIns="45720" rIns="91440" bIns="45720" numCol="1" spcCol="0" rtlCol="0" fromWordArt="0" anchor="ctr" anchorCtr="0" forceAA="0" compatLnSpc="1">
+              <a:prstTxWarp prst="textNoShape">
+                <a:avLst/>
+              </a:prstTxWarp>
+              <a:noAutofit/>
+            </a:bodyPr>
             <a:lstStyle/>
             <a:p>
               <a:pPr algn="ctr"/>
@@ -7017,7 +13017,12 @@
             </a:fontRef>
           </p:style>
           <p:txBody>
-            <a:bodyPr rtlCol="0" anchor="ctr"/>
+            <a:bodyPr rot="0" spcFirstLastPara="0" vertOverflow="overflow" horzOverflow="overflow" vert="horz" wrap="square" lIns="91440" tIns="45720" rIns="91440" bIns="45720" numCol="1" spcCol="0" rtlCol="0" fromWordArt="0" anchor="ctr" anchorCtr="0" forceAA="0" compatLnSpc="1">
+              <a:prstTxWarp prst="textNoShape">
+                <a:avLst/>
+              </a:prstTxWarp>
+              <a:noAutofit/>
+            </a:bodyPr>
             <a:lstStyle/>
             <a:p>
               <a:pPr algn="ctr"/>
@@ -7071,7 +13076,12 @@
             </a:fontRef>
           </p:style>
           <p:txBody>
-            <a:bodyPr rtlCol="0" anchor="ctr"/>
+            <a:bodyPr rot="0" spcFirstLastPara="0" vertOverflow="overflow" horzOverflow="overflow" vert="horz" wrap="square" lIns="91440" tIns="45720" rIns="91440" bIns="45720" numCol="1" spcCol="0" rtlCol="0" fromWordArt="0" anchor="ctr" anchorCtr="0" forceAA="0" compatLnSpc="1">
+              <a:prstTxWarp prst="textNoShape">
+                <a:avLst/>
+              </a:prstTxWarp>
+              <a:noAutofit/>
+            </a:bodyPr>
             <a:lstStyle/>
             <a:p>
               <a:pPr algn="ctr"/>
@@ -7125,7 +13135,12 @@
             </a:fontRef>
           </p:style>
           <p:txBody>
-            <a:bodyPr rtlCol="0" anchor="ctr"/>
+            <a:bodyPr rot="0" spcFirstLastPara="0" vertOverflow="overflow" horzOverflow="overflow" vert="horz" wrap="square" lIns="91440" tIns="45720" rIns="91440" bIns="45720" numCol="1" spcCol="0" rtlCol="0" fromWordArt="0" anchor="ctr" anchorCtr="0" forceAA="0" compatLnSpc="1">
+              <a:prstTxWarp prst="textNoShape">
+                <a:avLst/>
+              </a:prstTxWarp>
+              <a:noAutofit/>
+            </a:bodyPr>
             <a:lstStyle/>
             <a:p>
               <a:pPr algn="ctr"/>
@@ -7309,7 +13324,7 @@
         </p:nvSpPr>
         <p:spPr>
           <a:xfrm>
-            <a:off x="5182669" y="1974863"/>
+            <a:off x="5182670" y="1974864"/>
             <a:ext cx="276837" cy="276837"/>
           </a:xfrm>
           <a:prstGeom prst="ellipse">
@@ -7343,7 +13358,12 @@
           </a:fontRef>
         </p:style>
         <p:txBody>
-          <a:bodyPr rtlCol="0" anchor="ctr"/>
+          <a:bodyPr rot="0" spcFirstLastPara="0" vertOverflow="overflow" horzOverflow="overflow" vert="horz" wrap="square" lIns="91440" tIns="45720" rIns="91440" bIns="45720" numCol="1" spcCol="0" rtlCol="0" fromWordArt="0" anchor="ctr" anchorCtr="0" forceAA="0" compatLnSpc="1">
+            <a:prstTxWarp prst="textNoShape">
+              <a:avLst/>
+            </a:prstTxWarp>
+            <a:noAutofit/>
+          </a:bodyPr>
           <a:lstStyle/>
           <a:p>
             <a:pPr algn="ctr"/>
@@ -7365,7 +13385,7 @@
         </p:nvSpPr>
         <p:spPr>
           <a:xfrm>
-            <a:off x="6114575" y="1974864"/>
+            <a:off x="6114576" y="1974865"/>
             <a:ext cx="276837" cy="276837"/>
           </a:xfrm>
           <a:prstGeom prst="ellipse">
@@ -7399,7 +13419,12 @@
           </a:fontRef>
         </p:style>
         <p:txBody>
-          <a:bodyPr rtlCol="0" anchor="ctr"/>
+          <a:bodyPr rot="0" spcFirstLastPara="0" vertOverflow="overflow" horzOverflow="overflow" vert="horz" wrap="square" lIns="91440" tIns="45720" rIns="91440" bIns="45720" numCol="1" spcCol="0" rtlCol="0" fromWordArt="0" anchor="ctr" anchorCtr="0" forceAA="0" compatLnSpc="1">
+            <a:prstTxWarp prst="textNoShape">
+              <a:avLst/>
+            </a:prstTxWarp>
+            <a:noAutofit/>
+          </a:bodyPr>
           <a:lstStyle/>
           <a:p>
             <a:pPr algn="ctr"/>
@@ -7421,7 +13446,7 @@
         </p:nvSpPr>
         <p:spPr>
           <a:xfrm>
-            <a:off x="7450168" y="1974862"/>
+            <a:off x="7450169" y="1974863"/>
             <a:ext cx="276837" cy="276837"/>
           </a:xfrm>
           <a:prstGeom prst="ellipse">
@@ -7455,7 +13480,12 @@
           </a:fontRef>
         </p:style>
         <p:txBody>
-          <a:bodyPr rtlCol="0" anchor="ctr"/>
+          <a:bodyPr rot="0" spcFirstLastPara="0" vertOverflow="overflow" horzOverflow="overflow" vert="horz" wrap="square" lIns="91440" tIns="45720" rIns="91440" bIns="45720" numCol="1" spcCol="0" rtlCol="0" fromWordArt="0" anchor="ctr" anchorCtr="0" forceAA="0" compatLnSpc="1">
+            <a:prstTxWarp prst="textNoShape">
+              <a:avLst/>
+            </a:prstTxWarp>
+            <a:noAutofit/>
+          </a:bodyPr>
           <a:lstStyle/>
           <a:p>
             <a:pPr algn="ctr"/>
@@ -7551,7 +13581,7 @@
         </p:nvCxnSpPr>
         <p:spPr>
           <a:xfrm flipV="1">
-            <a:off x="6365808" y="2113281"/>
+            <a:off x="6365808" y="2113282"/>
             <a:ext cx="1084360" cy="729655"/>
           </a:xfrm>
           <a:prstGeom prst="straightConnector1">
@@ -7593,7 +13623,7 @@
         </p:nvSpPr>
         <p:spPr>
           <a:xfrm>
-            <a:off x="2700565" y="4324782"/>
+            <a:off x="2700566" y="4324783"/>
             <a:ext cx="276837" cy="276837"/>
           </a:xfrm>
           <a:prstGeom prst="ellipse">
@@ -7627,7 +13657,12 @@
           </a:fontRef>
         </p:style>
         <p:txBody>
-          <a:bodyPr rtlCol="0" anchor="ctr"/>
+          <a:bodyPr rot="0" spcFirstLastPara="0" vertOverflow="overflow" horzOverflow="overflow" vert="horz" wrap="square" lIns="91440" tIns="45720" rIns="91440" bIns="45720" numCol="1" spcCol="0" rtlCol="0" fromWordArt="0" anchor="ctr" anchorCtr="0" forceAA="0" compatLnSpc="1">
+            <a:prstTxWarp prst="textNoShape">
+              <a:avLst/>
+            </a:prstTxWarp>
+            <a:noAutofit/>
+          </a:bodyPr>
           <a:lstStyle/>
           <a:p>
             <a:pPr algn="ctr"/>
@@ -7649,7 +13684,7 @@
         </p:nvSpPr>
         <p:spPr>
           <a:xfrm>
-            <a:off x="3632471" y="4324783"/>
+            <a:off x="3632472" y="4324784"/>
             <a:ext cx="276837" cy="276837"/>
           </a:xfrm>
           <a:prstGeom prst="ellipse">
@@ -7683,7 +13718,12 @@
           </a:fontRef>
         </p:style>
         <p:txBody>
-          <a:bodyPr rtlCol="0" anchor="ctr"/>
+          <a:bodyPr rot="0" spcFirstLastPara="0" vertOverflow="overflow" horzOverflow="overflow" vert="horz" wrap="square" lIns="91440" tIns="45720" rIns="91440" bIns="45720" numCol="1" spcCol="0" rtlCol="0" fromWordArt="0" anchor="ctr" anchorCtr="0" forceAA="0" compatLnSpc="1">
+            <a:prstTxWarp prst="textNoShape">
+              <a:avLst/>
+            </a:prstTxWarp>
+            <a:noAutofit/>
+          </a:bodyPr>
           <a:lstStyle/>
           <a:p>
             <a:pPr algn="ctr"/>
@@ -7705,7 +13745,7 @@
         </p:nvSpPr>
         <p:spPr>
           <a:xfrm>
-            <a:off x="5197606" y="4324779"/>
+            <a:off x="5197607" y="4324780"/>
             <a:ext cx="276837" cy="276837"/>
           </a:xfrm>
           <a:prstGeom prst="ellipse">
@@ -7739,7 +13779,12 @@
           </a:fontRef>
         </p:style>
         <p:txBody>
-          <a:bodyPr rtlCol="0" anchor="ctr"/>
+          <a:bodyPr rot="0" spcFirstLastPara="0" vertOverflow="overflow" horzOverflow="overflow" vert="horz" wrap="square" lIns="91440" tIns="45720" rIns="91440" bIns="45720" numCol="1" spcCol="0" rtlCol="0" fromWordArt="0" anchor="ctr" anchorCtr="0" forceAA="0" compatLnSpc="1">
+            <a:prstTxWarp prst="textNoShape">
+              <a:avLst/>
+            </a:prstTxWarp>
+            <a:noAutofit/>
+          </a:bodyPr>
           <a:lstStyle/>
           <a:p>
             <a:pPr algn="ctr"/>
@@ -7761,7 +13806,7 @@
         </p:nvSpPr>
         <p:spPr>
           <a:xfrm>
-            <a:off x="6136402" y="4324779"/>
+            <a:off x="6136403" y="4324780"/>
             <a:ext cx="276837" cy="276837"/>
           </a:xfrm>
           <a:prstGeom prst="ellipse">
@@ -7795,7 +13840,12 @@
           </a:fontRef>
         </p:style>
         <p:txBody>
-          <a:bodyPr rtlCol="0" anchor="ctr"/>
+          <a:bodyPr rot="0" spcFirstLastPara="0" vertOverflow="overflow" horzOverflow="overflow" vert="horz" wrap="square" lIns="91440" tIns="45720" rIns="91440" bIns="45720" numCol="1" spcCol="0" rtlCol="0" fromWordArt="0" anchor="ctr" anchorCtr="0" forceAA="0" compatLnSpc="1">
+            <a:prstTxWarp prst="textNoShape">
+              <a:avLst/>
+            </a:prstTxWarp>
+            <a:noAutofit/>
+          </a:bodyPr>
           <a:lstStyle/>
           <a:p>
             <a:pPr algn="ctr"/>
@@ -7817,7 +13867,7 @@
         </p:nvSpPr>
         <p:spPr>
           <a:xfrm>
-            <a:off x="7450168" y="4324780"/>
+            <a:off x="7450169" y="4324781"/>
             <a:ext cx="276837" cy="276837"/>
           </a:xfrm>
           <a:prstGeom prst="ellipse">
@@ -7851,7 +13901,12 @@
           </a:fontRef>
         </p:style>
         <p:txBody>
-          <a:bodyPr rtlCol="0" anchor="ctr"/>
+          <a:bodyPr rot="0" spcFirstLastPara="0" vertOverflow="overflow" horzOverflow="overflow" vert="horz" wrap="square" lIns="91440" tIns="45720" rIns="91440" bIns="45720" numCol="1" spcCol="0" rtlCol="0" fromWordArt="0" anchor="ctr" anchorCtr="0" forceAA="0" compatLnSpc="1">
+            <a:prstTxWarp prst="textNoShape">
+              <a:avLst/>
+            </a:prstTxWarp>
+            <a:noAutofit/>
+          </a:bodyPr>
           <a:lstStyle/>
           <a:p>
             <a:pPr algn="ctr"/>
@@ -7876,7 +13931,7 @@
         </p:nvCxnSpPr>
         <p:spPr>
           <a:xfrm flipH="1">
-            <a:off x="2824266" y="2251698"/>
+            <a:off x="2824266" y="2251699"/>
             <a:ext cx="14718" cy="551059"/>
           </a:xfrm>
           <a:prstGeom prst="straightConnector1">
@@ -7921,7 +13976,7 @@
         </p:nvCxnSpPr>
         <p:spPr>
           <a:xfrm flipH="1" flipV="1">
-            <a:off x="3770890" y="2251702"/>
+            <a:off x="3770891" y="2251702"/>
             <a:ext cx="1" cy="550692"/>
           </a:xfrm>
           <a:prstGeom prst="straightConnector1">
@@ -8011,7 +14066,7 @@
         </p:nvCxnSpPr>
         <p:spPr>
           <a:xfrm flipH="1">
-            <a:off x="3770890" y="3866218"/>
+            <a:off x="3770890" y="3866219"/>
             <a:ext cx="6890" cy="458565"/>
           </a:xfrm>
           <a:prstGeom prst="straightConnector1">
@@ -8147,7 +14202,7 @@
         </p:nvCxnSpPr>
         <p:spPr>
           <a:xfrm>
-            <a:off x="5321088" y="2251700"/>
+            <a:off x="5321089" y="2251700"/>
             <a:ext cx="219" cy="551057"/>
           </a:xfrm>
           <a:prstGeom prst="straightConnector1">
@@ -8192,7 +14247,7 @@
         </p:nvCxnSpPr>
         <p:spPr>
           <a:xfrm flipH="1" flipV="1">
-            <a:off x="6252994" y="2251701"/>
+            <a:off x="6252994" y="2251702"/>
             <a:ext cx="14938" cy="550693"/>
           </a:xfrm>
           <a:prstGeom prst="straightConnector1">
@@ -8237,7 +14292,7 @@
         </p:nvCxnSpPr>
         <p:spPr>
           <a:xfrm flipV="1">
-            <a:off x="5336025" y="3866218"/>
+            <a:off x="5336025" y="3866219"/>
             <a:ext cx="0" cy="458561"/>
           </a:xfrm>
           <a:prstGeom prst="straightConnector1">
@@ -8283,7 +14338,7 @@
         </p:nvCxnSpPr>
         <p:spPr>
           <a:xfrm>
-            <a:off x="6274821" y="3866218"/>
+            <a:off x="6274821" y="3866219"/>
             <a:ext cx="0" cy="458561"/>
           </a:xfrm>
           <a:prstGeom prst="straightConnector1">
@@ -8328,7 +14383,7 @@
         </p:nvCxnSpPr>
         <p:spPr>
           <a:xfrm>
-            <a:off x="6372697" y="3825676"/>
+            <a:off x="6372698" y="3825676"/>
             <a:ext cx="1077471" cy="637523"/>
           </a:xfrm>
           <a:prstGeom prst="straightConnector1">
@@ -8378,7 +14433,7 @@
         </p:blipFill>
         <p:spPr>
           <a:xfrm>
-            <a:off x="2694497" y="1603156"/>
+            <a:off x="2694498" y="1603157"/>
             <a:ext cx="276837" cy="302495"/>
           </a:xfrm>
           <a:prstGeom prst="rect">
@@ -8408,7 +14463,7 @@
         </p:blipFill>
         <p:spPr>
           <a:xfrm>
-            <a:off x="2700564" y="4713363"/>
+            <a:off x="2700565" y="4713364"/>
             <a:ext cx="276837" cy="302495"/>
           </a:xfrm>
           <a:prstGeom prst="rect">
@@ -8438,7 +14493,7 @@
         </p:blipFill>
         <p:spPr>
           <a:xfrm>
-            <a:off x="3639361" y="1603132"/>
+            <a:off x="3639361" y="1603133"/>
             <a:ext cx="287640" cy="302495"/>
           </a:xfrm>
           <a:prstGeom prst="rect">
@@ -8468,7 +14523,7 @@
         </p:blipFill>
         <p:spPr>
           <a:xfrm>
-            <a:off x="3643091" y="4714611"/>
+            <a:off x="3643092" y="4714612"/>
             <a:ext cx="276837" cy="302495"/>
           </a:xfrm>
           <a:prstGeom prst="rect">
@@ -8498,7 +14553,7 @@
         </p:blipFill>
         <p:spPr>
           <a:xfrm>
-            <a:off x="2388164" y="3575339"/>
+            <a:off x="2388165" y="3575340"/>
             <a:ext cx="276837" cy="302495"/>
           </a:xfrm>
           <a:prstGeom prst="rect">
@@ -8648,7 +14703,7 @@
         </p:blipFill>
         <p:spPr>
           <a:xfrm>
-            <a:off x="5029039" y="4713146"/>
+            <a:off x="5029039" y="4713147"/>
             <a:ext cx="613970" cy="304269"/>
           </a:xfrm>
           <a:prstGeom prst="rect">
@@ -8708,7 +14763,7 @@
         </p:blipFill>
         <p:spPr>
           <a:xfrm>
-            <a:off x="7120310" y="4713146"/>
+            <a:off x="7120311" y="4713147"/>
             <a:ext cx="937879" cy="297571"/>
           </a:xfrm>
           <a:prstGeom prst="rect">
@@ -8819,7 +14874,7 @@
         <p:spPr>
           <a:xfrm>
             <a:off x="8292509" y="3109486"/>
-            <a:ext cx="1671548" cy="430887"/>
+            <a:ext cx="1643142" cy="430887"/>
           </a:xfrm>
           <a:prstGeom prst="rect">
             <a:avLst/>
@@ -8931,7 +14986,7 @@
         </p:blipFill>
         <p:spPr>
           <a:xfrm>
-            <a:off x="9667885" y="2348858"/>
+            <a:off x="9667886" y="2348859"/>
             <a:ext cx="276837" cy="302495"/>
           </a:xfrm>
           <a:prstGeom prst="rect">
@@ -8961,7 +15016,7 @@
         </p:blipFill>
         <p:spPr>
           <a:xfrm>
-            <a:off x="9676693" y="3993189"/>
+            <a:off x="9676694" y="3993189"/>
             <a:ext cx="276837" cy="302495"/>
           </a:xfrm>
           <a:prstGeom prst="rect">
@@ -9008,7 +15063,7 @@
                       <m:sSub>
                         <m:sSubPr>
                           <m:ctrlPr>
-                            <a:rPr lang="en-US" sz="1200" b="1" i="1" smtClean="0">
+                            <a:rPr lang="en-US" sz="1200" b="1" i="1">
                               <a:solidFill>
                                 <a:srgbClr val="00B050"/>
                               </a:solidFill>
@@ -9018,7 +15073,7 @@
                         </m:sSubPr>
                         <m:e>
                           <m:r>
-                            <a:rPr lang="en-US" sz="1200" b="1" i="1" smtClean="0">
+                            <a:rPr lang="en-US" sz="1200" b="1" i="1">
                               <a:solidFill>
                                 <a:srgbClr val="00B050"/>
                               </a:solidFill>
@@ -9029,7 +15084,7 @@
                         </m:e>
                         <m:sub>
                           <m:r>
-                            <a:rPr lang="en-US" sz="1200" b="1" i="1" smtClean="0">
+                            <a:rPr lang="en-US" sz="1200" b="1" i="1">
                               <a:solidFill>
                                 <a:srgbClr val="00B050"/>
                               </a:solidFill>
@@ -9131,7 +15186,7 @@
                       <m:sSub>
                         <m:sSubPr>
                           <m:ctrlPr>
-                            <a:rPr lang="en-US" sz="1600" b="1" i="1" smtClean="0">
+                            <a:rPr lang="en-US" sz="1600" b="1" i="1">
                               <a:solidFill>
                                 <a:srgbClr val="00B050"/>
                               </a:solidFill>
@@ -9141,7 +15196,7 @@
                         </m:sSubPr>
                         <m:e>
                           <m:r>
-                            <a:rPr lang="en-US" sz="1600" b="1" i="1" smtClean="0">
+                            <a:rPr lang="en-US" sz="1600" b="1" i="1">
                               <a:solidFill>
                                 <a:srgbClr val="00B050"/>
                               </a:solidFill>
@@ -9152,7 +15207,7 @@
                         </m:e>
                         <m:sub>
                           <m:r>
-                            <a:rPr lang="en-US" sz="1600" b="1" i="1" smtClean="0">
+                            <a:rPr lang="en-US" sz="1600" b="1" i="1">
                               <a:solidFill>
                                 <a:srgbClr val="00B050"/>
                               </a:solidFill>
@@ -9254,7 +15309,7 @@
                       <m:sSub>
                         <m:sSubPr>
                           <m:ctrlPr>
-                            <a:rPr lang="en-US" sz="1200" b="1" i="1" smtClean="0">
+                            <a:rPr lang="en-US" sz="1200" b="1" i="1">
                               <a:solidFill>
                                 <a:srgbClr val="00B050"/>
                               </a:solidFill>
@@ -9264,7 +15319,7 @@
                         </m:sSubPr>
                         <m:e>
                           <m:r>
-                            <a:rPr lang="en-US" sz="1200" b="1" i="1" smtClean="0">
+                            <a:rPr lang="en-US" sz="1200" b="1" i="1">
                               <a:solidFill>
                                 <a:srgbClr val="00B050"/>
                               </a:solidFill>
@@ -9275,7 +15330,7 @@
                         </m:e>
                         <m:sub>
                           <m:r>
-                            <a:rPr lang="en-US" sz="1200" b="1" i="1" smtClean="0">
+                            <a:rPr lang="en-US" sz="1200" b="1" i="1">
                               <a:solidFill>
                                 <a:srgbClr val="00B050"/>
                               </a:solidFill>
@@ -9377,7 +15432,7 @@
                       <m:sSubSup>
                         <m:sSubSupPr>
                           <m:ctrlPr>
-                            <a:rPr lang="en-US" sz="1200" b="1" i="1" smtClean="0">
+                            <a:rPr lang="en-US" sz="1200" b="1" i="1">
                               <a:solidFill>
                                 <a:srgbClr val="FF0000"/>
                               </a:solidFill>
@@ -9387,7 +15442,7 @@
                         </m:sSubSupPr>
                         <m:e>
                           <m:r>
-                            <a:rPr lang="en-US" sz="1200" b="1" i="1" smtClean="0">
+                            <a:rPr lang="en-US" sz="1200" b="1" i="1">
                               <a:solidFill>
                                 <a:srgbClr val="FF0000"/>
                               </a:solidFill>
@@ -9398,7 +15453,7 @@
                         </m:e>
                         <m:sub>
                           <m:r>
-                            <a:rPr lang="en-US" sz="1200" b="1" i="1" smtClean="0">
+                            <a:rPr lang="en-US" sz="1200" b="1" i="1">
                               <a:solidFill>
                                 <a:srgbClr val="FF0000"/>
                               </a:solidFill>
@@ -9409,7 +15464,7 @@
                         </m:sub>
                         <m:sup>
                           <m:r>
-                            <a:rPr lang="en-US" sz="1200" b="1" i="1" smtClean="0">
+                            <a:rPr lang="en-US" sz="1200" b="1" i="1">
                               <a:solidFill>
                                 <a:srgbClr val="FF0000"/>
                               </a:solidFill>
@@ -9489,7 +15544,7 @@
             <p:spPr>
               <a:xfrm>
                 <a:off x="5321087" y="545010"/>
-                <a:ext cx="421030" cy="344582"/>
+                <a:ext cx="421030" cy="338554"/>
               </a:xfrm>
               <a:prstGeom prst="rect">
                 <a:avLst/>
@@ -9511,7 +15566,7 @@
                       <m:sSubSup>
                         <m:sSubSupPr>
                           <m:ctrlPr>
-                            <a:rPr lang="en-US" sz="1600" b="1" i="1" smtClean="0">
+                            <a:rPr lang="en-US" sz="1600" b="1" i="1">
                               <a:solidFill>
                                 <a:srgbClr val="FF0000"/>
                               </a:solidFill>
@@ -9521,7 +15576,7 @@
                         </m:sSubSupPr>
                         <m:e>
                           <m:r>
-                            <a:rPr lang="en-US" sz="1600" b="1" i="1" smtClean="0">
+                            <a:rPr lang="en-US" sz="1600" b="1" i="1">
                               <a:solidFill>
                                 <a:srgbClr val="FF0000"/>
                               </a:solidFill>
@@ -9532,7 +15587,7 @@
                         </m:e>
                         <m:sub>
                           <m:r>
-                            <a:rPr lang="en-US" sz="1600" b="1" i="1" smtClean="0">
+                            <a:rPr lang="en-US" sz="1600" b="1" i="1">
                               <a:solidFill>
                                 <a:srgbClr val="FF0000"/>
                               </a:solidFill>
@@ -9543,7 +15598,7 @@
                         </m:sub>
                         <m:sup>
                           <m:r>
-                            <a:rPr lang="en-US" sz="1600" b="1" i="1" smtClean="0">
+                            <a:rPr lang="en-US" sz="1600" b="1" i="1">
                               <a:solidFill>
                                 <a:srgbClr val="FF0000"/>
                               </a:solidFill>
@@ -9579,7 +15634,7 @@
             <p:spPr>
               <a:xfrm>
                 <a:off x="5321087" y="545010"/>
-                <a:ext cx="421030" cy="344582"/>
+                <a:ext cx="421030" cy="338554"/>
               </a:xfrm>
               <a:prstGeom prst="rect">
                 <a:avLst/>
@@ -9645,7 +15700,7 @@
                       <m:sSubSup>
                         <m:sSubSupPr>
                           <m:ctrlPr>
-                            <a:rPr lang="en-US" sz="1600" b="1" i="1" smtClean="0">
+                            <a:rPr lang="en-US" sz="1600" b="1" i="1">
                               <a:solidFill>
                                 <a:srgbClr val="FF0000"/>
                               </a:solidFill>
@@ -9655,7 +15710,7 @@
                         </m:sSubSupPr>
                         <m:e>
                           <m:r>
-                            <a:rPr lang="en-US" sz="1600" b="1" i="1" smtClean="0">
+                            <a:rPr lang="en-US" sz="1600" b="1" i="1">
                               <a:solidFill>
                                 <a:srgbClr val="FF0000"/>
                               </a:solidFill>
@@ -9666,7 +15721,7 @@
                         </m:e>
                         <m:sub>
                           <m:r>
-                            <a:rPr lang="en-US" sz="1600" b="1" i="1" smtClean="0">
+                            <a:rPr lang="en-US" sz="1600" b="1" i="1">
                               <a:solidFill>
                                 <a:srgbClr val="FF0000"/>
                               </a:solidFill>
@@ -9677,7 +15732,7 @@
                         </m:sub>
                         <m:sup>
                           <m:r>
-                            <a:rPr lang="en-US" sz="1600" b="1" i="1" smtClean="0">
+                            <a:rPr lang="en-US" sz="1600" b="1" i="1">
                               <a:solidFill>
                                 <a:srgbClr val="FF0000"/>
                               </a:solidFill>
@@ -9779,7 +15834,7 @@
                       <m:sSubSup>
                         <m:sSubSupPr>
                           <m:ctrlPr>
-                            <a:rPr lang="en-US" sz="1600" b="1" i="1" smtClean="0">
+                            <a:rPr lang="en-US" sz="1600" b="1" i="1">
                               <a:solidFill>
                                 <a:srgbClr val="FF0000"/>
                               </a:solidFill>
@@ -9789,7 +15844,7 @@
                         </m:sSubSupPr>
                         <m:e>
                           <m:r>
-                            <a:rPr lang="en-US" sz="1600" b="1" i="1" smtClean="0">
+                            <a:rPr lang="en-US" sz="1600" b="1" i="1">
                               <a:solidFill>
                                 <a:srgbClr val="FF0000"/>
                               </a:solidFill>
@@ -9800,7 +15855,7 @@
                         </m:e>
                         <m:sub>
                           <m:r>
-                            <a:rPr lang="en-US" sz="1600" b="1" i="1" smtClean="0">
+                            <a:rPr lang="en-US" sz="1600" b="1" i="1">
                               <a:solidFill>
                                 <a:srgbClr val="FF0000"/>
                               </a:solidFill>
@@ -9811,7 +15866,7 @@
                         </m:sub>
                         <m:sup>
                           <m:r>
-                            <a:rPr lang="en-US" sz="1600" b="1" i="1" smtClean="0">
+                            <a:rPr lang="en-US" sz="1600" b="1" i="1">
                               <a:solidFill>
                                 <a:srgbClr val="FF0000"/>
                               </a:solidFill>
@@ -9913,7 +15968,7 @@
                       <m:sSub>
                         <m:sSubPr>
                           <m:ctrlPr>
-                            <a:rPr lang="en-US" sz="1600" b="1" i="1" smtClean="0">
+                            <a:rPr lang="en-US" sz="1600" b="1" i="1">
                               <a:solidFill>
                                 <a:srgbClr val="00B050"/>
                               </a:solidFill>
@@ -9923,7 +15978,7 @@
                         </m:sSubPr>
                         <m:e>
                           <m:r>
-                            <a:rPr lang="en-US" sz="1600" b="1" i="1" smtClean="0">
+                            <a:rPr lang="en-US" sz="1600" b="1" i="1">
                               <a:solidFill>
                                 <a:srgbClr val="00B050"/>
                               </a:solidFill>
@@ -9934,7 +15989,7 @@
                         </m:e>
                         <m:sub>
                           <m:r>
-                            <a:rPr lang="en-US" sz="1600" b="1" i="1" smtClean="0">
+                            <a:rPr lang="en-US" sz="1600" b="1" i="1">
                               <a:solidFill>
                                 <a:srgbClr val="00B050"/>
                               </a:solidFill>
@@ -10036,7 +16091,7 @@
                       <m:sSub>
                         <m:sSubPr>
                           <m:ctrlPr>
-                            <a:rPr lang="en-US" sz="1200" b="1" i="1" smtClean="0">
+                            <a:rPr lang="en-US" sz="1200" b="1" i="1">
                               <a:solidFill>
                                 <a:srgbClr val="00B050"/>
                               </a:solidFill>
@@ -10046,7 +16101,7 @@
                         </m:sSubPr>
                         <m:e>
                           <m:r>
-                            <a:rPr lang="en-US" sz="1200" b="1" i="1" smtClean="0">
+                            <a:rPr lang="en-US" sz="1200" b="1" i="1">
                               <a:solidFill>
                                 <a:srgbClr val="00B050"/>
                               </a:solidFill>
@@ -10057,7 +16112,7 @@
                         </m:e>
                         <m:sub>
                           <m:r>
-                            <a:rPr lang="en-US" sz="1200" b="1" i="1" smtClean="0">
+                            <a:rPr lang="en-US" sz="1200" b="1" i="1">
                               <a:solidFill>
                                 <a:srgbClr val="00B050"/>
                               </a:solidFill>
@@ -10159,7 +16214,7 @@
                       <m:sSub>
                         <m:sSubPr>
                           <m:ctrlPr>
-                            <a:rPr lang="en-US" sz="1200" b="1" i="1" smtClean="0">
+                            <a:rPr lang="en-US" sz="1200" b="1" i="1">
                               <a:solidFill>
                                 <a:srgbClr val="00B050"/>
                               </a:solidFill>
@@ -10169,7 +16224,7 @@
                         </m:sSubPr>
                         <m:e>
                           <m:r>
-                            <a:rPr lang="en-US" sz="1200" b="1" i="1" smtClean="0">
+                            <a:rPr lang="en-US" sz="1200" b="1" i="1">
                               <a:solidFill>
                                 <a:srgbClr val="00B050"/>
                               </a:solidFill>
@@ -10180,7 +16235,7 @@
                         </m:e>
                         <m:sub>
                           <m:r>
-                            <a:rPr lang="en-US" sz="1200" b="1" i="1" smtClean="0">
+                            <a:rPr lang="en-US" sz="1200" b="1" i="1">
                               <a:solidFill>
                                 <a:srgbClr val="00B050"/>
                               </a:solidFill>
@@ -10282,7 +16337,7 @@
                       <m:sSub>
                         <m:sSubPr>
                           <m:ctrlPr>
-                            <a:rPr lang="en-US" sz="1200" b="1" i="1" smtClean="0">
+                            <a:rPr lang="en-US" sz="1200" b="1" i="1">
                               <a:solidFill>
                                 <a:srgbClr val="00B050"/>
                               </a:solidFill>
@@ -10292,7 +16347,7 @@
                         </m:sSubPr>
                         <m:e>
                           <m:r>
-                            <a:rPr lang="en-US" sz="1200" b="1" i="1" smtClean="0">
+                            <a:rPr lang="en-US" sz="1200" b="1" i="1">
                               <a:solidFill>
                                 <a:srgbClr val="00B050"/>
                               </a:solidFill>
@@ -10303,7 +16358,7 @@
                         </m:e>
                         <m:sub>
                           <m:r>
-                            <a:rPr lang="en-US" sz="1200" b="1" i="1" smtClean="0">
+                            <a:rPr lang="en-US" sz="1200" b="1" i="1">
                               <a:solidFill>
                                 <a:srgbClr val="00B050"/>
                               </a:solidFill>
@@ -10405,7 +16460,7 @@
                       <m:sSub>
                         <m:sSubPr>
                           <m:ctrlPr>
-                            <a:rPr lang="en-US" sz="1200" b="1" i="1" smtClean="0">
+                            <a:rPr lang="en-US" sz="1200" b="1" i="1">
                               <a:solidFill>
                                 <a:srgbClr val="00B050"/>
                               </a:solidFill>
@@ -10415,7 +16470,7 @@
                         </m:sSubPr>
                         <m:e>
                           <m:r>
-                            <a:rPr lang="en-US" sz="1200" b="1" i="1" smtClean="0">
+                            <a:rPr lang="en-US" sz="1200" b="1" i="1">
                               <a:solidFill>
                                 <a:srgbClr val="00B050"/>
                               </a:solidFill>
@@ -10426,7 +16481,7 @@
                         </m:e>
                         <m:sub>
                           <m:r>
-                            <a:rPr lang="en-US" sz="1200" b="1" i="1" smtClean="0">
+                            <a:rPr lang="en-US" sz="1200" b="1" i="1">
                               <a:solidFill>
                                 <a:srgbClr val="00B050"/>
                               </a:solidFill>
@@ -10505,7 +16560,7 @@
             </p:nvSpPr>
             <p:spPr>
               <a:xfrm>
-                <a:off x="6583358" y="4055405"/>
+                <a:off x="6583358" y="4055406"/>
                 <a:ext cx="421030" cy="276999"/>
               </a:xfrm>
               <a:prstGeom prst="rect">
@@ -10528,7 +16583,7 @@
                       <m:sSub>
                         <m:sSubPr>
                           <m:ctrlPr>
-                            <a:rPr lang="en-US" sz="1200" b="1" i="1" smtClean="0">
+                            <a:rPr lang="en-US" sz="1200" b="1" i="1">
                               <a:solidFill>
                                 <a:srgbClr val="00B050"/>
                               </a:solidFill>
@@ -10538,7 +16593,7 @@
                         </m:sSubPr>
                         <m:e>
                           <m:r>
-                            <a:rPr lang="en-US" sz="1200" b="1" i="1" smtClean="0">
+                            <a:rPr lang="en-US" sz="1200" b="1" i="1">
                               <a:solidFill>
                                 <a:srgbClr val="00B050"/>
                               </a:solidFill>
@@ -10549,7 +16604,7 @@
                         </m:e>
                         <m:sub>
                           <m:r>
-                            <a:rPr lang="en-US" sz="1200" b="1" i="1" smtClean="0">
+                            <a:rPr lang="en-US" sz="1200" b="1" i="1">
                               <a:solidFill>
                                 <a:srgbClr val="00B050"/>
                               </a:solidFill>
@@ -10584,7 +16639,7 @@
             </p:nvSpPr>
             <p:spPr>
               <a:xfrm>
-                <a:off x="6583358" y="4055405"/>
+                <a:off x="6583358" y="4055406"/>
                 <a:ext cx="421030" cy="276999"/>
               </a:xfrm>
               <a:prstGeom prst="rect">
@@ -10628,7 +16683,7 @@
             </p:nvSpPr>
             <p:spPr>
               <a:xfrm>
-                <a:off x="5930917" y="3901403"/>
+                <a:off x="5930918" y="3901403"/>
                 <a:ext cx="421030" cy="276999"/>
               </a:xfrm>
               <a:prstGeom prst="rect">
@@ -10651,7 +16706,7 @@
                       <m:sSub>
                         <m:sSubPr>
                           <m:ctrlPr>
-                            <a:rPr lang="en-US" sz="1200" b="1" i="1" smtClean="0">
+                            <a:rPr lang="en-US" sz="1200" b="1" i="1">
                               <a:solidFill>
                                 <a:srgbClr val="00B050"/>
                               </a:solidFill>
@@ -10661,7 +16716,7 @@
                         </m:sSubPr>
                         <m:e>
                           <m:r>
-                            <a:rPr lang="en-US" sz="1200" b="1" i="1" smtClean="0">
+                            <a:rPr lang="en-US" sz="1200" b="1" i="1">
                               <a:solidFill>
                                 <a:srgbClr val="00B050"/>
                               </a:solidFill>
@@ -10672,7 +16727,7 @@
                         </m:e>
                         <m:sub>
                           <m:r>
-                            <a:rPr lang="en-US" sz="1200" b="1" i="1" smtClean="0">
+                            <a:rPr lang="en-US" sz="1200" b="1" i="1">
                               <a:solidFill>
                                 <a:srgbClr val="00B050"/>
                               </a:solidFill>
@@ -10707,7 +16762,7 @@
             </p:nvSpPr>
             <p:spPr>
               <a:xfrm>
-                <a:off x="5930917" y="3901403"/>
+                <a:off x="5930918" y="3901403"/>
                 <a:ext cx="421030" cy="276999"/>
               </a:xfrm>
               <a:prstGeom prst="rect">
@@ -10774,7 +16829,7 @@
                       <m:sSubSup>
                         <m:sSubSupPr>
                           <m:ctrlPr>
-                            <a:rPr lang="en-US" sz="1600" b="1" i="1" smtClean="0">
+                            <a:rPr lang="en-US" sz="1600" b="1" i="1">
                               <a:solidFill>
                                 <a:srgbClr val="FF0000"/>
                               </a:solidFill>
@@ -10784,7 +16839,7 @@
                         </m:sSubSupPr>
                         <m:e>
                           <m:r>
-                            <a:rPr lang="en-US" sz="1600" b="1" i="1" smtClean="0">
+                            <a:rPr lang="en-US" sz="1600" b="1" i="1">
                               <a:solidFill>
                                 <a:srgbClr val="FF0000"/>
                               </a:solidFill>
@@ -10795,7 +16850,7 @@
                         </m:e>
                         <m:sub>
                           <m:r>
-                            <a:rPr lang="en-US" sz="1600" b="1" i="1" smtClean="0">
+                            <a:rPr lang="en-US" sz="1600" b="1" i="1">
                               <a:solidFill>
                                 <a:srgbClr val="FF0000"/>
                               </a:solidFill>
@@ -10806,7 +16861,7 @@
                         </m:sub>
                         <m:sup>
                           <m:r>
-                            <a:rPr lang="en-US" sz="1600" b="1" i="1" smtClean="0">
+                            <a:rPr lang="en-US" sz="1600" b="1" i="1">
                               <a:solidFill>
                                 <a:srgbClr val="FF0000"/>
                               </a:solidFill>
@@ -10908,7 +16963,7 @@
                       <m:sSubSup>
                         <m:sSubSupPr>
                           <m:ctrlPr>
-                            <a:rPr lang="en-US" sz="1200" b="1" i="1" smtClean="0">
+                            <a:rPr lang="en-US" sz="1200" b="1" i="1">
                               <a:solidFill>
                                 <a:srgbClr val="FF0000"/>
                               </a:solidFill>
@@ -10918,7 +16973,7 @@
                         </m:sSubSupPr>
                         <m:e>
                           <m:r>
-                            <a:rPr lang="en-US" sz="1200" b="1" i="1" smtClean="0">
+                            <a:rPr lang="en-US" sz="1200" b="1" i="1">
                               <a:solidFill>
                                 <a:srgbClr val="FF0000"/>
                               </a:solidFill>
@@ -10929,7 +16984,7 @@
                         </m:e>
                         <m:sub>
                           <m:r>
-                            <a:rPr lang="en-US" sz="1200" b="1" i="1" smtClean="0">
+                            <a:rPr lang="en-US" sz="1200" b="1" i="1">
                               <a:solidFill>
                                 <a:srgbClr val="FF0000"/>
                               </a:solidFill>
@@ -10940,7 +16995,7 @@
                         </m:sub>
                         <m:sup>
                           <m:r>
-                            <a:rPr lang="en-US" sz="1200" b="1" i="1" smtClean="0">
+                            <a:rPr lang="en-US" sz="1200" b="1" i="1">
                               <a:solidFill>
                                 <a:srgbClr val="FF0000"/>
                               </a:solidFill>
@@ -11042,7 +17097,7 @@
                       <m:sSubSup>
                         <m:sSubSupPr>
                           <m:ctrlPr>
-                            <a:rPr lang="en-US" sz="1200" b="1" i="1" smtClean="0">
+                            <a:rPr lang="en-US" sz="1200" b="1" i="1">
                               <a:solidFill>
                                 <a:srgbClr val="FF0000"/>
                               </a:solidFill>
@@ -11052,7 +17107,7 @@
                         </m:sSubSupPr>
                         <m:e>
                           <m:r>
-                            <a:rPr lang="en-US" sz="1200" b="1" i="1" smtClean="0">
+                            <a:rPr lang="en-US" sz="1200" b="1" i="1">
                               <a:solidFill>
                                 <a:srgbClr val="FF0000"/>
                               </a:solidFill>
@@ -11063,7 +17118,7 @@
                         </m:e>
                         <m:sub>
                           <m:r>
-                            <a:rPr lang="en-US" sz="1200" b="1" i="1" smtClean="0">
+                            <a:rPr lang="en-US" sz="1200" b="1" i="1">
                               <a:solidFill>
                                 <a:srgbClr val="FF0000"/>
                               </a:solidFill>
@@ -11074,7 +17129,7 @@
                         </m:sub>
                         <m:sup>
                           <m:r>
-                            <a:rPr lang="en-US" sz="1200" b="1" i="1" smtClean="0">
+                            <a:rPr lang="en-US" sz="1200" b="1" i="1">
                               <a:solidFill>
                                 <a:srgbClr val="FF0000"/>
                               </a:solidFill>
@@ -11176,7 +17231,7 @@
                       <m:sSubSup>
                         <m:sSubSupPr>
                           <m:ctrlPr>
-                            <a:rPr lang="en-US" sz="1200" b="1" i="1" smtClean="0">
+                            <a:rPr lang="en-US" sz="1200" b="1" i="1">
                               <a:solidFill>
                                 <a:srgbClr val="FF0000"/>
                               </a:solidFill>
@@ -11186,7 +17241,7 @@
                         </m:sSubSupPr>
                         <m:e>
                           <m:r>
-                            <a:rPr lang="en-US" sz="1200" b="1" i="1" smtClean="0">
+                            <a:rPr lang="en-US" sz="1200" b="1" i="1">
                               <a:solidFill>
                                 <a:srgbClr val="FF0000"/>
                               </a:solidFill>
@@ -11197,7 +17252,7 @@
                         </m:e>
                         <m:sub>
                           <m:r>
-                            <a:rPr lang="en-US" sz="1200" b="1" i="1" smtClean="0">
+                            <a:rPr lang="en-US" sz="1200" b="1" i="1">
                               <a:solidFill>
                                 <a:srgbClr val="FF0000"/>
                               </a:solidFill>
@@ -11208,7 +17263,7 @@
                         </m:sub>
                         <m:sup>
                           <m:r>
-                            <a:rPr lang="en-US" sz="1200" b="1" i="1" smtClean="0">
+                            <a:rPr lang="en-US" sz="1200" b="1" i="1">
                               <a:solidFill>
                                 <a:srgbClr val="FF0000"/>
                               </a:solidFill>
@@ -11310,7 +17365,7 @@
                       <m:sSubSup>
                         <m:sSubSupPr>
                           <m:ctrlPr>
-                            <a:rPr lang="en-US" sz="1200" b="1" i="1" smtClean="0">
+                            <a:rPr lang="en-US" sz="1200" b="1" i="1">
                               <a:solidFill>
                                 <a:srgbClr val="FF0000"/>
                               </a:solidFill>
@@ -11320,7 +17375,7 @@
                         </m:sSubSupPr>
                         <m:e>
                           <m:r>
-                            <a:rPr lang="en-US" sz="1200" b="1" i="1" smtClean="0">
+                            <a:rPr lang="en-US" sz="1200" b="1" i="1">
                               <a:solidFill>
                                 <a:srgbClr val="FF0000"/>
                               </a:solidFill>
@@ -11331,7 +17386,7 @@
                         </m:e>
                         <m:sub>
                           <m:r>
-                            <a:rPr lang="en-US" sz="1200" b="1" i="1" smtClean="0">
+                            <a:rPr lang="en-US" sz="1200" b="1" i="1">
                               <a:solidFill>
                                 <a:srgbClr val="FF0000"/>
                               </a:solidFill>
@@ -11342,7 +17397,7 @@
                         </m:sub>
                         <m:sup>
                           <m:r>
-                            <a:rPr lang="en-US" sz="1200" b="1" i="1" smtClean="0">
+                            <a:rPr lang="en-US" sz="1200" b="1" i="1">
                               <a:solidFill>
                                 <a:srgbClr val="FF0000"/>
                               </a:solidFill>
@@ -11444,7 +17499,7 @@
                       <m:sSubSup>
                         <m:sSubSupPr>
                           <m:ctrlPr>
-                            <a:rPr lang="en-US" sz="1200" b="1" i="1" smtClean="0">
+                            <a:rPr lang="en-US" sz="1200" b="1" i="1">
                               <a:solidFill>
                                 <a:srgbClr val="FF0000"/>
                               </a:solidFill>
@@ -11454,7 +17509,7 @@
                         </m:sSubSupPr>
                         <m:e>
                           <m:r>
-                            <a:rPr lang="en-US" sz="1200" b="1" i="1" smtClean="0">
+                            <a:rPr lang="en-US" sz="1200" b="1" i="1">
                               <a:solidFill>
                                 <a:srgbClr val="FF0000"/>
                               </a:solidFill>
@@ -11465,7 +17520,7 @@
                         </m:e>
                         <m:sub>
                           <m:r>
-                            <a:rPr lang="en-US" sz="1200" b="1" i="1" smtClean="0">
+                            <a:rPr lang="en-US" sz="1200" b="1" i="1">
                               <a:solidFill>
                                 <a:srgbClr val="FF0000"/>
                               </a:solidFill>
@@ -11476,7 +17531,7 @@
                         </m:sub>
                         <m:sup>
                           <m:r>
-                            <a:rPr lang="en-US" sz="1200" b="1" i="1" smtClean="0">
+                            <a:rPr lang="en-US" sz="1200" b="1" i="1">
                               <a:solidFill>
                                 <a:srgbClr val="FF0000"/>
                               </a:solidFill>
@@ -11578,7 +17633,7 @@
                       <m:sSubSup>
                         <m:sSubSupPr>
                           <m:ctrlPr>
-                            <a:rPr lang="en-US" sz="1200" b="1" i="1" smtClean="0">
+                            <a:rPr lang="en-US" sz="1200" b="1" i="1">
                               <a:solidFill>
                                 <a:srgbClr val="FF0000"/>
                               </a:solidFill>
@@ -11588,7 +17643,7 @@
                         </m:sSubSupPr>
                         <m:e>
                           <m:r>
-                            <a:rPr lang="en-US" sz="1200" b="1" i="1" smtClean="0">
+                            <a:rPr lang="en-US" sz="1200" b="1" i="1">
                               <a:solidFill>
                                 <a:srgbClr val="FF0000"/>
                               </a:solidFill>
@@ -11599,7 +17654,7 @@
                         </m:e>
                         <m:sub>
                           <m:r>
-                            <a:rPr lang="en-US" sz="1200" b="1" i="1" smtClean="0">
+                            <a:rPr lang="en-US" sz="1200" b="1" i="1">
                               <a:solidFill>
                                 <a:srgbClr val="FF0000"/>
                               </a:solidFill>
@@ -11610,7 +17665,7 @@
                         </m:sub>
                         <m:sup>
                           <m:r>
-                            <a:rPr lang="en-US" sz="1200" b="1" i="1" smtClean="0">
+                            <a:rPr lang="en-US" sz="1200" b="1" i="1">
                               <a:solidFill>
                                 <a:srgbClr val="FF0000"/>
                               </a:solidFill>
@@ -11712,7 +17767,7 @@
                       <m:sSubSup>
                         <m:sSubSupPr>
                           <m:ctrlPr>
-                            <a:rPr lang="en-US" sz="1200" b="1" i="1" smtClean="0">
+                            <a:rPr lang="en-US" sz="1200" b="1" i="1">
                               <a:solidFill>
                                 <a:srgbClr val="FF0000"/>
                               </a:solidFill>
@@ -11722,7 +17777,7 @@
                         </m:sSubSupPr>
                         <m:e>
                           <m:r>
-                            <a:rPr lang="en-US" sz="1200" b="1" i="1" smtClean="0">
+                            <a:rPr lang="en-US" sz="1200" b="1" i="1">
                               <a:solidFill>
                                 <a:srgbClr val="FF0000"/>
                               </a:solidFill>
@@ -11733,7 +17788,7 @@
                         </m:e>
                         <m:sub>
                           <m:r>
-                            <a:rPr lang="en-US" sz="1200" b="1" i="1" smtClean="0">
+                            <a:rPr lang="en-US" sz="1200" b="1" i="1">
                               <a:solidFill>
                                 <a:srgbClr val="FF0000"/>
                               </a:solidFill>
@@ -11744,7 +17799,7 @@
                         </m:sub>
                         <m:sup>
                           <m:r>
-                            <a:rPr lang="en-US" sz="1200" b="1" i="1" smtClean="0">
+                            <a:rPr lang="en-US" sz="1200" b="1" i="1">
                               <a:solidFill>
                                 <a:srgbClr val="FF0000"/>
                               </a:solidFill>
@@ -11927,7 +17982,7 @@
         <p:grpSpPr>
           <a:xfrm>
             <a:off x="2528037" y="5548047"/>
-            <a:ext cx="5347957" cy="759529"/>
+            <a:ext cx="5445738" cy="759529"/>
             <a:chOff x="2482890" y="5362867"/>
             <a:chExt cx="5347957" cy="759529"/>
           </a:xfrm>
@@ -11980,7 +18035,12 @@
             </a:fontRef>
           </p:style>
           <p:txBody>
-            <a:bodyPr rtlCol="0" anchor="ctr"/>
+            <a:bodyPr rot="0" spcFirstLastPara="0" vertOverflow="overflow" horzOverflow="overflow" vert="horz" wrap="square" lIns="91440" tIns="45720" rIns="91440" bIns="45720" numCol="1" spcCol="0" rtlCol="0" fromWordArt="0" anchor="ctr" anchorCtr="0" forceAA="0" compatLnSpc="1">
+              <a:prstTxWarp prst="textNoShape">
+                <a:avLst/>
+              </a:prstTxWarp>
+              <a:noAutofit/>
+            </a:bodyPr>
             <a:lstStyle/>
             <a:p>
               <a:pPr algn="ctr"/>
@@ -12036,7 +18096,12 @@
             </a:fontRef>
           </p:style>
           <p:txBody>
-            <a:bodyPr rtlCol="0" anchor="ctr"/>
+            <a:bodyPr rot="0" spcFirstLastPara="0" vertOverflow="overflow" horzOverflow="overflow" vert="horz" wrap="square" lIns="91440" tIns="45720" rIns="91440" bIns="45720" numCol="1" spcCol="0" rtlCol="0" fromWordArt="0" anchor="ctr" anchorCtr="0" forceAA="0" compatLnSpc="1">
+              <a:prstTxWarp prst="textNoShape">
+                <a:avLst/>
+              </a:prstTxWarp>
+              <a:noAutofit/>
+            </a:bodyPr>
             <a:lstStyle/>
             <a:p>
               <a:pPr algn="ctr"/>
@@ -12196,7 +18261,12 @@
             </a:fontRef>
           </p:style>
           <p:txBody>
-            <a:bodyPr rtlCol="0" anchor="ctr"/>
+            <a:bodyPr rot="0" spcFirstLastPara="0" vertOverflow="overflow" horzOverflow="overflow" vert="horz" wrap="square" lIns="91440" tIns="45720" rIns="91440" bIns="45720" numCol="1" spcCol="0" rtlCol="0" fromWordArt="0" anchor="ctr" anchorCtr="0" forceAA="0" compatLnSpc="1">
+              <a:prstTxWarp prst="textNoShape">
+                <a:avLst/>
+              </a:prstTxWarp>
+              <a:noAutofit/>
+            </a:bodyPr>
             <a:lstStyle/>
             <a:p>
               <a:pPr algn="ctr"/>
@@ -12295,7 +18365,7 @@
               <p:spPr>
                 <a:xfrm>
                   <a:off x="2986065" y="5362867"/>
-                  <a:ext cx="543161" cy="281552"/>
+                  <a:ext cx="533409" cy="281552"/>
                 </a:xfrm>
                 <a:prstGeom prst="rect">
                   <a:avLst/>
@@ -12317,14 +18387,14 @@
                         <m:sSubSup>
                           <m:sSubSupPr>
                             <m:ctrlPr>
-                              <a:rPr lang="en-US" sz="1200" i="1" smtClean="0">
+                              <a:rPr lang="en-US" sz="1200" i="1">
                                 <a:latin typeface="Cambria Math" panose="02040503050406030204" pitchFamily="18" charset="0"/>
                               </a:rPr>
                             </m:ctrlPr>
                           </m:sSubSupPr>
                           <m:e>
                             <m:r>
-                              <a:rPr lang="en-US" sz="1200" b="0" i="1" smtClean="0">
+                              <a:rPr lang="en-US" sz="1200" i="1">
                                 <a:latin typeface="Cambria Math" panose="02040503050406030204" pitchFamily="18" charset="0"/>
                               </a:rPr>
                               <m:t>𝐿</m:t>
@@ -12332,7 +18402,7 @@
                           </m:e>
                           <m:sub>
                             <m:r>
-                              <a:rPr lang="en-US" sz="1200" b="0" i="1" smtClean="0">
+                              <a:rPr lang="en-US" sz="1200" i="1">
                                 <a:latin typeface="Cambria Math" panose="02040503050406030204" pitchFamily="18" charset="0"/>
                               </a:rPr>
                               <m:t>𝐺𝐴𝑁</m:t>
@@ -12340,7 +18410,7 @@
                           </m:sub>
                           <m:sup>
                             <m:r>
-                              <a:rPr lang="en-US" sz="1200" b="0" i="1" smtClean="0">
+                              <a:rPr lang="en-US" sz="1200" i="1">
                                 <a:latin typeface="Cambria Math" panose="02040503050406030204" pitchFamily="18" charset="0"/>
                               </a:rPr>
                               <m:t>1</m:t>
@@ -12373,7 +18443,7 @@
               <p:spPr>
                 <a:xfrm>
                   <a:off x="2986065" y="5362867"/>
-                  <a:ext cx="543161" cy="281552"/>
+                  <a:ext cx="533409" cy="281552"/>
                 </a:xfrm>
                 <a:prstGeom prst="rect">
                   <a:avLst/>
@@ -12417,7 +18487,7 @@
               <p:spPr>
                 <a:xfrm>
                   <a:off x="3869261" y="5362867"/>
-                  <a:ext cx="625812" cy="276999"/>
+                  <a:ext cx="614575" cy="276999"/>
                 </a:xfrm>
                 <a:prstGeom prst="rect">
                   <a:avLst/>
@@ -12439,14 +18509,14 @@
                         <m:sSubSup>
                           <m:sSubSupPr>
                             <m:ctrlPr>
-                              <a:rPr lang="en-US" sz="1200" i="1" smtClean="0">
+                              <a:rPr lang="en-US" sz="1200" i="1">
                                 <a:latin typeface="Cambria Math" panose="02040503050406030204" pitchFamily="18" charset="0"/>
                               </a:rPr>
                             </m:ctrlPr>
                           </m:sSubSupPr>
                           <m:e>
                             <m:r>
-                              <a:rPr lang="en-US" sz="1200" b="0" i="1" smtClean="0">
+                              <a:rPr lang="en-US" sz="1200" i="1">
                                 <a:latin typeface="Cambria Math" panose="02040503050406030204" pitchFamily="18" charset="0"/>
                               </a:rPr>
                               <m:t>𝐿</m:t>
@@ -12454,7 +18524,7 @@
                           </m:e>
                           <m:sub>
                             <m:r>
-                              <a:rPr lang="en-US" sz="1200" b="0" i="1" smtClean="0">
+                              <a:rPr lang="en-US" sz="1200" i="1">
                                 <a:latin typeface="Cambria Math" panose="02040503050406030204" pitchFamily="18" charset="0"/>
                               </a:rPr>
                               <m:t>𝑟𝑒𝑐𝑜𝑛</m:t>
@@ -12462,7 +18532,7 @@
                           </m:sub>
                           <m:sup>
                             <m:r>
-                              <a:rPr lang="en-US" sz="1200" b="0" i="1" smtClean="0">
+                              <a:rPr lang="en-US" sz="1200" i="1">
                                 <a:latin typeface="Cambria Math" panose="02040503050406030204" pitchFamily="18" charset="0"/>
                               </a:rPr>
                               <m:t>1</m:t>
@@ -12495,7 +18565,7 @@
               <p:spPr>
                 <a:xfrm>
                   <a:off x="3869261" y="5362867"/>
-                  <a:ext cx="625812" cy="276999"/>
+                  <a:ext cx="614575" cy="276999"/>
                 </a:xfrm>
                 <a:prstGeom prst="rect">
                   <a:avLst/>
@@ -12570,7 +18640,12 @@
             </a:fontRef>
           </p:style>
           <p:txBody>
-            <a:bodyPr rtlCol="0" anchor="ctr"/>
+            <a:bodyPr rot="0" spcFirstLastPara="0" vertOverflow="overflow" horzOverflow="overflow" vert="horz" wrap="square" lIns="91440" tIns="45720" rIns="91440" bIns="45720" numCol="1" spcCol="0" rtlCol="0" fromWordArt="0" anchor="ctr" anchorCtr="0" forceAA="0" compatLnSpc="1">
+              <a:prstTxWarp prst="textNoShape">
+                <a:avLst/>
+              </a:prstTxWarp>
+              <a:noAutofit/>
+            </a:bodyPr>
             <a:lstStyle/>
             <a:p>
               <a:pPr algn="ctr"/>
@@ -12626,7 +18701,12 @@
             </a:fontRef>
           </p:style>
           <p:txBody>
-            <a:bodyPr rtlCol="0" anchor="ctr"/>
+            <a:bodyPr rot="0" spcFirstLastPara="0" vertOverflow="overflow" horzOverflow="overflow" vert="horz" wrap="square" lIns="91440" tIns="45720" rIns="91440" bIns="45720" numCol="1" spcCol="0" rtlCol="0" fromWordArt="0" anchor="ctr" anchorCtr="0" forceAA="0" compatLnSpc="1">
+              <a:prstTxWarp prst="textNoShape">
+                <a:avLst/>
+              </a:prstTxWarp>
+              <a:noAutofit/>
+            </a:bodyPr>
             <a:lstStyle/>
             <a:p>
               <a:pPr algn="ctr"/>
@@ -12726,7 +18806,12 @@
             </a:fontRef>
           </p:style>
           <p:txBody>
-            <a:bodyPr rtlCol="0" anchor="ctr"/>
+            <a:bodyPr rot="0" spcFirstLastPara="0" vertOverflow="overflow" horzOverflow="overflow" vert="horz" wrap="square" lIns="91440" tIns="45720" rIns="91440" bIns="45720" numCol="1" spcCol="0" rtlCol="0" fromWordArt="0" anchor="ctr" anchorCtr="0" forceAA="0" compatLnSpc="1">
+              <a:prstTxWarp prst="textNoShape">
+                <a:avLst/>
+              </a:prstTxWarp>
+              <a:noAutofit/>
+            </a:bodyPr>
             <a:lstStyle/>
             <a:p>
               <a:pPr algn="ctr"/>
@@ -12795,7 +18880,7 @@
               <p:spPr>
                 <a:xfrm>
                   <a:off x="6034065" y="5362867"/>
-                  <a:ext cx="543161" cy="281552"/>
+                  <a:ext cx="533409" cy="281552"/>
                 </a:xfrm>
                 <a:prstGeom prst="rect">
                   <a:avLst/>
@@ -12817,14 +18902,14 @@
                         <m:sSubSup>
                           <m:sSubSupPr>
                             <m:ctrlPr>
-                              <a:rPr lang="en-US" sz="1200" i="1" smtClean="0">
+                              <a:rPr lang="en-US" sz="1200" i="1">
                                 <a:latin typeface="Cambria Math" panose="02040503050406030204" pitchFamily="18" charset="0"/>
                               </a:rPr>
                             </m:ctrlPr>
                           </m:sSubSupPr>
                           <m:e>
                             <m:r>
-                              <a:rPr lang="en-US" sz="1200" b="0" i="1" smtClean="0">
+                              <a:rPr lang="en-US" sz="1200" i="1">
                                 <a:latin typeface="Cambria Math" panose="02040503050406030204" pitchFamily="18" charset="0"/>
                               </a:rPr>
                               <m:t>𝐿</m:t>
@@ -12832,7 +18917,7 @@
                           </m:e>
                           <m:sub>
                             <m:r>
-                              <a:rPr lang="en-US" sz="1200" b="0" i="1" smtClean="0">
+                              <a:rPr lang="en-US" sz="1200" i="1">
                                 <a:latin typeface="Cambria Math" panose="02040503050406030204" pitchFamily="18" charset="0"/>
                               </a:rPr>
                               <m:t>𝐺𝐴𝑁</m:t>
@@ -12840,7 +18925,7 @@
                           </m:sub>
                           <m:sup>
                             <m:r>
-                              <a:rPr lang="en-US" sz="1200" b="0" i="1" smtClean="0">
+                              <a:rPr lang="en-US" sz="1200" i="1">
                                 <a:latin typeface="Cambria Math" panose="02040503050406030204" pitchFamily="18" charset="0"/>
                               </a:rPr>
                               <m:t>1</m:t>
@@ -12873,7 +18958,7 @@
               <p:spPr>
                 <a:xfrm>
                   <a:off x="6034065" y="5362867"/>
-                  <a:ext cx="543161" cy="281552"/>
+                  <a:ext cx="533409" cy="281552"/>
                 </a:xfrm>
                 <a:prstGeom prst="rect">
                   <a:avLst/>
@@ -12917,7 +19002,7 @@
               <p:spPr>
                 <a:xfrm>
                   <a:off x="6917261" y="5362867"/>
-                  <a:ext cx="625812" cy="276999"/>
+                  <a:ext cx="614575" cy="276999"/>
                 </a:xfrm>
                 <a:prstGeom prst="rect">
                   <a:avLst/>
@@ -12939,14 +19024,14 @@
                         <m:sSubSup>
                           <m:sSubSupPr>
                             <m:ctrlPr>
-                              <a:rPr lang="en-US" sz="1200" i="1" smtClean="0">
+                              <a:rPr lang="en-US" sz="1200" i="1">
                                 <a:latin typeface="Cambria Math" panose="02040503050406030204" pitchFamily="18" charset="0"/>
                               </a:rPr>
                             </m:ctrlPr>
                           </m:sSubSupPr>
                           <m:e>
                             <m:r>
-                              <a:rPr lang="en-US" sz="1200" b="0" i="1" smtClean="0">
+                              <a:rPr lang="en-US" sz="1200" i="1">
                                 <a:latin typeface="Cambria Math" panose="02040503050406030204" pitchFamily="18" charset="0"/>
                               </a:rPr>
                               <m:t>𝐿</m:t>
@@ -12954,7 +19039,7 @@
                           </m:e>
                           <m:sub>
                             <m:r>
-                              <a:rPr lang="en-US" sz="1200" b="0" i="1" smtClean="0">
+                              <a:rPr lang="en-US" sz="1200" i="1">
                                 <a:latin typeface="Cambria Math" panose="02040503050406030204" pitchFamily="18" charset="0"/>
                               </a:rPr>
                               <m:t>𝑟𝑒𝑐𝑜𝑛</m:t>
@@ -12962,7 +19047,7 @@
                           </m:sub>
                           <m:sup>
                             <m:r>
-                              <a:rPr lang="en-US" sz="1200" b="0" i="1" smtClean="0">
+                              <a:rPr lang="en-US" sz="1200" i="1">
                                 <a:latin typeface="Cambria Math" panose="02040503050406030204" pitchFamily="18" charset="0"/>
                               </a:rPr>
                               <m:t>1</m:t>
@@ -12995,7 +19080,7 @@
               <p:spPr>
                 <a:xfrm>
                   <a:off x="6917261" y="5362867"/>
-                  <a:ext cx="625812" cy="276999"/>
+                  <a:ext cx="614575" cy="276999"/>
                 </a:xfrm>
                 <a:prstGeom prst="rect">
                   <a:avLst/>
@@ -13127,10 +19212,10 @@
         </p:nvGrpSpPr>
         <p:grpSpPr>
           <a:xfrm>
-            <a:off x="8321869" y="4861931"/>
-            <a:ext cx="1742028" cy="1481958"/>
+            <a:off x="8321871" y="4861931"/>
+            <a:ext cx="1742029" cy="1481958"/>
             <a:chOff x="8400045" y="4736529"/>
-            <a:chExt cx="1742028" cy="1481958"/>
+            <a:chExt cx="1742029" cy="1481958"/>
           </a:xfrm>
         </p:grpSpPr>
         <p:grpSp>
@@ -13199,7 +19284,12 @@
               </a:fontRef>
             </p:style>
             <p:txBody>
-              <a:bodyPr rtlCol="0" anchor="ctr"/>
+              <a:bodyPr rot="0" spcFirstLastPara="0" vertOverflow="overflow" horzOverflow="overflow" vert="horz" wrap="square" lIns="91440" tIns="45720" rIns="91440" bIns="45720" numCol="1" spcCol="0" rtlCol="0" fromWordArt="0" anchor="ctr" anchorCtr="0" forceAA="0" compatLnSpc="1">
+                <a:prstTxWarp prst="textNoShape">
+                  <a:avLst/>
+                </a:prstTxWarp>
+                <a:noAutofit/>
+              </a:bodyPr>
               <a:lstStyle/>
               <a:p>
                 <a:pPr algn="ctr"/>
@@ -13253,7 +19343,12 @@
               </a:fontRef>
             </p:style>
             <p:txBody>
-              <a:bodyPr rtlCol="0" anchor="ctr"/>
+              <a:bodyPr rot="0" spcFirstLastPara="0" vertOverflow="overflow" horzOverflow="overflow" vert="horz" wrap="square" lIns="91440" tIns="45720" rIns="91440" bIns="45720" numCol="1" spcCol="0" rtlCol="0" fromWordArt="0" anchor="ctr" anchorCtr="0" forceAA="0" compatLnSpc="1">
+                <a:prstTxWarp prst="textNoShape">
+                  <a:avLst/>
+                </a:prstTxWarp>
+                <a:noAutofit/>
+              </a:bodyPr>
               <a:lstStyle/>
               <a:p>
                 <a:pPr algn="ctr"/>
@@ -13307,7 +19402,12 @@
               </a:fontRef>
             </p:style>
             <p:txBody>
-              <a:bodyPr rtlCol="0" anchor="ctr"/>
+              <a:bodyPr rot="0" spcFirstLastPara="0" vertOverflow="overflow" horzOverflow="overflow" vert="horz" wrap="square" lIns="91440" tIns="45720" rIns="91440" bIns="45720" numCol="1" spcCol="0" rtlCol="0" fromWordArt="0" anchor="ctr" anchorCtr="0" forceAA="0" compatLnSpc="1">
+                <a:prstTxWarp prst="textNoShape">
+                  <a:avLst/>
+                </a:prstTxWarp>
+                <a:noAutofit/>
+              </a:bodyPr>
               <a:lstStyle/>
               <a:p>
                 <a:pPr algn="ctr"/>
@@ -13361,7 +19461,12 @@
               </a:fontRef>
             </p:style>
             <p:txBody>
-              <a:bodyPr rtlCol="0" anchor="ctr"/>
+              <a:bodyPr rot="0" spcFirstLastPara="0" vertOverflow="overflow" horzOverflow="overflow" vert="horz" wrap="square" lIns="91440" tIns="45720" rIns="91440" bIns="45720" numCol="1" spcCol="0" rtlCol="0" fromWordArt="0" anchor="ctr" anchorCtr="0" forceAA="0" compatLnSpc="1">
+                <a:prstTxWarp prst="textNoShape">
+                  <a:avLst/>
+                </a:prstTxWarp>
+                <a:noAutofit/>
+              </a:bodyPr>
               <a:lstStyle/>
               <a:p>
                 <a:pPr algn="ctr"/>
@@ -13437,7 +19542,12 @@
               </a:fontRef>
             </p:style>
             <p:txBody>
-              <a:bodyPr rtlCol="0" anchor="ctr"/>
+              <a:bodyPr rot="0" spcFirstLastPara="0" vertOverflow="overflow" horzOverflow="overflow" vert="horz" wrap="square" lIns="91440" tIns="45720" rIns="91440" bIns="45720" numCol="1" spcCol="0" rtlCol="0" fromWordArt="0" anchor="ctr" anchorCtr="0" forceAA="0" compatLnSpc="1">
+                <a:prstTxWarp prst="textNoShape">
+                  <a:avLst/>
+                </a:prstTxWarp>
+                <a:noAutofit/>
+              </a:bodyPr>
               <a:lstStyle/>
               <a:p>
                 <a:pPr algn="ctr"/>
@@ -13489,7 +19599,12 @@
               </a:fontRef>
             </p:style>
             <p:txBody>
-              <a:bodyPr rtlCol="0" anchor="ctr"/>
+              <a:bodyPr rot="0" spcFirstLastPara="0" vertOverflow="overflow" horzOverflow="overflow" vert="horz" wrap="square" lIns="91440" tIns="45720" rIns="91440" bIns="45720" numCol="1" spcCol="0" rtlCol="0" fromWordArt="0" anchor="ctr" anchorCtr="0" forceAA="0" compatLnSpc="1">
+                <a:prstTxWarp prst="textNoShape">
+                  <a:avLst/>
+                </a:prstTxWarp>
+                <a:noAutofit/>
+              </a:bodyPr>
               <a:lstStyle/>
               <a:p>
                 <a:pPr algn="ctr"/>
@@ -13541,7 +19656,12 @@
               </a:fontRef>
             </p:style>
             <p:txBody>
-              <a:bodyPr rtlCol="0" anchor="ctr"/>
+              <a:bodyPr rot="0" spcFirstLastPara="0" vertOverflow="overflow" horzOverflow="overflow" vert="horz" wrap="square" lIns="91440" tIns="45720" rIns="91440" bIns="45720" numCol="1" spcCol="0" rtlCol="0" fromWordArt="0" anchor="ctr" anchorCtr="0" forceAA="0" compatLnSpc="1">
+                <a:prstTxWarp prst="textNoShape">
+                  <a:avLst/>
+                </a:prstTxWarp>
+                <a:noAutofit/>
+              </a:bodyPr>
               <a:lstStyle/>
               <a:p>
                 <a:pPr algn="ctr"/>
@@ -13593,7 +19713,12 @@
               </a:fontRef>
             </p:style>
             <p:txBody>
-              <a:bodyPr rtlCol="0" anchor="ctr"/>
+              <a:bodyPr rot="0" spcFirstLastPara="0" vertOverflow="overflow" horzOverflow="overflow" vert="horz" wrap="square" lIns="91440" tIns="45720" rIns="91440" bIns="45720" numCol="1" spcCol="0" rtlCol="0" fromWordArt="0" anchor="ctr" anchorCtr="0" forceAA="0" compatLnSpc="1">
+                <a:prstTxWarp prst="textNoShape">
+                  <a:avLst/>
+                </a:prstTxWarp>
+                <a:noAutofit/>
+              </a:bodyPr>
               <a:lstStyle/>
               <a:p>
                 <a:pPr algn="ctr"/>
@@ -13799,7 +19924,7 @@
               <p:spPr>
                 <a:xfrm>
                   <a:off x="8623354" y="4815045"/>
-                  <a:ext cx="606448" cy="320537"/>
+                  <a:ext cx="595228" cy="320537"/>
                 </a:xfrm>
                 <a:prstGeom prst="rect">
                   <a:avLst/>
@@ -13821,14 +19946,14 @@
                         <m:sSubSup>
                           <m:sSubSupPr>
                             <m:ctrlPr>
-                              <a:rPr lang="en-US" sz="1200" i="1" smtClean="0">
+                              <a:rPr lang="en-US" sz="1200" i="1">
                                 <a:latin typeface="Cambria Math" panose="02040503050406030204" pitchFamily="18" charset="0"/>
                               </a:rPr>
                             </m:ctrlPr>
                           </m:sSubSupPr>
                           <m:e>
                             <m:r>
-                              <a:rPr lang="en-US" sz="1200" b="0" i="1" smtClean="0">
+                              <a:rPr lang="en-US" sz="1200" i="1">
                                 <a:latin typeface="Cambria Math" panose="02040503050406030204" pitchFamily="18" charset="0"/>
                               </a:rPr>
                               <m:t>𝐿</m:t>
@@ -13836,7 +19961,7 @@
                           </m:e>
                           <m:sub>
                             <m:r>
-                              <a:rPr lang="en-US" sz="1200" b="0" i="1" smtClean="0">
+                              <a:rPr lang="en-US" sz="1200" i="1">
                                 <a:latin typeface="Cambria Math" panose="02040503050406030204" pitchFamily="18" charset="0"/>
                               </a:rPr>
                               <m:t>𝑐𝑦𝑐𝑙𝑒</m:t>
@@ -13846,14 +19971,14 @@
                             <m:sSub>
                               <m:sSubPr>
                                 <m:ctrlPr>
-                                  <a:rPr lang="en-US" sz="1200" i="1" smtClean="0">
+                                  <a:rPr lang="en-US" sz="1200" i="1">
                                     <a:latin typeface="Cambria Math" panose="02040503050406030204" pitchFamily="18" charset="0"/>
                                   </a:rPr>
                                 </m:ctrlPr>
                               </m:sSubPr>
                               <m:e>
                                 <m:r>
-                                  <a:rPr lang="en-US" sz="1200" b="0" i="1" smtClean="0">
+                                  <a:rPr lang="en-US" sz="1200" i="1">
                                     <a:latin typeface="Cambria Math" panose="02040503050406030204" pitchFamily="18" charset="0"/>
                                   </a:rPr>
                                   <m:t>𝑠</m:t>
@@ -13861,7 +19986,7 @@
                               </m:e>
                               <m:sub>
                                 <m:r>
-                                  <a:rPr lang="en-US" sz="1200" b="0" i="1" smtClean="0">
+                                  <a:rPr lang="en-US" sz="1200" i="1">
                                     <a:latin typeface="Cambria Math" panose="02040503050406030204" pitchFamily="18" charset="0"/>
                                   </a:rPr>
                                   <m:t>1</m:t>
@@ -13896,7 +20021,7 @@
               <p:spPr>
                 <a:xfrm>
                   <a:off x="8623354" y="4815045"/>
-                  <a:ext cx="606448" cy="320537"/>
+                  <a:ext cx="595228" cy="320537"/>
                 </a:xfrm>
                 <a:prstGeom prst="rect">
                   <a:avLst/>
@@ -13940,7 +20065,7 @@
               <p:spPr>
                 <a:xfrm>
                   <a:off x="9546846" y="4815045"/>
-                  <a:ext cx="595227" cy="320537"/>
+                  <a:ext cx="595228" cy="320537"/>
                 </a:xfrm>
                 <a:prstGeom prst="rect">
                   <a:avLst/>
@@ -13962,14 +20087,14 @@
                         <m:sSubSup>
                           <m:sSubSupPr>
                             <m:ctrlPr>
-                              <a:rPr lang="en-US" sz="1200" i="1" smtClean="0">
+                              <a:rPr lang="en-US" sz="1200" i="1">
                                 <a:latin typeface="Cambria Math" panose="02040503050406030204" pitchFamily="18" charset="0"/>
                               </a:rPr>
                             </m:ctrlPr>
                           </m:sSubSupPr>
                           <m:e>
                             <m:r>
-                              <a:rPr lang="en-US" sz="1200" b="0" i="1" smtClean="0">
+                              <a:rPr lang="en-US" sz="1200" i="1">
                                 <a:latin typeface="Cambria Math" panose="02040503050406030204" pitchFamily="18" charset="0"/>
                               </a:rPr>
                               <m:t>𝐿</m:t>
@@ -13977,7 +20102,7 @@
                           </m:e>
                           <m:sub>
                             <m:r>
-                              <a:rPr lang="en-US" sz="1200" b="0" i="1" smtClean="0">
+                              <a:rPr lang="en-US" sz="1200" i="1">
                                 <a:latin typeface="Cambria Math" panose="02040503050406030204" pitchFamily="18" charset="0"/>
                               </a:rPr>
                               <m:t>𝑐𝑦𝑐𝑙𝑒</m:t>
@@ -13987,14 +20112,14 @@
                             <m:sSub>
                               <m:sSubPr>
                                 <m:ctrlPr>
-                                  <a:rPr lang="en-US" sz="1200" i="1" smtClean="0">
+                                  <a:rPr lang="en-US" sz="1200" i="1">
                                     <a:latin typeface="Cambria Math" panose="02040503050406030204" pitchFamily="18" charset="0"/>
                                   </a:rPr>
                                 </m:ctrlPr>
                               </m:sSubPr>
                               <m:e>
                                 <m:r>
-                                  <a:rPr lang="en-US" sz="1200" b="0" i="1" smtClean="0">
+                                  <a:rPr lang="en-US" sz="1200" i="1">
                                     <a:latin typeface="Cambria Math" panose="02040503050406030204" pitchFamily="18" charset="0"/>
                                   </a:rPr>
                                   <m:t>𝑐</m:t>
@@ -14002,7 +20127,7 @@
                               </m:e>
                               <m:sub>
                                 <m:r>
-                                  <a:rPr lang="en-US" sz="1200" b="0" i="1" smtClean="0">
+                                  <a:rPr lang="en-US" sz="1200" i="1">
                                     <a:latin typeface="Cambria Math" panose="02040503050406030204" pitchFamily="18" charset="0"/>
                                   </a:rPr>
                                   <m:t>1</m:t>
@@ -14037,7 +20162,7 @@
               <p:spPr>
                 <a:xfrm>
                   <a:off x="9546846" y="4815045"/>
-                  <a:ext cx="595227" cy="320537"/>
+                  <a:ext cx="595228" cy="320537"/>
                 </a:xfrm>
                 <a:prstGeom prst="rect">
                   <a:avLst/>
@@ -14081,7 +20206,7 @@
               <p:spPr>
                 <a:xfrm>
                   <a:off x="8599487" y="5570735"/>
-                  <a:ext cx="595228" cy="331501"/>
+                  <a:ext cx="595228" cy="320537"/>
                 </a:xfrm>
                 <a:prstGeom prst="rect">
                   <a:avLst/>
@@ -14103,14 +20228,14 @@
                         <m:sSubSup>
                           <m:sSubSupPr>
                             <m:ctrlPr>
-                              <a:rPr lang="en-US" sz="1200" i="1" smtClean="0">
+                              <a:rPr lang="en-US" sz="1200" i="1">
                                 <a:latin typeface="Cambria Math" panose="02040503050406030204" pitchFamily="18" charset="0"/>
                               </a:rPr>
                             </m:ctrlPr>
                           </m:sSubSupPr>
                           <m:e>
                             <m:r>
-                              <a:rPr lang="en-US" sz="1200" b="0" i="1" smtClean="0">
+                              <a:rPr lang="en-US" sz="1200" i="1">
                                 <a:latin typeface="Cambria Math" panose="02040503050406030204" pitchFamily="18" charset="0"/>
                               </a:rPr>
                               <m:t>𝐿</m:t>
@@ -14118,7 +20243,7 @@
                           </m:e>
                           <m:sub>
                             <m:r>
-                              <a:rPr lang="en-US" sz="1200" b="0" i="1" smtClean="0">
+                              <a:rPr lang="en-US" sz="1200" i="1">
                                 <a:latin typeface="Cambria Math" panose="02040503050406030204" pitchFamily="18" charset="0"/>
                               </a:rPr>
                               <m:t>𝑐𝑦𝑐𝑙𝑒</m:t>
@@ -14128,14 +20253,14 @@
                             <m:sSub>
                               <m:sSubPr>
                                 <m:ctrlPr>
-                                  <a:rPr lang="en-US" sz="1200" i="1" smtClean="0">
+                                  <a:rPr lang="en-US" sz="1200" i="1">
                                     <a:latin typeface="Cambria Math" panose="02040503050406030204" pitchFamily="18" charset="0"/>
                                   </a:rPr>
                                 </m:ctrlPr>
                               </m:sSubPr>
                               <m:e>
                                 <m:r>
-                                  <a:rPr lang="en-US" sz="1200" b="0" i="1" smtClean="0">
+                                  <a:rPr lang="en-US" sz="1200" i="1">
                                     <a:latin typeface="Cambria Math" panose="02040503050406030204" pitchFamily="18" charset="0"/>
                                   </a:rPr>
                                   <m:t>𝑠</m:t>
@@ -14143,7 +20268,7 @@
                               </m:e>
                               <m:sub>
                                 <m:r>
-                                  <a:rPr lang="en-US" sz="1200" b="0" i="1" smtClean="0">
+                                  <a:rPr lang="en-US" sz="1200" i="1">
                                     <a:latin typeface="Cambria Math" panose="02040503050406030204" pitchFamily="18" charset="0"/>
                                   </a:rPr>
                                   <m:t>2</m:t>
@@ -14178,7 +20303,7 @@
               <p:spPr>
                 <a:xfrm>
                   <a:off x="8599487" y="5570735"/>
-                  <a:ext cx="595228" cy="331501"/>
+                  <a:ext cx="595228" cy="320537"/>
                 </a:xfrm>
                 <a:prstGeom prst="rect">
                   <a:avLst/>
@@ -14186,7 +20311,7 @@
                 <a:blipFill>
                   <a:blip r:embed="rId43"/>
                   <a:stretch>
-                    <a:fillRect/>
+                    <a:fillRect b="-1887"/>
                   </a:stretch>
                 </a:blipFill>
               </p:spPr>
@@ -14222,7 +20347,7 @@
               <p:spPr>
                 <a:xfrm>
                   <a:off x="9546846" y="5560683"/>
-                  <a:ext cx="595227" cy="331501"/>
+                  <a:ext cx="595228" cy="320537"/>
                 </a:xfrm>
                 <a:prstGeom prst="rect">
                   <a:avLst/>
@@ -14244,14 +20369,14 @@
                         <m:sSubSup>
                           <m:sSubSupPr>
                             <m:ctrlPr>
-                              <a:rPr lang="en-US" sz="1200" i="1" smtClean="0">
+                              <a:rPr lang="en-US" sz="1200" i="1">
                                 <a:latin typeface="Cambria Math" panose="02040503050406030204" pitchFamily="18" charset="0"/>
                               </a:rPr>
                             </m:ctrlPr>
                           </m:sSubSupPr>
                           <m:e>
                             <m:r>
-                              <a:rPr lang="en-US" sz="1200" b="0" i="1" smtClean="0">
+                              <a:rPr lang="en-US" sz="1200" i="1">
                                 <a:latin typeface="Cambria Math" panose="02040503050406030204" pitchFamily="18" charset="0"/>
                               </a:rPr>
                               <m:t>𝐿</m:t>
@@ -14259,7 +20384,7 @@
                           </m:e>
                           <m:sub>
                             <m:r>
-                              <a:rPr lang="en-US" sz="1200" b="0" i="1" smtClean="0">
+                              <a:rPr lang="en-US" sz="1200" i="1">
                                 <a:latin typeface="Cambria Math" panose="02040503050406030204" pitchFamily="18" charset="0"/>
                               </a:rPr>
                               <m:t>𝑐𝑦𝑐𝑙𝑒</m:t>
@@ -14269,14 +20394,14 @@
                             <m:sSub>
                               <m:sSubPr>
                                 <m:ctrlPr>
-                                  <a:rPr lang="en-US" sz="1200" i="1" smtClean="0">
+                                  <a:rPr lang="en-US" sz="1200" i="1">
                                     <a:latin typeface="Cambria Math" panose="02040503050406030204" pitchFamily="18" charset="0"/>
                                   </a:rPr>
                                 </m:ctrlPr>
                               </m:sSubPr>
                               <m:e>
                                 <m:r>
-                                  <a:rPr lang="en-US" sz="1200" b="0" i="1" smtClean="0">
+                                  <a:rPr lang="en-US" sz="1200" i="1">
                                     <a:latin typeface="Cambria Math" panose="02040503050406030204" pitchFamily="18" charset="0"/>
                                   </a:rPr>
                                   <m:t>𝑐</m:t>
@@ -14284,7 +20409,7 @@
                               </m:e>
                               <m:sub>
                                 <m:r>
-                                  <a:rPr lang="en-US" sz="1200" b="0" i="1" smtClean="0">
+                                  <a:rPr lang="en-US" sz="1200" i="1">
                                     <a:latin typeface="Cambria Math" panose="02040503050406030204" pitchFamily="18" charset="0"/>
                                   </a:rPr>
                                   <m:t>2</m:t>
@@ -14319,7 +20444,7 @@
               <p:spPr>
                 <a:xfrm>
                   <a:off x="9546846" y="5560683"/>
-                  <a:ext cx="595227" cy="331501"/>
+                  <a:ext cx="595228" cy="320537"/>
                 </a:xfrm>
                 <a:prstGeom prst="rect">
                   <a:avLst/>
@@ -14327,7 +20452,7 @@
                 <a:blipFill>
                   <a:blip r:embed="rId44"/>
                   <a:stretch>
-                    <a:fillRect/>
+                    <a:fillRect b="-3846"/>
                   </a:stretch>
                 </a:blipFill>
               </p:spPr>
@@ -14519,7 +20644,7 @@
         </p:blipFill>
         <p:spPr>
           <a:xfrm>
-            <a:off x="525467" y="2547937"/>
+            <a:off x="525467" y="2547938"/>
             <a:ext cx="1581150" cy="1762125"/>
           </a:xfrm>
           <a:prstGeom prst="rect">
@@ -14549,7 +20674,7 @@
         </p:blipFill>
         <p:spPr>
           <a:xfrm>
-            <a:off x="333181" y="4532921"/>
+            <a:off x="333181" y="4532922"/>
             <a:ext cx="2400300" cy="2124075"/>
           </a:xfrm>
           <a:prstGeom prst="rect">
@@ -14579,7 +20704,7 @@
         </p:blipFill>
         <p:spPr>
           <a:xfrm>
-            <a:off x="3424275" y="4513871"/>
+            <a:off x="3424276" y="4513872"/>
             <a:ext cx="2409825" cy="2143125"/>
           </a:xfrm>
           <a:prstGeom prst="rect">
@@ -14669,7 +20794,7 @@
         </p:blipFill>
         <p:spPr>
           <a:xfrm>
-            <a:off x="5086556" y="2447729"/>
+            <a:off x="5086557" y="2447730"/>
             <a:ext cx="2428875" cy="2238375"/>
           </a:xfrm>
           <a:prstGeom prst="rect">
@@ -14699,7 +20824,7 @@
         </p:blipFill>
         <p:spPr>
           <a:xfrm>
-            <a:off x="2612488" y="2389595"/>
+            <a:off x="2612488" y="2389596"/>
             <a:ext cx="2400300" cy="2295525"/>
           </a:xfrm>
           <a:prstGeom prst="rect">
@@ -14759,7 +20884,7 @@
         </p:blipFill>
         <p:spPr>
           <a:xfrm>
-            <a:off x="9896475" y="2465794"/>
+            <a:off x="9896476" y="2465795"/>
             <a:ext cx="2295525" cy="2143125"/>
           </a:xfrm>
           <a:prstGeom prst="rect">
@@ -14789,7 +20914,7 @@
         </p:blipFill>
         <p:spPr>
           <a:xfrm>
-            <a:off x="5143464" y="2463737"/>
+            <a:off x="5143465" y="2463738"/>
             <a:ext cx="2428875" cy="2238375"/>
           </a:xfrm>
           <a:prstGeom prst="rect">
@@ -14819,7 +20944,7 @@
         </p:blipFill>
         <p:spPr>
           <a:xfrm>
-            <a:off x="2669396" y="2405603"/>
+            <a:off x="2669396" y="2405604"/>
             <a:ext cx="2400300" cy="2295525"/>
           </a:xfrm>
           <a:prstGeom prst="rect">
@@ -14969,7 +21094,7 @@
         </p:blipFill>
         <p:spPr>
           <a:xfrm>
-            <a:off x="7170709" y="3338512"/>
+            <a:off x="7170709" y="3338513"/>
             <a:ext cx="2209800" cy="2257425"/>
           </a:xfrm>
           <a:prstGeom prst="rect">
@@ -14999,7 +21124,7 @@
         </p:blipFill>
         <p:spPr>
           <a:xfrm>
-            <a:off x="10300506" y="2688382"/>
+            <a:off x="10300507" y="2688382"/>
             <a:ext cx="1038225" cy="1085850"/>
           </a:xfrm>
           <a:prstGeom prst="rect">
@@ -15059,7 +21184,7 @@
         </p:blipFill>
         <p:spPr>
           <a:xfrm>
-            <a:off x="9823724" y="4389274"/>
+            <a:off x="9823725" y="4389274"/>
             <a:ext cx="1781175" cy="1524000"/>
           </a:xfrm>
           <a:prstGeom prst="rect">
@@ -15149,7 +21274,7 @@
         </p:blipFill>
         <p:spPr>
           <a:xfrm>
-            <a:off x="4940925" y="5151274"/>
+            <a:off x="4940926" y="5151274"/>
             <a:ext cx="1657350" cy="1562100"/>
           </a:xfrm>
           <a:prstGeom prst="rect">
@@ -15179,7 +21304,7 @@
         </p:blipFill>
         <p:spPr>
           <a:xfrm>
-            <a:off x="5189042" y="1998306"/>
+            <a:off x="5189042" y="1998307"/>
             <a:ext cx="1695450" cy="1495425"/>
           </a:xfrm>
           <a:prstGeom prst="rect">
@@ -15239,7 +21364,7 @@
         </p:blipFill>
         <p:spPr>
           <a:xfrm>
-            <a:off x="2211866" y="3409579"/>
+            <a:off x="2211867" y="3409580"/>
             <a:ext cx="459799" cy="429146"/>
           </a:xfrm>
           <a:prstGeom prst="rect">
@@ -15269,7 +21394,7 @@
         </p:blipFill>
         <p:spPr>
           <a:xfrm>
-            <a:off x="4151750" y="4255877"/>
+            <a:off x="4151750" y="4255878"/>
             <a:ext cx="2615745" cy="411093"/>
           </a:xfrm>
           <a:prstGeom prst="rect">
@@ -15299,7 +21424,7 @@
         </p:blipFill>
         <p:spPr>
           <a:xfrm>
-            <a:off x="4338736" y="3088742"/>
+            <a:off x="4338737" y="3088742"/>
             <a:ext cx="2241775" cy="535410"/>
           </a:xfrm>
           <a:prstGeom prst="rect">
@@ -15351,7 +21476,7 @@
         </p:nvGrpSpPr>
         <p:grpSpPr>
           <a:xfrm>
-            <a:off x="4086421" y="111926"/>
+            <a:off x="4086422" y="111927"/>
             <a:ext cx="7769737" cy="6656279"/>
             <a:chOff x="4086421" y="111926"/>
             <a:chExt cx="7769737" cy="6656279"/>
@@ -17157,21 +23282,21 @@
                   <a14:m>
                     <m:oMath xmlns:m="http://schemas.openxmlformats.org/officeDocument/2006/math">
                       <m:r>
-                        <a:rPr lang="en-US" b="0" i="1" smtClean="0">
+                        <a:rPr lang="en-US" i="1">
                           <a:latin typeface="Cambria Math" panose="02040503050406030204" pitchFamily="18" charset="0"/>
                           <a:ea typeface="Cambria Math" panose="02040503050406030204" pitchFamily="18" charset="0"/>
                         </a:rPr>
                         <m:t>𝜇</m:t>
                       </m:r>
                       <m:r>
-                        <a:rPr lang="en-US" b="0" i="1" smtClean="0">
+                        <a:rPr lang="en-US" i="1">
                           <a:latin typeface="Cambria Math" panose="02040503050406030204" pitchFamily="18" charset="0"/>
                           <a:ea typeface="Cambria Math" panose="02040503050406030204" pitchFamily="18" charset="0"/>
                         </a:rPr>
                         <m:t>, </m:t>
                       </m:r>
                       <m:r>
-                        <a:rPr lang="en-US" b="0" i="1" smtClean="0">
+                        <a:rPr lang="en-US" i="1">
                           <a:latin typeface="Cambria Math" panose="02040503050406030204" pitchFamily="18" charset="0"/>
                           <a:ea typeface="Cambria Math" panose="02040503050406030204" pitchFamily="18" charset="0"/>
                         </a:rPr>
@@ -17260,8 +23385,8 @@
               </p:nvSpPr>
               <p:spPr>
                 <a:xfrm>
-                  <a:off x="8408979" y="3154697"/>
-                  <a:ext cx="2074927" cy="707886"/>
+                  <a:off x="8426677" y="3154697"/>
+                  <a:ext cx="2039534" cy="707886"/>
                 </a:xfrm>
                 <a:prstGeom prst="rect">
                   <a:avLst/>
@@ -17287,21 +23412,21 @@
                   <a14:m>
                     <m:oMath xmlns:m="http://schemas.openxmlformats.org/officeDocument/2006/math">
                       <m:r>
-                        <a:rPr lang="en-US" sz="2000" b="0" i="1">
+                        <a:rPr lang="en-US" sz="2000" i="1">
                           <a:latin typeface="Cambria Math" panose="02040503050406030204" pitchFamily="18" charset="0"/>
                           <a:ea typeface="Cambria Math" panose="02040503050406030204" pitchFamily="18" charset="0"/>
                         </a:rPr>
                         <m:t>𝜇</m:t>
                       </m:r>
                       <m:r>
-                        <a:rPr lang="en-US" sz="2000" b="0" i="1">
+                        <a:rPr lang="en-US" sz="2000" i="1">
                           <a:latin typeface="Cambria Math" panose="02040503050406030204" pitchFamily="18" charset="0"/>
                           <a:ea typeface="Cambria Math" panose="02040503050406030204" pitchFamily="18" charset="0"/>
                         </a:rPr>
                         <m:t>, </m:t>
                       </m:r>
                       <m:r>
-                        <a:rPr lang="en-US" sz="2000" b="0" i="1">
+                        <a:rPr lang="en-US" sz="2000" i="1">
                           <a:latin typeface="Cambria Math" panose="02040503050406030204" pitchFamily="18" charset="0"/>
                           <a:ea typeface="Cambria Math" panose="02040503050406030204" pitchFamily="18" charset="0"/>
                         </a:rPr>
@@ -17341,8 +23466,8 @@
               </p:nvSpPr>
               <p:spPr>
                 <a:xfrm>
-                  <a:off x="8408979" y="3154697"/>
-                  <a:ext cx="2074927" cy="707886"/>
+                  <a:off x="8426677" y="3154697"/>
+                  <a:ext cx="2039534" cy="707886"/>
                 </a:xfrm>
                 <a:prstGeom prst="rect">
                   <a:avLst/>
@@ -17350,7 +23475,7 @@
                 <a:blipFill>
                   <a:blip r:embed="rId11"/>
                   <a:stretch>
-                    <a:fillRect l="-1153" t="-2459" r="-865" b="-11475"/>
+                    <a:fillRect l="-2053" t="-2459" r="-1760" b="-11475"/>
                   </a:stretch>
                 </a:blipFill>
                 <a:ln w="38100">
@@ -17390,8 +23515,8 @@
           </p:nvCxnSpPr>
           <p:spPr>
             <a:xfrm flipH="1">
-              <a:off x="7825968" y="3508640"/>
-              <a:ext cx="583011" cy="0"/>
+              <a:off x="7825970" y="3508640"/>
+              <a:ext cx="600707" cy="1"/>
             </a:xfrm>
             <a:prstGeom prst="straightConnector1">
               <a:avLst/>
@@ -17432,8 +23557,8 @@
           </p:nvCxnSpPr>
           <p:spPr>
             <a:xfrm flipH="1">
-              <a:off x="5079147" y="3500990"/>
-              <a:ext cx="243306" cy="10165"/>
+              <a:off x="5079148" y="3500990"/>
+              <a:ext cx="243305" cy="10165"/>
             </a:xfrm>
             <a:prstGeom prst="straightConnector1">
               <a:avLst/>

--- a/figures.pptx
+++ b/figures.pptx
@@ -17,6 +17,9 @@
     <p:sldId id="267" r:id="rId11"/>
     <p:sldId id="265" r:id="rId12"/>
     <p:sldId id="266" r:id="rId13"/>
+    <p:sldId id="268" r:id="rId14"/>
+    <p:sldId id="270" r:id="rId15"/>
+    <p:sldId id="269" r:id="rId16"/>
   </p:sldIdLst>
   <p:sldSz cx="12192000" cy="6858000"/>
   <p:notesSz cx="6858000" cy="9144000"/>
@@ -132,6 +135,9 @@
             <p14:sldId id="267"/>
             <p14:sldId id="265"/>
             <p14:sldId id="266"/>
+            <p14:sldId id="268"/>
+            <p14:sldId id="270"/>
+            <p14:sldId id="269"/>
           </p14:sldIdLst>
         </p14:section>
       </p14:sectionLst>
@@ -141,6 +147,2134 @@
     </p:ext>
   </p:extLst>
 </p:presentation>
+</file>
+
+<file path=ppt/charts/chart1.xml><?xml version="1.0" encoding="utf-8"?>
+<c:chartSpace xmlns:c="http://schemas.openxmlformats.org/drawingml/2006/chart" xmlns:a="http://schemas.openxmlformats.org/drawingml/2006/main" xmlns:r="http://schemas.openxmlformats.org/officeDocument/2006/relationships" xmlns:c16r2="http://schemas.microsoft.com/office/drawing/2015/06/chart">
+  <c:date1904 val="0"/>
+  <c:lang val="en-US"/>
+  <c:roundedCorners val="0"/>
+  <mc:AlternateContent xmlns:mc="http://schemas.openxmlformats.org/markup-compatibility/2006">
+    <mc:Choice xmlns:c14="http://schemas.microsoft.com/office/drawing/2007/8/2/chart" Requires="c14">
+      <c14:style val="102"/>
+    </mc:Choice>
+    <mc:Fallback>
+      <c:style val="2"/>
+    </mc:Fallback>
+  </mc:AlternateContent>
+  <c:chart>
+    <c:autoTitleDeleted val="1"/>
+    <c:plotArea>
+      <c:layout/>
+      <c:barChart>
+        <c:barDir val="col"/>
+        <c:grouping val="clustered"/>
+        <c:varyColors val="0"/>
+        <c:ser>
+          <c:idx val="0"/>
+          <c:order val="0"/>
+          <c:tx>
+            <c:strRef>
+              <c:f>[resultsSummary.xlsx]mturk_noise!$B$25</c:f>
+              <c:strCache>
+                <c:ptCount val="1"/>
+                <c:pt idx="0">
+                  <c:v>voice quality (original)</c:v>
+                </c:pt>
+              </c:strCache>
+            </c:strRef>
+          </c:tx>
+          <c:spPr>
+            <a:solidFill>
+              <a:schemeClr val="accent1"/>
+            </a:solidFill>
+            <a:ln>
+              <a:noFill/>
+            </a:ln>
+            <a:effectLst/>
+          </c:spPr>
+          <c:invertIfNegative val="0"/>
+          <c:cat>
+            <c:strRef>
+              <c:f>[resultsSummary.xlsx]mturk_noise!$C$24:$F$24</c:f>
+              <c:strCache>
+                <c:ptCount val="4"/>
+                <c:pt idx="0">
+                  <c:v>angry</c:v>
+                </c:pt>
+                <c:pt idx="1">
+                  <c:v>happy</c:v>
+                </c:pt>
+                <c:pt idx="2">
+                  <c:v>neutral</c:v>
+                </c:pt>
+                <c:pt idx="3">
+                  <c:v>sad</c:v>
+                </c:pt>
+              </c:strCache>
+            </c:strRef>
+          </c:cat>
+          <c:val>
+            <c:numRef>
+              <c:f>[resultsSummary.xlsx]mturk_noise!$C$25:$F$25</c:f>
+              <c:numCache>
+                <c:formatCode>General</c:formatCode>
+                <c:ptCount val="4"/>
+                <c:pt idx="0">
+                  <c:v>4.3</c:v>
+                </c:pt>
+                <c:pt idx="1">
+                  <c:v>4.3</c:v>
+                </c:pt>
+                <c:pt idx="2">
+                  <c:v>4.0999999999999996</c:v>
+                </c:pt>
+                <c:pt idx="3">
+                  <c:v>3.9</c:v>
+                </c:pt>
+              </c:numCache>
+            </c:numRef>
+          </c:val>
+          <c:extLst>
+            <c:ext xmlns:c16="http://schemas.microsoft.com/office/drawing/2014/chart" uri="{C3380CC4-5D6E-409C-BE32-E72D297353CC}">
+              <c16:uniqueId val="{00000000-2286-4830-A102-EBE49E59958C}"/>
+            </c:ext>
+          </c:extLst>
+        </c:ser>
+        <c:ser>
+          <c:idx val="1"/>
+          <c:order val="1"/>
+          <c:tx>
+            <c:strRef>
+              <c:f>[resultsSummary.xlsx]mturk_noise!$B$26</c:f>
+              <c:strCache>
+                <c:ptCount val="1"/>
+                <c:pt idx="0">
+                  <c:v>voice quality (converted)</c:v>
+                </c:pt>
+              </c:strCache>
+            </c:strRef>
+          </c:tx>
+          <c:spPr>
+            <a:solidFill>
+              <a:schemeClr val="accent2"/>
+            </a:solidFill>
+            <a:ln>
+              <a:noFill/>
+            </a:ln>
+            <a:effectLst/>
+          </c:spPr>
+          <c:invertIfNegative val="0"/>
+          <c:cat>
+            <c:strRef>
+              <c:f>[resultsSummary.xlsx]mturk_noise!$C$24:$F$24</c:f>
+              <c:strCache>
+                <c:ptCount val="4"/>
+                <c:pt idx="0">
+                  <c:v>angry</c:v>
+                </c:pt>
+                <c:pt idx="1">
+                  <c:v>happy</c:v>
+                </c:pt>
+                <c:pt idx="2">
+                  <c:v>neutral</c:v>
+                </c:pt>
+                <c:pt idx="3">
+                  <c:v>sad</c:v>
+                </c:pt>
+              </c:strCache>
+            </c:strRef>
+          </c:cat>
+          <c:val>
+            <c:numRef>
+              <c:f>[resultsSummary.xlsx]mturk_noise!$C$26:$F$26</c:f>
+              <c:numCache>
+                <c:formatCode>General</c:formatCode>
+                <c:ptCount val="4"/>
+                <c:pt idx="0">
+                  <c:v>3.4</c:v>
+                </c:pt>
+                <c:pt idx="1">
+                  <c:v>3</c:v>
+                </c:pt>
+                <c:pt idx="2">
+                  <c:v>3.2</c:v>
+                </c:pt>
+                <c:pt idx="3">
+                  <c:v>2.8</c:v>
+                </c:pt>
+              </c:numCache>
+            </c:numRef>
+          </c:val>
+          <c:extLst>
+            <c:ext xmlns:c16="http://schemas.microsoft.com/office/drawing/2014/chart" uri="{C3380CC4-5D6E-409C-BE32-E72D297353CC}">
+              <c16:uniqueId val="{00000001-2286-4830-A102-EBE49E59958C}"/>
+            </c:ext>
+          </c:extLst>
+        </c:ser>
+        <c:ser>
+          <c:idx val="2"/>
+          <c:order val="2"/>
+          <c:tx>
+            <c:strRef>
+              <c:f>[resultsSummary.xlsx]mturk_noise!$B$27</c:f>
+              <c:strCache>
+                <c:ptCount val="1"/>
+                <c:pt idx="0">
+                  <c:v>speaker similarity</c:v>
+                </c:pt>
+              </c:strCache>
+            </c:strRef>
+          </c:tx>
+          <c:spPr>
+            <a:solidFill>
+              <a:schemeClr val="accent3"/>
+            </a:solidFill>
+            <a:ln>
+              <a:noFill/>
+            </a:ln>
+            <a:effectLst/>
+          </c:spPr>
+          <c:invertIfNegative val="0"/>
+          <c:cat>
+            <c:strRef>
+              <c:f>[resultsSummary.xlsx]mturk_noise!$C$24:$F$24</c:f>
+              <c:strCache>
+                <c:ptCount val="4"/>
+                <c:pt idx="0">
+                  <c:v>angry</c:v>
+                </c:pt>
+                <c:pt idx="1">
+                  <c:v>happy</c:v>
+                </c:pt>
+                <c:pt idx="2">
+                  <c:v>neutral</c:v>
+                </c:pt>
+                <c:pt idx="3">
+                  <c:v>sad</c:v>
+                </c:pt>
+              </c:strCache>
+            </c:strRef>
+          </c:cat>
+          <c:val>
+            <c:numRef>
+              <c:f>[resultsSummary.xlsx]mturk_noise!$C$27:$F$27</c:f>
+              <c:numCache>
+                <c:formatCode>General</c:formatCode>
+                <c:ptCount val="4"/>
+                <c:pt idx="0">
+                  <c:v>3.57</c:v>
+                </c:pt>
+                <c:pt idx="1">
+                  <c:v>3.69</c:v>
+                </c:pt>
+                <c:pt idx="2">
+                  <c:v>3.54</c:v>
+                </c:pt>
+                <c:pt idx="3">
+                  <c:v>3.38</c:v>
+                </c:pt>
+              </c:numCache>
+            </c:numRef>
+          </c:val>
+          <c:extLst>
+            <c:ext xmlns:c16="http://schemas.microsoft.com/office/drawing/2014/chart" uri="{C3380CC4-5D6E-409C-BE32-E72D297353CC}">
+              <c16:uniqueId val="{00000002-2286-4830-A102-EBE49E59958C}"/>
+            </c:ext>
+          </c:extLst>
+        </c:ser>
+        <c:dLbls>
+          <c:showLegendKey val="0"/>
+          <c:showVal val="0"/>
+          <c:showCatName val="0"/>
+          <c:showSerName val="0"/>
+          <c:showPercent val="0"/>
+          <c:showBubbleSize val="0"/>
+        </c:dLbls>
+        <c:gapWidth val="219"/>
+        <c:overlap val="-27"/>
+        <c:axId val="462941376"/>
+        <c:axId val="462941704"/>
+      </c:barChart>
+      <c:catAx>
+        <c:axId val="462941376"/>
+        <c:scaling>
+          <c:orientation val="minMax"/>
+        </c:scaling>
+        <c:delete val="0"/>
+        <c:axPos val="b"/>
+        <c:numFmt formatCode="General" sourceLinked="1"/>
+        <c:majorTickMark val="none"/>
+        <c:minorTickMark val="none"/>
+        <c:tickLblPos val="nextTo"/>
+        <c:spPr>
+          <a:noFill/>
+          <a:ln w="9525" cap="flat" cmpd="sng" algn="ctr">
+            <a:solidFill>
+              <a:schemeClr val="tx1">
+                <a:lumMod val="15000"/>
+                <a:lumOff val="85000"/>
+              </a:schemeClr>
+            </a:solidFill>
+            <a:round/>
+          </a:ln>
+          <a:effectLst/>
+        </c:spPr>
+        <c:txPr>
+          <a:bodyPr rot="-60000000" spcFirstLastPara="1" vertOverflow="ellipsis" vert="horz" wrap="square" anchor="ctr" anchorCtr="1"/>
+          <a:lstStyle/>
+          <a:p>
+            <a:pPr>
+              <a:defRPr sz="900" b="0" i="0" u="none" strike="noStrike" kern="1200" baseline="0">
+                <a:solidFill>
+                  <a:schemeClr val="tx1">
+                    <a:lumMod val="65000"/>
+                    <a:lumOff val="35000"/>
+                  </a:schemeClr>
+                </a:solidFill>
+                <a:latin typeface="+mn-lt"/>
+                <a:ea typeface="+mn-ea"/>
+                <a:cs typeface="+mn-cs"/>
+              </a:defRPr>
+            </a:pPr>
+            <a:endParaRPr lang="en-US"/>
+          </a:p>
+        </c:txPr>
+        <c:crossAx val="462941704"/>
+        <c:crosses val="autoZero"/>
+        <c:auto val="1"/>
+        <c:lblAlgn val="ctr"/>
+        <c:lblOffset val="100"/>
+        <c:noMultiLvlLbl val="0"/>
+      </c:catAx>
+      <c:valAx>
+        <c:axId val="462941704"/>
+        <c:scaling>
+          <c:orientation val="minMax"/>
+        </c:scaling>
+        <c:delete val="0"/>
+        <c:axPos val="l"/>
+        <c:majorGridlines>
+          <c:spPr>
+            <a:ln w="9525" cap="flat" cmpd="sng" algn="ctr">
+              <a:solidFill>
+                <a:schemeClr val="tx1">
+                  <a:lumMod val="15000"/>
+                  <a:lumOff val="85000"/>
+                </a:schemeClr>
+              </a:solidFill>
+              <a:round/>
+            </a:ln>
+            <a:effectLst/>
+          </c:spPr>
+        </c:majorGridlines>
+        <c:numFmt formatCode="General" sourceLinked="1"/>
+        <c:majorTickMark val="none"/>
+        <c:minorTickMark val="none"/>
+        <c:tickLblPos val="nextTo"/>
+        <c:spPr>
+          <a:noFill/>
+          <a:ln>
+            <a:noFill/>
+          </a:ln>
+          <a:effectLst/>
+        </c:spPr>
+        <c:txPr>
+          <a:bodyPr rot="-60000000" spcFirstLastPara="1" vertOverflow="ellipsis" vert="horz" wrap="square" anchor="ctr" anchorCtr="1"/>
+          <a:lstStyle/>
+          <a:p>
+            <a:pPr>
+              <a:defRPr sz="900" b="0" i="0" u="none" strike="noStrike" kern="1200" baseline="0">
+                <a:solidFill>
+                  <a:schemeClr val="tx1">
+                    <a:lumMod val="65000"/>
+                    <a:lumOff val="35000"/>
+                  </a:schemeClr>
+                </a:solidFill>
+                <a:latin typeface="+mn-lt"/>
+                <a:ea typeface="+mn-ea"/>
+                <a:cs typeface="+mn-cs"/>
+              </a:defRPr>
+            </a:pPr>
+            <a:endParaRPr lang="en-US"/>
+          </a:p>
+        </c:txPr>
+        <c:crossAx val="462941376"/>
+        <c:crosses val="autoZero"/>
+        <c:crossBetween val="between"/>
+      </c:valAx>
+      <c:spPr>
+        <a:noFill/>
+        <a:ln>
+          <a:noFill/>
+        </a:ln>
+        <a:effectLst/>
+      </c:spPr>
+    </c:plotArea>
+    <c:legend>
+      <c:legendPos val="b"/>
+      <c:overlay val="0"/>
+      <c:spPr>
+        <a:noFill/>
+        <a:ln>
+          <a:noFill/>
+        </a:ln>
+        <a:effectLst/>
+      </c:spPr>
+      <c:txPr>
+        <a:bodyPr rot="0" spcFirstLastPara="1" vertOverflow="ellipsis" vert="horz" wrap="square" anchor="ctr" anchorCtr="1"/>
+        <a:lstStyle/>
+        <a:p>
+          <a:pPr>
+            <a:defRPr sz="900" b="0" i="0" u="none" strike="noStrike" kern="1200" baseline="0">
+              <a:solidFill>
+                <a:schemeClr val="tx1">
+                  <a:lumMod val="65000"/>
+                  <a:lumOff val="35000"/>
+                </a:schemeClr>
+              </a:solidFill>
+              <a:latin typeface="+mn-lt"/>
+              <a:ea typeface="+mn-ea"/>
+              <a:cs typeface="+mn-cs"/>
+            </a:defRPr>
+          </a:pPr>
+          <a:endParaRPr lang="en-US"/>
+        </a:p>
+      </c:txPr>
+    </c:legend>
+    <c:plotVisOnly val="1"/>
+    <c:dispBlanksAs val="gap"/>
+    <c:extLst>
+      <c:ext xmlns:c16r3="http://schemas.microsoft.com/office/drawing/2017/03/chart" uri="{56B9EC1D-385E-4148-901F-78D8002777C0}">
+        <c16r3:dataDisplayOptions16>
+          <c16r3:dispNaAsBlank val="1"/>
+        </c16r3:dataDisplayOptions16>
+      </c:ext>
+    </c:extLst>
+    <c:showDLblsOverMax val="0"/>
+  </c:chart>
+  <c:spPr>
+    <a:noFill/>
+    <a:ln>
+      <a:solidFill>
+        <a:schemeClr val="bg1"/>
+      </a:solidFill>
+    </a:ln>
+    <a:effectLst/>
+  </c:spPr>
+  <c:txPr>
+    <a:bodyPr/>
+    <a:lstStyle/>
+    <a:p>
+      <a:pPr>
+        <a:defRPr/>
+      </a:pPr>
+      <a:endParaRPr lang="en-US"/>
+    </a:p>
+  </c:txPr>
+  <c:externalData r:id="rId3">
+    <c:autoUpdate val="0"/>
+  </c:externalData>
+</c:chartSpace>
+</file>
+
+<file path=ppt/charts/chart2.xml><?xml version="1.0" encoding="utf-8"?>
+<c:chartSpace xmlns:c="http://schemas.openxmlformats.org/drawingml/2006/chart" xmlns:a="http://schemas.openxmlformats.org/drawingml/2006/main" xmlns:r="http://schemas.openxmlformats.org/officeDocument/2006/relationships" xmlns:c16r2="http://schemas.microsoft.com/office/drawing/2015/06/chart">
+  <c:date1904 val="0"/>
+  <c:lang val="en-US"/>
+  <c:roundedCorners val="0"/>
+  <mc:AlternateContent xmlns:mc="http://schemas.openxmlformats.org/markup-compatibility/2006">
+    <mc:Choice xmlns:c14="http://schemas.microsoft.com/office/drawing/2007/8/2/chart" Requires="c14">
+      <c14:style val="102"/>
+    </mc:Choice>
+    <mc:Fallback>
+      <c:style val="2"/>
+    </mc:Fallback>
+  </mc:AlternateContent>
+  <c:chart>
+    <c:autoTitleDeleted val="1"/>
+    <c:plotArea>
+      <c:layout/>
+      <c:barChart>
+        <c:barDir val="col"/>
+        <c:grouping val="clustered"/>
+        <c:varyColors val="0"/>
+        <c:ser>
+          <c:idx val="0"/>
+          <c:order val="0"/>
+          <c:tx>
+            <c:strRef>
+              <c:f>[resultsSummary.xlsx]mturk_noise!$B$25</c:f>
+              <c:strCache>
+                <c:ptCount val="1"/>
+                <c:pt idx="0">
+                  <c:v>voice quality (original)</c:v>
+                </c:pt>
+              </c:strCache>
+            </c:strRef>
+          </c:tx>
+          <c:spPr>
+            <a:solidFill>
+              <a:schemeClr val="accent1"/>
+            </a:solidFill>
+            <a:ln>
+              <a:noFill/>
+            </a:ln>
+            <a:effectLst/>
+          </c:spPr>
+          <c:invertIfNegative val="0"/>
+          <c:dLbls>
+            <c:spPr>
+              <a:noFill/>
+              <a:ln>
+                <a:noFill/>
+              </a:ln>
+              <a:effectLst/>
+            </c:spPr>
+            <c:txPr>
+              <a:bodyPr rot="0" spcFirstLastPara="1" vertOverflow="ellipsis" vert="horz" wrap="square" lIns="38100" tIns="19050" rIns="38100" bIns="19050" anchor="ctr" anchorCtr="1">
+                <a:spAutoFit/>
+              </a:bodyPr>
+              <a:lstStyle/>
+              <a:p>
+                <a:pPr>
+                  <a:defRPr sz="900" b="0" i="0" u="none" strike="noStrike" kern="1200" baseline="0">
+                    <a:solidFill>
+                      <a:schemeClr val="tx1">
+                        <a:lumMod val="75000"/>
+                        <a:lumOff val="25000"/>
+                      </a:schemeClr>
+                    </a:solidFill>
+                    <a:latin typeface="+mn-lt"/>
+                    <a:ea typeface="+mn-ea"/>
+                    <a:cs typeface="+mn-cs"/>
+                  </a:defRPr>
+                </a:pPr>
+                <a:endParaRPr lang="en-US"/>
+              </a:p>
+            </c:txPr>
+            <c:dLblPos val="outEnd"/>
+            <c:showLegendKey val="0"/>
+            <c:showVal val="1"/>
+            <c:showCatName val="0"/>
+            <c:showSerName val="0"/>
+            <c:showPercent val="0"/>
+            <c:showBubbleSize val="0"/>
+            <c:showLeaderLines val="0"/>
+            <c:extLst>
+              <c:ext xmlns:c15="http://schemas.microsoft.com/office/drawing/2012/chart" uri="{CE6537A1-D6FC-4f65-9D91-7224C49458BB}">
+                <c15:showLeaderLines val="1"/>
+                <c15:leaderLines>
+                  <c:spPr>
+                    <a:ln w="9525" cap="flat" cmpd="sng" algn="ctr">
+                      <a:solidFill>
+                        <a:schemeClr val="tx1">
+                          <a:lumMod val="35000"/>
+                          <a:lumOff val="65000"/>
+                        </a:schemeClr>
+                      </a:solidFill>
+                      <a:round/>
+                    </a:ln>
+                    <a:effectLst/>
+                  </c:spPr>
+                </c15:leaderLines>
+              </c:ext>
+            </c:extLst>
+          </c:dLbls>
+          <c:cat>
+            <c:strRef>
+              <c:f>[resultsSummary.xlsx]mturk_noise!$C$24:$F$24</c:f>
+              <c:strCache>
+                <c:ptCount val="4"/>
+                <c:pt idx="0">
+                  <c:v>angry</c:v>
+                </c:pt>
+                <c:pt idx="1">
+                  <c:v>happy</c:v>
+                </c:pt>
+                <c:pt idx="2">
+                  <c:v>neutral</c:v>
+                </c:pt>
+                <c:pt idx="3">
+                  <c:v>sad</c:v>
+                </c:pt>
+              </c:strCache>
+            </c:strRef>
+          </c:cat>
+          <c:val>
+            <c:numRef>
+              <c:f>[resultsSummary.xlsx]mturk_noise!$C$25:$F$25</c:f>
+              <c:numCache>
+                <c:formatCode>General</c:formatCode>
+                <c:ptCount val="4"/>
+                <c:pt idx="0">
+                  <c:v>4.3</c:v>
+                </c:pt>
+                <c:pt idx="1">
+                  <c:v>4.3</c:v>
+                </c:pt>
+                <c:pt idx="2">
+                  <c:v>4.0999999999999996</c:v>
+                </c:pt>
+                <c:pt idx="3">
+                  <c:v>3.9</c:v>
+                </c:pt>
+              </c:numCache>
+            </c:numRef>
+          </c:val>
+          <c:extLst>
+            <c:ext xmlns:c16="http://schemas.microsoft.com/office/drawing/2014/chart" uri="{C3380CC4-5D6E-409C-BE32-E72D297353CC}">
+              <c16:uniqueId val="{00000000-0FEA-449F-921C-3EA79975123C}"/>
+            </c:ext>
+          </c:extLst>
+        </c:ser>
+        <c:ser>
+          <c:idx val="1"/>
+          <c:order val="1"/>
+          <c:tx>
+            <c:strRef>
+              <c:f>[resultsSummary.xlsx]mturk_noise!$B$26</c:f>
+              <c:strCache>
+                <c:ptCount val="1"/>
+                <c:pt idx="0">
+                  <c:v>voice quality (converted)</c:v>
+                </c:pt>
+              </c:strCache>
+            </c:strRef>
+          </c:tx>
+          <c:spPr>
+            <a:solidFill>
+              <a:schemeClr val="accent2"/>
+            </a:solidFill>
+            <a:ln>
+              <a:noFill/>
+            </a:ln>
+            <a:effectLst/>
+          </c:spPr>
+          <c:invertIfNegative val="0"/>
+          <c:dLbls>
+            <c:spPr>
+              <a:noFill/>
+              <a:ln>
+                <a:noFill/>
+              </a:ln>
+              <a:effectLst/>
+            </c:spPr>
+            <c:txPr>
+              <a:bodyPr rot="0" spcFirstLastPara="1" vertOverflow="ellipsis" vert="horz" wrap="square" lIns="38100" tIns="19050" rIns="38100" bIns="19050" anchor="ctr" anchorCtr="1">
+                <a:spAutoFit/>
+              </a:bodyPr>
+              <a:lstStyle/>
+              <a:p>
+                <a:pPr>
+                  <a:defRPr sz="900" b="0" i="0" u="none" strike="noStrike" kern="1200" baseline="0">
+                    <a:solidFill>
+                      <a:schemeClr val="tx1">
+                        <a:lumMod val="75000"/>
+                        <a:lumOff val="25000"/>
+                      </a:schemeClr>
+                    </a:solidFill>
+                    <a:latin typeface="+mn-lt"/>
+                    <a:ea typeface="+mn-ea"/>
+                    <a:cs typeface="+mn-cs"/>
+                  </a:defRPr>
+                </a:pPr>
+                <a:endParaRPr lang="en-US"/>
+              </a:p>
+            </c:txPr>
+            <c:dLblPos val="outEnd"/>
+            <c:showLegendKey val="0"/>
+            <c:showVal val="1"/>
+            <c:showCatName val="0"/>
+            <c:showSerName val="0"/>
+            <c:showPercent val="0"/>
+            <c:showBubbleSize val="0"/>
+            <c:showLeaderLines val="0"/>
+            <c:extLst>
+              <c:ext xmlns:c15="http://schemas.microsoft.com/office/drawing/2012/chart" uri="{CE6537A1-D6FC-4f65-9D91-7224C49458BB}">
+                <c15:showLeaderLines val="1"/>
+                <c15:leaderLines>
+                  <c:spPr>
+                    <a:ln w="9525" cap="flat" cmpd="sng" algn="ctr">
+                      <a:solidFill>
+                        <a:schemeClr val="tx1">
+                          <a:lumMod val="35000"/>
+                          <a:lumOff val="65000"/>
+                        </a:schemeClr>
+                      </a:solidFill>
+                      <a:round/>
+                    </a:ln>
+                    <a:effectLst/>
+                  </c:spPr>
+                </c15:leaderLines>
+              </c:ext>
+            </c:extLst>
+          </c:dLbls>
+          <c:cat>
+            <c:strRef>
+              <c:f>[resultsSummary.xlsx]mturk_noise!$C$24:$F$24</c:f>
+              <c:strCache>
+                <c:ptCount val="4"/>
+                <c:pt idx="0">
+                  <c:v>angry</c:v>
+                </c:pt>
+                <c:pt idx="1">
+                  <c:v>happy</c:v>
+                </c:pt>
+                <c:pt idx="2">
+                  <c:v>neutral</c:v>
+                </c:pt>
+                <c:pt idx="3">
+                  <c:v>sad</c:v>
+                </c:pt>
+              </c:strCache>
+            </c:strRef>
+          </c:cat>
+          <c:val>
+            <c:numRef>
+              <c:f>[resultsSummary.xlsx]mturk_noise!$C$26:$F$26</c:f>
+              <c:numCache>
+                <c:formatCode>General</c:formatCode>
+                <c:ptCount val="4"/>
+                <c:pt idx="0">
+                  <c:v>3.4</c:v>
+                </c:pt>
+                <c:pt idx="1">
+                  <c:v>3</c:v>
+                </c:pt>
+                <c:pt idx="2">
+                  <c:v>3.2</c:v>
+                </c:pt>
+                <c:pt idx="3">
+                  <c:v>2.8</c:v>
+                </c:pt>
+              </c:numCache>
+            </c:numRef>
+          </c:val>
+          <c:extLst>
+            <c:ext xmlns:c16="http://schemas.microsoft.com/office/drawing/2014/chart" uri="{C3380CC4-5D6E-409C-BE32-E72D297353CC}">
+              <c16:uniqueId val="{00000001-0FEA-449F-921C-3EA79975123C}"/>
+            </c:ext>
+          </c:extLst>
+        </c:ser>
+        <c:ser>
+          <c:idx val="2"/>
+          <c:order val="2"/>
+          <c:tx>
+            <c:strRef>
+              <c:f>[resultsSummary.xlsx]mturk_noise!$B$27</c:f>
+              <c:strCache>
+                <c:ptCount val="1"/>
+                <c:pt idx="0">
+                  <c:v>speaker similarity</c:v>
+                </c:pt>
+              </c:strCache>
+            </c:strRef>
+          </c:tx>
+          <c:spPr>
+            <a:solidFill>
+              <a:schemeClr val="accent3"/>
+            </a:solidFill>
+            <a:ln>
+              <a:noFill/>
+            </a:ln>
+            <a:effectLst/>
+          </c:spPr>
+          <c:invertIfNegative val="0"/>
+          <c:dLbls>
+            <c:spPr>
+              <a:noFill/>
+              <a:ln>
+                <a:noFill/>
+              </a:ln>
+              <a:effectLst/>
+            </c:spPr>
+            <c:txPr>
+              <a:bodyPr rot="0" spcFirstLastPara="1" vertOverflow="ellipsis" vert="horz" wrap="square" lIns="38100" tIns="19050" rIns="38100" bIns="19050" anchor="ctr" anchorCtr="1">
+                <a:spAutoFit/>
+              </a:bodyPr>
+              <a:lstStyle/>
+              <a:p>
+                <a:pPr>
+                  <a:defRPr sz="900" b="0" i="0" u="none" strike="noStrike" kern="1200" baseline="0">
+                    <a:solidFill>
+                      <a:schemeClr val="tx1">
+                        <a:lumMod val="75000"/>
+                        <a:lumOff val="25000"/>
+                      </a:schemeClr>
+                    </a:solidFill>
+                    <a:latin typeface="+mn-lt"/>
+                    <a:ea typeface="+mn-ea"/>
+                    <a:cs typeface="+mn-cs"/>
+                  </a:defRPr>
+                </a:pPr>
+                <a:endParaRPr lang="en-US"/>
+              </a:p>
+            </c:txPr>
+            <c:dLblPos val="outEnd"/>
+            <c:showLegendKey val="0"/>
+            <c:showVal val="1"/>
+            <c:showCatName val="0"/>
+            <c:showSerName val="0"/>
+            <c:showPercent val="0"/>
+            <c:showBubbleSize val="0"/>
+            <c:showLeaderLines val="0"/>
+            <c:extLst>
+              <c:ext xmlns:c15="http://schemas.microsoft.com/office/drawing/2012/chart" uri="{CE6537A1-D6FC-4f65-9D91-7224C49458BB}">
+                <c15:showLeaderLines val="1"/>
+                <c15:leaderLines>
+                  <c:spPr>
+                    <a:ln w="9525" cap="flat" cmpd="sng" algn="ctr">
+                      <a:solidFill>
+                        <a:schemeClr val="tx1">
+                          <a:lumMod val="35000"/>
+                          <a:lumOff val="65000"/>
+                        </a:schemeClr>
+                      </a:solidFill>
+                      <a:round/>
+                    </a:ln>
+                    <a:effectLst/>
+                  </c:spPr>
+                </c15:leaderLines>
+              </c:ext>
+            </c:extLst>
+          </c:dLbls>
+          <c:cat>
+            <c:strRef>
+              <c:f>[resultsSummary.xlsx]mturk_noise!$C$24:$F$24</c:f>
+              <c:strCache>
+                <c:ptCount val="4"/>
+                <c:pt idx="0">
+                  <c:v>angry</c:v>
+                </c:pt>
+                <c:pt idx="1">
+                  <c:v>happy</c:v>
+                </c:pt>
+                <c:pt idx="2">
+                  <c:v>neutral</c:v>
+                </c:pt>
+                <c:pt idx="3">
+                  <c:v>sad</c:v>
+                </c:pt>
+              </c:strCache>
+            </c:strRef>
+          </c:cat>
+          <c:val>
+            <c:numRef>
+              <c:f>[resultsSummary.xlsx]mturk_noise!$C$27:$F$27</c:f>
+              <c:numCache>
+                <c:formatCode>General</c:formatCode>
+                <c:ptCount val="4"/>
+                <c:pt idx="0">
+                  <c:v>3.6</c:v>
+                </c:pt>
+                <c:pt idx="1">
+                  <c:v>3.7</c:v>
+                </c:pt>
+                <c:pt idx="2">
+                  <c:v>3.5</c:v>
+                </c:pt>
+                <c:pt idx="3">
+                  <c:v>3.4</c:v>
+                </c:pt>
+              </c:numCache>
+            </c:numRef>
+          </c:val>
+          <c:extLst>
+            <c:ext xmlns:c16="http://schemas.microsoft.com/office/drawing/2014/chart" uri="{C3380CC4-5D6E-409C-BE32-E72D297353CC}">
+              <c16:uniqueId val="{00000002-0FEA-449F-921C-3EA79975123C}"/>
+            </c:ext>
+          </c:extLst>
+        </c:ser>
+        <c:dLbls>
+          <c:dLblPos val="outEnd"/>
+          <c:showLegendKey val="0"/>
+          <c:showVal val="1"/>
+          <c:showCatName val="0"/>
+          <c:showSerName val="0"/>
+          <c:showPercent val="0"/>
+          <c:showBubbleSize val="0"/>
+        </c:dLbls>
+        <c:gapWidth val="219"/>
+        <c:overlap val="-27"/>
+        <c:axId val="462941376"/>
+        <c:axId val="462941704"/>
+      </c:barChart>
+      <c:catAx>
+        <c:axId val="462941376"/>
+        <c:scaling>
+          <c:orientation val="minMax"/>
+        </c:scaling>
+        <c:delete val="0"/>
+        <c:axPos val="b"/>
+        <c:numFmt formatCode="General" sourceLinked="1"/>
+        <c:majorTickMark val="out"/>
+        <c:minorTickMark val="none"/>
+        <c:tickLblPos val="nextTo"/>
+        <c:spPr>
+          <a:noFill/>
+          <a:ln w="9525" cap="flat" cmpd="sng" algn="ctr">
+            <a:solidFill>
+              <a:schemeClr val="tx1">
+                <a:lumMod val="15000"/>
+                <a:lumOff val="85000"/>
+              </a:schemeClr>
+            </a:solidFill>
+            <a:round/>
+          </a:ln>
+          <a:effectLst/>
+        </c:spPr>
+        <c:txPr>
+          <a:bodyPr rot="-60000000" spcFirstLastPara="1" vertOverflow="ellipsis" vert="horz" wrap="square" anchor="ctr" anchorCtr="1"/>
+          <a:lstStyle/>
+          <a:p>
+            <a:pPr>
+              <a:defRPr sz="900" b="0" i="0" u="none" strike="noStrike" kern="1200" baseline="0">
+                <a:solidFill>
+                  <a:schemeClr val="tx1">
+                    <a:lumMod val="65000"/>
+                    <a:lumOff val="35000"/>
+                  </a:schemeClr>
+                </a:solidFill>
+                <a:latin typeface="+mn-lt"/>
+                <a:ea typeface="+mn-ea"/>
+                <a:cs typeface="+mn-cs"/>
+              </a:defRPr>
+            </a:pPr>
+            <a:endParaRPr lang="en-US"/>
+          </a:p>
+        </c:txPr>
+        <c:crossAx val="462941704"/>
+        <c:crosses val="autoZero"/>
+        <c:auto val="1"/>
+        <c:lblAlgn val="ctr"/>
+        <c:lblOffset val="100"/>
+        <c:noMultiLvlLbl val="0"/>
+      </c:catAx>
+      <c:valAx>
+        <c:axId val="462941704"/>
+        <c:scaling>
+          <c:orientation val="minMax"/>
+          <c:min val="1"/>
+        </c:scaling>
+        <c:delete val="0"/>
+        <c:axPos val="l"/>
+        <c:majorGridlines>
+          <c:spPr>
+            <a:ln w="9525" cap="flat" cmpd="sng" algn="ctr">
+              <a:solidFill>
+                <a:schemeClr val="tx1">
+                  <a:lumMod val="15000"/>
+                  <a:lumOff val="85000"/>
+                </a:schemeClr>
+              </a:solidFill>
+              <a:round/>
+            </a:ln>
+            <a:effectLst/>
+          </c:spPr>
+        </c:majorGridlines>
+        <c:numFmt formatCode="General" sourceLinked="1"/>
+        <c:majorTickMark val="out"/>
+        <c:minorTickMark val="none"/>
+        <c:tickLblPos val="nextTo"/>
+        <c:spPr>
+          <a:noFill/>
+          <a:ln>
+            <a:noFill/>
+          </a:ln>
+          <a:effectLst/>
+        </c:spPr>
+        <c:txPr>
+          <a:bodyPr rot="-60000000" spcFirstLastPara="1" vertOverflow="ellipsis" vert="horz" wrap="square" anchor="ctr" anchorCtr="1"/>
+          <a:lstStyle/>
+          <a:p>
+            <a:pPr>
+              <a:defRPr sz="900" b="0" i="0" u="none" strike="noStrike" kern="1200" baseline="0">
+                <a:solidFill>
+                  <a:schemeClr val="tx1">
+                    <a:lumMod val="65000"/>
+                    <a:lumOff val="35000"/>
+                  </a:schemeClr>
+                </a:solidFill>
+                <a:latin typeface="+mn-lt"/>
+                <a:ea typeface="+mn-ea"/>
+                <a:cs typeface="+mn-cs"/>
+              </a:defRPr>
+            </a:pPr>
+            <a:endParaRPr lang="en-US"/>
+          </a:p>
+        </c:txPr>
+        <c:crossAx val="462941376"/>
+        <c:crosses val="autoZero"/>
+        <c:crossBetween val="between"/>
+      </c:valAx>
+      <c:spPr>
+        <a:noFill/>
+        <a:ln>
+          <a:noFill/>
+        </a:ln>
+        <a:effectLst/>
+      </c:spPr>
+    </c:plotArea>
+    <c:legend>
+      <c:legendPos val="b"/>
+      <c:layout>
+        <c:manualLayout>
+          <c:xMode val="edge"/>
+          <c:yMode val="edge"/>
+          <c:x val="5.7035678785538522E-2"/>
+          <c:y val="0.72510563180332255"/>
+          <c:w val="0.885928642428923"/>
+          <c:h val="0.15024638657559466"/>
+        </c:manualLayout>
+      </c:layout>
+      <c:overlay val="0"/>
+      <c:spPr>
+        <a:noFill/>
+        <a:ln>
+          <a:noFill/>
+        </a:ln>
+        <a:effectLst/>
+      </c:spPr>
+      <c:txPr>
+        <a:bodyPr rot="0" spcFirstLastPara="1" vertOverflow="ellipsis" vert="horz" wrap="square" anchor="ctr" anchorCtr="1"/>
+        <a:lstStyle/>
+        <a:p>
+          <a:pPr>
+            <a:defRPr sz="900" b="0" i="0" u="none" strike="noStrike" kern="1200" baseline="0">
+              <a:solidFill>
+                <a:schemeClr val="tx1">
+                  <a:lumMod val="65000"/>
+                  <a:lumOff val="35000"/>
+                </a:schemeClr>
+              </a:solidFill>
+              <a:latin typeface="+mn-lt"/>
+              <a:ea typeface="+mn-ea"/>
+              <a:cs typeface="+mn-cs"/>
+            </a:defRPr>
+          </a:pPr>
+          <a:endParaRPr lang="en-US"/>
+        </a:p>
+      </c:txPr>
+    </c:legend>
+    <c:plotVisOnly val="1"/>
+    <c:dispBlanksAs val="gap"/>
+    <c:extLst>
+      <c:ext xmlns:c16r3="http://schemas.microsoft.com/office/drawing/2017/03/chart" uri="{56B9EC1D-385E-4148-901F-78D8002777C0}">
+        <c16r3:dataDisplayOptions16>
+          <c16r3:dispNaAsBlank val="1"/>
+        </c16r3:dataDisplayOptions16>
+      </c:ext>
+    </c:extLst>
+    <c:showDLblsOverMax val="0"/>
+  </c:chart>
+  <c:spPr>
+    <a:noFill/>
+    <a:ln>
+      <a:noFill/>
+    </a:ln>
+    <a:effectLst/>
+  </c:spPr>
+  <c:txPr>
+    <a:bodyPr/>
+    <a:lstStyle/>
+    <a:p>
+      <a:pPr>
+        <a:defRPr/>
+      </a:pPr>
+      <a:endParaRPr lang="en-US"/>
+    </a:p>
+  </c:txPr>
+  <c:externalData r:id="rId3">
+    <c:autoUpdate val="0"/>
+  </c:externalData>
+</c:chartSpace>
+</file>
+
+<file path=ppt/charts/colors1.xml><?xml version="1.0" encoding="utf-8"?>
+<cs:colorStyle xmlns:cs="http://schemas.microsoft.com/office/drawing/2012/chartStyle" xmlns:a="http://schemas.openxmlformats.org/drawingml/2006/main" meth="cycle" id="10">
+  <a:schemeClr val="accent1"/>
+  <a:schemeClr val="accent2"/>
+  <a:schemeClr val="accent3"/>
+  <a:schemeClr val="accent4"/>
+  <a:schemeClr val="accent5"/>
+  <a:schemeClr val="accent6"/>
+  <cs:variation/>
+  <cs:variation>
+    <a:lumMod val="60000"/>
+  </cs:variation>
+  <cs:variation>
+    <a:lumMod val="80000"/>
+    <a:lumOff val="20000"/>
+  </cs:variation>
+  <cs:variation>
+    <a:lumMod val="80000"/>
+  </cs:variation>
+  <cs:variation>
+    <a:lumMod val="60000"/>
+    <a:lumOff val="40000"/>
+  </cs:variation>
+  <cs:variation>
+    <a:lumMod val="50000"/>
+  </cs:variation>
+  <cs:variation>
+    <a:lumMod val="70000"/>
+    <a:lumOff val="30000"/>
+  </cs:variation>
+  <cs:variation>
+    <a:lumMod val="70000"/>
+  </cs:variation>
+  <cs:variation>
+    <a:lumMod val="50000"/>
+    <a:lumOff val="50000"/>
+  </cs:variation>
+</cs:colorStyle>
+</file>
+
+<file path=ppt/charts/colors2.xml><?xml version="1.0" encoding="utf-8"?>
+<cs:colorStyle xmlns:cs="http://schemas.microsoft.com/office/drawing/2012/chartStyle" xmlns:a="http://schemas.openxmlformats.org/drawingml/2006/main" meth="cycle" id="10">
+  <a:schemeClr val="accent1"/>
+  <a:schemeClr val="accent2"/>
+  <a:schemeClr val="accent3"/>
+  <a:schemeClr val="accent4"/>
+  <a:schemeClr val="accent5"/>
+  <a:schemeClr val="accent6"/>
+  <cs:variation/>
+  <cs:variation>
+    <a:lumMod val="60000"/>
+  </cs:variation>
+  <cs:variation>
+    <a:lumMod val="80000"/>
+    <a:lumOff val="20000"/>
+  </cs:variation>
+  <cs:variation>
+    <a:lumMod val="80000"/>
+  </cs:variation>
+  <cs:variation>
+    <a:lumMod val="60000"/>
+    <a:lumOff val="40000"/>
+  </cs:variation>
+  <cs:variation>
+    <a:lumMod val="50000"/>
+  </cs:variation>
+  <cs:variation>
+    <a:lumMod val="70000"/>
+    <a:lumOff val="30000"/>
+  </cs:variation>
+  <cs:variation>
+    <a:lumMod val="70000"/>
+  </cs:variation>
+  <cs:variation>
+    <a:lumMod val="50000"/>
+    <a:lumOff val="50000"/>
+  </cs:variation>
+</cs:colorStyle>
+</file>
+
+<file path=ppt/charts/style1.xml><?xml version="1.0" encoding="utf-8"?>
+<cs:chartStyle xmlns:cs="http://schemas.microsoft.com/office/drawing/2012/chartStyle" xmlns:a="http://schemas.openxmlformats.org/drawingml/2006/main" id="201">
+  <cs:axisTitle>
+    <cs:lnRef idx="0"/>
+    <cs:fillRef idx="0"/>
+    <cs:effectRef idx="0"/>
+    <cs:fontRef idx="minor">
+      <a:schemeClr val="tx1">
+        <a:lumMod val="65000"/>
+        <a:lumOff val="35000"/>
+      </a:schemeClr>
+    </cs:fontRef>
+    <cs:defRPr sz="1000" kern="1200"/>
+  </cs:axisTitle>
+  <cs:categoryAxis>
+    <cs:lnRef idx="0"/>
+    <cs:fillRef idx="0"/>
+    <cs:effectRef idx="0"/>
+    <cs:fontRef idx="minor">
+      <a:schemeClr val="tx1">
+        <a:lumMod val="65000"/>
+        <a:lumOff val="35000"/>
+      </a:schemeClr>
+    </cs:fontRef>
+    <cs:spPr>
+      <a:ln w="9525" cap="flat" cmpd="sng" algn="ctr">
+        <a:solidFill>
+          <a:schemeClr val="tx1">
+            <a:lumMod val="15000"/>
+            <a:lumOff val="85000"/>
+          </a:schemeClr>
+        </a:solidFill>
+        <a:round/>
+      </a:ln>
+    </cs:spPr>
+    <cs:defRPr sz="900" kern="1200"/>
+  </cs:categoryAxis>
+  <cs:chartArea mods="allowNoFillOverride allowNoLineOverride">
+    <cs:lnRef idx="0"/>
+    <cs:fillRef idx="0"/>
+    <cs:effectRef idx="0"/>
+    <cs:fontRef idx="minor">
+      <a:schemeClr val="tx1"/>
+    </cs:fontRef>
+    <cs:spPr>
+      <a:solidFill>
+        <a:schemeClr val="bg1"/>
+      </a:solidFill>
+      <a:ln w="9525" cap="flat" cmpd="sng" algn="ctr">
+        <a:solidFill>
+          <a:schemeClr val="tx1">
+            <a:lumMod val="15000"/>
+            <a:lumOff val="85000"/>
+          </a:schemeClr>
+        </a:solidFill>
+        <a:round/>
+      </a:ln>
+    </cs:spPr>
+    <cs:defRPr sz="1000" kern="1200"/>
+  </cs:chartArea>
+  <cs:dataLabel>
+    <cs:lnRef idx="0"/>
+    <cs:fillRef idx="0"/>
+    <cs:effectRef idx="0"/>
+    <cs:fontRef idx="minor">
+      <a:schemeClr val="tx1">
+        <a:lumMod val="75000"/>
+        <a:lumOff val="25000"/>
+      </a:schemeClr>
+    </cs:fontRef>
+    <cs:defRPr sz="900" kern="1200"/>
+  </cs:dataLabel>
+  <cs:dataLabelCallout>
+    <cs:lnRef idx="0"/>
+    <cs:fillRef idx="0"/>
+    <cs:effectRef idx="0"/>
+    <cs:fontRef idx="minor">
+      <a:schemeClr val="dk1">
+        <a:lumMod val="65000"/>
+        <a:lumOff val="35000"/>
+      </a:schemeClr>
+    </cs:fontRef>
+    <cs:spPr>
+      <a:solidFill>
+        <a:schemeClr val="lt1"/>
+      </a:solidFill>
+      <a:ln>
+        <a:solidFill>
+          <a:schemeClr val="dk1">
+            <a:lumMod val="25000"/>
+            <a:lumOff val="75000"/>
+          </a:schemeClr>
+        </a:solidFill>
+      </a:ln>
+    </cs:spPr>
+    <cs:defRPr sz="900" kern="1200"/>
+    <cs:bodyPr rot="0" spcFirstLastPara="1" vertOverflow="clip" horzOverflow="clip" vert="horz" wrap="square" lIns="36576" tIns="18288" rIns="36576" bIns="18288" anchor="ctr" anchorCtr="1">
+      <a:spAutoFit/>
+    </cs:bodyPr>
+  </cs:dataLabelCallout>
+  <cs:dataPoint>
+    <cs:lnRef idx="0"/>
+    <cs:fillRef idx="1">
+      <cs:styleClr val="auto"/>
+    </cs:fillRef>
+    <cs:effectRef idx="0"/>
+    <cs:fontRef idx="minor">
+      <a:schemeClr val="tx1"/>
+    </cs:fontRef>
+  </cs:dataPoint>
+  <cs:dataPoint3D>
+    <cs:lnRef idx="0"/>
+    <cs:fillRef idx="1">
+      <cs:styleClr val="auto"/>
+    </cs:fillRef>
+    <cs:effectRef idx="0"/>
+    <cs:fontRef idx="minor">
+      <a:schemeClr val="tx1"/>
+    </cs:fontRef>
+  </cs:dataPoint3D>
+  <cs:dataPointLine>
+    <cs:lnRef idx="0">
+      <cs:styleClr val="auto"/>
+    </cs:lnRef>
+    <cs:fillRef idx="1"/>
+    <cs:effectRef idx="0"/>
+    <cs:fontRef idx="minor">
+      <a:schemeClr val="tx1"/>
+    </cs:fontRef>
+    <cs:spPr>
+      <a:ln w="28575" cap="rnd">
+        <a:solidFill>
+          <a:schemeClr val="phClr"/>
+        </a:solidFill>
+        <a:round/>
+      </a:ln>
+    </cs:spPr>
+  </cs:dataPointLine>
+  <cs:dataPointMarker>
+    <cs:lnRef idx="0">
+      <cs:styleClr val="auto"/>
+    </cs:lnRef>
+    <cs:fillRef idx="1">
+      <cs:styleClr val="auto"/>
+    </cs:fillRef>
+    <cs:effectRef idx="0"/>
+    <cs:fontRef idx="minor">
+      <a:schemeClr val="tx1"/>
+    </cs:fontRef>
+    <cs:spPr>
+      <a:ln w="9525">
+        <a:solidFill>
+          <a:schemeClr val="phClr"/>
+        </a:solidFill>
+      </a:ln>
+    </cs:spPr>
+  </cs:dataPointMarker>
+  <cs:dataPointMarkerLayout symbol="circle" size="5"/>
+  <cs:dataPointWireframe>
+    <cs:lnRef idx="0">
+      <cs:styleClr val="auto"/>
+    </cs:lnRef>
+    <cs:fillRef idx="1"/>
+    <cs:effectRef idx="0"/>
+    <cs:fontRef idx="minor">
+      <a:schemeClr val="tx1"/>
+    </cs:fontRef>
+    <cs:spPr>
+      <a:ln w="9525" cap="rnd">
+        <a:solidFill>
+          <a:schemeClr val="phClr"/>
+        </a:solidFill>
+        <a:round/>
+      </a:ln>
+    </cs:spPr>
+  </cs:dataPointWireframe>
+  <cs:dataTable>
+    <cs:lnRef idx="0"/>
+    <cs:fillRef idx="0"/>
+    <cs:effectRef idx="0"/>
+    <cs:fontRef idx="minor">
+      <a:schemeClr val="tx1">
+        <a:lumMod val="65000"/>
+        <a:lumOff val="35000"/>
+      </a:schemeClr>
+    </cs:fontRef>
+    <cs:spPr>
+      <a:noFill/>
+      <a:ln w="9525" cap="flat" cmpd="sng" algn="ctr">
+        <a:solidFill>
+          <a:schemeClr val="tx1">
+            <a:lumMod val="15000"/>
+            <a:lumOff val="85000"/>
+          </a:schemeClr>
+        </a:solidFill>
+        <a:round/>
+      </a:ln>
+    </cs:spPr>
+    <cs:defRPr sz="900" kern="1200"/>
+  </cs:dataTable>
+  <cs:downBar>
+    <cs:lnRef idx="0"/>
+    <cs:fillRef idx="0"/>
+    <cs:effectRef idx="0"/>
+    <cs:fontRef idx="minor">
+      <a:schemeClr val="dk1"/>
+    </cs:fontRef>
+    <cs:spPr>
+      <a:solidFill>
+        <a:schemeClr val="dk1">
+          <a:lumMod val="65000"/>
+          <a:lumOff val="35000"/>
+        </a:schemeClr>
+      </a:solidFill>
+      <a:ln w="9525">
+        <a:solidFill>
+          <a:schemeClr val="tx1">
+            <a:lumMod val="65000"/>
+            <a:lumOff val="35000"/>
+          </a:schemeClr>
+        </a:solidFill>
+      </a:ln>
+    </cs:spPr>
+  </cs:downBar>
+  <cs:dropLine>
+    <cs:lnRef idx="0"/>
+    <cs:fillRef idx="0"/>
+    <cs:effectRef idx="0"/>
+    <cs:fontRef idx="minor">
+      <a:schemeClr val="tx1"/>
+    </cs:fontRef>
+    <cs:spPr>
+      <a:ln w="9525" cap="flat" cmpd="sng" algn="ctr">
+        <a:solidFill>
+          <a:schemeClr val="tx1">
+            <a:lumMod val="35000"/>
+            <a:lumOff val="65000"/>
+          </a:schemeClr>
+        </a:solidFill>
+        <a:round/>
+      </a:ln>
+    </cs:spPr>
+  </cs:dropLine>
+  <cs:errorBar>
+    <cs:lnRef idx="0"/>
+    <cs:fillRef idx="0"/>
+    <cs:effectRef idx="0"/>
+    <cs:fontRef idx="minor">
+      <a:schemeClr val="tx1"/>
+    </cs:fontRef>
+    <cs:spPr>
+      <a:ln w="9525" cap="flat" cmpd="sng" algn="ctr">
+        <a:solidFill>
+          <a:schemeClr val="tx1">
+            <a:lumMod val="65000"/>
+            <a:lumOff val="35000"/>
+          </a:schemeClr>
+        </a:solidFill>
+        <a:round/>
+      </a:ln>
+    </cs:spPr>
+  </cs:errorBar>
+  <cs:floor>
+    <cs:lnRef idx="0"/>
+    <cs:fillRef idx="0"/>
+    <cs:effectRef idx="0"/>
+    <cs:fontRef idx="minor">
+      <a:schemeClr val="tx1"/>
+    </cs:fontRef>
+    <cs:spPr>
+      <a:noFill/>
+      <a:ln>
+        <a:noFill/>
+      </a:ln>
+    </cs:spPr>
+  </cs:floor>
+  <cs:gridlineMajor>
+    <cs:lnRef idx="0"/>
+    <cs:fillRef idx="0"/>
+    <cs:effectRef idx="0"/>
+    <cs:fontRef idx="minor">
+      <a:schemeClr val="tx1"/>
+    </cs:fontRef>
+    <cs:spPr>
+      <a:ln w="9525" cap="flat" cmpd="sng" algn="ctr">
+        <a:solidFill>
+          <a:schemeClr val="tx1">
+            <a:lumMod val="15000"/>
+            <a:lumOff val="85000"/>
+          </a:schemeClr>
+        </a:solidFill>
+        <a:round/>
+      </a:ln>
+    </cs:spPr>
+  </cs:gridlineMajor>
+  <cs:gridlineMinor>
+    <cs:lnRef idx="0"/>
+    <cs:fillRef idx="0"/>
+    <cs:effectRef idx="0"/>
+    <cs:fontRef idx="minor">
+      <a:schemeClr val="tx1"/>
+    </cs:fontRef>
+    <cs:spPr>
+      <a:ln w="9525" cap="flat" cmpd="sng" algn="ctr">
+        <a:solidFill>
+          <a:schemeClr val="tx1">
+            <a:lumMod val="5000"/>
+            <a:lumOff val="95000"/>
+          </a:schemeClr>
+        </a:solidFill>
+        <a:round/>
+      </a:ln>
+    </cs:spPr>
+  </cs:gridlineMinor>
+  <cs:hiLoLine>
+    <cs:lnRef idx="0"/>
+    <cs:fillRef idx="0"/>
+    <cs:effectRef idx="0"/>
+    <cs:fontRef idx="minor">
+      <a:schemeClr val="tx1"/>
+    </cs:fontRef>
+    <cs:spPr>
+      <a:ln w="9525" cap="flat" cmpd="sng" algn="ctr">
+        <a:solidFill>
+          <a:schemeClr val="tx1">
+            <a:lumMod val="75000"/>
+            <a:lumOff val="25000"/>
+          </a:schemeClr>
+        </a:solidFill>
+        <a:round/>
+      </a:ln>
+    </cs:spPr>
+  </cs:hiLoLine>
+  <cs:leaderLine>
+    <cs:lnRef idx="0"/>
+    <cs:fillRef idx="0"/>
+    <cs:effectRef idx="0"/>
+    <cs:fontRef idx="minor">
+      <a:schemeClr val="tx1"/>
+    </cs:fontRef>
+    <cs:spPr>
+      <a:ln w="9525" cap="flat" cmpd="sng" algn="ctr">
+        <a:solidFill>
+          <a:schemeClr val="tx1">
+            <a:lumMod val="35000"/>
+            <a:lumOff val="65000"/>
+          </a:schemeClr>
+        </a:solidFill>
+        <a:round/>
+      </a:ln>
+    </cs:spPr>
+  </cs:leaderLine>
+  <cs:legend>
+    <cs:lnRef idx="0"/>
+    <cs:fillRef idx="0"/>
+    <cs:effectRef idx="0"/>
+    <cs:fontRef idx="minor">
+      <a:schemeClr val="tx1">
+        <a:lumMod val="65000"/>
+        <a:lumOff val="35000"/>
+      </a:schemeClr>
+    </cs:fontRef>
+    <cs:defRPr sz="900" kern="1200"/>
+  </cs:legend>
+  <cs:plotArea mods="allowNoFillOverride allowNoLineOverride">
+    <cs:lnRef idx="0"/>
+    <cs:fillRef idx="0"/>
+    <cs:effectRef idx="0"/>
+    <cs:fontRef idx="minor">
+      <a:schemeClr val="tx1"/>
+    </cs:fontRef>
+  </cs:plotArea>
+  <cs:plotArea3D mods="allowNoFillOverride allowNoLineOverride">
+    <cs:lnRef idx="0"/>
+    <cs:fillRef idx="0"/>
+    <cs:effectRef idx="0"/>
+    <cs:fontRef idx="minor">
+      <a:schemeClr val="tx1"/>
+    </cs:fontRef>
+  </cs:plotArea3D>
+  <cs:seriesAxis>
+    <cs:lnRef idx="0"/>
+    <cs:fillRef idx="0"/>
+    <cs:effectRef idx="0"/>
+    <cs:fontRef idx="minor">
+      <a:schemeClr val="tx1">
+        <a:lumMod val="65000"/>
+        <a:lumOff val="35000"/>
+      </a:schemeClr>
+    </cs:fontRef>
+    <cs:defRPr sz="900" kern="1200"/>
+  </cs:seriesAxis>
+  <cs:seriesLine>
+    <cs:lnRef idx="0"/>
+    <cs:fillRef idx="0"/>
+    <cs:effectRef idx="0"/>
+    <cs:fontRef idx="minor">
+      <a:schemeClr val="tx1"/>
+    </cs:fontRef>
+    <cs:spPr>
+      <a:ln w="9525" cap="flat" cmpd="sng" algn="ctr">
+        <a:solidFill>
+          <a:schemeClr val="tx1">
+            <a:lumMod val="35000"/>
+            <a:lumOff val="65000"/>
+          </a:schemeClr>
+        </a:solidFill>
+        <a:round/>
+      </a:ln>
+    </cs:spPr>
+  </cs:seriesLine>
+  <cs:title>
+    <cs:lnRef idx="0"/>
+    <cs:fillRef idx="0"/>
+    <cs:effectRef idx="0"/>
+    <cs:fontRef idx="minor">
+      <a:schemeClr val="tx1">
+        <a:lumMod val="65000"/>
+        <a:lumOff val="35000"/>
+      </a:schemeClr>
+    </cs:fontRef>
+    <cs:defRPr sz="1400" b="0" kern="1200" spc="0" baseline="0"/>
+  </cs:title>
+  <cs:trendline>
+    <cs:lnRef idx="0">
+      <cs:styleClr val="auto"/>
+    </cs:lnRef>
+    <cs:fillRef idx="0"/>
+    <cs:effectRef idx="0"/>
+    <cs:fontRef idx="minor">
+      <a:schemeClr val="tx1"/>
+    </cs:fontRef>
+    <cs:spPr>
+      <a:ln w="19050" cap="rnd">
+        <a:solidFill>
+          <a:schemeClr val="phClr"/>
+        </a:solidFill>
+        <a:prstDash val="sysDot"/>
+      </a:ln>
+    </cs:spPr>
+  </cs:trendline>
+  <cs:trendlineLabel>
+    <cs:lnRef idx="0"/>
+    <cs:fillRef idx="0"/>
+    <cs:effectRef idx="0"/>
+    <cs:fontRef idx="minor">
+      <a:schemeClr val="tx1">
+        <a:lumMod val="65000"/>
+        <a:lumOff val="35000"/>
+      </a:schemeClr>
+    </cs:fontRef>
+    <cs:defRPr sz="900" kern="1200"/>
+  </cs:trendlineLabel>
+  <cs:upBar>
+    <cs:lnRef idx="0"/>
+    <cs:fillRef idx="0"/>
+    <cs:effectRef idx="0"/>
+    <cs:fontRef idx="minor">
+      <a:schemeClr val="dk1"/>
+    </cs:fontRef>
+    <cs:spPr>
+      <a:solidFill>
+        <a:schemeClr val="lt1"/>
+      </a:solidFill>
+      <a:ln w="9525">
+        <a:solidFill>
+          <a:schemeClr val="tx1">
+            <a:lumMod val="15000"/>
+            <a:lumOff val="85000"/>
+          </a:schemeClr>
+        </a:solidFill>
+      </a:ln>
+    </cs:spPr>
+  </cs:upBar>
+  <cs:valueAxis>
+    <cs:lnRef idx="0"/>
+    <cs:fillRef idx="0"/>
+    <cs:effectRef idx="0"/>
+    <cs:fontRef idx="minor">
+      <a:schemeClr val="tx1">
+        <a:lumMod val="65000"/>
+        <a:lumOff val="35000"/>
+      </a:schemeClr>
+    </cs:fontRef>
+    <cs:defRPr sz="900" kern="1200"/>
+  </cs:valueAxis>
+  <cs:wall>
+    <cs:lnRef idx="0"/>
+    <cs:fillRef idx="0"/>
+    <cs:effectRef idx="0"/>
+    <cs:fontRef idx="minor">
+      <a:schemeClr val="tx1"/>
+    </cs:fontRef>
+    <cs:spPr>
+      <a:noFill/>
+      <a:ln>
+        <a:noFill/>
+      </a:ln>
+    </cs:spPr>
+  </cs:wall>
+</cs:chartStyle>
+</file>
+
+<file path=ppt/charts/style2.xml><?xml version="1.0" encoding="utf-8"?>
+<cs:chartStyle xmlns:cs="http://schemas.microsoft.com/office/drawing/2012/chartStyle" xmlns:a="http://schemas.openxmlformats.org/drawingml/2006/main" id="201">
+  <cs:axisTitle>
+    <cs:lnRef idx="0"/>
+    <cs:fillRef idx="0"/>
+    <cs:effectRef idx="0"/>
+    <cs:fontRef idx="minor">
+      <a:schemeClr val="tx1">
+        <a:lumMod val="65000"/>
+        <a:lumOff val="35000"/>
+      </a:schemeClr>
+    </cs:fontRef>
+    <cs:defRPr sz="1000" kern="1200"/>
+  </cs:axisTitle>
+  <cs:categoryAxis>
+    <cs:lnRef idx="0"/>
+    <cs:fillRef idx="0"/>
+    <cs:effectRef idx="0"/>
+    <cs:fontRef idx="minor">
+      <a:schemeClr val="tx1">
+        <a:lumMod val="65000"/>
+        <a:lumOff val="35000"/>
+      </a:schemeClr>
+    </cs:fontRef>
+    <cs:spPr>
+      <a:ln w="9525" cap="flat" cmpd="sng" algn="ctr">
+        <a:solidFill>
+          <a:schemeClr val="tx1">
+            <a:lumMod val="15000"/>
+            <a:lumOff val="85000"/>
+          </a:schemeClr>
+        </a:solidFill>
+        <a:round/>
+      </a:ln>
+    </cs:spPr>
+    <cs:defRPr sz="900" kern="1200"/>
+  </cs:categoryAxis>
+  <cs:chartArea mods="allowNoFillOverride allowNoLineOverride">
+    <cs:lnRef idx="0"/>
+    <cs:fillRef idx="0"/>
+    <cs:effectRef idx="0"/>
+    <cs:fontRef idx="minor">
+      <a:schemeClr val="tx1"/>
+    </cs:fontRef>
+    <cs:spPr>
+      <a:solidFill>
+        <a:schemeClr val="bg1"/>
+      </a:solidFill>
+      <a:ln w="9525" cap="flat" cmpd="sng" algn="ctr">
+        <a:solidFill>
+          <a:schemeClr val="tx1">
+            <a:lumMod val="15000"/>
+            <a:lumOff val="85000"/>
+          </a:schemeClr>
+        </a:solidFill>
+        <a:round/>
+      </a:ln>
+    </cs:spPr>
+    <cs:defRPr sz="1000" kern="1200"/>
+  </cs:chartArea>
+  <cs:dataLabel>
+    <cs:lnRef idx="0"/>
+    <cs:fillRef idx="0"/>
+    <cs:effectRef idx="0"/>
+    <cs:fontRef idx="minor">
+      <a:schemeClr val="tx1">
+        <a:lumMod val="75000"/>
+        <a:lumOff val="25000"/>
+      </a:schemeClr>
+    </cs:fontRef>
+    <cs:defRPr sz="900" kern="1200"/>
+  </cs:dataLabel>
+  <cs:dataLabelCallout>
+    <cs:lnRef idx="0"/>
+    <cs:fillRef idx="0"/>
+    <cs:effectRef idx="0"/>
+    <cs:fontRef idx="minor">
+      <a:schemeClr val="dk1">
+        <a:lumMod val="65000"/>
+        <a:lumOff val="35000"/>
+      </a:schemeClr>
+    </cs:fontRef>
+    <cs:spPr>
+      <a:solidFill>
+        <a:schemeClr val="lt1"/>
+      </a:solidFill>
+      <a:ln>
+        <a:solidFill>
+          <a:schemeClr val="dk1">
+            <a:lumMod val="25000"/>
+            <a:lumOff val="75000"/>
+          </a:schemeClr>
+        </a:solidFill>
+      </a:ln>
+    </cs:spPr>
+    <cs:defRPr sz="900" kern="1200"/>
+    <cs:bodyPr rot="0" spcFirstLastPara="1" vertOverflow="clip" horzOverflow="clip" vert="horz" wrap="square" lIns="36576" tIns="18288" rIns="36576" bIns="18288" anchor="ctr" anchorCtr="1">
+      <a:spAutoFit/>
+    </cs:bodyPr>
+  </cs:dataLabelCallout>
+  <cs:dataPoint>
+    <cs:lnRef idx="0"/>
+    <cs:fillRef idx="1">
+      <cs:styleClr val="auto"/>
+    </cs:fillRef>
+    <cs:effectRef idx="0"/>
+    <cs:fontRef idx="minor">
+      <a:schemeClr val="tx1"/>
+    </cs:fontRef>
+  </cs:dataPoint>
+  <cs:dataPoint3D>
+    <cs:lnRef idx="0"/>
+    <cs:fillRef idx="1">
+      <cs:styleClr val="auto"/>
+    </cs:fillRef>
+    <cs:effectRef idx="0"/>
+    <cs:fontRef idx="minor">
+      <a:schemeClr val="tx1"/>
+    </cs:fontRef>
+  </cs:dataPoint3D>
+  <cs:dataPointLine>
+    <cs:lnRef idx="0">
+      <cs:styleClr val="auto"/>
+    </cs:lnRef>
+    <cs:fillRef idx="1"/>
+    <cs:effectRef idx="0"/>
+    <cs:fontRef idx="minor">
+      <a:schemeClr val="tx1"/>
+    </cs:fontRef>
+    <cs:spPr>
+      <a:ln w="28575" cap="rnd">
+        <a:solidFill>
+          <a:schemeClr val="phClr"/>
+        </a:solidFill>
+        <a:round/>
+      </a:ln>
+    </cs:spPr>
+  </cs:dataPointLine>
+  <cs:dataPointMarker>
+    <cs:lnRef idx="0">
+      <cs:styleClr val="auto"/>
+    </cs:lnRef>
+    <cs:fillRef idx="1">
+      <cs:styleClr val="auto"/>
+    </cs:fillRef>
+    <cs:effectRef idx="0"/>
+    <cs:fontRef idx="minor">
+      <a:schemeClr val="tx1"/>
+    </cs:fontRef>
+    <cs:spPr>
+      <a:ln w="9525">
+        <a:solidFill>
+          <a:schemeClr val="phClr"/>
+        </a:solidFill>
+      </a:ln>
+    </cs:spPr>
+  </cs:dataPointMarker>
+  <cs:dataPointMarkerLayout symbol="circle" size="5"/>
+  <cs:dataPointWireframe>
+    <cs:lnRef idx="0">
+      <cs:styleClr val="auto"/>
+    </cs:lnRef>
+    <cs:fillRef idx="1"/>
+    <cs:effectRef idx="0"/>
+    <cs:fontRef idx="minor">
+      <a:schemeClr val="tx1"/>
+    </cs:fontRef>
+    <cs:spPr>
+      <a:ln w="9525" cap="rnd">
+        <a:solidFill>
+          <a:schemeClr val="phClr"/>
+        </a:solidFill>
+        <a:round/>
+      </a:ln>
+    </cs:spPr>
+  </cs:dataPointWireframe>
+  <cs:dataTable>
+    <cs:lnRef idx="0"/>
+    <cs:fillRef idx="0"/>
+    <cs:effectRef idx="0"/>
+    <cs:fontRef idx="minor">
+      <a:schemeClr val="tx1">
+        <a:lumMod val="65000"/>
+        <a:lumOff val="35000"/>
+      </a:schemeClr>
+    </cs:fontRef>
+    <cs:spPr>
+      <a:noFill/>
+      <a:ln w="9525" cap="flat" cmpd="sng" algn="ctr">
+        <a:solidFill>
+          <a:schemeClr val="tx1">
+            <a:lumMod val="15000"/>
+            <a:lumOff val="85000"/>
+          </a:schemeClr>
+        </a:solidFill>
+        <a:round/>
+      </a:ln>
+    </cs:spPr>
+    <cs:defRPr sz="900" kern="1200"/>
+  </cs:dataTable>
+  <cs:downBar>
+    <cs:lnRef idx="0"/>
+    <cs:fillRef idx="0"/>
+    <cs:effectRef idx="0"/>
+    <cs:fontRef idx="minor">
+      <a:schemeClr val="dk1"/>
+    </cs:fontRef>
+    <cs:spPr>
+      <a:solidFill>
+        <a:schemeClr val="dk1">
+          <a:lumMod val="65000"/>
+          <a:lumOff val="35000"/>
+        </a:schemeClr>
+      </a:solidFill>
+      <a:ln w="9525">
+        <a:solidFill>
+          <a:schemeClr val="tx1">
+            <a:lumMod val="65000"/>
+            <a:lumOff val="35000"/>
+          </a:schemeClr>
+        </a:solidFill>
+      </a:ln>
+    </cs:spPr>
+  </cs:downBar>
+  <cs:dropLine>
+    <cs:lnRef idx="0"/>
+    <cs:fillRef idx="0"/>
+    <cs:effectRef idx="0"/>
+    <cs:fontRef idx="minor">
+      <a:schemeClr val="tx1"/>
+    </cs:fontRef>
+    <cs:spPr>
+      <a:ln w="9525" cap="flat" cmpd="sng" algn="ctr">
+        <a:solidFill>
+          <a:schemeClr val="tx1">
+            <a:lumMod val="35000"/>
+            <a:lumOff val="65000"/>
+          </a:schemeClr>
+        </a:solidFill>
+        <a:round/>
+      </a:ln>
+    </cs:spPr>
+  </cs:dropLine>
+  <cs:errorBar>
+    <cs:lnRef idx="0"/>
+    <cs:fillRef idx="0"/>
+    <cs:effectRef idx="0"/>
+    <cs:fontRef idx="minor">
+      <a:schemeClr val="tx1"/>
+    </cs:fontRef>
+    <cs:spPr>
+      <a:ln w="9525" cap="flat" cmpd="sng" algn="ctr">
+        <a:solidFill>
+          <a:schemeClr val="tx1">
+            <a:lumMod val="65000"/>
+            <a:lumOff val="35000"/>
+          </a:schemeClr>
+        </a:solidFill>
+        <a:round/>
+      </a:ln>
+    </cs:spPr>
+  </cs:errorBar>
+  <cs:floor>
+    <cs:lnRef idx="0"/>
+    <cs:fillRef idx="0"/>
+    <cs:effectRef idx="0"/>
+    <cs:fontRef idx="minor">
+      <a:schemeClr val="tx1"/>
+    </cs:fontRef>
+    <cs:spPr>
+      <a:noFill/>
+      <a:ln>
+        <a:noFill/>
+      </a:ln>
+    </cs:spPr>
+  </cs:floor>
+  <cs:gridlineMajor>
+    <cs:lnRef idx="0"/>
+    <cs:fillRef idx="0"/>
+    <cs:effectRef idx="0"/>
+    <cs:fontRef idx="minor">
+      <a:schemeClr val="tx1"/>
+    </cs:fontRef>
+    <cs:spPr>
+      <a:ln w="9525" cap="flat" cmpd="sng" algn="ctr">
+        <a:solidFill>
+          <a:schemeClr val="tx1">
+            <a:lumMod val="15000"/>
+            <a:lumOff val="85000"/>
+          </a:schemeClr>
+        </a:solidFill>
+        <a:round/>
+      </a:ln>
+    </cs:spPr>
+  </cs:gridlineMajor>
+  <cs:gridlineMinor>
+    <cs:lnRef idx="0"/>
+    <cs:fillRef idx="0"/>
+    <cs:effectRef idx="0"/>
+    <cs:fontRef idx="minor">
+      <a:schemeClr val="tx1"/>
+    </cs:fontRef>
+    <cs:spPr>
+      <a:ln w="9525" cap="flat" cmpd="sng" algn="ctr">
+        <a:solidFill>
+          <a:schemeClr val="tx1">
+            <a:lumMod val="5000"/>
+            <a:lumOff val="95000"/>
+          </a:schemeClr>
+        </a:solidFill>
+        <a:round/>
+      </a:ln>
+    </cs:spPr>
+  </cs:gridlineMinor>
+  <cs:hiLoLine>
+    <cs:lnRef idx="0"/>
+    <cs:fillRef idx="0"/>
+    <cs:effectRef idx="0"/>
+    <cs:fontRef idx="minor">
+      <a:schemeClr val="tx1"/>
+    </cs:fontRef>
+    <cs:spPr>
+      <a:ln w="9525" cap="flat" cmpd="sng" algn="ctr">
+        <a:solidFill>
+          <a:schemeClr val="tx1">
+            <a:lumMod val="75000"/>
+            <a:lumOff val="25000"/>
+          </a:schemeClr>
+        </a:solidFill>
+        <a:round/>
+      </a:ln>
+    </cs:spPr>
+  </cs:hiLoLine>
+  <cs:leaderLine>
+    <cs:lnRef idx="0"/>
+    <cs:fillRef idx="0"/>
+    <cs:effectRef idx="0"/>
+    <cs:fontRef idx="minor">
+      <a:schemeClr val="tx1"/>
+    </cs:fontRef>
+    <cs:spPr>
+      <a:ln w="9525" cap="flat" cmpd="sng" algn="ctr">
+        <a:solidFill>
+          <a:schemeClr val="tx1">
+            <a:lumMod val="35000"/>
+            <a:lumOff val="65000"/>
+          </a:schemeClr>
+        </a:solidFill>
+        <a:round/>
+      </a:ln>
+    </cs:spPr>
+  </cs:leaderLine>
+  <cs:legend>
+    <cs:lnRef idx="0"/>
+    <cs:fillRef idx="0"/>
+    <cs:effectRef idx="0"/>
+    <cs:fontRef idx="minor">
+      <a:schemeClr val="tx1">
+        <a:lumMod val="65000"/>
+        <a:lumOff val="35000"/>
+      </a:schemeClr>
+    </cs:fontRef>
+    <cs:defRPr sz="900" kern="1200"/>
+  </cs:legend>
+  <cs:plotArea mods="allowNoFillOverride allowNoLineOverride">
+    <cs:lnRef idx="0"/>
+    <cs:fillRef idx="0"/>
+    <cs:effectRef idx="0"/>
+    <cs:fontRef idx="minor">
+      <a:schemeClr val="tx1"/>
+    </cs:fontRef>
+  </cs:plotArea>
+  <cs:plotArea3D mods="allowNoFillOverride allowNoLineOverride">
+    <cs:lnRef idx="0"/>
+    <cs:fillRef idx="0"/>
+    <cs:effectRef idx="0"/>
+    <cs:fontRef idx="minor">
+      <a:schemeClr val="tx1"/>
+    </cs:fontRef>
+  </cs:plotArea3D>
+  <cs:seriesAxis>
+    <cs:lnRef idx="0"/>
+    <cs:fillRef idx="0"/>
+    <cs:effectRef idx="0"/>
+    <cs:fontRef idx="minor">
+      <a:schemeClr val="tx1">
+        <a:lumMod val="65000"/>
+        <a:lumOff val="35000"/>
+      </a:schemeClr>
+    </cs:fontRef>
+    <cs:defRPr sz="900" kern="1200"/>
+  </cs:seriesAxis>
+  <cs:seriesLine>
+    <cs:lnRef idx="0"/>
+    <cs:fillRef idx="0"/>
+    <cs:effectRef idx="0"/>
+    <cs:fontRef idx="minor">
+      <a:schemeClr val="tx1"/>
+    </cs:fontRef>
+    <cs:spPr>
+      <a:ln w="9525" cap="flat" cmpd="sng" algn="ctr">
+        <a:solidFill>
+          <a:schemeClr val="tx1">
+            <a:lumMod val="35000"/>
+            <a:lumOff val="65000"/>
+          </a:schemeClr>
+        </a:solidFill>
+        <a:round/>
+      </a:ln>
+    </cs:spPr>
+  </cs:seriesLine>
+  <cs:title>
+    <cs:lnRef idx="0"/>
+    <cs:fillRef idx="0"/>
+    <cs:effectRef idx="0"/>
+    <cs:fontRef idx="minor">
+      <a:schemeClr val="tx1">
+        <a:lumMod val="65000"/>
+        <a:lumOff val="35000"/>
+      </a:schemeClr>
+    </cs:fontRef>
+    <cs:defRPr sz="1400" b="0" kern="1200" spc="0" baseline="0"/>
+  </cs:title>
+  <cs:trendline>
+    <cs:lnRef idx="0">
+      <cs:styleClr val="auto"/>
+    </cs:lnRef>
+    <cs:fillRef idx="0"/>
+    <cs:effectRef idx="0"/>
+    <cs:fontRef idx="minor">
+      <a:schemeClr val="tx1"/>
+    </cs:fontRef>
+    <cs:spPr>
+      <a:ln w="19050" cap="rnd">
+        <a:solidFill>
+          <a:schemeClr val="phClr"/>
+        </a:solidFill>
+        <a:prstDash val="sysDot"/>
+      </a:ln>
+    </cs:spPr>
+  </cs:trendline>
+  <cs:trendlineLabel>
+    <cs:lnRef idx="0"/>
+    <cs:fillRef idx="0"/>
+    <cs:effectRef idx="0"/>
+    <cs:fontRef idx="minor">
+      <a:schemeClr val="tx1">
+        <a:lumMod val="65000"/>
+        <a:lumOff val="35000"/>
+      </a:schemeClr>
+    </cs:fontRef>
+    <cs:defRPr sz="900" kern="1200"/>
+  </cs:trendlineLabel>
+  <cs:upBar>
+    <cs:lnRef idx="0"/>
+    <cs:fillRef idx="0"/>
+    <cs:effectRef idx="0"/>
+    <cs:fontRef idx="minor">
+      <a:schemeClr val="dk1"/>
+    </cs:fontRef>
+    <cs:spPr>
+      <a:solidFill>
+        <a:schemeClr val="lt1"/>
+      </a:solidFill>
+      <a:ln w="9525">
+        <a:solidFill>
+          <a:schemeClr val="tx1">
+            <a:lumMod val="15000"/>
+            <a:lumOff val="85000"/>
+          </a:schemeClr>
+        </a:solidFill>
+      </a:ln>
+    </cs:spPr>
+  </cs:upBar>
+  <cs:valueAxis>
+    <cs:lnRef idx="0"/>
+    <cs:fillRef idx="0"/>
+    <cs:effectRef idx="0"/>
+    <cs:fontRef idx="minor">
+      <a:schemeClr val="tx1">
+        <a:lumMod val="65000"/>
+        <a:lumOff val="35000"/>
+      </a:schemeClr>
+    </cs:fontRef>
+    <cs:defRPr sz="900" kern="1200"/>
+  </cs:valueAxis>
+  <cs:wall>
+    <cs:lnRef idx="0"/>
+    <cs:fillRef idx="0"/>
+    <cs:effectRef idx="0"/>
+    <cs:fontRef idx="minor">
+      <a:schemeClr val="tx1"/>
+    </cs:fontRef>
+    <cs:spPr>
+      <a:noFill/>
+      <a:ln>
+        <a:noFill/>
+      </a:ln>
+    </cs:spPr>
+  </cs:wall>
+</cs:chartStyle>
 </file>
 
 <file path=ppt/slideLayouts/slideLayout1.xml><?xml version="1.0" encoding="utf-8"?>
@@ -290,7 +2424,7 @@
           <a:p>
             <a:fld id="{2DDAFEED-1BFD-4B29-8449-AD7AC9510837}" type="datetimeFigureOut">
               <a:rPr lang="en-US" smtClean="0"/>
-              <a:t>10/27/2018</a:t>
+              <a:t>10/30/2018</a:t>
             </a:fld>
             <a:endParaRPr lang="en-US"/>
           </a:p>
@@ -488,7 +2622,7 @@
           <a:p>
             <a:fld id="{2DDAFEED-1BFD-4B29-8449-AD7AC9510837}" type="datetimeFigureOut">
               <a:rPr lang="en-US" smtClean="0"/>
-              <a:t>10/27/2018</a:t>
+              <a:t>10/30/2018</a:t>
             </a:fld>
             <a:endParaRPr lang="en-US"/>
           </a:p>
@@ -696,7 +2830,7 @@
           <a:p>
             <a:fld id="{2DDAFEED-1BFD-4B29-8449-AD7AC9510837}" type="datetimeFigureOut">
               <a:rPr lang="en-US" smtClean="0"/>
-              <a:t>10/27/2018</a:t>
+              <a:t>10/30/2018</a:t>
             </a:fld>
             <a:endParaRPr lang="en-US"/>
           </a:p>
@@ -894,7 +3028,7 @@
           <a:p>
             <a:fld id="{2DDAFEED-1BFD-4B29-8449-AD7AC9510837}" type="datetimeFigureOut">
               <a:rPr lang="en-US" smtClean="0"/>
-              <a:t>10/27/2018</a:t>
+              <a:t>10/30/2018</a:t>
             </a:fld>
             <a:endParaRPr lang="en-US"/>
           </a:p>
@@ -1169,7 +3303,7 @@
           <a:p>
             <a:fld id="{2DDAFEED-1BFD-4B29-8449-AD7AC9510837}" type="datetimeFigureOut">
               <a:rPr lang="en-US" smtClean="0"/>
-              <a:t>10/27/2018</a:t>
+              <a:t>10/30/2018</a:t>
             </a:fld>
             <a:endParaRPr lang="en-US"/>
           </a:p>
@@ -1434,7 +3568,7 @@
           <a:p>
             <a:fld id="{2DDAFEED-1BFD-4B29-8449-AD7AC9510837}" type="datetimeFigureOut">
               <a:rPr lang="en-US" smtClean="0"/>
-              <a:t>10/27/2018</a:t>
+              <a:t>10/30/2018</a:t>
             </a:fld>
             <a:endParaRPr lang="en-US"/>
           </a:p>
@@ -1846,7 +3980,7 @@
           <a:p>
             <a:fld id="{2DDAFEED-1BFD-4B29-8449-AD7AC9510837}" type="datetimeFigureOut">
               <a:rPr lang="en-US" smtClean="0"/>
-              <a:t>10/27/2018</a:t>
+              <a:t>10/30/2018</a:t>
             </a:fld>
             <a:endParaRPr lang="en-US"/>
           </a:p>
@@ -1987,7 +4121,7 @@
           <a:p>
             <a:fld id="{2DDAFEED-1BFD-4B29-8449-AD7AC9510837}" type="datetimeFigureOut">
               <a:rPr lang="en-US" smtClean="0"/>
-              <a:t>10/27/2018</a:t>
+              <a:t>10/30/2018</a:t>
             </a:fld>
             <a:endParaRPr lang="en-US"/>
           </a:p>
@@ -2100,7 +4234,7 @@
           <a:p>
             <a:fld id="{2DDAFEED-1BFD-4B29-8449-AD7AC9510837}" type="datetimeFigureOut">
               <a:rPr lang="en-US" smtClean="0"/>
-              <a:t>10/27/2018</a:t>
+              <a:t>10/30/2018</a:t>
             </a:fld>
             <a:endParaRPr lang="en-US"/>
           </a:p>
@@ -2411,7 +4545,7 @@
           <a:p>
             <a:fld id="{2DDAFEED-1BFD-4B29-8449-AD7AC9510837}" type="datetimeFigureOut">
               <a:rPr lang="en-US" smtClean="0"/>
-              <a:t>10/27/2018</a:t>
+              <a:t>10/30/2018</a:t>
             </a:fld>
             <a:endParaRPr lang="en-US"/>
           </a:p>
@@ -2699,7 +4833,7 @@
           <a:p>
             <a:fld id="{2DDAFEED-1BFD-4B29-8449-AD7AC9510837}" type="datetimeFigureOut">
               <a:rPr lang="en-US" smtClean="0"/>
-              <a:t>10/27/2018</a:t>
+              <a:t>10/30/2018</a:t>
             </a:fld>
             <a:endParaRPr lang="en-US"/>
           </a:p>
@@ -2940,7 +5074,7 @@
           <a:p>
             <a:fld id="{2DDAFEED-1BFD-4B29-8449-AD7AC9510837}" type="datetimeFigureOut">
               <a:rPr lang="en-US" smtClean="0"/>
-              <a:t>10/27/2018</a:t>
+              <a:t>10/30/2018</a:t>
             </a:fld>
             <a:endParaRPr lang="en-US"/>
           </a:p>
@@ -6974,8 +9108,8 @@
           </a:p>
         </p:txBody>
       </p:sp>
-      <mc:AlternateContent xmlns:mc="http://schemas.openxmlformats.org/markup-compatibility/2006">
-        <mc:Choice xmlns:a14="http://schemas.microsoft.com/office/drawing/2010/main" Requires="a14">
+      <mc:AlternateContent xmlns:mc="http://schemas.openxmlformats.org/markup-compatibility/2006" xmlns:a14="http://schemas.microsoft.com/office/drawing/2010/main">
+        <mc:Choice Requires="a14">
           <p:sp>
             <p:nvSpPr>
               <p:cNvPr id="66" name="TextBox 65">
@@ -7050,7 +9184,7 @@
             </p:txBody>
           </p:sp>
         </mc:Choice>
-        <mc:Fallback>
+        <mc:Fallback xmlns="">
           <p:sp>
             <p:nvSpPr>
               <p:cNvPr id="66" name="TextBox 65">
@@ -7100,8 +9234,8 @@
           </p:sp>
         </mc:Fallback>
       </mc:AlternateContent>
-      <mc:AlternateContent xmlns:mc="http://schemas.openxmlformats.org/markup-compatibility/2006">
-        <mc:Choice xmlns:a14="http://schemas.microsoft.com/office/drawing/2010/main" Requires="a14">
+      <mc:AlternateContent xmlns:mc="http://schemas.openxmlformats.org/markup-compatibility/2006" xmlns:a14="http://schemas.microsoft.com/office/drawing/2010/main">
+        <mc:Choice Requires="a14">
           <p:sp>
             <p:nvSpPr>
               <p:cNvPr id="21" name="TextBox 20">
@@ -7180,7 +9314,7 @@
             </p:txBody>
           </p:sp>
         </mc:Choice>
-        <mc:Fallback>
+        <mc:Fallback xmlns="">
           <p:sp>
             <p:nvSpPr>
               <p:cNvPr id="21" name="TextBox 20">
@@ -7363,8 +9497,8 @@
             <a:chExt cx="6221849" cy="2206369"/>
           </a:xfrm>
         </p:grpSpPr>
-        <mc:AlternateContent xmlns:mc="http://schemas.openxmlformats.org/markup-compatibility/2006">
-          <mc:Choice xmlns:a14="http://schemas.microsoft.com/office/drawing/2010/main" Requires="a14">
+        <mc:AlternateContent xmlns:mc="http://schemas.openxmlformats.org/markup-compatibility/2006" xmlns:a14="http://schemas.microsoft.com/office/drawing/2010/main">
+          <mc:Choice Requires="a14">
             <p:sp>
               <p:nvSpPr>
                 <p:cNvPr id="11" name="TextBox 10">
@@ -7434,7 +9568,7 @@
               </p:txBody>
             </p:sp>
           </mc:Choice>
-          <mc:Fallback>
+          <mc:Fallback xmlns="">
             <p:sp>
               <p:nvSpPr>
                 <p:cNvPr id="11" name="TextBox 10">
@@ -7786,8 +9920,8 @@
               </p:txBody>
             </p:sp>
           </p:grpSp>
-          <mc:AlternateContent xmlns:mc="http://schemas.openxmlformats.org/markup-compatibility/2006">
-            <mc:Choice xmlns:a14="http://schemas.microsoft.com/office/drawing/2010/main" Requires="a14">
+          <mc:AlternateContent xmlns:mc="http://schemas.openxmlformats.org/markup-compatibility/2006" xmlns:a14="http://schemas.microsoft.com/office/drawing/2010/main">
+            <mc:Choice Requires="a14">
               <p:sp>
                 <p:nvSpPr>
                   <p:cNvPr id="20" name="TextBox 19">
@@ -7839,7 +9973,7 @@
                 </p:txBody>
               </p:sp>
             </mc:Choice>
-            <mc:Fallback>
+            <mc:Fallback xmlns="">
               <p:sp>
                 <p:nvSpPr>
                   <p:cNvPr id="20" name="TextBox 19">
@@ -7884,8 +10018,8 @@
               </p:sp>
             </mc:Fallback>
           </mc:AlternateContent>
-          <mc:AlternateContent xmlns:mc="http://schemas.openxmlformats.org/markup-compatibility/2006">
-            <mc:Choice xmlns:a14="http://schemas.microsoft.com/office/drawing/2010/main" Requires="a14">
+          <mc:AlternateContent xmlns:mc="http://schemas.openxmlformats.org/markup-compatibility/2006" xmlns:a14="http://schemas.microsoft.com/office/drawing/2010/main">
+            <mc:Choice Requires="a14">
               <p:sp>
                 <p:nvSpPr>
                   <p:cNvPr id="27" name="TextBox 26">
@@ -7937,7 +10071,7 @@
                 </p:txBody>
               </p:sp>
             </mc:Choice>
-            <mc:Fallback>
+            <mc:Fallback xmlns="">
               <p:sp>
                 <p:nvSpPr>
                   <p:cNvPr id="27" name="TextBox 26">
@@ -8591,8 +10725,8 @@
             <a:chExt cx="6028776" cy="2275569"/>
           </a:xfrm>
         </p:grpSpPr>
-        <mc:AlternateContent xmlns:mc="http://schemas.openxmlformats.org/markup-compatibility/2006">
-          <mc:Choice xmlns:a14="http://schemas.microsoft.com/office/drawing/2010/main" Requires="a14">
+        <mc:AlternateContent xmlns:mc="http://schemas.openxmlformats.org/markup-compatibility/2006" xmlns:a14="http://schemas.microsoft.com/office/drawing/2010/main">
+          <mc:Choice Requires="a14">
             <p:sp>
               <p:nvSpPr>
                 <p:cNvPr id="13" name="TextBox 12">
@@ -8643,7 +10777,7 @@
               </p:txBody>
             </p:sp>
           </mc:Choice>
-          <mc:Fallback>
+          <mc:Fallback xmlns="">
             <p:sp>
               <p:nvSpPr>
                 <p:cNvPr id="13" name="TextBox 12">
@@ -9066,8 +11200,8 @@
               </p:txBody>
             </p:sp>
           </p:grpSp>
-          <mc:AlternateContent xmlns:mc="http://schemas.openxmlformats.org/markup-compatibility/2006">
-            <mc:Choice xmlns:a14="http://schemas.microsoft.com/office/drawing/2010/main" Requires="a14">
+          <mc:AlternateContent xmlns:mc="http://schemas.openxmlformats.org/markup-compatibility/2006" xmlns:a14="http://schemas.microsoft.com/office/drawing/2010/main">
+            <mc:Choice Requires="a14">
               <p:sp>
                 <p:nvSpPr>
                   <p:cNvPr id="67" name="TextBox 66">
@@ -9119,7 +11253,7 @@
                 </p:txBody>
               </p:sp>
             </mc:Choice>
-            <mc:Fallback>
+            <mc:Fallback xmlns="">
               <p:sp>
                 <p:nvSpPr>
                   <p:cNvPr id="67" name="TextBox 66">
@@ -9390,8 +11524,8 @@
               </a:p>
             </p:txBody>
           </p:sp>
-          <mc:AlternateContent xmlns:mc="http://schemas.openxmlformats.org/markup-compatibility/2006">
-            <mc:Choice xmlns:a14="http://schemas.microsoft.com/office/drawing/2010/main" Requires="a14">
+          <mc:AlternateContent xmlns:mc="http://schemas.openxmlformats.org/markup-compatibility/2006" xmlns:a14="http://schemas.microsoft.com/office/drawing/2010/main">
+            <mc:Choice Requires="a14">
               <p:sp>
                 <p:nvSpPr>
                   <p:cNvPr id="70" name="TextBox 69">
@@ -9443,7 +11577,7 @@
                 </p:txBody>
               </p:sp>
             </mc:Choice>
-            <mc:Fallback>
+            <mc:Fallback xmlns="">
               <p:sp>
                 <p:nvSpPr>
                   <p:cNvPr id="70" name="TextBox 69">
@@ -9935,8 +12069,8 @@
             <a:chExt cx="5968079" cy="2309585"/>
           </a:xfrm>
         </p:grpSpPr>
-        <mc:AlternateContent xmlns:mc="http://schemas.openxmlformats.org/markup-compatibility/2006">
-          <mc:Choice xmlns:a14="http://schemas.microsoft.com/office/drawing/2010/main" Requires="a14">
+        <mc:AlternateContent xmlns:mc="http://schemas.openxmlformats.org/markup-compatibility/2006" xmlns:a14="http://schemas.microsoft.com/office/drawing/2010/main">
+          <mc:Choice Requires="a14">
             <p:sp>
               <p:nvSpPr>
                 <p:cNvPr id="44" name="TextBox 43">
@@ -9987,7 +12121,7 @@
               </p:txBody>
             </p:sp>
           </mc:Choice>
-          <mc:Fallback>
+          <mc:Fallback xmlns="">
             <p:sp>
               <p:nvSpPr>
                 <p:cNvPr id="44" name="TextBox 43">
@@ -10258,8 +12392,8 @@
             </p:txBody>
           </p:sp>
         </p:grpSp>
-        <mc:AlternateContent xmlns:mc="http://schemas.openxmlformats.org/markup-compatibility/2006">
-          <mc:Choice xmlns:a14="http://schemas.microsoft.com/office/drawing/2010/main" Requires="a14">
+        <mc:AlternateContent xmlns:mc="http://schemas.openxmlformats.org/markup-compatibility/2006" xmlns:a14="http://schemas.microsoft.com/office/drawing/2010/main">
+          <mc:Choice Requires="a14">
             <p:sp>
               <p:nvSpPr>
                 <p:cNvPr id="48" name="TextBox 47">
@@ -10311,7 +12445,7 @@
               </p:txBody>
             </p:sp>
           </mc:Choice>
-          <mc:Fallback>
+          <mc:Fallback xmlns="">
             <p:sp>
               <p:nvSpPr>
                 <p:cNvPr id="48" name="TextBox 47">
@@ -10850,8 +12984,8 @@
             </a:p>
           </p:txBody>
         </p:sp>
-        <mc:AlternateContent xmlns:mc="http://schemas.openxmlformats.org/markup-compatibility/2006">
-          <mc:Choice xmlns:a14="http://schemas.microsoft.com/office/drawing/2010/main" Requires="a14">
+        <mc:AlternateContent xmlns:mc="http://schemas.openxmlformats.org/markup-compatibility/2006" xmlns:a14="http://schemas.microsoft.com/office/drawing/2010/main">
+          <mc:Choice Requires="a14">
             <p:sp>
               <p:nvSpPr>
                 <p:cNvPr id="7" name="TextBox 6">
@@ -10903,7 +13037,7 @@
               </p:txBody>
             </p:sp>
           </mc:Choice>
-          <mc:Fallback>
+          <mc:Fallback xmlns="">
             <p:sp>
               <p:nvSpPr>
                 <p:cNvPr id="7" name="TextBox 6">
@@ -11076,8 +13210,8 @@
             </a:fontRef>
           </p:style>
         </p:cxnSp>
-        <mc:AlternateContent xmlns:mc="http://schemas.openxmlformats.org/markup-compatibility/2006">
-          <mc:Choice xmlns:a14="http://schemas.microsoft.com/office/drawing/2010/main" Requires="a14">
+        <mc:AlternateContent xmlns:mc="http://schemas.openxmlformats.org/markup-compatibility/2006" xmlns:a14="http://schemas.microsoft.com/office/drawing/2010/main">
+          <mc:Choice Requires="a14">
             <p:sp>
               <p:nvSpPr>
                 <p:cNvPr id="28" name="TextBox 27">
@@ -11147,7 +13281,7 @@
               </p:txBody>
             </p:sp>
           </mc:Choice>
-          <mc:Fallback>
+          <mc:Fallback xmlns="">
             <p:sp>
               <p:nvSpPr>
                 <p:cNvPr id="28" name="TextBox 27">
@@ -11508,6 +13642,186 @@
     <p:extLst>
       <p:ext uri="{BB962C8B-B14F-4D97-AF65-F5344CB8AC3E}">
         <p14:creationId xmlns:p14="http://schemas.microsoft.com/office/powerpoint/2010/main" val="2432246604"/>
+      </p:ext>
+    </p:extLst>
+  </p:cSld>
+  <p:clrMapOvr>
+    <a:masterClrMapping/>
+  </p:clrMapOvr>
+</p:sld>
+</file>
+
+<file path=ppt/slides/slide13.xml><?xml version="1.0" encoding="utf-8"?>
+<p:sld xmlns:a="http://schemas.openxmlformats.org/drawingml/2006/main" xmlns:r="http://schemas.openxmlformats.org/officeDocument/2006/relationships" xmlns:p="http://schemas.openxmlformats.org/presentationml/2006/main">
+  <p:cSld>
+    <p:spTree>
+      <p:nvGrpSpPr>
+        <p:cNvPr id="1" name=""/>
+        <p:cNvGrpSpPr/>
+        <p:nvPr/>
+      </p:nvGrpSpPr>
+      <p:grpSpPr>
+        <a:xfrm>
+          <a:off x="0" y="0"/>
+          <a:ext cx="0" cy="0"/>
+          <a:chOff x="0" y="0"/>
+          <a:chExt cx="0" cy="0"/>
+        </a:xfrm>
+      </p:grpSpPr>
+      <p:graphicFrame>
+        <p:nvGraphicFramePr>
+          <p:cNvPr id="4" name="Chart 3">
+            <a:extLst>
+              <a:ext uri="{FF2B5EF4-FFF2-40B4-BE49-F238E27FC236}">
+                <a16:creationId xmlns:a16="http://schemas.microsoft.com/office/drawing/2014/main" id="{F605A707-B259-4DE9-941A-A0845169047E}"/>
+              </a:ext>
+            </a:extLst>
+          </p:cNvPr>
+          <p:cNvGraphicFramePr>
+            <a:graphicFrameLocks/>
+          </p:cNvGraphicFramePr>
+          <p:nvPr>
+            <p:extLst>
+              <p:ext uri="{D42A27DB-BD31-4B8C-83A1-F6EECF244321}">
+                <p14:modId xmlns:p14="http://schemas.microsoft.com/office/powerpoint/2010/main" val="3337625844"/>
+              </p:ext>
+            </p:extLst>
+          </p:nvPr>
+        </p:nvGraphicFramePr>
+        <p:xfrm>
+          <a:off x="3809291" y="2067330"/>
+          <a:ext cx="4573418" cy="2723339"/>
+        </p:xfrm>
+        <a:graphic>
+          <a:graphicData uri="http://schemas.openxmlformats.org/drawingml/2006/chart">
+            <c:chart xmlns:c="http://schemas.openxmlformats.org/drawingml/2006/chart" xmlns:r="http://schemas.openxmlformats.org/officeDocument/2006/relationships" r:id="rId2"/>
+          </a:graphicData>
+        </a:graphic>
+      </p:graphicFrame>
+    </p:spTree>
+    <p:extLst>
+      <p:ext uri="{BB962C8B-B14F-4D97-AF65-F5344CB8AC3E}">
+        <p14:creationId xmlns:p14="http://schemas.microsoft.com/office/powerpoint/2010/main" val="842753562"/>
+      </p:ext>
+    </p:extLst>
+  </p:cSld>
+  <p:clrMapOvr>
+    <a:masterClrMapping/>
+  </p:clrMapOvr>
+</p:sld>
+</file>
+
+<file path=ppt/slides/slide14.xml><?xml version="1.0" encoding="utf-8"?>
+<p:sld xmlns:a="http://schemas.openxmlformats.org/drawingml/2006/main" xmlns:r="http://schemas.openxmlformats.org/officeDocument/2006/relationships" xmlns:p="http://schemas.openxmlformats.org/presentationml/2006/main">
+  <p:cSld>
+    <p:spTree>
+      <p:nvGrpSpPr>
+        <p:cNvPr id="1" name=""/>
+        <p:cNvGrpSpPr/>
+        <p:nvPr/>
+      </p:nvGrpSpPr>
+      <p:grpSpPr>
+        <a:xfrm>
+          <a:off x="0" y="0"/>
+          <a:ext cx="0" cy="0"/>
+          <a:chOff x="0" y="0"/>
+          <a:chExt cx="0" cy="0"/>
+        </a:xfrm>
+      </p:grpSpPr>
+      <p:pic>
+        <p:nvPicPr>
+          <p:cNvPr id="4" name="Picture 3">
+            <a:extLst>
+              <a:ext uri="{FF2B5EF4-FFF2-40B4-BE49-F238E27FC236}">
+                <a16:creationId xmlns:a16="http://schemas.microsoft.com/office/drawing/2014/main" id="{759256CD-BDBB-40D2-83B7-A74C2F14E20A}"/>
+              </a:ext>
+            </a:extLst>
+          </p:cNvPr>
+          <p:cNvPicPr>
+            <a:picLocks noChangeAspect="1"/>
+          </p:cNvPicPr>
+          <p:nvPr/>
+        </p:nvPicPr>
+        <p:blipFill>
+          <a:blip r:embed="rId2"/>
+          <a:stretch>
+            <a:fillRect/>
+          </a:stretch>
+        </p:blipFill>
+        <p:spPr>
+          <a:xfrm>
+            <a:off x="3290887" y="1262062"/>
+            <a:ext cx="5610225" cy="4333875"/>
+          </a:xfrm>
+          <a:prstGeom prst="rect">
+            <a:avLst/>
+          </a:prstGeom>
+        </p:spPr>
+      </p:pic>
+    </p:spTree>
+    <p:extLst>
+      <p:ext uri="{BB962C8B-B14F-4D97-AF65-F5344CB8AC3E}">
+        <p14:creationId xmlns:p14="http://schemas.microsoft.com/office/powerpoint/2010/main" val="3829360733"/>
+      </p:ext>
+    </p:extLst>
+  </p:cSld>
+  <p:clrMapOvr>
+    <a:masterClrMapping/>
+  </p:clrMapOvr>
+</p:sld>
+</file>
+
+<file path=ppt/slides/slide15.xml><?xml version="1.0" encoding="utf-8"?>
+<p:sld xmlns:a="http://schemas.openxmlformats.org/drawingml/2006/main" xmlns:r="http://schemas.openxmlformats.org/officeDocument/2006/relationships" xmlns:p="http://schemas.openxmlformats.org/presentationml/2006/main">
+  <p:cSld>
+    <p:spTree>
+      <p:nvGrpSpPr>
+        <p:cNvPr id="1" name=""/>
+        <p:cNvGrpSpPr/>
+        <p:nvPr/>
+      </p:nvGrpSpPr>
+      <p:grpSpPr>
+        <a:xfrm>
+          <a:off x="0" y="0"/>
+          <a:ext cx="0" cy="0"/>
+          <a:chOff x="0" y="0"/>
+          <a:chExt cx="0" cy="0"/>
+        </a:xfrm>
+      </p:grpSpPr>
+      <p:graphicFrame>
+        <p:nvGraphicFramePr>
+          <p:cNvPr id="6" name="Chart 5">
+            <a:extLst>
+              <a:ext uri="{FF2B5EF4-FFF2-40B4-BE49-F238E27FC236}">
+                <a16:creationId xmlns:a16="http://schemas.microsoft.com/office/drawing/2014/main" id="{F605A707-B259-4DE9-941A-A0845169047E}"/>
+              </a:ext>
+            </a:extLst>
+          </p:cNvPr>
+          <p:cNvGraphicFramePr>
+            <a:graphicFrameLocks/>
+          </p:cNvGraphicFramePr>
+          <p:nvPr>
+            <p:extLst>
+              <p:ext uri="{D42A27DB-BD31-4B8C-83A1-F6EECF244321}">
+                <p14:modId xmlns:p14="http://schemas.microsoft.com/office/powerpoint/2010/main" val="3644652986"/>
+              </p:ext>
+            </p:extLst>
+          </p:nvPr>
+        </p:nvGraphicFramePr>
+        <p:xfrm>
+          <a:off x="3809291" y="2715791"/>
+          <a:ext cx="4573418" cy="1426417"/>
+        </p:xfrm>
+        <a:graphic>
+          <a:graphicData uri="http://schemas.openxmlformats.org/drawingml/2006/chart">
+            <c:chart xmlns:c="http://schemas.openxmlformats.org/drawingml/2006/chart" xmlns:r="http://schemas.openxmlformats.org/officeDocument/2006/relationships" r:id="rId2"/>
+          </a:graphicData>
+        </a:graphic>
+      </p:graphicFrame>
+    </p:spTree>
+    <p:extLst>
+      <p:ext uri="{BB962C8B-B14F-4D97-AF65-F5344CB8AC3E}">
+        <p14:creationId xmlns:p14="http://schemas.microsoft.com/office/powerpoint/2010/main" val="3225276075"/>
       </p:ext>
     </p:extLst>
   </p:cSld>
@@ -15024,8 +17338,8 @@
           </a:prstGeom>
         </p:spPr>
       </p:pic>
-      <mc:AlternateContent xmlns:mc="http://schemas.openxmlformats.org/markup-compatibility/2006">
-        <mc:Choice xmlns:a14="http://schemas.microsoft.com/office/drawing/2010/main" Requires="a14">
+      <mc:AlternateContent xmlns:mc="http://schemas.openxmlformats.org/markup-compatibility/2006" xmlns:a14="http://schemas.microsoft.com/office/drawing/2010/main">
+        <mc:Choice Requires="a14">
           <p:sp>
             <p:nvSpPr>
               <p:cNvPr id="149" name="TextBox 148">
@@ -15054,6 +17368,7 @@
               </a:bodyPr>
               <a:lstStyle/>
               <a:p>
+                <a:pPr/>
                 <a14:m>
                   <m:oMathPara xmlns:m="http://schemas.openxmlformats.org/officeDocument/2006/math">
                     <m:oMathParaPr>
@@ -15102,7 +17417,7 @@
             </p:txBody>
           </p:sp>
         </mc:Choice>
-        <mc:Fallback>
+        <mc:Fallback xmlns="">
           <p:sp>
             <p:nvSpPr>
               <p:cNvPr id="149" name="TextBox 148">
@@ -15147,8 +17462,8 @@
           </p:sp>
         </mc:Fallback>
       </mc:AlternateContent>
-      <mc:AlternateContent xmlns:mc="http://schemas.openxmlformats.org/markup-compatibility/2006">
-        <mc:Choice xmlns:a14="http://schemas.microsoft.com/office/drawing/2010/main" Requires="a14">
+      <mc:AlternateContent xmlns:mc="http://schemas.openxmlformats.org/markup-compatibility/2006" xmlns:a14="http://schemas.microsoft.com/office/drawing/2010/main">
+        <mc:Choice Requires="a14">
           <p:sp>
             <p:nvSpPr>
               <p:cNvPr id="150" name="TextBox 149">
@@ -15177,6 +17492,7 @@
               </a:bodyPr>
               <a:lstStyle/>
               <a:p>
+                <a:pPr/>
                 <a14:m>
                   <m:oMathPara xmlns:m="http://schemas.openxmlformats.org/officeDocument/2006/math">
                     <m:oMathParaPr>
@@ -15225,7 +17541,7 @@
             </p:txBody>
           </p:sp>
         </mc:Choice>
-        <mc:Fallback>
+        <mc:Fallback xmlns="">
           <p:sp>
             <p:nvSpPr>
               <p:cNvPr id="150" name="TextBox 149">
@@ -15270,8 +17586,8 @@
           </p:sp>
         </mc:Fallback>
       </mc:AlternateContent>
-      <mc:AlternateContent xmlns:mc="http://schemas.openxmlformats.org/markup-compatibility/2006">
-        <mc:Choice xmlns:a14="http://schemas.microsoft.com/office/drawing/2010/main" Requires="a14">
+      <mc:AlternateContent xmlns:mc="http://schemas.openxmlformats.org/markup-compatibility/2006" xmlns:a14="http://schemas.microsoft.com/office/drawing/2010/main">
+        <mc:Choice Requires="a14">
           <p:sp>
             <p:nvSpPr>
               <p:cNvPr id="151" name="TextBox 150">
@@ -15300,6 +17616,7 @@
               </a:bodyPr>
               <a:lstStyle/>
               <a:p>
+                <a:pPr/>
                 <a14:m>
                   <m:oMathPara xmlns:m="http://schemas.openxmlformats.org/officeDocument/2006/math">
                     <m:oMathParaPr>
@@ -15348,7 +17665,7 @@
             </p:txBody>
           </p:sp>
         </mc:Choice>
-        <mc:Fallback>
+        <mc:Fallback xmlns="">
           <p:sp>
             <p:nvSpPr>
               <p:cNvPr id="151" name="TextBox 150">
@@ -15393,8 +17710,8 @@
           </p:sp>
         </mc:Fallback>
       </mc:AlternateContent>
-      <mc:AlternateContent xmlns:mc="http://schemas.openxmlformats.org/markup-compatibility/2006">
-        <mc:Choice xmlns:a14="http://schemas.microsoft.com/office/drawing/2010/main" Requires="a14">
+      <mc:AlternateContent xmlns:mc="http://schemas.openxmlformats.org/markup-compatibility/2006" xmlns:a14="http://schemas.microsoft.com/office/drawing/2010/main">
+        <mc:Choice Requires="a14">
           <p:sp>
             <p:nvSpPr>
               <p:cNvPr id="152" name="TextBox 151">
@@ -15423,6 +17740,7 @@
               </a:bodyPr>
               <a:lstStyle/>
               <a:p>
+                <a:pPr/>
                 <a14:m>
                   <m:oMathPara xmlns:m="http://schemas.openxmlformats.org/officeDocument/2006/math">
                     <m:oMathParaPr>
@@ -15482,7 +17800,7 @@
             </p:txBody>
           </p:sp>
         </mc:Choice>
-        <mc:Fallback>
+        <mc:Fallback xmlns="">
           <p:sp>
             <p:nvSpPr>
               <p:cNvPr id="152" name="TextBox 151">
@@ -15527,8 +17845,8 @@
           </p:sp>
         </mc:Fallback>
       </mc:AlternateContent>
-      <mc:AlternateContent xmlns:mc="http://schemas.openxmlformats.org/markup-compatibility/2006">
-        <mc:Choice xmlns:a14="http://schemas.microsoft.com/office/drawing/2010/main" Requires="a14">
+      <mc:AlternateContent xmlns:mc="http://schemas.openxmlformats.org/markup-compatibility/2006" xmlns:a14="http://schemas.microsoft.com/office/drawing/2010/main">
+        <mc:Choice Requires="a14">
           <p:sp>
             <p:nvSpPr>
               <p:cNvPr id="154" name="TextBox 153">
@@ -15557,6 +17875,7 @@
               </a:bodyPr>
               <a:lstStyle/>
               <a:p>
+                <a:pPr/>
                 <a14:m>
                   <m:oMathPara xmlns:m="http://schemas.openxmlformats.org/officeDocument/2006/math">
                     <m:oMathParaPr>
@@ -15616,7 +17935,7 @@
             </p:txBody>
           </p:sp>
         </mc:Choice>
-        <mc:Fallback>
+        <mc:Fallback xmlns="">
           <p:sp>
             <p:nvSpPr>
               <p:cNvPr id="154" name="TextBox 153">
@@ -15661,8 +17980,8 @@
           </p:sp>
         </mc:Fallback>
       </mc:AlternateContent>
-      <mc:AlternateContent xmlns:mc="http://schemas.openxmlformats.org/markup-compatibility/2006">
-        <mc:Choice xmlns:a14="http://schemas.microsoft.com/office/drawing/2010/main" Requires="a14">
+      <mc:AlternateContent xmlns:mc="http://schemas.openxmlformats.org/markup-compatibility/2006" xmlns:a14="http://schemas.microsoft.com/office/drawing/2010/main">
+        <mc:Choice Requires="a14">
           <p:sp>
             <p:nvSpPr>
               <p:cNvPr id="155" name="TextBox 154">
@@ -15691,6 +18010,7 @@
               </a:bodyPr>
               <a:lstStyle/>
               <a:p>
+                <a:pPr/>
                 <a14:m>
                   <m:oMathPara xmlns:m="http://schemas.openxmlformats.org/officeDocument/2006/math">
                     <m:oMathParaPr>
@@ -15750,7 +18070,7 @@
             </p:txBody>
           </p:sp>
         </mc:Choice>
-        <mc:Fallback>
+        <mc:Fallback xmlns="">
           <p:sp>
             <p:nvSpPr>
               <p:cNvPr id="155" name="TextBox 154">
@@ -15795,8 +18115,8 @@
           </p:sp>
         </mc:Fallback>
       </mc:AlternateContent>
-      <mc:AlternateContent xmlns:mc="http://schemas.openxmlformats.org/markup-compatibility/2006">
-        <mc:Choice xmlns:a14="http://schemas.microsoft.com/office/drawing/2010/main" Requires="a14">
+      <mc:AlternateContent xmlns:mc="http://schemas.openxmlformats.org/markup-compatibility/2006" xmlns:a14="http://schemas.microsoft.com/office/drawing/2010/main">
+        <mc:Choice Requires="a14">
           <p:sp>
             <p:nvSpPr>
               <p:cNvPr id="156" name="TextBox 155">
@@ -15825,6 +18145,7 @@
               </a:bodyPr>
               <a:lstStyle/>
               <a:p>
+                <a:pPr/>
                 <a14:m>
                   <m:oMathPara xmlns:m="http://schemas.openxmlformats.org/officeDocument/2006/math">
                     <m:oMathParaPr>
@@ -15884,7 +18205,7 @@
             </p:txBody>
           </p:sp>
         </mc:Choice>
-        <mc:Fallback>
+        <mc:Fallback xmlns="">
           <p:sp>
             <p:nvSpPr>
               <p:cNvPr id="156" name="TextBox 155">
@@ -15929,8 +18250,8 @@
           </p:sp>
         </mc:Fallback>
       </mc:AlternateContent>
-      <mc:AlternateContent xmlns:mc="http://schemas.openxmlformats.org/markup-compatibility/2006">
-        <mc:Choice xmlns:a14="http://schemas.microsoft.com/office/drawing/2010/main" Requires="a14">
+      <mc:AlternateContent xmlns:mc="http://schemas.openxmlformats.org/markup-compatibility/2006" xmlns:a14="http://schemas.microsoft.com/office/drawing/2010/main">
+        <mc:Choice Requires="a14">
           <p:sp>
             <p:nvSpPr>
               <p:cNvPr id="157" name="TextBox 156">
@@ -15959,6 +18280,7 @@
               </a:bodyPr>
               <a:lstStyle/>
               <a:p>
+                <a:pPr/>
                 <a14:m>
                   <m:oMathPara xmlns:m="http://schemas.openxmlformats.org/officeDocument/2006/math">
                     <m:oMathParaPr>
@@ -16007,7 +18329,7 @@
             </p:txBody>
           </p:sp>
         </mc:Choice>
-        <mc:Fallback>
+        <mc:Fallback xmlns="">
           <p:sp>
             <p:nvSpPr>
               <p:cNvPr id="157" name="TextBox 156">
@@ -16052,8 +18374,8 @@
           </p:sp>
         </mc:Fallback>
       </mc:AlternateContent>
-      <mc:AlternateContent xmlns:mc="http://schemas.openxmlformats.org/markup-compatibility/2006">
-        <mc:Choice xmlns:a14="http://schemas.microsoft.com/office/drawing/2010/main" Requires="a14">
+      <mc:AlternateContent xmlns:mc="http://schemas.openxmlformats.org/markup-compatibility/2006" xmlns:a14="http://schemas.microsoft.com/office/drawing/2010/main">
+        <mc:Choice Requires="a14">
           <p:sp>
             <p:nvSpPr>
               <p:cNvPr id="158" name="TextBox 157">
@@ -16082,6 +18404,7 @@
               </a:bodyPr>
               <a:lstStyle/>
               <a:p>
+                <a:pPr/>
                 <a14:m>
                   <m:oMathPara xmlns:m="http://schemas.openxmlformats.org/officeDocument/2006/math">
                     <m:oMathParaPr>
@@ -16130,7 +18453,7 @@
             </p:txBody>
           </p:sp>
         </mc:Choice>
-        <mc:Fallback>
+        <mc:Fallback xmlns="">
           <p:sp>
             <p:nvSpPr>
               <p:cNvPr id="158" name="TextBox 157">
@@ -16175,8 +18498,8 @@
           </p:sp>
         </mc:Fallback>
       </mc:AlternateContent>
-      <mc:AlternateContent xmlns:mc="http://schemas.openxmlformats.org/markup-compatibility/2006">
-        <mc:Choice xmlns:a14="http://schemas.microsoft.com/office/drawing/2010/main" Requires="a14">
+      <mc:AlternateContent xmlns:mc="http://schemas.openxmlformats.org/markup-compatibility/2006" xmlns:a14="http://schemas.microsoft.com/office/drawing/2010/main">
+        <mc:Choice Requires="a14">
           <p:sp>
             <p:nvSpPr>
               <p:cNvPr id="159" name="TextBox 158">
@@ -16205,6 +18528,7 @@
               </a:bodyPr>
               <a:lstStyle/>
               <a:p>
+                <a:pPr/>
                 <a14:m>
                   <m:oMathPara xmlns:m="http://schemas.openxmlformats.org/officeDocument/2006/math">
                     <m:oMathParaPr>
@@ -16253,7 +18577,7 @@
             </p:txBody>
           </p:sp>
         </mc:Choice>
-        <mc:Fallback>
+        <mc:Fallback xmlns="">
           <p:sp>
             <p:nvSpPr>
               <p:cNvPr id="159" name="TextBox 158">
@@ -16298,8 +18622,8 @@
           </p:sp>
         </mc:Fallback>
       </mc:AlternateContent>
-      <mc:AlternateContent xmlns:mc="http://schemas.openxmlformats.org/markup-compatibility/2006">
-        <mc:Choice xmlns:a14="http://schemas.microsoft.com/office/drawing/2010/main" Requires="a14">
+      <mc:AlternateContent xmlns:mc="http://schemas.openxmlformats.org/markup-compatibility/2006" xmlns:a14="http://schemas.microsoft.com/office/drawing/2010/main">
+        <mc:Choice Requires="a14">
           <p:sp>
             <p:nvSpPr>
               <p:cNvPr id="160" name="TextBox 159">
@@ -16328,6 +18652,7 @@
               </a:bodyPr>
               <a:lstStyle/>
               <a:p>
+                <a:pPr/>
                 <a14:m>
                   <m:oMathPara xmlns:m="http://schemas.openxmlformats.org/officeDocument/2006/math">
                     <m:oMathParaPr>
@@ -16376,7 +18701,7 @@
             </p:txBody>
           </p:sp>
         </mc:Choice>
-        <mc:Fallback>
+        <mc:Fallback xmlns="">
           <p:sp>
             <p:nvSpPr>
               <p:cNvPr id="160" name="TextBox 159">
@@ -16421,8 +18746,8 @@
           </p:sp>
         </mc:Fallback>
       </mc:AlternateContent>
-      <mc:AlternateContent xmlns:mc="http://schemas.openxmlformats.org/markup-compatibility/2006">
-        <mc:Choice xmlns:a14="http://schemas.microsoft.com/office/drawing/2010/main" Requires="a14">
+      <mc:AlternateContent xmlns:mc="http://schemas.openxmlformats.org/markup-compatibility/2006" xmlns:a14="http://schemas.microsoft.com/office/drawing/2010/main">
+        <mc:Choice Requires="a14">
           <p:sp>
             <p:nvSpPr>
               <p:cNvPr id="161" name="TextBox 160">
@@ -16451,6 +18776,7 @@
               </a:bodyPr>
               <a:lstStyle/>
               <a:p>
+                <a:pPr/>
                 <a14:m>
                   <m:oMathPara xmlns:m="http://schemas.openxmlformats.org/officeDocument/2006/math">
                     <m:oMathParaPr>
@@ -16499,7 +18825,7 @@
             </p:txBody>
           </p:sp>
         </mc:Choice>
-        <mc:Fallback>
+        <mc:Fallback xmlns="">
           <p:sp>
             <p:nvSpPr>
               <p:cNvPr id="161" name="TextBox 160">
@@ -16544,8 +18870,8 @@
           </p:sp>
         </mc:Fallback>
       </mc:AlternateContent>
-      <mc:AlternateContent xmlns:mc="http://schemas.openxmlformats.org/markup-compatibility/2006">
-        <mc:Choice xmlns:a14="http://schemas.microsoft.com/office/drawing/2010/main" Requires="a14">
+      <mc:AlternateContent xmlns:mc="http://schemas.openxmlformats.org/markup-compatibility/2006" xmlns:a14="http://schemas.microsoft.com/office/drawing/2010/main">
+        <mc:Choice Requires="a14">
           <p:sp>
             <p:nvSpPr>
               <p:cNvPr id="162" name="TextBox 161">
@@ -16574,6 +18900,7 @@
               </a:bodyPr>
               <a:lstStyle/>
               <a:p>
+                <a:pPr/>
                 <a14:m>
                   <m:oMathPara xmlns:m="http://schemas.openxmlformats.org/officeDocument/2006/math">
                     <m:oMathParaPr>
@@ -16622,7 +18949,7 @@
             </p:txBody>
           </p:sp>
         </mc:Choice>
-        <mc:Fallback>
+        <mc:Fallback xmlns="">
           <p:sp>
             <p:nvSpPr>
               <p:cNvPr id="162" name="TextBox 161">
@@ -16667,8 +18994,8 @@
           </p:sp>
         </mc:Fallback>
       </mc:AlternateContent>
-      <mc:AlternateContent xmlns:mc="http://schemas.openxmlformats.org/markup-compatibility/2006">
-        <mc:Choice xmlns:a14="http://schemas.microsoft.com/office/drawing/2010/main" Requires="a14">
+      <mc:AlternateContent xmlns:mc="http://schemas.openxmlformats.org/markup-compatibility/2006" xmlns:a14="http://schemas.microsoft.com/office/drawing/2010/main">
+        <mc:Choice Requires="a14">
           <p:sp>
             <p:nvSpPr>
               <p:cNvPr id="163" name="TextBox 162">
@@ -16697,6 +19024,7 @@
               </a:bodyPr>
               <a:lstStyle/>
               <a:p>
+                <a:pPr/>
                 <a14:m>
                   <m:oMathPara xmlns:m="http://schemas.openxmlformats.org/officeDocument/2006/math">
                     <m:oMathParaPr>
@@ -16745,7 +19073,7 @@
             </p:txBody>
           </p:sp>
         </mc:Choice>
-        <mc:Fallback>
+        <mc:Fallback xmlns="">
           <p:sp>
             <p:nvSpPr>
               <p:cNvPr id="163" name="TextBox 162">
@@ -16790,8 +19118,8 @@
           </p:sp>
         </mc:Fallback>
       </mc:AlternateContent>
-      <mc:AlternateContent xmlns:mc="http://schemas.openxmlformats.org/markup-compatibility/2006">
-        <mc:Choice xmlns:a14="http://schemas.microsoft.com/office/drawing/2010/main" Requires="a14">
+      <mc:AlternateContent xmlns:mc="http://schemas.openxmlformats.org/markup-compatibility/2006" xmlns:a14="http://schemas.microsoft.com/office/drawing/2010/main">
+        <mc:Choice Requires="a14">
           <p:sp>
             <p:nvSpPr>
               <p:cNvPr id="164" name="TextBox 163">
@@ -16820,6 +19148,7 @@
               </a:bodyPr>
               <a:lstStyle/>
               <a:p>
+                <a:pPr/>
                 <a14:m>
                   <m:oMathPara xmlns:m="http://schemas.openxmlformats.org/officeDocument/2006/math">
                     <m:oMathParaPr>
@@ -16879,7 +19208,7 @@
             </p:txBody>
           </p:sp>
         </mc:Choice>
-        <mc:Fallback>
+        <mc:Fallback xmlns="">
           <p:sp>
             <p:nvSpPr>
               <p:cNvPr id="164" name="TextBox 163">
@@ -16924,8 +19253,8 @@
           </p:sp>
         </mc:Fallback>
       </mc:AlternateContent>
-      <mc:AlternateContent xmlns:mc="http://schemas.openxmlformats.org/markup-compatibility/2006">
-        <mc:Choice xmlns:a14="http://schemas.microsoft.com/office/drawing/2010/main" Requires="a14">
+      <mc:AlternateContent xmlns:mc="http://schemas.openxmlformats.org/markup-compatibility/2006" xmlns:a14="http://schemas.microsoft.com/office/drawing/2010/main">
+        <mc:Choice Requires="a14">
           <p:sp>
             <p:nvSpPr>
               <p:cNvPr id="165" name="TextBox 164">
@@ -16954,6 +19283,7 @@
               </a:bodyPr>
               <a:lstStyle/>
               <a:p>
+                <a:pPr/>
                 <a14:m>
                   <m:oMathPara xmlns:m="http://schemas.openxmlformats.org/officeDocument/2006/math">
                     <m:oMathParaPr>
@@ -17013,7 +19343,7 @@
             </p:txBody>
           </p:sp>
         </mc:Choice>
-        <mc:Fallback>
+        <mc:Fallback xmlns="">
           <p:sp>
             <p:nvSpPr>
               <p:cNvPr id="165" name="TextBox 164">
@@ -17058,8 +19388,8 @@
           </p:sp>
         </mc:Fallback>
       </mc:AlternateContent>
-      <mc:AlternateContent xmlns:mc="http://schemas.openxmlformats.org/markup-compatibility/2006">
-        <mc:Choice xmlns:a14="http://schemas.microsoft.com/office/drawing/2010/main" Requires="a14">
+      <mc:AlternateContent xmlns:mc="http://schemas.openxmlformats.org/markup-compatibility/2006" xmlns:a14="http://schemas.microsoft.com/office/drawing/2010/main">
+        <mc:Choice Requires="a14">
           <p:sp>
             <p:nvSpPr>
               <p:cNvPr id="166" name="TextBox 165">
@@ -17088,6 +19418,7 @@
               </a:bodyPr>
               <a:lstStyle/>
               <a:p>
+                <a:pPr/>
                 <a14:m>
                   <m:oMathPara xmlns:m="http://schemas.openxmlformats.org/officeDocument/2006/math">
                     <m:oMathParaPr>
@@ -17147,7 +19478,7 @@
             </p:txBody>
           </p:sp>
         </mc:Choice>
-        <mc:Fallback>
+        <mc:Fallback xmlns="">
           <p:sp>
             <p:nvSpPr>
               <p:cNvPr id="166" name="TextBox 165">
@@ -17192,8 +19523,8 @@
           </p:sp>
         </mc:Fallback>
       </mc:AlternateContent>
-      <mc:AlternateContent xmlns:mc="http://schemas.openxmlformats.org/markup-compatibility/2006">
-        <mc:Choice xmlns:a14="http://schemas.microsoft.com/office/drawing/2010/main" Requires="a14">
+      <mc:AlternateContent xmlns:mc="http://schemas.openxmlformats.org/markup-compatibility/2006" xmlns:a14="http://schemas.microsoft.com/office/drawing/2010/main">
+        <mc:Choice Requires="a14">
           <p:sp>
             <p:nvSpPr>
               <p:cNvPr id="167" name="TextBox 166">
@@ -17222,6 +19553,7 @@
               </a:bodyPr>
               <a:lstStyle/>
               <a:p>
+                <a:pPr/>
                 <a14:m>
                   <m:oMathPara xmlns:m="http://schemas.openxmlformats.org/officeDocument/2006/math">
                     <m:oMathParaPr>
@@ -17281,7 +19613,7 @@
             </p:txBody>
           </p:sp>
         </mc:Choice>
-        <mc:Fallback>
+        <mc:Fallback xmlns="">
           <p:sp>
             <p:nvSpPr>
               <p:cNvPr id="167" name="TextBox 166">
@@ -17326,8 +19658,8 @@
           </p:sp>
         </mc:Fallback>
       </mc:AlternateContent>
-      <mc:AlternateContent xmlns:mc="http://schemas.openxmlformats.org/markup-compatibility/2006">
-        <mc:Choice xmlns:a14="http://schemas.microsoft.com/office/drawing/2010/main" Requires="a14">
+      <mc:AlternateContent xmlns:mc="http://schemas.openxmlformats.org/markup-compatibility/2006" xmlns:a14="http://schemas.microsoft.com/office/drawing/2010/main">
+        <mc:Choice Requires="a14">
           <p:sp>
             <p:nvSpPr>
               <p:cNvPr id="168" name="TextBox 167">
@@ -17356,6 +19688,7 @@
               </a:bodyPr>
               <a:lstStyle/>
               <a:p>
+                <a:pPr/>
                 <a14:m>
                   <m:oMathPara xmlns:m="http://schemas.openxmlformats.org/officeDocument/2006/math">
                     <m:oMathParaPr>
@@ -17415,7 +19748,7 @@
             </p:txBody>
           </p:sp>
         </mc:Choice>
-        <mc:Fallback>
+        <mc:Fallback xmlns="">
           <p:sp>
             <p:nvSpPr>
               <p:cNvPr id="168" name="TextBox 167">
@@ -17460,8 +19793,8 @@
           </p:sp>
         </mc:Fallback>
       </mc:AlternateContent>
-      <mc:AlternateContent xmlns:mc="http://schemas.openxmlformats.org/markup-compatibility/2006">
-        <mc:Choice xmlns:a14="http://schemas.microsoft.com/office/drawing/2010/main" Requires="a14">
+      <mc:AlternateContent xmlns:mc="http://schemas.openxmlformats.org/markup-compatibility/2006" xmlns:a14="http://schemas.microsoft.com/office/drawing/2010/main">
+        <mc:Choice Requires="a14">
           <p:sp>
             <p:nvSpPr>
               <p:cNvPr id="169" name="TextBox 168">
@@ -17490,6 +19823,7 @@
               </a:bodyPr>
               <a:lstStyle/>
               <a:p>
+                <a:pPr/>
                 <a14:m>
                   <m:oMathPara xmlns:m="http://schemas.openxmlformats.org/officeDocument/2006/math">
                     <m:oMathParaPr>
@@ -17549,7 +19883,7 @@
             </p:txBody>
           </p:sp>
         </mc:Choice>
-        <mc:Fallback>
+        <mc:Fallback xmlns="">
           <p:sp>
             <p:nvSpPr>
               <p:cNvPr id="169" name="TextBox 168">
@@ -17594,8 +19928,8 @@
           </p:sp>
         </mc:Fallback>
       </mc:AlternateContent>
-      <mc:AlternateContent xmlns:mc="http://schemas.openxmlformats.org/markup-compatibility/2006">
-        <mc:Choice xmlns:a14="http://schemas.microsoft.com/office/drawing/2010/main" Requires="a14">
+      <mc:AlternateContent xmlns:mc="http://schemas.openxmlformats.org/markup-compatibility/2006" xmlns:a14="http://schemas.microsoft.com/office/drawing/2010/main">
+        <mc:Choice Requires="a14">
           <p:sp>
             <p:nvSpPr>
               <p:cNvPr id="170" name="TextBox 169">
@@ -17624,6 +19958,7 @@
               </a:bodyPr>
               <a:lstStyle/>
               <a:p>
+                <a:pPr/>
                 <a14:m>
                   <m:oMathPara xmlns:m="http://schemas.openxmlformats.org/officeDocument/2006/math">
                     <m:oMathParaPr>
@@ -17683,7 +20018,7 @@
             </p:txBody>
           </p:sp>
         </mc:Choice>
-        <mc:Fallback>
+        <mc:Fallback xmlns="">
           <p:sp>
             <p:nvSpPr>
               <p:cNvPr id="170" name="TextBox 169">
@@ -17728,8 +20063,8 @@
           </p:sp>
         </mc:Fallback>
       </mc:AlternateContent>
-      <mc:AlternateContent xmlns:mc="http://schemas.openxmlformats.org/markup-compatibility/2006">
-        <mc:Choice xmlns:a14="http://schemas.microsoft.com/office/drawing/2010/main" Requires="a14">
+      <mc:AlternateContent xmlns:mc="http://schemas.openxmlformats.org/markup-compatibility/2006" xmlns:a14="http://schemas.microsoft.com/office/drawing/2010/main">
+        <mc:Choice Requires="a14">
           <p:sp>
             <p:nvSpPr>
               <p:cNvPr id="171" name="TextBox 170">
@@ -17758,6 +20093,7 @@
               </a:bodyPr>
               <a:lstStyle/>
               <a:p>
+                <a:pPr/>
                 <a14:m>
                   <m:oMathPara xmlns:m="http://schemas.openxmlformats.org/officeDocument/2006/math">
                     <m:oMathParaPr>
@@ -17817,7 +20153,7 @@
             </p:txBody>
           </p:sp>
         </mc:Choice>
-        <mc:Fallback>
+        <mc:Fallback xmlns="">
           <p:sp>
             <p:nvSpPr>
               <p:cNvPr id="171" name="TextBox 170">
@@ -18348,8 +20684,8 @@
             </a:fontRef>
           </p:style>
         </p:cxnSp>
-        <mc:AlternateContent xmlns:mc="http://schemas.openxmlformats.org/markup-compatibility/2006">
-          <mc:Choice xmlns:a14="http://schemas.microsoft.com/office/drawing/2010/main" Requires="a14">
+        <mc:AlternateContent xmlns:mc="http://schemas.openxmlformats.org/markup-compatibility/2006" xmlns:a14="http://schemas.microsoft.com/office/drawing/2010/main">
+          <mc:Choice Requires="a14">
             <p:sp>
               <p:nvSpPr>
                 <p:cNvPr id="189" name="TextBox 188">
@@ -18378,6 +20714,7 @@
                 </a:bodyPr>
                 <a:lstStyle/>
                 <a:p>
+                  <a:pPr/>
                   <a14:m>
                     <m:oMathPara xmlns:m="http://schemas.openxmlformats.org/officeDocument/2006/math">
                       <m:oMathParaPr>
@@ -18425,7 +20762,7 @@
               </p:txBody>
             </p:sp>
           </mc:Choice>
-          <mc:Fallback>
+          <mc:Fallback xmlns="">
             <p:sp>
               <p:nvSpPr>
                 <p:cNvPr id="189" name="TextBox 188">
@@ -18470,8 +20807,8 @@
             </p:sp>
           </mc:Fallback>
         </mc:AlternateContent>
-        <mc:AlternateContent xmlns:mc="http://schemas.openxmlformats.org/markup-compatibility/2006">
-          <mc:Choice xmlns:a14="http://schemas.microsoft.com/office/drawing/2010/main" Requires="a14">
+        <mc:AlternateContent xmlns:mc="http://schemas.openxmlformats.org/markup-compatibility/2006" xmlns:a14="http://schemas.microsoft.com/office/drawing/2010/main">
+          <mc:Choice Requires="a14">
             <p:sp>
               <p:nvSpPr>
                 <p:cNvPr id="190" name="TextBox 189">
@@ -18500,6 +20837,7 @@
                 </a:bodyPr>
                 <a:lstStyle/>
                 <a:p>
+                  <a:pPr/>
                   <a14:m>
                     <m:oMathPara xmlns:m="http://schemas.openxmlformats.org/officeDocument/2006/math">
                       <m:oMathParaPr>
@@ -18547,7 +20885,7 @@
               </p:txBody>
             </p:sp>
           </mc:Choice>
-          <mc:Fallback>
+          <mc:Fallback xmlns="">
             <p:sp>
               <p:nvSpPr>
                 <p:cNvPr id="190" name="TextBox 189">
@@ -18863,8 +21201,8 @@
             </a:fontRef>
           </p:style>
         </p:cxnSp>
-        <mc:AlternateContent xmlns:mc="http://schemas.openxmlformats.org/markup-compatibility/2006">
-          <mc:Choice xmlns:a14="http://schemas.microsoft.com/office/drawing/2010/main" Requires="a14">
+        <mc:AlternateContent xmlns:mc="http://schemas.openxmlformats.org/markup-compatibility/2006" xmlns:a14="http://schemas.microsoft.com/office/drawing/2010/main">
+          <mc:Choice Requires="a14">
             <p:sp>
               <p:nvSpPr>
                 <p:cNvPr id="197" name="TextBox 196">
@@ -18893,6 +21231,7 @@
                 </a:bodyPr>
                 <a:lstStyle/>
                 <a:p>
+                  <a:pPr/>
                   <a14:m>
                     <m:oMathPara xmlns:m="http://schemas.openxmlformats.org/officeDocument/2006/math">
                       <m:oMathParaPr>
@@ -18940,7 +21279,7 @@
               </p:txBody>
             </p:sp>
           </mc:Choice>
-          <mc:Fallback>
+          <mc:Fallback xmlns="">
             <p:sp>
               <p:nvSpPr>
                 <p:cNvPr id="197" name="TextBox 196">
@@ -18985,8 +21324,8 @@
             </p:sp>
           </mc:Fallback>
         </mc:AlternateContent>
-        <mc:AlternateContent xmlns:mc="http://schemas.openxmlformats.org/markup-compatibility/2006">
-          <mc:Choice xmlns:a14="http://schemas.microsoft.com/office/drawing/2010/main" Requires="a14">
+        <mc:AlternateContent xmlns:mc="http://schemas.openxmlformats.org/markup-compatibility/2006" xmlns:a14="http://schemas.microsoft.com/office/drawing/2010/main">
+          <mc:Choice Requires="a14">
             <p:sp>
               <p:nvSpPr>
                 <p:cNvPr id="198" name="TextBox 197">
@@ -19015,6 +21354,7 @@
                 </a:bodyPr>
                 <a:lstStyle/>
                 <a:p>
+                  <a:pPr/>
                   <a14:m>
                     <m:oMathPara xmlns:m="http://schemas.openxmlformats.org/officeDocument/2006/math">
                       <m:oMathParaPr>
@@ -19062,7 +21402,7 @@
               </p:txBody>
             </p:sp>
           </mc:Choice>
-          <mc:Fallback>
+          <mc:Fallback xmlns="">
             <p:sp>
               <p:nvSpPr>
                 <p:cNvPr id="198" name="TextBox 197">
@@ -19907,8 +22247,8 @@
             </a:fontRef>
           </p:style>
         </p:cxnSp>
-        <mc:AlternateContent xmlns:mc="http://schemas.openxmlformats.org/markup-compatibility/2006">
-          <mc:Choice xmlns:a14="http://schemas.microsoft.com/office/drawing/2010/main" Requires="a14">
+        <mc:AlternateContent xmlns:mc="http://schemas.openxmlformats.org/markup-compatibility/2006" xmlns:a14="http://schemas.microsoft.com/office/drawing/2010/main">
+          <mc:Choice Requires="a14">
             <p:sp>
               <p:nvSpPr>
                 <p:cNvPr id="235" name="TextBox 234">
@@ -19937,6 +22277,7 @@
                 </a:bodyPr>
                 <a:lstStyle/>
                 <a:p>
+                  <a:pPr/>
                   <a14:m>
                     <m:oMathPara xmlns:m="http://schemas.openxmlformats.org/officeDocument/2006/math">
                       <m:oMathParaPr>
@@ -20003,7 +22344,7 @@
               </p:txBody>
             </p:sp>
           </mc:Choice>
-          <mc:Fallback>
+          <mc:Fallback xmlns="">
             <p:sp>
               <p:nvSpPr>
                 <p:cNvPr id="235" name="TextBox 234">
@@ -20048,8 +22389,8 @@
             </p:sp>
           </mc:Fallback>
         </mc:AlternateContent>
-        <mc:AlternateContent xmlns:mc="http://schemas.openxmlformats.org/markup-compatibility/2006">
-          <mc:Choice xmlns:a14="http://schemas.microsoft.com/office/drawing/2010/main" Requires="a14">
+        <mc:AlternateContent xmlns:mc="http://schemas.openxmlformats.org/markup-compatibility/2006" xmlns:a14="http://schemas.microsoft.com/office/drawing/2010/main">
+          <mc:Choice Requires="a14">
             <p:sp>
               <p:nvSpPr>
                 <p:cNvPr id="236" name="TextBox 235">
@@ -20078,6 +22419,7 @@
                 </a:bodyPr>
                 <a:lstStyle/>
                 <a:p>
+                  <a:pPr/>
                   <a14:m>
                     <m:oMathPara xmlns:m="http://schemas.openxmlformats.org/officeDocument/2006/math">
                       <m:oMathParaPr>
@@ -20144,7 +22486,7 @@
               </p:txBody>
             </p:sp>
           </mc:Choice>
-          <mc:Fallback>
+          <mc:Fallback xmlns="">
             <p:sp>
               <p:nvSpPr>
                 <p:cNvPr id="236" name="TextBox 235">
@@ -20189,8 +22531,8 @@
             </p:sp>
           </mc:Fallback>
         </mc:AlternateContent>
-        <mc:AlternateContent xmlns:mc="http://schemas.openxmlformats.org/markup-compatibility/2006">
-          <mc:Choice xmlns:a14="http://schemas.microsoft.com/office/drawing/2010/main" Requires="a14">
+        <mc:AlternateContent xmlns:mc="http://schemas.openxmlformats.org/markup-compatibility/2006" xmlns:a14="http://schemas.microsoft.com/office/drawing/2010/main">
+          <mc:Choice Requires="a14">
             <p:sp>
               <p:nvSpPr>
                 <p:cNvPr id="237" name="TextBox 236">
@@ -20219,6 +22561,7 @@
                 </a:bodyPr>
                 <a:lstStyle/>
                 <a:p>
+                  <a:pPr/>
                   <a14:m>
                     <m:oMathPara xmlns:m="http://schemas.openxmlformats.org/officeDocument/2006/math">
                       <m:oMathParaPr>
@@ -20285,7 +22628,7 @@
               </p:txBody>
             </p:sp>
           </mc:Choice>
-          <mc:Fallback>
+          <mc:Fallback xmlns="">
             <p:sp>
               <p:nvSpPr>
                 <p:cNvPr id="237" name="TextBox 236">
@@ -20330,8 +22673,8 @@
             </p:sp>
           </mc:Fallback>
         </mc:AlternateContent>
-        <mc:AlternateContent xmlns:mc="http://schemas.openxmlformats.org/markup-compatibility/2006">
-          <mc:Choice xmlns:a14="http://schemas.microsoft.com/office/drawing/2010/main" Requires="a14">
+        <mc:AlternateContent xmlns:mc="http://schemas.openxmlformats.org/markup-compatibility/2006" xmlns:a14="http://schemas.microsoft.com/office/drawing/2010/main">
+          <mc:Choice Requires="a14">
             <p:sp>
               <p:nvSpPr>
                 <p:cNvPr id="238" name="TextBox 237">
@@ -20360,6 +22703,7 @@
                 </a:bodyPr>
                 <a:lstStyle/>
                 <a:p>
+                  <a:pPr/>
                   <a14:m>
                     <m:oMathPara xmlns:m="http://schemas.openxmlformats.org/officeDocument/2006/math">
                       <m:oMathParaPr>
@@ -20426,7 +22770,7 @@
               </p:txBody>
             </p:sp>
           </mc:Choice>
-          <mc:Fallback>
+          <mc:Fallback xmlns="">
             <p:sp>
               <p:nvSpPr>
                 <p:cNvPr id="238" name="TextBox 237">
@@ -23243,8 +25587,8 @@
             </p:txBody>
           </p:sp>
         </p:grpSp>
-        <mc:AlternateContent xmlns:mc="http://schemas.openxmlformats.org/markup-compatibility/2006">
-          <mc:Choice xmlns:a14="http://schemas.microsoft.com/office/drawing/2010/main" Requires="a14">
+        <mc:AlternateContent xmlns:mc="http://schemas.openxmlformats.org/markup-compatibility/2006" xmlns:a14="http://schemas.microsoft.com/office/drawing/2010/main">
+          <mc:Choice Requires="a14">
             <p:sp>
               <p:nvSpPr>
                 <p:cNvPr id="66" name="TextBox 65">
@@ -23319,7 +25663,7 @@
               </p:txBody>
             </p:sp>
           </mc:Choice>
-          <mc:Fallback>
+          <mc:Fallback xmlns="">
             <p:sp>
               <p:nvSpPr>
                 <p:cNvPr id="66" name="TextBox 65">
@@ -23369,8 +25713,8 @@
             </p:sp>
           </mc:Fallback>
         </mc:AlternateContent>
-        <mc:AlternateContent xmlns:mc="http://schemas.openxmlformats.org/markup-compatibility/2006">
-          <mc:Choice xmlns:a14="http://schemas.microsoft.com/office/drawing/2010/main" Requires="a14">
+        <mc:AlternateContent xmlns:mc="http://schemas.openxmlformats.org/markup-compatibility/2006" xmlns:a14="http://schemas.microsoft.com/office/drawing/2010/main">
+          <mc:Choice Requires="a14">
             <p:sp>
               <p:nvSpPr>
                 <p:cNvPr id="21" name="TextBox 20">
@@ -23449,7 +25793,7 @@
               </p:txBody>
             </p:sp>
           </mc:Choice>
-          <mc:Fallback>
+          <mc:Fallback xmlns="">
             <p:sp>
               <p:nvSpPr>
                 <p:cNvPr id="21" name="TextBox 20">
